--- a/06 - Performance and Evaluation Pt 2/Model Selection and Validation - Part II.pptx
+++ b/06 - Performance and Evaluation Pt 2/Model Selection and Validation - Part II.pptx
@@ -6,7 +6,7 @@
     <p:sldMasterId id="2147483660" r:id="rId2"/>
   </p:sldMasterIdLst>
   <p:notesMasterIdLst>
-    <p:notesMasterId r:id="rId31"/>
+    <p:notesMasterId r:id="rId32"/>
   </p:notesMasterIdLst>
   <p:sldIdLst>
     <p:sldId id="256" r:id="rId3"/>
@@ -25,18 +25,19 @@
     <p:sldId id="480" r:id="rId16"/>
     <p:sldId id="481" r:id="rId17"/>
     <p:sldId id="482" r:id="rId18"/>
-    <p:sldId id="483" r:id="rId19"/>
-    <p:sldId id="289" r:id="rId20"/>
-    <p:sldId id="290" r:id="rId21"/>
-    <p:sldId id="291" r:id="rId22"/>
-    <p:sldId id="292" r:id="rId23"/>
-    <p:sldId id="293" r:id="rId24"/>
-    <p:sldId id="469" r:id="rId25"/>
-    <p:sldId id="470" r:id="rId26"/>
-    <p:sldId id="296" r:id="rId27"/>
-    <p:sldId id="454" r:id="rId28"/>
-    <p:sldId id="484" r:id="rId29"/>
-    <p:sldId id="477" r:id="rId30"/>
+    <p:sldId id="487" r:id="rId19"/>
+    <p:sldId id="483" r:id="rId20"/>
+    <p:sldId id="289" r:id="rId21"/>
+    <p:sldId id="290" r:id="rId22"/>
+    <p:sldId id="291" r:id="rId23"/>
+    <p:sldId id="292" r:id="rId24"/>
+    <p:sldId id="293" r:id="rId25"/>
+    <p:sldId id="469" r:id="rId26"/>
+    <p:sldId id="470" r:id="rId27"/>
+    <p:sldId id="296" r:id="rId28"/>
+    <p:sldId id="454" r:id="rId29"/>
+    <p:sldId id="484" r:id="rId30"/>
+    <p:sldId id="477" r:id="rId31"/>
   </p:sldIdLst>
   <p:sldSz cx="12192000" cy="6858000"/>
   <p:notesSz cx="6858000" cy="9144000"/>
@@ -274,7 +275,7 @@
       <p15:sldGuideLst xmlns:p15="http://schemas.microsoft.com/office/powerpoint/2012/main"/>
     </p:ext>
     <p:ext uri="http://customooxmlschemas.google.com/">
-      <go:slidesCustomData xmlns="" xmlns:mc="http://schemas.openxmlformats.org/markup-compatibility/2006" xmlns:mv="urn:schemas-microsoft-com:mac:vml" xmlns:c="http://schemas.openxmlformats.org/drawingml/2006/chart" xmlns:dgm="http://schemas.openxmlformats.org/drawingml/2006/diagram" xmlns:o="urn:schemas-microsoft-com:office:office" xmlns:v="urn:schemas-microsoft-com:vml" xmlns:pvml="urn:schemas-microsoft-com:office:powerpoint" xmlns:com="http://schemas.openxmlformats.org/drawingml/2006/compatibility" xmlns:p14="http://schemas.microsoft.com/office/powerpoint/2010/main" xmlns:p15="http://schemas.microsoft.com/office/powerpoint/2012/main" xmlns:go="http://customooxmlschemas.google.com/" r:id="rId40" roundtripDataSignature="AMtx7mjFyVUGRZWio+dc9dxzYsimUxNJbg=="/>
+      <go:slidesCustomData xmlns:go="http://customooxmlschemas.google.com/" xmlns:p15="http://schemas.microsoft.com/office/powerpoint/2012/main" xmlns:p14="http://schemas.microsoft.com/office/powerpoint/2010/main" xmlns:com="http://schemas.openxmlformats.org/drawingml/2006/compatibility" xmlns:pvml="urn:schemas-microsoft-com:office:powerpoint" xmlns:v="urn:schemas-microsoft-com:vml" xmlns:o="urn:schemas-microsoft-com:office:office" xmlns:dgm="http://schemas.openxmlformats.org/drawingml/2006/diagram" xmlns:c="http://schemas.openxmlformats.org/drawingml/2006/chart" xmlns:mv="urn:schemas-microsoft-com:mac:vml" xmlns:mc="http://schemas.openxmlformats.org/markup-compatibility/2006" xmlns="" r:id="rId40" roundtripDataSignature="AMtx7mjFyVUGRZWio+dc9dxzYsimUxNJbg=="/>
     </p:ext>
   </p:extLst>
 </p:presentation>
@@ -7329,7 +7330,7 @@
           <a:p>
             <a:fld id="{7C0312F8-2DE2-6B40-83C5-731724CAE2B0}" type="datetimeFigureOut">
               <a:rPr lang="en-US" smtClean="0"/>
-              <a:t>9/11/21</a:t>
+              <a:t>9/13/21</a:t>
             </a:fld>
             <a:endParaRPr lang="en-US"/>
           </a:p>
@@ -7424,7 +7425,7 @@
           <a:p>
             <a:fld id="{7C0312F8-2DE2-6B40-83C5-731724CAE2B0}" type="datetimeFigureOut">
               <a:rPr lang="en-US" smtClean="0"/>
-              <a:t>9/11/21</a:t>
+              <a:t>9/13/21</a:t>
             </a:fld>
             <a:endParaRPr lang="en-US"/>
           </a:p>
@@ -9416,7 +9417,7 @@
           <a:p>
             <a:fld id="{7C0312F8-2DE2-6B40-83C5-731724CAE2B0}" type="datetimeFigureOut">
               <a:rPr lang="en-US" smtClean="0"/>
-              <a:t>9/11/21</a:t>
+              <a:t>9/13/21</a:t>
             </a:fld>
             <a:endParaRPr lang="en-US"/>
           </a:p>
@@ -9701,7 +9702,7 @@
           <a:p>
             <a:fld id="{7C0312F8-2DE2-6B40-83C5-731724CAE2B0}" type="datetimeFigureOut">
               <a:rPr lang="en-US" smtClean="0"/>
-              <a:t>9/11/21</a:t>
+              <a:t>9/13/21</a:t>
             </a:fld>
             <a:endParaRPr lang="en-US"/>
           </a:p>
@@ -11178,7 +11179,7 @@
           <a:p>
             <a:fld id="{7C0312F8-2DE2-6B40-83C5-731724CAE2B0}" type="datetimeFigureOut">
               <a:rPr lang="en-US" smtClean="0"/>
-              <a:t>9/11/21</a:t>
+              <a:t>9/13/21</a:t>
             </a:fld>
             <a:endParaRPr lang="en-US"/>
           </a:p>
@@ -12629,6 +12630,126 @@
           <p:cNvPr id="2" name="Title 1">
             <a:extLst>
               <a:ext uri="{FF2B5EF4-FFF2-40B4-BE49-F238E27FC236}">
+                <a16:creationId xmlns:a16="http://schemas.microsoft.com/office/drawing/2014/main" id="{8A7AA672-F56C-2F41-B566-750991980C8A}"/>
+              </a:ext>
+            </a:extLst>
+          </p:cNvPr>
+          <p:cNvSpPr>
+            <a:spLocks noGrp="1"/>
+          </p:cNvSpPr>
+          <p:nvPr>
+            <p:ph type="title"/>
+          </p:nvPr>
+        </p:nvSpPr>
+        <p:spPr/>
+        <p:txBody>
+          <a:bodyPr/>
+          <a:lstStyle/>
+          <a:p>
+            <a:r>
+              <a:rPr lang="en-US" dirty="0"/>
+              <a:t>Some tips</a:t>
+            </a:r>
+          </a:p>
+        </p:txBody>
+      </p:sp>
+      <p:sp>
+        <p:nvSpPr>
+          <p:cNvPr id="3" name="Text Placeholder 2">
+            <a:extLst>
+              <a:ext uri="{FF2B5EF4-FFF2-40B4-BE49-F238E27FC236}">
+                <a16:creationId xmlns:a16="http://schemas.microsoft.com/office/drawing/2014/main" id="{95B2F8AE-4F06-1B49-B482-20CE10B4D010}"/>
+              </a:ext>
+            </a:extLst>
+          </p:cNvPr>
+          <p:cNvSpPr>
+            <a:spLocks noGrp="1"/>
+          </p:cNvSpPr>
+          <p:nvPr>
+            <p:ph type="body" idx="1"/>
+          </p:nvPr>
+        </p:nvSpPr>
+        <p:spPr/>
+        <p:txBody>
+          <a:bodyPr/>
+          <a:lstStyle/>
+          <a:p>
+            <a:r>
+              <a:rPr lang="en-US" dirty="0"/>
+              <a:t>Set up validation set(s) to match deployment scenarios (and constraints)</a:t>
+            </a:r>
+          </a:p>
+          <a:p>
+            <a:endParaRPr lang="en-US" dirty="0"/>
+          </a:p>
+          <a:p>
+            <a:r>
+              <a:rPr lang="en-US" dirty="0"/>
+              <a:t>Set up training set(s) any way we want but match data (both features and labels) available at training time</a:t>
+            </a:r>
+          </a:p>
+          <a:p>
+            <a:pPr lvl="1"/>
+            <a:r>
+              <a:rPr lang="en-US" dirty="0"/>
+              <a:t>Making sure labels are not censored based on label period</a:t>
+            </a:r>
+          </a:p>
+          <a:p>
+            <a:pPr lvl="1"/>
+            <a:r>
+              <a:rPr lang="en-US" dirty="0"/>
+              <a:t> Sampling (if helpful)</a:t>
+            </a:r>
+          </a:p>
+          <a:p>
+            <a:pPr lvl="1"/>
+            <a:r>
+              <a:rPr lang="en-US" dirty="0"/>
+              <a:t>Data collection and update lag</a:t>
+            </a:r>
+          </a:p>
+          <a:p>
+            <a:pPr lvl="1"/>
+            <a:endParaRPr lang="en-US" dirty="0"/>
+          </a:p>
+        </p:txBody>
+      </p:sp>
+    </p:spTree>
+    <p:extLst>
+      <p:ext uri="{BB962C8B-B14F-4D97-AF65-F5344CB8AC3E}">
+        <p14:creationId xmlns:p14="http://schemas.microsoft.com/office/powerpoint/2010/main" val="1150148038"/>
+      </p:ext>
+    </p:extLst>
+  </p:cSld>
+  <p:clrMapOvr>
+    <a:masterClrMapping/>
+  </p:clrMapOvr>
+</p:sld>
+</file>
+
+<file path=ppt/slides/slide18.xml><?xml version="1.0" encoding="utf-8"?>
+<p:sld xmlns:a="http://schemas.openxmlformats.org/drawingml/2006/main" xmlns:r="http://schemas.openxmlformats.org/officeDocument/2006/relationships" xmlns:p="http://schemas.openxmlformats.org/presentationml/2006/main">
+  <p:cSld>
+    <p:spTree>
+      <p:nvGrpSpPr>
+        <p:cNvPr id="1" name=""/>
+        <p:cNvGrpSpPr/>
+        <p:nvPr/>
+      </p:nvGrpSpPr>
+      <p:grpSpPr>
+        <a:xfrm>
+          <a:off x="0" y="0"/>
+          <a:ext cx="0" cy="0"/>
+          <a:chOff x="0" y="0"/>
+          <a:chExt cx="0" cy="0"/>
+        </a:xfrm>
+      </p:grpSpPr>
+      <p:sp>
+        <p:nvSpPr>
+          <p:cNvPr id="2" name="Title 1">
+            <a:extLst>
+              <a:ext uri="{FF2B5EF4-FFF2-40B4-BE49-F238E27FC236}">
                 <a16:creationId xmlns:a16="http://schemas.microsoft.com/office/drawing/2014/main" id="{E3F5A4E3-1083-BD43-B370-9A1F90A39416}"/>
               </a:ext>
             </a:extLst>
@@ -12690,7 +12811,7 @@
 </p:sld>
 </file>
 
-<file path=ppt/slides/slide18.xml><?xml version="1.0" encoding="utf-8"?>
+<file path=ppt/slides/slide19.xml><?xml version="1.0" encoding="utf-8"?>
 <p:sld xmlns:a="http://schemas.openxmlformats.org/drawingml/2006/main" xmlns:r="http://schemas.openxmlformats.org/officeDocument/2006/relationships" xmlns:p="http://schemas.openxmlformats.org/presentationml/2006/main">
   <p:cSld>
     <p:spTree>
@@ -13168,7 +13289,166 @@
 </p:sld>
 </file>
 
-<file path=ppt/slides/slide19.xml><?xml version="1.0" encoding="utf-8"?>
+<file path=ppt/slides/slide2.xml><?xml version="1.0" encoding="utf-8"?>
+<p:sld xmlns:a="http://schemas.openxmlformats.org/drawingml/2006/main" xmlns:r="http://schemas.openxmlformats.org/officeDocument/2006/relationships" xmlns:p="http://schemas.openxmlformats.org/presentationml/2006/main">
+  <p:cSld>
+    <p:spTree>
+      <p:nvGrpSpPr>
+        <p:cNvPr id="1" name=""/>
+        <p:cNvGrpSpPr/>
+        <p:nvPr/>
+      </p:nvGrpSpPr>
+      <p:grpSpPr>
+        <a:xfrm>
+          <a:off x="0" y="0"/>
+          <a:ext cx="0" cy="0"/>
+          <a:chOff x="0" y="0"/>
+          <a:chExt cx="0" cy="0"/>
+        </a:xfrm>
+      </p:grpSpPr>
+      <p:sp>
+        <p:nvSpPr>
+          <p:cNvPr id="3" name="Title 2">
+            <a:extLst>
+              <a:ext uri="{FF2B5EF4-FFF2-40B4-BE49-F238E27FC236}">
+                <a16:creationId xmlns:a16="http://schemas.microsoft.com/office/drawing/2014/main" id="{9323871C-7CA8-1448-8FFC-1AE6E1838941}"/>
+              </a:ext>
+            </a:extLst>
+          </p:cNvPr>
+          <p:cNvSpPr>
+            <a:spLocks noGrp="1"/>
+          </p:cNvSpPr>
+          <p:nvPr>
+            <p:ph type="title"/>
+          </p:nvPr>
+        </p:nvSpPr>
+        <p:spPr/>
+        <p:txBody>
+          <a:bodyPr/>
+          <a:lstStyle/>
+          <a:p>
+            <a:r>
+              <a:rPr lang="en-US" dirty="0"/>
+              <a:t>Reminders</a:t>
+            </a:r>
+          </a:p>
+        </p:txBody>
+      </p:sp>
+      <p:sp>
+        <p:nvSpPr>
+          <p:cNvPr id="5" name="Text Placeholder 4">
+            <a:extLst>
+              <a:ext uri="{FF2B5EF4-FFF2-40B4-BE49-F238E27FC236}">
+                <a16:creationId xmlns:a16="http://schemas.microsoft.com/office/drawing/2014/main" id="{F4E0A5F0-1D89-954D-91FB-596CD9E690F2}"/>
+              </a:ext>
+            </a:extLst>
+          </p:cNvPr>
+          <p:cNvSpPr>
+            <a:spLocks noGrp="1"/>
+          </p:cNvSpPr>
+          <p:nvPr>
+            <p:ph type="body" idx="1"/>
+          </p:nvPr>
+        </p:nvSpPr>
+        <p:spPr/>
+        <p:txBody>
+          <a:bodyPr/>
+          <a:lstStyle/>
+          <a:p>
+            <a:pPr marL="76200" indent="0">
+              <a:buNone/>
+            </a:pPr>
+            <a:r>
+              <a:rPr lang="en-US" b="1" dirty="0"/>
+              <a:t>This week:</a:t>
+            </a:r>
+            <a:endParaRPr lang="en-US" dirty="0"/>
+          </a:p>
+          <a:p>
+            <a:r>
+              <a:rPr lang="en-US" dirty="0"/>
+              <a:t>Project check-in on Wednesday</a:t>
+            </a:r>
+          </a:p>
+          <a:p>
+            <a:r>
+              <a:rPr lang="en-US" dirty="0"/>
+              <a:t>Temporal Validation “whiteboard” session Thursday</a:t>
+            </a:r>
+          </a:p>
+          <a:p>
+            <a:r>
+              <a:rPr lang="en-US" dirty="0"/>
+              <a:t>Project Assignment due on Friday – see template slides</a:t>
+            </a:r>
+          </a:p>
+          <a:p>
+            <a:r>
+              <a:rPr lang="en-US" dirty="0"/>
+              <a:t>Self &amp; peer contribution survey due Friday</a:t>
+            </a:r>
+          </a:p>
+          <a:p>
+            <a:pPr marL="76200" indent="0">
+              <a:buNone/>
+            </a:pPr>
+            <a:endParaRPr lang="en-US" dirty="0"/>
+          </a:p>
+          <a:p>
+            <a:pPr marL="76200" indent="0">
+              <a:buNone/>
+            </a:pPr>
+            <a:r>
+              <a:rPr lang="en-US" b="1" dirty="0"/>
+              <a:t>Coming up next week:</a:t>
+            </a:r>
+          </a:p>
+          <a:p>
+            <a:r>
+              <a:rPr lang="en-US" dirty="0"/>
+              <a:t>Reading for Tuesday</a:t>
+            </a:r>
+          </a:p>
+          <a:p>
+            <a:r>
+              <a:rPr lang="en-US" dirty="0"/>
+              <a:t>Next project assignment due following Monday (Oct 19)</a:t>
+            </a:r>
+          </a:p>
+          <a:p>
+            <a:pPr lvl="1">
+              <a:spcBef>
+                <a:spcPts val="0"/>
+              </a:spcBef>
+            </a:pPr>
+            <a:r>
+              <a:rPr lang="en-US" sz="2400" dirty="0"/>
+              <a:t>Modeling plan and feature list</a:t>
+            </a:r>
+            <a:endParaRPr lang="en-US" dirty="0"/>
+          </a:p>
+          <a:p>
+            <a:pPr marL="76200" indent="0">
+              <a:buNone/>
+            </a:pPr>
+            <a:endParaRPr lang="en-US" dirty="0"/>
+          </a:p>
+        </p:txBody>
+      </p:sp>
+    </p:spTree>
+    <p:extLst>
+      <p:ext uri="{BB962C8B-B14F-4D97-AF65-F5344CB8AC3E}">
+        <p14:creationId xmlns:p14="http://schemas.microsoft.com/office/powerpoint/2010/main" val="186046226"/>
+      </p:ext>
+    </p:extLst>
+  </p:cSld>
+  <p:clrMapOvr>
+    <a:masterClrMapping/>
+  </p:clrMapOvr>
+</p:sld>
+</file>
+
+<file path=ppt/slides/slide20.xml><?xml version="1.0" encoding="utf-8"?>
 <p:sld xmlns:a="http://schemas.openxmlformats.org/drawingml/2006/main" xmlns:r="http://schemas.openxmlformats.org/officeDocument/2006/relationships" xmlns:p="http://schemas.openxmlformats.org/presentationml/2006/main">
   <p:cSld>
     <p:spTree>
@@ -15801,166 +16081,7 @@
 </p:sld>
 </file>
 
-<file path=ppt/slides/slide2.xml><?xml version="1.0" encoding="utf-8"?>
-<p:sld xmlns:a="http://schemas.openxmlformats.org/drawingml/2006/main" xmlns:r="http://schemas.openxmlformats.org/officeDocument/2006/relationships" xmlns:p="http://schemas.openxmlformats.org/presentationml/2006/main">
-  <p:cSld>
-    <p:spTree>
-      <p:nvGrpSpPr>
-        <p:cNvPr id="1" name=""/>
-        <p:cNvGrpSpPr/>
-        <p:nvPr/>
-      </p:nvGrpSpPr>
-      <p:grpSpPr>
-        <a:xfrm>
-          <a:off x="0" y="0"/>
-          <a:ext cx="0" cy="0"/>
-          <a:chOff x="0" y="0"/>
-          <a:chExt cx="0" cy="0"/>
-        </a:xfrm>
-      </p:grpSpPr>
-      <p:sp>
-        <p:nvSpPr>
-          <p:cNvPr id="3" name="Title 2">
-            <a:extLst>
-              <a:ext uri="{FF2B5EF4-FFF2-40B4-BE49-F238E27FC236}">
-                <a16:creationId xmlns:a16="http://schemas.microsoft.com/office/drawing/2014/main" id="{9323871C-7CA8-1448-8FFC-1AE6E1838941}"/>
-              </a:ext>
-            </a:extLst>
-          </p:cNvPr>
-          <p:cNvSpPr>
-            <a:spLocks noGrp="1"/>
-          </p:cNvSpPr>
-          <p:nvPr>
-            <p:ph type="title"/>
-          </p:nvPr>
-        </p:nvSpPr>
-        <p:spPr/>
-        <p:txBody>
-          <a:bodyPr/>
-          <a:lstStyle/>
-          <a:p>
-            <a:r>
-              <a:rPr lang="en-US" dirty="0"/>
-              <a:t>Reminders</a:t>
-            </a:r>
-          </a:p>
-        </p:txBody>
-      </p:sp>
-      <p:sp>
-        <p:nvSpPr>
-          <p:cNvPr id="5" name="Text Placeholder 4">
-            <a:extLst>
-              <a:ext uri="{FF2B5EF4-FFF2-40B4-BE49-F238E27FC236}">
-                <a16:creationId xmlns:a16="http://schemas.microsoft.com/office/drawing/2014/main" id="{F4E0A5F0-1D89-954D-91FB-596CD9E690F2}"/>
-              </a:ext>
-            </a:extLst>
-          </p:cNvPr>
-          <p:cNvSpPr>
-            <a:spLocks noGrp="1"/>
-          </p:cNvSpPr>
-          <p:nvPr>
-            <p:ph type="body" idx="1"/>
-          </p:nvPr>
-        </p:nvSpPr>
-        <p:spPr/>
-        <p:txBody>
-          <a:bodyPr/>
-          <a:lstStyle/>
-          <a:p>
-            <a:pPr marL="76200" indent="0">
-              <a:buNone/>
-            </a:pPr>
-            <a:r>
-              <a:rPr lang="en-US" b="1" dirty="0"/>
-              <a:t>This week:</a:t>
-            </a:r>
-            <a:endParaRPr lang="en-US" dirty="0"/>
-          </a:p>
-          <a:p>
-            <a:r>
-              <a:rPr lang="en-US" dirty="0"/>
-              <a:t>Project check-in on Wednesday</a:t>
-            </a:r>
-          </a:p>
-          <a:p>
-            <a:r>
-              <a:rPr lang="en-US" dirty="0"/>
-              <a:t>Temporal Validation “whiteboard” session Thursday</a:t>
-            </a:r>
-          </a:p>
-          <a:p>
-            <a:r>
-              <a:rPr lang="en-US" dirty="0"/>
-              <a:t>Project Assignment due on Friday – see template slides</a:t>
-            </a:r>
-          </a:p>
-          <a:p>
-            <a:r>
-              <a:rPr lang="en-US" dirty="0"/>
-              <a:t>Self &amp; peer contribution survey due Friday</a:t>
-            </a:r>
-          </a:p>
-          <a:p>
-            <a:pPr marL="76200" indent="0">
-              <a:buNone/>
-            </a:pPr>
-            <a:endParaRPr lang="en-US" dirty="0"/>
-          </a:p>
-          <a:p>
-            <a:pPr marL="76200" indent="0">
-              <a:buNone/>
-            </a:pPr>
-            <a:r>
-              <a:rPr lang="en-US" b="1" dirty="0"/>
-              <a:t>Coming up next week:</a:t>
-            </a:r>
-          </a:p>
-          <a:p>
-            <a:r>
-              <a:rPr lang="en-US" dirty="0"/>
-              <a:t>Reading for Tuesday</a:t>
-            </a:r>
-          </a:p>
-          <a:p>
-            <a:r>
-              <a:rPr lang="en-US" dirty="0"/>
-              <a:t>Next project assignment due following Monday (Oct 19)</a:t>
-            </a:r>
-          </a:p>
-          <a:p>
-            <a:pPr lvl="1">
-              <a:spcBef>
-                <a:spcPts val="0"/>
-              </a:spcBef>
-            </a:pPr>
-            <a:r>
-              <a:rPr lang="en-US" sz="2400" dirty="0"/>
-              <a:t>Modeling plan and feature list</a:t>
-            </a:r>
-            <a:endParaRPr lang="en-US" dirty="0"/>
-          </a:p>
-          <a:p>
-            <a:pPr marL="76200" indent="0">
-              <a:buNone/>
-            </a:pPr>
-            <a:endParaRPr lang="en-US" dirty="0"/>
-          </a:p>
-        </p:txBody>
-      </p:sp>
-    </p:spTree>
-    <p:extLst>
-      <p:ext uri="{BB962C8B-B14F-4D97-AF65-F5344CB8AC3E}">
-        <p14:creationId xmlns:p14="http://schemas.microsoft.com/office/powerpoint/2010/main" val="186046226"/>
-      </p:ext>
-    </p:extLst>
-  </p:cSld>
-  <p:clrMapOvr>
-    <a:masterClrMapping/>
-  </p:clrMapOvr>
-</p:sld>
-</file>
-
-<file path=ppt/slides/slide20.xml><?xml version="1.0" encoding="utf-8"?>
+<file path=ppt/slides/slide21.xml><?xml version="1.0" encoding="utf-8"?>
 <p:sld xmlns:a="http://schemas.openxmlformats.org/drawingml/2006/main" xmlns:r="http://schemas.openxmlformats.org/officeDocument/2006/relationships" xmlns:p="http://schemas.openxmlformats.org/presentationml/2006/main">
   <p:cSld>
     <p:spTree>
@@ -17100,7 +17221,7 @@
 </p:sld>
 </file>
 
-<file path=ppt/slides/slide21.xml><?xml version="1.0" encoding="utf-8"?>
+<file path=ppt/slides/slide22.xml><?xml version="1.0" encoding="utf-8"?>
 <p:sld xmlns:a="http://schemas.openxmlformats.org/drawingml/2006/main" xmlns:r="http://schemas.openxmlformats.org/officeDocument/2006/relationships" xmlns:p="http://schemas.openxmlformats.org/presentationml/2006/main">
   <p:cSld>
     <p:spTree>
@@ -18239,7 +18360,7 @@
 </p:sld>
 </file>
 
-<file path=ppt/slides/slide22.xml><?xml version="1.0" encoding="utf-8"?>
+<file path=ppt/slides/slide23.xml><?xml version="1.0" encoding="utf-8"?>
 <p:sld xmlns:a="http://schemas.openxmlformats.org/drawingml/2006/main" xmlns:r="http://schemas.openxmlformats.org/officeDocument/2006/relationships" xmlns:p="http://schemas.openxmlformats.org/presentationml/2006/main">
   <p:cSld>
     <p:spTree>
@@ -19378,7 +19499,7 @@
 </p:sld>
 </file>
 
-<file path=ppt/slides/slide23.xml><?xml version="1.0" encoding="utf-8"?>
+<file path=ppt/slides/slide24.xml><?xml version="1.0" encoding="utf-8"?>
 <p:sld xmlns:a="http://schemas.openxmlformats.org/drawingml/2006/main" xmlns:r="http://schemas.openxmlformats.org/officeDocument/2006/relationships" xmlns:p="http://schemas.openxmlformats.org/presentationml/2006/main">
   <p:cSld>
     <p:spTree>
@@ -20517,7 +20638,7 @@
 </p:sld>
 </file>
 
-<file path=ppt/slides/slide24.xml><?xml version="1.0" encoding="utf-8"?>
+<file path=ppt/slides/slide25.xml><?xml version="1.0" encoding="utf-8"?>
 <p:sld xmlns:a="http://schemas.openxmlformats.org/drawingml/2006/main" xmlns:r="http://schemas.openxmlformats.org/officeDocument/2006/relationships" xmlns:p="http://schemas.openxmlformats.org/presentationml/2006/main">
   <p:cSld>
     <p:spTree>
@@ -21656,7 +21777,7 @@
 </p:sld>
 </file>
 
-<file path=ppt/slides/slide25.xml><?xml version="1.0" encoding="utf-8"?>
+<file path=ppt/slides/slide26.xml><?xml version="1.0" encoding="utf-8"?>
 <p:sld xmlns:a="http://schemas.openxmlformats.org/drawingml/2006/main" xmlns:r="http://schemas.openxmlformats.org/officeDocument/2006/relationships" xmlns:p="http://schemas.openxmlformats.org/presentationml/2006/main">
   <p:cSld>
     <p:spTree>
@@ -23069,7 +23190,7 @@
 </p:sld>
 </file>
 
-<file path=ppt/slides/slide26.xml><?xml version="1.0" encoding="utf-8"?>
+<file path=ppt/slides/slide27.xml><?xml version="1.0" encoding="utf-8"?>
 <p:sld xmlns:a="http://schemas.openxmlformats.org/drawingml/2006/main" xmlns:r="http://schemas.openxmlformats.org/officeDocument/2006/relationships" xmlns:p="http://schemas.openxmlformats.org/presentationml/2006/main">
   <p:cSld>
     <p:spTree>
@@ -23890,7 +24011,7 @@
 </p:sld>
 </file>
 
-<file path=ppt/slides/slide27.xml><?xml version="1.0" encoding="utf-8"?>
+<file path=ppt/slides/slide28.xml><?xml version="1.0" encoding="utf-8"?>
 <p:sld xmlns:a="http://schemas.openxmlformats.org/drawingml/2006/main" xmlns:r="http://schemas.openxmlformats.org/officeDocument/2006/relationships" xmlns:p="http://schemas.openxmlformats.org/presentationml/2006/main">
   <p:cSld>
     <p:spTree>
@@ -24053,7 +24174,7 @@
 </p:sld>
 </file>
 
-<file path=ppt/slides/slide28.xml><?xml version="1.0" encoding="utf-8"?>
+<file path=ppt/slides/slide29.xml><?xml version="1.0" encoding="utf-8"?>
 <p:sld xmlns:a="http://schemas.openxmlformats.org/drawingml/2006/main" xmlns:r="http://schemas.openxmlformats.org/officeDocument/2006/relationships" xmlns:p="http://schemas.openxmlformats.org/presentationml/2006/main">
   <p:cSld>
     <p:spTree>

--- a/06 - Performance and Evaluation Pt 2/Model Selection and Validation - Part II.pptx
+++ b/06 - Performance and Evaluation Pt 2/Model Selection and Validation - Part II.pptx
@@ -6,38 +6,48 @@
     <p:sldMasterId id="2147483660" r:id="rId2"/>
   </p:sldMasterIdLst>
   <p:notesMasterIdLst>
-    <p:notesMasterId r:id="rId32"/>
+    <p:notesMasterId r:id="rId42"/>
   </p:notesMasterIdLst>
   <p:sldIdLst>
     <p:sldId id="256" r:id="rId3"/>
     <p:sldId id="471" r:id="rId4"/>
     <p:sldId id="318" r:id="rId5"/>
     <p:sldId id="323" r:id="rId6"/>
-    <p:sldId id="472" r:id="rId7"/>
-    <p:sldId id="287" r:id="rId8"/>
-    <p:sldId id="478" r:id="rId9"/>
-    <p:sldId id="468" r:id="rId10"/>
-    <p:sldId id="473" r:id="rId11"/>
-    <p:sldId id="288" r:id="rId12"/>
-    <p:sldId id="474" r:id="rId13"/>
-    <p:sldId id="297" r:id="rId14"/>
-    <p:sldId id="479" r:id="rId15"/>
-    <p:sldId id="480" r:id="rId16"/>
-    <p:sldId id="481" r:id="rId17"/>
-    <p:sldId id="482" r:id="rId18"/>
-    <p:sldId id="487" r:id="rId19"/>
-    <p:sldId id="483" r:id="rId20"/>
-    <p:sldId id="289" r:id="rId21"/>
-    <p:sldId id="290" r:id="rId22"/>
-    <p:sldId id="291" r:id="rId23"/>
-    <p:sldId id="292" r:id="rId24"/>
-    <p:sldId id="293" r:id="rId25"/>
-    <p:sldId id="469" r:id="rId26"/>
-    <p:sldId id="470" r:id="rId27"/>
-    <p:sldId id="296" r:id="rId28"/>
-    <p:sldId id="454" r:id="rId29"/>
-    <p:sldId id="484" r:id="rId30"/>
-    <p:sldId id="477" r:id="rId31"/>
+    <p:sldId id="287" r:id="rId7"/>
+    <p:sldId id="468" r:id="rId8"/>
+    <p:sldId id="428" r:id="rId9"/>
+    <p:sldId id="430" r:id="rId10"/>
+    <p:sldId id="494" r:id="rId11"/>
+    <p:sldId id="486" r:id="rId12"/>
+    <p:sldId id="473" r:id="rId13"/>
+    <p:sldId id="288" r:id="rId14"/>
+    <p:sldId id="474" r:id="rId15"/>
+    <p:sldId id="297" r:id="rId16"/>
+    <p:sldId id="479" r:id="rId17"/>
+    <p:sldId id="480" r:id="rId18"/>
+    <p:sldId id="481" r:id="rId19"/>
+    <p:sldId id="482" r:id="rId20"/>
+    <p:sldId id="495" r:id="rId21"/>
+    <p:sldId id="499" r:id="rId22"/>
+    <p:sldId id="496" r:id="rId23"/>
+    <p:sldId id="497" r:id="rId24"/>
+    <p:sldId id="498" r:id="rId25"/>
+    <p:sldId id="289" r:id="rId26"/>
+    <p:sldId id="290" r:id="rId27"/>
+    <p:sldId id="291" r:id="rId28"/>
+    <p:sldId id="292" r:id="rId29"/>
+    <p:sldId id="293" r:id="rId30"/>
+    <p:sldId id="469" r:id="rId31"/>
+    <p:sldId id="470" r:id="rId32"/>
+    <p:sldId id="296" r:id="rId33"/>
+    <p:sldId id="454" r:id="rId34"/>
+    <p:sldId id="484" r:id="rId35"/>
+    <p:sldId id="488" r:id="rId36"/>
+    <p:sldId id="489" r:id="rId37"/>
+    <p:sldId id="490" r:id="rId38"/>
+    <p:sldId id="491" r:id="rId39"/>
+    <p:sldId id="492" r:id="rId40"/>
+    <p:sldId id="493" r:id="rId41"/>
   </p:sldIdLst>
   <p:sldSz cx="12192000" cy="6858000"/>
   <p:notesSz cx="6858000" cy="9144000"/>
@@ -275,7 +285,7 @@
       <p15:sldGuideLst xmlns:p15="http://schemas.microsoft.com/office/powerpoint/2012/main"/>
     </p:ext>
     <p:ext uri="http://customooxmlschemas.google.com/">
-      <go:slidesCustomData xmlns:go="http://customooxmlschemas.google.com/" xmlns:p15="http://schemas.microsoft.com/office/powerpoint/2012/main" xmlns:p14="http://schemas.microsoft.com/office/powerpoint/2010/main" xmlns:com="http://schemas.openxmlformats.org/drawingml/2006/compatibility" xmlns:pvml="urn:schemas-microsoft-com:office:powerpoint" xmlns:v="urn:schemas-microsoft-com:vml" xmlns:o="urn:schemas-microsoft-com:office:office" xmlns:dgm="http://schemas.openxmlformats.org/drawingml/2006/diagram" xmlns:c="http://schemas.openxmlformats.org/drawingml/2006/chart" xmlns:mv="urn:schemas-microsoft-com:mac:vml" xmlns:mc="http://schemas.openxmlformats.org/markup-compatibility/2006" xmlns="" r:id="rId40" roundtripDataSignature="AMtx7mjFyVUGRZWio+dc9dxzYsimUxNJbg=="/>
+      <go:slidesCustomData xmlns="" xmlns:mc="http://schemas.openxmlformats.org/markup-compatibility/2006" xmlns:mv="urn:schemas-microsoft-com:mac:vml" xmlns:c="http://schemas.openxmlformats.org/drawingml/2006/chart" xmlns:dgm="http://schemas.openxmlformats.org/drawingml/2006/diagram" xmlns:o="urn:schemas-microsoft-com:office:office" xmlns:v="urn:schemas-microsoft-com:vml" xmlns:pvml="urn:schemas-microsoft-com:office:powerpoint" xmlns:com="http://schemas.openxmlformats.org/drawingml/2006/compatibility" xmlns:p14="http://schemas.microsoft.com/office/powerpoint/2010/main" xmlns:p15="http://schemas.microsoft.com/office/powerpoint/2012/main" xmlns:go="http://customooxmlschemas.google.com/" r:id="rId43" roundtripDataSignature="AMtx7mjFyVUGRZWio+dc9dxzYsimUxNJbg=="/>
     </p:ext>
   </p:extLst>
 </p:presentation>
@@ -7330,7 +7340,7 @@
           <a:p>
             <a:fld id="{7C0312F8-2DE2-6B40-83C5-731724CAE2B0}" type="datetimeFigureOut">
               <a:rPr lang="en-US" smtClean="0"/>
-              <a:t>9/13/21</a:t>
+              <a:t>10/4/21</a:t>
             </a:fld>
             <a:endParaRPr lang="en-US"/>
           </a:p>
@@ -7425,7 +7435,7 @@
           <a:p>
             <a:fld id="{7C0312F8-2DE2-6B40-83C5-731724CAE2B0}" type="datetimeFigureOut">
               <a:rPr lang="en-US" smtClean="0"/>
-              <a:t>9/13/21</a:t>
+              <a:t>10/4/21</a:t>
             </a:fld>
             <a:endParaRPr lang="en-US"/>
           </a:p>
@@ -9417,7 +9427,7 @@
           <a:p>
             <a:fld id="{7C0312F8-2DE2-6B40-83C5-731724CAE2B0}" type="datetimeFigureOut">
               <a:rPr lang="en-US" smtClean="0"/>
-              <a:t>9/13/21</a:t>
+              <a:t>10/4/21</a:t>
             </a:fld>
             <a:endParaRPr lang="en-US"/>
           </a:p>
@@ -9702,7 +9712,7 @@
           <a:p>
             <a:fld id="{7C0312F8-2DE2-6B40-83C5-731724CAE2B0}" type="datetimeFigureOut">
               <a:rPr lang="en-US" smtClean="0"/>
-              <a:t>9/13/21</a:t>
+              <a:t>10/4/21</a:t>
             </a:fld>
             <a:endParaRPr lang="en-US"/>
           </a:p>
@@ -11179,7 +11189,7 @@
           <a:p>
             <a:fld id="{7C0312F8-2DE2-6B40-83C5-731724CAE2B0}" type="datetimeFigureOut">
               <a:rPr lang="en-US" smtClean="0"/>
-              <a:t>9/13/21</a:t>
+              <a:t>10/4/21</a:t>
             </a:fld>
             <a:endParaRPr lang="en-US"/>
           </a:p>
@@ -11788,60 +11798,45 @@
           <a:p>
             <a:r>
               <a:rPr lang="en-US" dirty="0"/>
-              <a:t>What do need to know to perform model selection</a:t>
+              <a:t>Evaluation – triage configuration</a:t>
             </a:r>
           </a:p>
         </p:txBody>
       </p:sp>
-      <p:sp>
-        <p:nvSpPr>
-          <p:cNvPr id="2" name="Content Placeholder 1"/>
-          <p:cNvSpPr>
-            <a:spLocks noGrp="1"/>
-          </p:cNvSpPr>
-          <p:nvPr>
-            <p:ph type="body" idx="1"/>
-          </p:nvPr>
-        </p:nvSpPr>
-        <p:spPr/>
-        <p:txBody>
-          <a:bodyPr/>
-          <a:lstStyle/>
-          <a:p>
-            <a:r>
-              <a:rPr lang="en-US" dirty="0"/>
-              <a:t>Deployment scenario</a:t>
-            </a:r>
-          </a:p>
-          <a:p>
-            <a:pPr lvl="1"/>
-            <a:r>
-              <a:rPr lang="en-US" dirty="0"/>
-              <a:t>Model selection Methodology</a:t>
-            </a:r>
-          </a:p>
-          <a:p>
-            <a:pPr lvl="1"/>
-            <a:r>
-              <a:rPr lang="en-US" dirty="0"/>
-              <a:t>Metric(s) (need to match your policy goals)</a:t>
-            </a:r>
-          </a:p>
-          <a:p>
-            <a:endParaRPr lang="en-US" dirty="0"/>
-          </a:p>
-          <a:p>
-            <a:r>
-              <a:rPr lang="en-US" dirty="0"/>
-              <a:t>Comparison with baselines (to know if you’re effective)</a:t>
-            </a:r>
-          </a:p>
-        </p:txBody>
-      </p:sp>
+      <p:pic>
+        <p:nvPicPr>
+          <p:cNvPr id="6" name="Picture 5">
+            <a:extLst>
+              <a:ext uri="{FF2B5EF4-FFF2-40B4-BE49-F238E27FC236}">
+                <a16:creationId xmlns:a16="http://schemas.microsoft.com/office/drawing/2014/main" id="{A83F4BCD-53D2-7748-A243-56AA09E97E20}"/>
+              </a:ext>
+            </a:extLst>
+          </p:cNvPr>
+          <p:cNvPicPr>
+            <a:picLocks noChangeAspect="1"/>
+          </p:cNvPicPr>
+          <p:nvPr/>
+        </p:nvPicPr>
+        <p:blipFill>
+          <a:blip r:embed="rId2"/>
+          <a:stretch>
+            <a:fillRect/>
+          </a:stretch>
+        </p:blipFill>
+        <p:spPr>
+          <a:xfrm>
+            <a:off x="2487426" y="1161535"/>
+            <a:ext cx="7217147" cy="5609902"/>
+          </a:xfrm>
+          <a:prstGeom prst="rect">
+            <a:avLst/>
+          </a:prstGeom>
+        </p:spPr>
+      </p:pic>
     </p:spTree>
     <p:extLst>
       <p:ext uri="{BB962C8B-B14F-4D97-AF65-F5344CB8AC3E}">
-        <p14:creationId xmlns:p14="http://schemas.microsoft.com/office/powerpoint/2010/main" val="354490725"/>
+        <p14:creationId xmlns:p14="http://schemas.microsoft.com/office/powerpoint/2010/main" val="533303348"/>
       </p:ext>
     </p:extLst>
   </p:cSld>
@@ -11873,7 +11868,7 @@
           <p:cNvPr id="2" name="Title 1">
             <a:extLst>
               <a:ext uri="{FF2B5EF4-FFF2-40B4-BE49-F238E27FC236}">
-                <a16:creationId xmlns:a16="http://schemas.microsoft.com/office/drawing/2014/main" id="{3B1B214A-DDAD-0F43-B96B-4C37FD084395}"/>
+                <a16:creationId xmlns:a16="http://schemas.microsoft.com/office/drawing/2014/main" id="{8255F760-7AED-6C4E-8EBB-B33C61A34D64}"/>
               </a:ext>
             </a:extLst>
           </p:cNvPr>
@@ -11891,7 +11886,7 @@
           <a:p>
             <a:r>
               <a:rPr lang="en-US" dirty="0"/>
-              <a:t>How do we select a model that does that?</a:t>
+              <a:t>What should the model we select generalize to?</a:t>
             </a:r>
           </a:p>
         </p:txBody>
@@ -11901,7 +11896,7 @@
           <p:cNvPr id="3" name="Text Placeholder 2">
             <a:extLst>
               <a:ext uri="{FF2B5EF4-FFF2-40B4-BE49-F238E27FC236}">
-                <a16:creationId xmlns:a16="http://schemas.microsoft.com/office/drawing/2014/main" id="{745F38AB-BE42-AD40-8874-9861CDBB9937}"/>
+                <a16:creationId xmlns:a16="http://schemas.microsoft.com/office/drawing/2014/main" id="{6526060D-EB73-4740-88AA-06B0DF950ED9}"/>
               </a:ext>
             </a:extLst>
           </p:cNvPr>
@@ -11924,7 +11919,7 @@
     </p:spTree>
     <p:extLst>
       <p:ext uri="{BB962C8B-B14F-4D97-AF65-F5344CB8AC3E}">
-        <p14:creationId xmlns:p14="http://schemas.microsoft.com/office/powerpoint/2010/main" val="4292515428"/>
+        <p14:creationId xmlns:p14="http://schemas.microsoft.com/office/powerpoint/2010/main" val="302538717"/>
       </p:ext>
     </p:extLst>
   </p:cSld>
@@ -11968,7 +11963,7 @@
           <a:p>
             <a:r>
               <a:rPr lang="en-US" dirty="0"/>
-              <a:t>Model Selection - Methodology</a:t>
+              <a:t>What do need to know to perform model selection</a:t>
             </a:r>
           </a:p>
         </p:txBody>
@@ -11985,64 +11980,35 @@
         </p:nvSpPr>
         <p:spPr/>
         <p:txBody>
-          <a:bodyPr>
-            <a:normAutofit/>
-          </a:bodyPr>
+          <a:bodyPr/>
           <a:lstStyle/>
           <a:p>
             <a:r>
               <a:rPr lang="en-US" dirty="0"/>
-              <a:t>In-sample</a:t>
-            </a:r>
-          </a:p>
-          <a:p>
-            <a:r>
-              <a:rPr lang="en-US" dirty="0"/>
-              <a:t>Out of sample</a:t>
-            </a:r>
-          </a:p>
-          <a:p>
-            <a:r>
-              <a:rPr lang="en-US" dirty="0"/>
-              <a:t>Multiple Out-of-sample (Hold-out) Splits</a:t>
-            </a:r>
-          </a:p>
-          <a:p>
-            <a:r>
-              <a:rPr lang="en-US" dirty="0"/>
-              <a:t>Cross Validation</a:t>
+              <a:t>Deployment scenario</a:t>
             </a:r>
           </a:p>
           <a:p>
             <a:pPr lvl="1"/>
             <a:r>
               <a:rPr lang="en-US" dirty="0"/>
-              <a:t>Leave one out (LOO)</a:t>
+              <a:t>Model selection Methodology</a:t>
             </a:r>
           </a:p>
           <a:p>
             <a:pPr lvl="1"/>
             <a:r>
               <a:rPr lang="en-US" dirty="0"/>
-              <a:t>K fold</a:t>
+              <a:t>Metric(s) (need to match your policy goals)</a:t>
             </a:r>
+          </a:p>
+          <a:p>
+            <a:endParaRPr lang="en-US" dirty="0"/>
           </a:p>
           <a:p>
             <a:r>
               <a:rPr lang="en-US" dirty="0"/>
-              <a:t>Temporal Holdouts</a:t>
-            </a:r>
-          </a:p>
-          <a:p>
-            <a:r>
-              <a:rPr lang="en-US" dirty="0"/>
-              <a:t>Spatial Holdouts</a:t>
-            </a:r>
-          </a:p>
-          <a:p>
-            <a:r>
-              <a:rPr lang="en-US" dirty="0"/>
-              <a:t>Other Holdouts?</a:t>
+              <a:t>Comparison with baselines (to know if you’re effective)</a:t>
             </a:r>
           </a:p>
         </p:txBody>
@@ -12050,7 +12016,7 @@
     </p:spTree>
     <p:extLst>
       <p:ext uri="{BB962C8B-B14F-4D97-AF65-F5344CB8AC3E}">
-        <p14:creationId xmlns:p14="http://schemas.microsoft.com/office/powerpoint/2010/main" val="4093726934"/>
+        <p14:creationId xmlns:p14="http://schemas.microsoft.com/office/powerpoint/2010/main" val="354490725"/>
       </p:ext>
     </p:extLst>
   </p:cSld>
@@ -12082,7 +12048,7 @@
           <p:cNvPr id="2" name="Title 1">
             <a:extLst>
               <a:ext uri="{FF2B5EF4-FFF2-40B4-BE49-F238E27FC236}">
-                <a16:creationId xmlns:a16="http://schemas.microsoft.com/office/drawing/2014/main" id="{D78147EA-4092-034E-8792-847E37175401}"/>
+                <a16:creationId xmlns:a16="http://schemas.microsoft.com/office/drawing/2014/main" id="{3B1B214A-DDAD-0F43-B96B-4C37FD084395}"/>
               </a:ext>
             </a:extLst>
           </p:cNvPr>
@@ -12100,7 +12066,7 @@
           <a:p>
             <a:r>
               <a:rPr lang="en-US" dirty="0"/>
-              <a:t>Scenarios</a:t>
+              <a:t>How do we select a model that does that?</a:t>
             </a:r>
           </a:p>
         </p:txBody>
@@ -12110,7 +12076,7 @@
           <p:cNvPr id="3" name="Text Placeholder 2">
             <a:extLst>
               <a:ext uri="{FF2B5EF4-FFF2-40B4-BE49-F238E27FC236}">
-                <a16:creationId xmlns:a16="http://schemas.microsoft.com/office/drawing/2014/main" id="{3B207A3F-596E-1542-A461-8EE389BA1A43}"/>
+                <a16:creationId xmlns:a16="http://schemas.microsoft.com/office/drawing/2014/main" id="{745F38AB-BE42-AD40-8874-9861CDBB9937}"/>
               </a:ext>
             </a:extLst>
           </p:cNvPr>
@@ -12126,65 +12092,14 @@
           <a:bodyPr/>
           <a:lstStyle/>
           <a:p>
-            <a:pPr marL="76200" indent="0">
-              <a:buNone/>
-            </a:pPr>
-            <a:r>
-              <a:rPr lang="en-US" dirty="0"/>
-              <a:t>1: We want to track news coverage of epidemic related topics. We have tagged a small corpus (n=1000) of news articles from Jan 2019 to September 2020 and now have a stream of new incoming articles every day. We want to deploy a system that tells us something about intensity of coverage by media outlet going forward.</a:t>
-            </a:r>
-          </a:p>
-          <a:p>
-            <a:pPr marL="76200" indent="0">
-              <a:buNone/>
-            </a:pPr>
-            <a:endParaRPr lang="en-US" dirty="0"/>
-          </a:p>
-          <a:p>
-            <a:pPr marL="76200" indent="0">
-              <a:buNone/>
-            </a:pPr>
-            <a:r>
-              <a:rPr lang="en-US" dirty="0"/>
-              <a:t>What should our model generalize to?</a:t>
-            </a:r>
-          </a:p>
-          <a:p>
-            <a:pPr marL="76200" indent="0">
-              <a:buNone/>
-            </a:pPr>
-            <a:endParaRPr lang="en-US" dirty="0"/>
-          </a:p>
-          <a:p>
-            <a:pPr marL="76200" indent="0">
-              <a:buNone/>
-            </a:pPr>
-            <a:r>
-              <a:rPr lang="en-US" dirty="0"/>
-              <a:t>What is a training set?</a:t>
-            </a:r>
-          </a:p>
-          <a:p>
-            <a:pPr marL="76200" indent="0">
-              <a:buNone/>
-            </a:pPr>
-            <a:endParaRPr lang="en-US" dirty="0"/>
-          </a:p>
-          <a:p>
-            <a:pPr marL="76200" indent="0">
-              <a:buNone/>
-            </a:pPr>
-            <a:r>
-              <a:rPr lang="en-US" dirty="0"/>
-              <a:t>What is the corresponding validation set?</a:t>
-            </a:r>
+            <a:endParaRPr lang="en-US"/>
           </a:p>
         </p:txBody>
       </p:sp>
     </p:spTree>
     <p:extLst>
       <p:ext uri="{BB962C8B-B14F-4D97-AF65-F5344CB8AC3E}">
-        <p14:creationId xmlns:p14="http://schemas.microsoft.com/office/powerpoint/2010/main" val="1096452247"/>
+        <p14:creationId xmlns:p14="http://schemas.microsoft.com/office/powerpoint/2010/main" val="4292515428"/>
       </p:ext>
     </p:extLst>
   </p:cSld>
@@ -12213,13 +12128,7 @@
       </p:grpSpPr>
       <p:sp>
         <p:nvSpPr>
-          <p:cNvPr id="2" name="Title 1">
-            <a:extLst>
-              <a:ext uri="{FF2B5EF4-FFF2-40B4-BE49-F238E27FC236}">
-                <a16:creationId xmlns:a16="http://schemas.microsoft.com/office/drawing/2014/main" id="{D78147EA-4092-034E-8792-847E37175401}"/>
-              </a:ext>
-            </a:extLst>
-          </p:cNvPr>
+          <p:cNvPr id="3" name="Title 2"/>
           <p:cNvSpPr>
             <a:spLocks noGrp="1"/>
           </p:cNvSpPr>
@@ -12234,20 +12143,14 @@
           <a:p>
             <a:r>
               <a:rPr lang="en-US" dirty="0"/>
-              <a:t>Scenarios</a:t>
+              <a:t>Model Selection - Methodology</a:t>
             </a:r>
           </a:p>
         </p:txBody>
       </p:sp>
       <p:sp>
         <p:nvSpPr>
-          <p:cNvPr id="3" name="Text Placeholder 2">
-            <a:extLst>
-              <a:ext uri="{FF2B5EF4-FFF2-40B4-BE49-F238E27FC236}">
-                <a16:creationId xmlns:a16="http://schemas.microsoft.com/office/drawing/2014/main" id="{3B207A3F-596E-1542-A461-8EE389BA1A43}"/>
-              </a:ext>
-            </a:extLst>
-          </p:cNvPr>
+          <p:cNvPr id="2" name="Content Placeholder 1"/>
           <p:cNvSpPr>
             <a:spLocks noGrp="1"/>
           </p:cNvSpPr>
@@ -12257,60 +12160,64 @@
         </p:nvSpPr>
         <p:spPr/>
         <p:txBody>
-          <a:bodyPr/>
+          <a:bodyPr>
+            <a:normAutofit/>
+          </a:bodyPr>
           <a:lstStyle/>
           <a:p>
-            <a:pPr marL="76200" indent="0">
-              <a:buNone/>
-            </a:pPr>
             <a:r>
               <a:rPr lang="en-US" dirty="0"/>
-              <a:t>2: We want to track news coverage of epidemic related topics. We have tagged a small corpus (n=1000) of news articles from Jan 2019 to September 2020 and now have a stream of new incoming articles every day. We want to deploy a system that tells us something about intensity of coverage by media outlet over the last 2 years as well as going forward.</a:t>
+              <a:t>In-sample</a:t>
             </a:r>
           </a:p>
           <a:p>
-            <a:pPr marL="76200" indent="0">
-              <a:buNone/>
-            </a:pPr>
-            <a:endParaRPr lang="en-US" dirty="0"/>
-          </a:p>
-          <a:p>
-            <a:pPr marL="76200" indent="0">
-              <a:buNone/>
-            </a:pPr>
             <a:r>
               <a:rPr lang="en-US" dirty="0"/>
-              <a:t>What should our model generalize to?</a:t>
+              <a:t>Out of sample</a:t>
             </a:r>
           </a:p>
           <a:p>
-            <a:pPr marL="76200" indent="0">
-              <a:buNone/>
-            </a:pPr>
-            <a:endParaRPr lang="en-US" dirty="0"/>
-          </a:p>
-          <a:p>
-            <a:pPr marL="76200" indent="0">
-              <a:buNone/>
-            </a:pPr>
             <a:r>
               <a:rPr lang="en-US" dirty="0"/>
-              <a:t>What is a training set?</a:t>
+              <a:t>Multiple Out-of-sample (Hold-out) Splits</a:t>
             </a:r>
           </a:p>
           <a:p>
-            <a:pPr marL="76200" indent="0">
-              <a:buNone/>
-            </a:pPr>
-            <a:endParaRPr lang="en-US" dirty="0"/>
-          </a:p>
-          <a:p>
-            <a:pPr marL="76200" indent="0">
-              <a:buNone/>
-            </a:pPr>
             <a:r>
               <a:rPr lang="en-US" dirty="0"/>
-              <a:t>What is the corresponding validation set?</a:t>
+              <a:t>Cross Validation</a:t>
+            </a:r>
+          </a:p>
+          <a:p>
+            <a:pPr lvl="1"/>
+            <a:r>
+              <a:rPr lang="en-US" dirty="0"/>
+              <a:t>Leave one out (LOO)</a:t>
+            </a:r>
+          </a:p>
+          <a:p>
+            <a:pPr lvl="1"/>
+            <a:r>
+              <a:rPr lang="en-US" dirty="0"/>
+              <a:t>K fold</a:t>
+            </a:r>
+          </a:p>
+          <a:p>
+            <a:r>
+              <a:rPr lang="en-US" dirty="0"/>
+              <a:t>Temporal Holdouts</a:t>
+            </a:r>
+          </a:p>
+          <a:p>
+            <a:r>
+              <a:rPr lang="en-US" dirty="0"/>
+              <a:t>Spatial Holdouts</a:t>
+            </a:r>
+          </a:p>
+          <a:p>
+            <a:r>
+              <a:rPr lang="en-US" dirty="0"/>
+              <a:t>Other Holdouts?</a:t>
             </a:r>
           </a:p>
         </p:txBody>
@@ -12318,7 +12225,7 @@
     </p:spTree>
     <p:extLst>
       <p:ext uri="{BB962C8B-B14F-4D97-AF65-F5344CB8AC3E}">
-        <p14:creationId xmlns:p14="http://schemas.microsoft.com/office/powerpoint/2010/main" val="1074433782"/>
+        <p14:creationId xmlns:p14="http://schemas.microsoft.com/office/powerpoint/2010/main" val="4093726934"/>
       </p:ext>
     </p:extLst>
   </p:cSld>
@@ -12399,14 +12306,8 @@
             </a:pPr>
             <a:r>
               <a:rPr lang="en-US" dirty="0"/>
-              <a:t>3: We want to predict whether there will be an increase in epidemic related articles in the media during the next week. </a:t>
+              <a:t>1: We want to track news coverage of epidemic related topics. We have tagged a small corpus (n=1000) of news articles from Jan 2019 to September 2020 and now have a stream of new incoming articles every day. We want to deploy a system that tells us something about intensity of coverage by media outlet going forward.</a:t>
             </a:r>
-          </a:p>
-          <a:p>
-            <a:pPr marL="76200" indent="0">
-              <a:buNone/>
-            </a:pPr>
-            <a:endParaRPr lang="en-US" dirty="0"/>
           </a:p>
           <a:p>
             <a:pPr marL="76200" indent="0">
@@ -12458,7 +12359,7 @@
     </p:spTree>
     <p:extLst>
       <p:ext uri="{BB962C8B-B14F-4D97-AF65-F5344CB8AC3E}">
-        <p14:creationId xmlns:p14="http://schemas.microsoft.com/office/powerpoint/2010/main" val="3999252044"/>
+        <p14:creationId xmlns:p14="http://schemas.microsoft.com/office/powerpoint/2010/main" val="1096452247"/>
       </p:ext>
     </p:extLst>
   </p:cSld>
@@ -12539,6 +12440,280 @@
             </a:pPr>
             <a:r>
               <a:rPr lang="en-US" dirty="0"/>
+              <a:t>2: We want to track news coverage of epidemic related topics. We have tagged a small corpus (n=1000) of news articles from Jan 2019 to September 2020 and now have a stream of new incoming articles every day. We want to deploy a system that tells us something about intensity of coverage by media outlet over the last 2 years as well as going forward.</a:t>
+            </a:r>
+          </a:p>
+          <a:p>
+            <a:pPr marL="76200" indent="0">
+              <a:buNone/>
+            </a:pPr>
+            <a:endParaRPr lang="en-US" dirty="0"/>
+          </a:p>
+          <a:p>
+            <a:pPr marL="76200" indent="0">
+              <a:buNone/>
+            </a:pPr>
+            <a:r>
+              <a:rPr lang="en-US" dirty="0"/>
+              <a:t>What should our model generalize to?</a:t>
+            </a:r>
+          </a:p>
+          <a:p>
+            <a:pPr marL="76200" indent="0">
+              <a:buNone/>
+            </a:pPr>
+            <a:endParaRPr lang="en-US" dirty="0"/>
+          </a:p>
+          <a:p>
+            <a:pPr marL="76200" indent="0">
+              <a:buNone/>
+            </a:pPr>
+            <a:r>
+              <a:rPr lang="en-US" dirty="0"/>
+              <a:t>What is a training set?</a:t>
+            </a:r>
+          </a:p>
+          <a:p>
+            <a:pPr marL="76200" indent="0">
+              <a:buNone/>
+            </a:pPr>
+            <a:endParaRPr lang="en-US" dirty="0"/>
+          </a:p>
+          <a:p>
+            <a:pPr marL="76200" indent="0">
+              <a:buNone/>
+            </a:pPr>
+            <a:r>
+              <a:rPr lang="en-US" dirty="0"/>
+              <a:t>What is the corresponding validation set?</a:t>
+            </a:r>
+          </a:p>
+        </p:txBody>
+      </p:sp>
+    </p:spTree>
+    <p:extLst>
+      <p:ext uri="{BB962C8B-B14F-4D97-AF65-F5344CB8AC3E}">
+        <p14:creationId xmlns:p14="http://schemas.microsoft.com/office/powerpoint/2010/main" val="1074433782"/>
+      </p:ext>
+    </p:extLst>
+  </p:cSld>
+  <p:clrMapOvr>
+    <a:masterClrMapping/>
+  </p:clrMapOvr>
+</p:sld>
+</file>
+
+<file path=ppt/slides/slide17.xml><?xml version="1.0" encoding="utf-8"?>
+<p:sld xmlns:a="http://schemas.openxmlformats.org/drawingml/2006/main" xmlns:r="http://schemas.openxmlformats.org/officeDocument/2006/relationships" xmlns:p="http://schemas.openxmlformats.org/presentationml/2006/main">
+  <p:cSld>
+    <p:spTree>
+      <p:nvGrpSpPr>
+        <p:cNvPr id="1" name=""/>
+        <p:cNvGrpSpPr/>
+        <p:nvPr/>
+      </p:nvGrpSpPr>
+      <p:grpSpPr>
+        <a:xfrm>
+          <a:off x="0" y="0"/>
+          <a:ext cx="0" cy="0"/>
+          <a:chOff x="0" y="0"/>
+          <a:chExt cx="0" cy="0"/>
+        </a:xfrm>
+      </p:grpSpPr>
+      <p:sp>
+        <p:nvSpPr>
+          <p:cNvPr id="2" name="Title 1">
+            <a:extLst>
+              <a:ext uri="{FF2B5EF4-FFF2-40B4-BE49-F238E27FC236}">
+                <a16:creationId xmlns:a16="http://schemas.microsoft.com/office/drawing/2014/main" id="{D78147EA-4092-034E-8792-847E37175401}"/>
+              </a:ext>
+            </a:extLst>
+          </p:cNvPr>
+          <p:cNvSpPr>
+            <a:spLocks noGrp="1"/>
+          </p:cNvSpPr>
+          <p:nvPr>
+            <p:ph type="title"/>
+          </p:nvPr>
+        </p:nvSpPr>
+        <p:spPr/>
+        <p:txBody>
+          <a:bodyPr/>
+          <a:lstStyle/>
+          <a:p>
+            <a:r>
+              <a:rPr lang="en-US" dirty="0"/>
+              <a:t>Scenarios</a:t>
+            </a:r>
+          </a:p>
+        </p:txBody>
+      </p:sp>
+      <p:sp>
+        <p:nvSpPr>
+          <p:cNvPr id="3" name="Text Placeholder 2">
+            <a:extLst>
+              <a:ext uri="{FF2B5EF4-FFF2-40B4-BE49-F238E27FC236}">
+                <a16:creationId xmlns:a16="http://schemas.microsoft.com/office/drawing/2014/main" id="{3B207A3F-596E-1542-A461-8EE389BA1A43}"/>
+              </a:ext>
+            </a:extLst>
+          </p:cNvPr>
+          <p:cNvSpPr>
+            <a:spLocks noGrp="1"/>
+          </p:cNvSpPr>
+          <p:nvPr>
+            <p:ph type="body" idx="1"/>
+          </p:nvPr>
+        </p:nvSpPr>
+        <p:spPr/>
+        <p:txBody>
+          <a:bodyPr/>
+          <a:lstStyle/>
+          <a:p>
+            <a:pPr marL="76200" indent="0">
+              <a:buNone/>
+            </a:pPr>
+            <a:r>
+              <a:rPr lang="en-US" dirty="0"/>
+              <a:t>3: We want to predict whether there will be an increase in epidemic related articles in the media during the next week. </a:t>
+            </a:r>
+          </a:p>
+          <a:p>
+            <a:pPr marL="76200" indent="0">
+              <a:buNone/>
+            </a:pPr>
+            <a:endParaRPr lang="en-US" dirty="0"/>
+          </a:p>
+          <a:p>
+            <a:pPr marL="76200" indent="0">
+              <a:buNone/>
+            </a:pPr>
+            <a:endParaRPr lang="en-US" dirty="0"/>
+          </a:p>
+          <a:p>
+            <a:pPr marL="76200" indent="0">
+              <a:buNone/>
+            </a:pPr>
+            <a:r>
+              <a:rPr lang="en-US" dirty="0"/>
+              <a:t>What should our model generalize to?</a:t>
+            </a:r>
+          </a:p>
+          <a:p>
+            <a:pPr marL="76200" indent="0">
+              <a:buNone/>
+            </a:pPr>
+            <a:endParaRPr lang="en-US" dirty="0"/>
+          </a:p>
+          <a:p>
+            <a:pPr marL="76200" indent="0">
+              <a:buNone/>
+            </a:pPr>
+            <a:r>
+              <a:rPr lang="en-US" dirty="0"/>
+              <a:t>What is a training set?</a:t>
+            </a:r>
+          </a:p>
+          <a:p>
+            <a:pPr marL="76200" indent="0">
+              <a:buNone/>
+            </a:pPr>
+            <a:endParaRPr lang="en-US" dirty="0"/>
+          </a:p>
+          <a:p>
+            <a:pPr marL="76200" indent="0">
+              <a:buNone/>
+            </a:pPr>
+            <a:r>
+              <a:rPr lang="en-US" dirty="0"/>
+              <a:t>What is the corresponding validation set?</a:t>
+            </a:r>
+          </a:p>
+        </p:txBody>
+      </p:sp>
+    </p:spTree>
+    <p:extLst>
+      <p:ext uri="{BB962C8B-B14F-4D97-AF65-F5344CB8AC3E}">
+        <p14:creationId xmlns:p14="http://schemas.microsoft.com/office/powerpoint/2010/main" val="3999252044"/>
+      </p:ext>
+    </p:extLst>
+  </p:cSld>
+  <p:clrMapOvr>
+    <a:masterClrMapping/>
+  </p:clrMapOvr>
+</p:sld>
+</file>
+
+<file path=ppt/slides/slide18.xml><?xml version="1.0" encoding="utf-8"?>
+<p:sld xmlns:a="http://schemas.openxmlformats.org/drawingml/2006/main" xmlns:r="http://schemas.openxmlformats.org/officeDocument/2006/relationships" xmlns:p="http://schemas.openxmlformats.org/presentationml/2006/main">
+  <p:cSld>
+    <p:spTree>
+      <p:nvGrpSpPr>
+        <p:cNvPr id="1" name=""/>
+        <p:cNvGrpSpPr/>
+        <p:nvPr/>
+      </p:nvGrpSpPr>
+      <p:grpSpPr>
+        <a:xfrm>
+          <a:off x="0" y="0"/>
+          <a:ext cx="0" cy="0"/>
+          <a:chOff x="0" y="0"/>
+          <a:chExt cx="0" cy="0"/>
+        </a:xfrm>
+      </p:grpSpPr>
+      <p:sp>
+        <p:nvSpPr>
+          <p:cNvPr id="2" name="Title 1">
+            <a:extLst>
+              <a:ext uri="{FF2B5EF4-FFF2-40B4-BE49-F238E27FC236}">
+                <a16:creationId xmlns:a16="http://schemas.microsoft.com/office/drawing/2014/main" id="{D78147EA-4092-034E-8792-847E37175401}"/>
+              </a:ext>
+            </a:extLst>
+          </p:cNvPr>
+          <p:cNvSpPr>
+            <a:spLocks noGrp="1"/>
+          </p:cNvSpPr>
+          <p:nvPr>
+            <p:ph type="title"/>
+          </p:nvPr>
+        </p:nvSpPr>
+        <p:spPr/>
+        <p:txBody>
+          <a:bodyPr/>
+          <a:lstStyle/>
+          <a:p>
+            <a:r>
+              <a:rPr lang="en-US" dirty="0"/>
+              <a:t>Scenarios</a:t>
+            </a:r>
+          </a:p>
+        </p:txBody>
+      </p:sp>
+      <p:sp>
+        <p:nvSpPr>
+          <p:cNvPr id="3" name="Text Placeholder 2">
+            <a:extLst>
+              <a:ext uri="{FF2B5EF4-FFF2-40B4-BE49-F238E27FC236}">
+                <a16:creationId xmlns:a16="http://schemas.microsoft.com/office/drawing/2014/main" id="{3B207A3F-596E-1542-A461-8EE389BA1A43}"/>
+              </a:ext>
+            </a:extLst>
+          </p:cNvPr>
+          <p:cNvSpPr>
+            <a:spLocks noGrp="1"/>
+          </p:cNvSpPr>
+          <p:nvPr>
+            <p:ph type="body" idx="1"/>
+          </p:nvPr>
+        </p:nvSpPr>
+        <p:spPr/>
+        <p:txBody>
+          <a:bodyPr/>
+          <a:lstStyle/>
+          <a:p>
+            <a:pPr marL="76200" indent="0">
+              <a:buNone/>
+            </a:pPr>
+            <a:r>
+              <a:rPr lang="en-US" dirty="0"/>
               <a:t>4: We want to predict whether there will be an increase in epidemic related articles in the media during the next month. </a:t>
             </a:r>
           </a:p>
@@ -12608,7 +12783,573 @@
 </p:sld>
 </file>
 
-<file path=ppt/slides/slide17.xml><?xml version="1.0" encoding="utf-8"?>
+<file path=ppt/slides/slide19.xml><?xml version="1.0" encoding="utf-8"?>
+<p:sld xmlns:a="http://schemas.openxmlformats.org/drawingml/2006/main" xmlns:r="http://schemas.openxmlformats.org/officeDocument/2006/relationships" xmlns:p="http://schemas.openxmlformats.org/presentationml/2006/main">
+  <p:cSld>
+    <p:spTree>
+      <p:nvGrpSpPr>
+        <p:cNvPr id="1" name=""/>
+        <p:cNvGrpSpPr/>
+        <p:nvPr/>
+      </p:nvGrpSpPr>
+      <p:grpSpPr>
+        <a:xfrm>
+          <a:off x="0" y="0"/>
+          <a:ext cx="0" cy="0"/>
+          <a:chOff x="0" y="0"/>
+          <a:chExt cx="0" cy="0"/>
+        </a:xfrm>
+      </p:grpSpPr>
+      <p:sp>
+        <p:nvSpPr>
+          <p:cNvPr id="2" name="Title 1">
+            <a:extLst>
+              <a:ext uri="{FF2B5EF4-FFF2-40B4-BE49-F238E27FC236}">
+                <a16:creationId xmlns:a16="http://schemas.microsoft.com/office/drawing/2014/main" id="{E3F5A4E3-1083-BD43-B370-9A1F90A39416}"/>
+              </a:ext>
+            </a:extLst>
+          </p:cNvPr>
+          <p:cNvSpPr>
+            <a:spLocks noGrp="1"/>
+          </p:cNvSpPr>
+          <p:nvPr>
+            <p:ph type="title"/>
+          </p:nvPr>
+        </p:nvSpPr>
+        <p:spPr/>
+        <p:txBody>
+          <a:bodyPr/>
+          <a:lstStyle/>
+          <a:p>
+            <a:r>
+              <a:rPr lang="en-US" dirty="0"/>
+              <a:t>Parameters</a:t>
+            </a:r>
+          </a:p>
+        </p:txBody>
+      </p:sp>
+      <p:sp>
+        <p:nvSpPr>
+          <p:cNvPr id="3" name="Text Placeholder 2">
+            <a:extLst>
+              <a:ext uri="{FF2B5EF4-FFF2-40B4-BE49-F238E27FC236}">
+                <a16:creationId xmlns:a16="http://schemas.microsoft.com/office/drawing/2014/main" id="{B761F066-C352-2344-9AFE-A7E0C820CFA0}"/>
+              </a:ext>
+            </a:extLst>
+          </p:cNvPr>
+          <p:cNvSpPr>
+            <a:spLocks noGrp="1"/>
+          </p:cNvSpPr>
+          <p:nvPr>
+            <p:ph type="body" idx="1"/>
+          </p:nvPr>
+        </p:nvSpPr>
+        <p:spPr>
+          <a:xfrm>
+            <a:off x="0" y="947004"/>
+            <a:ext cx="11360700" cy="4555200"/>
+          </a:xfrm>
+        </p:spPr>
+        <p:txBody>
+          <a:bodyPr/>
+          <a:lstStyle/>
+          <a:p>
+            <a:r>
+              <a:rPr lang="en-US" dirty="0"/>
+              <a:t>How far back to go when training models? (max training history)</a:t>
+            </a:r>
+          </a:p>
+          <a:p>
+            <a:pPr lvl="1"/>
+            <a:r>
+              <a:rPr lang="en-US" dirty="0"/>
+              <a:t> To the beginning of time (expanding training window)?</a:t>
+            </a:r>
+          </a:p>
+          <a:p>
+            <a:pPr lvl="1"/>
+            <a:r>
+              <a:rPr lang="en-US" dirty="0"/>
+              <a:t>Fixed history (rolling training window)?</a:t>
+            </a:r>
+          </a:p>
+          <a:p>
+            <a:pPr lvl="1"/>
+            <a:r>
+              <a:rPr lang="en-US" dirty="0"/>
+              <a:t>Something else?</a:t>
+            </a:r>
+          </a:p>
+          <a:p>
+            <a:pPr lvl="1"/>
+            <a:r>
+              <a:rPr lang="en-US" dirty="0"/>
+              <a:t>How far back do you get your features from?</a:t>
+            </a:r>
+            <a:br>
+              <a:rPr lang="en-US" dirty="0"/>
+            </a:br>
+            <a:endParaRPr lang="en-US" dirty="0"/>
+          </a:p>
+          <a:p>
+            <a:r>
+              <a:rPr lang="en-US" dirty="0"/>
+              <a:t>How much to move forward from train-validation pair 1 to train-validation pair 2?</a:t>
+            </a:r>
+          </a:p>
+          <a:p>
+            <a:pPr lvl="1"/>
+            <a:r>
+              <a:rPr lang="en-US" dirty="0"/>
+              <a:t>A day?</a:t>
+            </a:r>
+          </a:p>
+          <a:p>
+            <a:pPr lvl="1"/>
+            <a:r>
+              <a:rPr lang="en-US" dirty="0"/>
+              <a:t>A month? </a:t>
+            </a:r>
+          </a:p>
+          <a:p>
+            <a:pPr lvl="1"/>
+            <a:r>
+              <a:rPr lang="en-US" dirty="0"/>
+              <a:t>Something else?</a:t>
+            </a:r>
+          </a:p>
+        </p:txBody>
+      </p:sp>
+    </p:spTree>
+    <p:extLst>
+      <p:ext uri="{BB962C8B-B14F-4D97-AF65-F5344CB8AC3E}">
+        <p14:creationId xmlns:p14="http://schemas.microsoft.com/office/powerpoint/2010/main" val="2036659178"/>
+      </p:ext>
+    </p:extLst>
+  </p:cSld>
+  <p:clrMapOvr>
+    <a:masterClrMapping/>
+  </p:clrMapOvr>
+</p:sld>
+</file>
+
+<file path=ppt/slides/slide2.xml><?xml version="1.0" encoding="utf-8"?>
+<p:sld xmlns:a="http://schemas.openxmlformats.org/drawingml/2006/main" xmlns:r="http://schemas.openxmlformats.org/officeDocument/2006/relationships" xmlns:p="http://schemas.openxmlformats.org/presentationml/2006/main">
+  <p:cSld>
+    <p:spTree>
+      <p:nvGrpSpPr>
+        <p:cNvPr id="1" name=""/>
+        <p:cNvGrpSpPr/>
+        <p:nvPr/>
+      </p:nvGrpSpPr>
+      <p:grpSpPr>
+        <a:xfrm>
+          <a:off x="0" y="0"/>
+          <a:ext cx="0" cy="0"/>
+          <a:chOff x="0" y="0"/>
+          <a:chExt cx="0" cy="0"/>
+        </a:xfrm>
+      </p:grpSpPr>
+      <p:sp>
+        <p:nvSpPr>
+          <p:cNvPr id="3" name="Title 2">
+            <a:extLst>
+              <a:ext uri="{FF2B5EF4-FFF2-40B4-BE49-F238E27FC236}">
+                <a16:creationId xmlns:a16="http://schemas.microsoft.com/office/drawing/2014/main" id="{9323871C-7CA8-1448-8FFC-1AE6E1838941}"/>
+              </a:ext>
+            </a:extLst>
+          </p:cNvPr>
+          <p:cNvSpPr>
+            <a:spLocks noGrp="1"/>
+          </p:cNvSpPr>
+          <p:nvPr>
+            <p:ph type="title"/>
+          </p:nvPr>
+        </p:nvSpPr>
+        <p:spPr/>
+        <p:txBody>
+          <a:bodyPr/>
+          <a:lstStyle/>
+          <a:p>
+            <a:r>
+              <a:rPr lang="en-US" dirty="0"/>
+              <a:t>Reminders</a:t>
+            </a:r>
+          </a:p>
+        </p:txBody>
+      </p:sp>
+      <p:sp>
+        <p:nvSpPr>
+          <p:cNvPr id="5" name="Text Placeholder 4">
+            <a:extLst>
+              <a:ext uri="{FF2B5EF4-FFF2-40B4-BE49-F238E27FC236}">
+                <a16:creationId xmlns:a16="http://schemas.microsoft.com/office/drawing/2014/main" id="{F4E0A5F0-1D89-954D-91FB-596CD9E690F2}"/>
+              </a:ext>
+            </a:extLst>
+          </p:cNvPr>
+          <p:cNvSpPr>
+            <a:spLocks noGrp="1"/>
+          </p:cNvSpPr>
+          <p:nvPr>
+            <p:ph type="body" idx="1"/>
+          </p:nvPr>
+        </p:nvSpPr>
+        <p:spPr/>
+        <p:txBody>
+          <a:bodyPr/>
+          <a:lstStyle/>
+          <a:p>
+            <a:pPr marL="76200" indent="0">
+              <a:buNone/>
+            </a:pPr>
+            <a:r>
+              <a:rPr lang="en-US" b="1" dirty="0"/>
+              <a:t>This week:</a:t>
+            </a:r>
+            <a:endParaRPr lang="en-US" dirty="0"/>
+          </a:p>
+          <a:p>
+            <a:r>
+              <a:rPr lang="en-US" dirty="0"/>
+              <a:t>Project check-in on Wednesday (we’ll send around times/locations)</a:t>
+            </a:r>
+          </a:p>
+          <a:p>
+            <a:r>
+              <a:rPr lang="en-US" dirty="0"/>
+              <a:t>Temporal Validation “whiteboard” session Thursday</a:t>
+            </a:r>
+          </a:p>
+          <a:p>
+            <a:r>
+              <a:rPr lang="en-US" dirty="0"/>
+              <a:t>Project Assignment due on Friday – see template slides</a:t>
+            </a:r>
+          </a:p>
+          <a:p>
+            <a:r>
+              <a:rPr lang="en-US" dirty="0"/>
+              <a:t>Self &amp; peer contribution survey due Friday</a:t>
+            </a:r>
+          </a:p>
+          <a:p>
+            <a:pPr marL="76200" indent="0">
+              <a:buNone/>
+            </a:pPr>
+            <a:endParaRPr lang="en-US" dirty="0"/>
+          </a:p>
+          <a:p>
+            <a:pPr marL="76200" indent="0">
+              <a:buNone/>
+            </a:pPr>
+            <a:r>
+              <a:rPr lang="en-US" b="1" dirty="0"/>
+              <a:t>Coming up next week:</a:t>
+            </a:r>
+          </a:p>
+          <a:p>
+            <a:r>
+              <a:rPr lang="en-US" dirty="0"/>
+              <a:t>Next project assignment due following Monday (Oct 19)</a:t>
+            </a:r>
+          </a:p>
+          <a:p>
+            <a:pPr lvl="1">
+              <a:spcBef>
+                <a:spcPts val="0"/>
+              </a:spcBef>
+            </a:pPr>
+            <a:r>
+              <a:rPr lang="en-US" sz="2400" dirty="0"/>
+              <a:t>Modeling plan and feature list</a:t>
+            </a:r>
+            <a:endParaRPr lang="en-US" dirty="0"/>
+          </a:p>
+          <a:p>
+            <a:pPr marL="76200" indent="0">
+              <a:buNone/>
+            </a:pPr>
+            <a:endParaRPr lang="en-US" dirty="0"/>
+          </a:p>
+        </p:txBody>
+      </p:sp>
+    </p:spTree>
+    <p:extLst>
+      <p:ext uri="{BB962C8B-B14F-4D97-AF65-F5344CB8AC3E}">
+        <p14:creationId xmlns:p14="http://schemas.microsoft.com/office/powerpoint/2010/main" val="186046226"/>
+      </p:ext>
+    </p:extLst>
+  </p:cSld>
+  <p:clrMapOvr>
+    <a:masterClrMapping/>
+  </p:clrMapOvr>
+</p:sld>
+</file>
+
+<file path=ppt/slides/slide20.xml><?xml version="1.0" encoding="utf-8"?>
+<p:sld xmlns:a="http://schemas.openxmlformats.org/drawingml/2006/main" xmlns:r="http://schemas.openxmlformats.org/officeDocument/2006/relationships" xmlns:p="http://schemas.openxmlformats.org/presentationml/2006/main">
+  <p:cSld>
+    <p:spTree>
+      <p:nvGrpSpPr>
+        <p:cNvPr id="1" name=""/>
+        <p:cNvGrpSpPr/>
+        <p:nvPr/>
+      </p:nvGrpSpPr>
+      <p:grpSpPr>
+        <a:xfrm>
+          <a:off x="0" y="0"/>
+          <a:ext cx="0" cy="0"/>
+          <a:chOff x="0" y="0"/>
+          <a:chExt cx="0" cy="0"/>
+        </a:xfrm>
+      </p:grpSpPr>
+      <p:pic>
+        <p:nvPicPr>
+          <p:cNvPr id="1026" name="Picture 2" descr="img">
+            <a:extLst>
+              <a:ext uri="{FF2B5EF4-FFF2-40B4-BE49-F238E27FC236}">
+                <a16:creationId xmlns:a16="http://schemas.microsoft.com/office/drawing/2014/main" id="{B0366070-7513-EA4F-8DAA-A5F0BFA2D273}"/>
+              </a:ext>
+            </a:extLst>
+          </p:cNvPr>
+          <p:cNvPicPr>
+            <a:picLocks noChangeAspect="1" noChangeArrowheads="1"/>
+          </p:cNvPicPr>
+          <p:nvPr/>
+        </p:nvPicPr>
+        <p:blipFill rotWithShape="1">
+          <a:blip r:embed="rId2">
+            <a:extLst>
+              <a:ext uri="{28A0092B-C50C-407E-A947-70E740481C1C}">
+                <a14:useLocalDpi xmlns:a14="http://schemas.microsoft.com/office/drawing/2010/main" val="0"/>
+              </a:ext>
+            </a:extLst>
+          </a:blip>
+          <a:srcRect l="11856" t="9859" r="9516" b="10303"/>
+          <a:stretch/>
+        </p:blipFill>
+        <p:spPr bwMode="auto">
+          <a:xfrm>
+            <a:off x="4419600" y="995516"/>
+            <a:ext cx="7772402" cy="4866967"/>
+          </a:xfrm>
+          <a:prstGeom prst="rect">
+            <a:avLst/>
+          </a:prstGeom>
+          <a:noFill/>
+          <a:extLst>
+            <a:ext uri="{909E8E84-426E-40DD-AFC4-6F175D3DCCD1}">
+              <a14:hiddenFill xmlns:a14="http://schemas.microsoft.com/office/drawing/2010/main">
+                <a:solidFill>
+                  <a:srgbClr val="FFFFFF"/>
+                </a:solidFill>
+              </a14:hiddenFill>
+            </a:ext>
+          </a:extLst>
+        </p:spPr>
+      </p:pic>
+      <p:sp>
+        <p:nvSpPr>
+          <p:cNvPr id="4" name="TextBox 3">
+            <a:extLst>
+              <a:ext uri="{FF2B5EF4-FFF2-40B4-BE49-F238E27FC236}">
+                <a16:creationId xmlns:a16="http://schemas.microsoft.com/office/drawing/2014/main" id="{678E8A16-2F7F-9443-93CD-17932D868828}"/>
+              </a:ext>
+            </a:extLst>
+          </p:cNvPr>
+          <p:cNvSpPr txBox="1"/>
+          <p:nvPr/>
+        </p:nvSpPr>
+        <p:spPr>
+          <a:xfrm>
+            <a:off x="4572001" y="5979885"/>
+            <a:ext cx="7738016" cy="307777"/>
+          </a:xfrm>
+          <a:prstGeom prst="rect">
+            <a:avLst/>
+          </a:prstGeom>
+          <a:noFill/>
+        </p:spPr>
+        <p:txBody>
+          <a:bodyPr wrap="none" rtlCol="0">
+            <a:spAutoFit/>
+          </a:bodyPr>
+          <a:lstStyle/>
+          <a:p>
+            <a:r>
+              <a:rPr lang="en-US" dirty="0"/>
+              <a:t>2014                          2015                              2016                           2017                          2018</a:t>
+            </a:r>
+          </a:p>
+        </p:txBody>
+      </p:sp>
+      <p:pic>
+        <p:nvPicPr>
+          <p:cNvPr id="5" name="Picture 4">
+            <a:extLst>
+              <a:ext uri="{FF2B5EF4-FFF2-40B4-BE49-F238E27FC236}">
+                <a16:creationId xmlns:a16="http://schemas.microsoft.com/office/drawing/2014/main" id="{E752B697-97D8-C045-A58D-BDC94728CEC5}"/>
+              </a:ext>
+            </a:extLst>
+          </p:cNvPr>
+          <p:cNvPicPr>
+            <a:picLocks noChangeAspect="1"/>
+          </p:cNvPicPr>
+          <p:nvPr/>
+        </p:nvPicPr>
+        <p:blipFill>
+          <a:blip r:embed="rId3"/>
+          <a:stretch>
+            <a:fillRect/>
+          </a:stretch>
+        </p:blipFill>
+        <p:spPr>
+          <a:xfrm>
+            <a:off x="0" y="1492249"/>
+            <a:ext cx="4419600" cy="3873500"/>
+          </a:xfrm>
+          <a:prstGeom prst="rect">
+            <a:avLst/>
+          </a:prstGeom>
+        </p:spPr>
+      </p:pic>
+    </p:spTree>
+    <p:extLst>
+      <p:ext uri="{BB962C8B-B14F-4D97-AF65-F5344CB8AC3E}">
+        <p14:creationId xmlns:p14="http://schemas.microsoft.com/office/powerpoint/2010/main" val="43427705"/>
+      </p:ext>
+    </p:extLst>
+  </p:cSld>
+  <p:clrMapOvr>
+    <a:masterClrMapping/>
+  </p:clrMapOvr>
+</p:sld>
+</file>
+
+<file path=ppt/slides/slide21.xml><?xml version="1.0" encoding="utf-8"?>
+<p:sld xmlns:a="http://schemas.openxmlformats.org/drawingml/2006/main" xmlns:r="http://schemas.openxmlformats.org/officeDocument/2006/relationships" xmlns:p="http://schemas.openxmlformats.org/presentationml/2006/main">
+  <p:cSld>
+    <p:spTree>
+      <p:nvGrpSpPr>
+        <p:cNvPr id="1" name=""/>
+        <p:cNvGrpSpPr/>
+        <p:nvPr/>
+      </p:nvGrpSpPr>
+      <p:grpSpPr>
+        <a:xfrm>
+          <a:off x="0" y="0"/>
+          <a:ext cx="0" cy="0"/>
+          <a:chOff x="0" y="0"/>
+          <a:chExt cx="0" cy="0"/>
+        </a:xfrm>
+      </p:grpSpPr>
+      <p:sp>
+        <p:nvSpPr>
+          <p:cNvPr id="2" name="Title 1">
+            <a:extLst>
+              <a:ext uri="{FF2B5EF4-FFF2-40B4-BE49-F238E27FC236}">
+                <a16:creationId xmlns:a16="http://schemas.microsoft.com/office/drawing/2014/main" id="{E3F5A4E3-1083-BD43-B370-9A1F90A39416}"/>
+              </a:ext>
+            </a:extLst>
+          </p:cNvPr>
+          <p:cNvSpPr>
+            <a:spLocks noGrp="1"/>
+          </p:cNvSpPr>
+          <p:nvPr>
+            <p:ph type="title"/>
+          </p:nvPr>
+        </p:nvSpPr>
+        <p:spPr/>
+        <p:txBody>
+          <a:bodyPr/>
+          <a:lstStyle/>
+          <a:p>
+            <a:r>
+              <a:rPr lang="en-US" dirty="0"/>
+              <a:t>Other considerations</a:t>
+            </a:r>
+          </a:p>
+        </p:txBody>
+      </p:sp>
+      <p:sp>
+        <p:nvSpPr>
+          <p:cNvPr id="3" name="Text Placeholder 2">
+            <a:extLst>
+              <a:ext uri="{FF2B5EF4-FFF2-40B4-BE49-F238E27FC236}">
+                <a16:creationId xmlns:a16="http://schemas.microsoft.com/office/drawing/2014/main" id="{B761F066-C352-2344-9AFE-A7E0C820CFA0}"/>
+              </a:ext>
+            </a:extLst>
+          </p:cNvPr>
+          <p:cNvSpPr>
+            <a:spLocks noGrp="1"/>
+          </p:cNvSpPr>
+          <p:nvPr>
+            <p:ph type="body" idx="1"/>
+          </p:nvPr>
+        </p:nvSpPr>
+        <p:spPr/>
+        <p:txBody>
+          <a:bodyPr/>
+          <a:lstStyle/>
+          <a:p>
+            <a:r>
+              <a:rPr lang="en-US" dirty="0"/>
+              <a:t>If making repeated predictions about the same entity at different times, how often should an entity be repeated in the training data?</a:t>
+            </a:r>
+          </a:p>
+          <a:p>
+            <a:pPr lvl="1"/>
+            <a:r>
+              <a:rPr lang="en-US" dirty="0"/>
+              <a:t>In an event-based deployment setup?</a:t>
+            </a:r>
+          </a:p>
+          <a:p>
+            <a:pPr lvl="1"/>
+            <a:r>
+              <a:rPr lang="en-US" dirty="0"/>
+              <a:t>In a “take action at regular-</a:t>
+            </a:r>
+            <a:r>
+              <a:rPr lang="en-US" dirty="0" err="1"/>
+              <a:t>ish</a:t>
+            </a:r>
+            <a:r>
+              <a:rPr lang="en-US" dirty="0"/>
+              <a:t> intervals” deployment?</a:t>
+            </a:r>
+          </a:p>
+          <a:p>
+            <a:pPr marL="565150" lvl="1" indent="0">
+              <a:buNone/>
+            </a:pPr>
+            <a:endParaRPr lang="en-US" dirty="0"/>
+          </a:p>
+          <a:p>
+            <a:r>
+              <a:rPr lang="en-US" dirty="0"/>
+              <a:t>What about in the validation set?</a:t>
+            </a:r>
+          </a:p>
+          <a:p>
+            <a:endParaRPr lang="en-US" dirty="0"/>
+          </a:p>
+        </p:txBody>
+      </p:sp>
+    </p:spTree>
+    <p:extLst>
+      <p:ext uri="{BB962C8B-B14F-4D97-AF65-F5344CB8AC3E}">
+        <p14:creationId xmlns:p14="http://schemas.microsoft.com/office/powerpoint/2010/main" val="3270682070"/>
+      </p:ext>
+    </p:extLst>
+  </p:cSld>
+  <p:clrMapOvr>
+    <a:masterClrMapping/>
+  </p:clrMapOvr>
+</p:sld>
+</file>
+
+<file path=ppt/slides/slide22.xml><?xml version="1.0" encoding="utf-8"?>
 <p:sld xmlns:a="http://schemas.openxmlformats.org/drawingml/2006/main" xmlns:r="http://schemas.openxmlformats.org/officeDocument/2006/relationships" xmlns:p="http://schemas.openxmlformats.org/presentationml/2006/main">
   <p:cSld>
     <p:spTree>
@@ -12718,7 +13459,7 @@
     </p:spTree>
     <p:extLst>
       <p:ext uri="{BB962C8B-B14F-4D97-AF65-F5344CB8AC3E}">
-        <p14:creationId xmlns:p14="http://schemas.microsoft.com/office/powerpoint/2010/main" val="1150148038"/>
+        <p14:creationId xmlns:p14="http://schemas.microsoft.com/office/powerpoint/2010/main" val="1958591717"/>
       </p:ext>
     </p:extLst>
   </p:cSld>
@@ -12728,7 +13469,7 @@
 </p:sld>
 </file>
 
-<file path=ppt/slides/slide18.xml><?xml version="1.0" encoding="utf-8"?>
+<file path=ppt/slides/slide23.xml><?xml version="1.0" encoding="utf-8"?>
 <p:sld xmlns:a="http://schemas.openxmlformats.org/drawingml/2006/main" xmlns:r="http://schemas.openxmlformats.org/officeDocument/2006/relationships" xmlns:p="http://schemas.openxmlformats.org/presentationml/2006/main">
   <p:cSld>
     <p:spTree>
@@ -12750,7 +13491,7 @@
           <p:cNvPr id="2" name="Title 1">
             <a:extLst>
               <a:ext uri="{FF2B5EF4-FFF2-40B4-BE49-F238E27FC236}">
-                <a16:creationId xmlns:a16="http://schemas.microsoft.com/office/drawing/2014/main" id="{E3F5A4E3-1083-BD43-B370-9A1F90A39416}"/>
+                <a16:creationId xmlns:a16="http://schemas.microsoft.com/office/drawing/2014/main" id="{3E6400B3-6753-994F-884E-259FF72CF7F4}"/>
               </a:ext>
             </a:extLst>
           </p:cNvPr>
@@ -12768,50 +13509,3865 @@
           <a:p>
             <a:r>
               <a:rPr lang="en-US" dirty="0"/>
-              <a:t>Parameters</a:t>
+              <a:t>Train Validation Pairs</a:t>
             </a:r>
+          </a:p>
+        </p:txBody>
+      </p:sp>
+      <p:graphicFrame>
+        <p:nvGraphicFramePr>
+          <p:cNvPr id="5" name="Table 4">
+            <a:extLst>
+              <a:ext uri="{FF2B5EF4-FFF2-40B4-BE49-F238E27FC236}">
+                <a16:creationId xmlns:a16="http://schemas.microsoft.com/office/drawing/2014/main" id="{0A123CB5-A986-524E-B988-2572CA609728}"/>
+              </a:ext>
+            </a:extLst>
+          </p:cNvPr>
+          <p:cNvGraphicFramePr>
+            <a:graphicFrameLocks noGrp="1"/>
+          </p:cNvGraphicFramePr>
+          <p:nvPr/>
+        </p:nvGraphicFramePr>
+        <p:xfrm>
+          <a:off x="279699" y="1226519"/>
+          <a:ext cx="10843710" cy="3558060"/>
+        </p:xfrm>
+        <a:graphic>
+          <a:graphicData uri="http://schemas.openxmlformats.org/drawingml/2006/table">
+            <a:tbl>
+              <a:tblPr/>
+              <a:tblGrid>
+                <a:gridCol w="980624">
+                  <a:extLst>
+                    <a:ext uri="{9D8B030D-6E8A-4147-A177-3AD203B41FA5}">
+                      <a16:colId xmlns:a16="http://schemas.microsoft.com/office/drawing/2014/main" val="1169677143"/>
+                    </a:ext>
+                  </a:extLst>
+                </a:gridCol>
+                <a:gridCol w="1236439">
+                  <a:extLst>
+                    <a:ext uri="{9D8B030D-6E8A-4147-A177-3AD203B41FA5}">
+                      <a16:colId xmlns:a16="http://schemas.microsoft.com/office/drawing/2014/main" val="1992358054"/>
+                    </a:ext>
+                  </a:extLst>
+                </a:gridCol>
+                <a:gridCol w="1321710">
+                  <a:extLst>
+                    <a:ext uri="{9D8B030D-6E8A-4147-A177-3AD203B41FA5}">
+                      <a16:colId xmlns:a16="http://schemas.microsoft.com/office/drawing/2014/main" val="2155224152"/>
+                    </a:ext>
+                  </a:extLst>
+                </a:gridCol>
+                <a:gridCol w="1307498">
+                  <a:extLst>
+                    <a:ext uri="{9D8B030D-6E8A-4147-A177-3AD203B41FA5}">
+                      <a16:colId xmlns:a16="http://schemas.microsoft.com/office/drawing/2014/main" val="2488083655"/>
+                    </a:ext>
+                  </a:extLst>
+                </a:gridCol>
+                <a:gridCol w="1165379">
+                  <a:extLst>
+                    <a:ext uri="{9D8B030D-6E8A-4147-A177-3AD203B41FA5}">
+                      <a16:colId xmlns:a16="http://schemas.microsoft.com/office/drawing/2014/main" val="3479530697"/>
+                    </a:ext>
+                  </a:extLst>
+                </a:gridCol>
+                <a:gridCol w="1208015">
+                  <a:extLst>
+                    <a:ext uri="{9D8B030D-6E8A-4147-A177-3AD203B41FA5}">
+                      <a16:colId xmlns:a16="http://schemas.microsoft.com/office/drawing/2014/main" val="2383658884"/>
+                    </a:ext>
+                  </a:extLst>
+                </a:gridCol>
+                <a:gridCol w="1208015">
+                  <a:extLst>
+                    <a:ext uri="{9D8B030D-6E8A-4147-A177-3AD203B41FA5}">
+                      <a16:colId xmlns:a16="http://schemas.microsoft.com/office/drawing/2014/main" val="3701120334"/>
+                    </a:ext>
+                  </a:extLst>
+                </a:gridCol>
+                <a:gridCol w="1208015">
+                  <a:extLst>
+                    <a:ext uri="{9D8B030D-6E8A-4147-A177-3AD203B41FA5}">
+                      <a16:colId xmlns:a16="http://schemas.microsoft.com/office/drawing/2014/main" val="3497687737"/>
+                    </a:ext>
+                  </a:extLst>
+                </a:gridCol>
+                <a:gridCol w="1208015">
+                  <a:extLst>
+                    <a:ext uri="{9D8B030D-6E8A-4147-A177-3AD203B41FA5}">
+                      <a16:colId xmlns:a16="http://schemas.microsoft.com/office/drawing/2014/main" val="4087941343"/>
+                    </a:ext>
+                  </a:extLst>
+                </a:gridCol>
+              </a:tblGrid>
+              <a:tr h="580500">
+                <a:tc>
+                  <a:txBody>
+                    <a:bodyPr/>
+                    <a:lstStyle/>
+                    <a:p>
+                      <a:pPr fontAlgn="t"/>
+                      <a:r>
+                        <a:rPr lang="en-US" sz="2800" dirty="0">
+                          <a:effectLst/>
+                        </a:rPr>
+                        <a:t> </a:t>
+                      </a:r>
+                    </a:p>
+                  </a:txBody>
+                  <a:tcPr marL="95250" marR="95250" marT="95250" marB="95250">
+                    <a:lnL w="9525" cap="flat" cmpd="sng" algn="ctr">
+                      <a:solidFill>
+                        <a:srgbClr val="9E9E9E"/>
+                      </a:solidFill>
+                      <a:prstDash val="solid"/>
+                      <a:round/>
+                      <a:headEnd type="none" w="med" len="med"/>
+                      <a:tailEnd type="none" w="med" len="med"/>
+                    </a:lnL>
+                    <a:lnR w="9525" cap="flat" cmpd="sng" algn="ctr">
+                      <a:solidFill>
+                        <a:srgbClr val="9E9E9E"/>
+                      </a:solidFill>
+                      <a:prstDash val="solid"/>
+                      <a:round/>
+                      <a:headEnd type="none" w="med" len="med"/>
+                      <a:tailEnd type="none" w="med" len="med"/>
+                    </a:lnR>
+                    <a:lnT w="9525" cap="flat" cmpd="sng" algn="ctr">
+                      <a:solidFill>
+                        <a:srgbClr val="9E9E9E"/>
+                      </a:solidFill>
+                      <a:prstDash val="solid"/>
+                      <a:round/>
+                      <a:headEnd type="none" w="med" len="med"/>
+                      <a:tailEnd type="none" w="med" len="med"/>
+                    </a:lnT>
+                    <a:lnB w="9525" cap="flat" cmpd="sng" algn="ctr">
+                      <a:solidFill>
+                        <a:srgbClr val="9E9E9E"/>
+                      </a:solidFill>
+                      <a:prstDash val="solid"/>
+                      <a:round/>
+                      <a:headEnd type="none" w="med" len="med"/>
+                      <a:tailEnd type="none" w="med" len="med"/>
+                    </a:lnB>
+                  </a:tcPr>
+                </a:tc>
+                <a:tc gridSpan="4">
+                  <a:txBody>
+                    <a:bodyPr/>
+                    <a:lstStyle/>
+                    <a:p>
+                      <a:pPr algn="ctr" rtl="0" fontAlgn="t">
+                        <a:spcBef>
+                          <a:spcPts val="0"/>
+                        </a:spcBef>
+                        <a:spcAft>
+                          <a:spcPts val="0"/>
+                        </a:spcAft>
+                      </a:pPr>
+                      <a:r>
+                        <a:rPr lang="en-US" sz="2400" b="1" i="0" u="none" strike="noStrike">
+                          <a:solidFill>
+                            <a:srgbClr val="000000"/>
+                          </a:solidFill>
+                          <a:effectLst/>
+                          <a:latin typeface="Arial" panose="020B0604020202020204" pitchFamily="34" charset="0"/>
+                        </a:rPr>
+                        <a:t>Train Set</a:t>
+                      </a:r>
+                      <a:endParaRPr lang="en-US" sz="2800">
+                        <a:effectLst/>
+                      </a:endParaRPr>
+                    </a:p>
+                  </a:txBody>
+                  <a:tcPr marL="95250" marR="95250" marT="95250" marB="95250">
+                    <a:lnL w="9525" cap="flat" cmpd="sng" algn="ctr">
+                      <a:solidFill>
+                        <a:srgbClr val="9E9E9E"/>
+                      </a:solidFill>
+                      <a:prstDash val="solid"/>
+                      <a:round/>
+                      <a:headEnd type="none" w="med" len="med"/>
+                      <a:tailEnd type="none" w="med" len="med"/>
+                    </a:lnL>
+                    <a:lnR w="9525" cap="flat" cmpd="sng" algn="ctr">
+                      <a:solidFill>
+                        <a:srgbClr val="9E9E9E"/>
+                      </a:solidFill>
+                      <a:prstDash val="solid"/>
+                      <a:round/>
+                      <a:headEnd type="none" w="med" len="med"/>
+                      <a:tailEnd type="none" w="med" len="med"/>
+                    </a:lnR>
+                    <a:lnT w="9525" cap="flat" cmpd="sng" algn="ctr">
+                      <a:solidFill>
+                        <a:srgbClr val="9E9E9E"/>
+                      </a:solidFill>
+                      <a:prstDash val="solid"/>
+                      <a:round/>
+                      <a:headEnd type="none" w="med" len="med"/>
+                      <a:tailEnd type="none" w="med" len="med"/>
+                    </a:lnT>
+                    <a:lnB w="9525" cap="flat" cmpd="sng" algn="ctr">
+                      <a:solidFill>
+                        <a:srgbClr val="9E9E9E"/>
+                      </a:solidFill>
+                      <a:prstDash val="solid"/>
+                      <a:round/>
+                      <a:headEnd type="none" w="med" len="med"/>
+                      <a:tailEnd type="none" w="med" len="med"/>
+                    </a:lnB>
+                    <a:solidFill>
+                      <a:srgbClr val="CFE2F3"/>
+                    </a:solidFill>
+                  </a:tcPr>
+                </a:tc>
+                <a:tc hMerge="1">
+                  <a:txBody>
+                    <a:bodyPr/>
+                    <a:lstStyle/>
+                    <a:p>
+                      <a:endParaRPr lang="en-US"/>
+                    </a:p>
+                  </a:txBody>
+                  <a:tcPr/>
+                </a:tc>
+                <a:tc hMerge="1">
+                  <a:txBody>
+                    <a:bodyPr/>
+                    <a:lstStyle/>
+                    <a:p>
+                      <a:endParaRPr lang="en-US"/>
+                    </a:p>
+                  </a:txBody>
+                  <a:tcPr/>
+                </a:tc>
+                <a:tc hMerge="1">
+                  <a:txBody>
+                    <a:bodyPr/>
+                    <a:lstStyle/>
+                    <a:p>
+                      <a:endParaRPr lang="en-US"/>
+                    </a:p>
+                  </a:txBody>
+                  <a:tcPr/>
+                </a:tc>
+                <a:tc gridSpan="4">
+                  <a:txBody>
+                    <a:bodyPr/>
+                    <a:lstStyle/>
+                    <a:p>
+                      <a:pPr algn="ctr" rtl="0" fontAlgn="t">
+                        <a:spcBef>
+                          <a:spcPts val="0"/>
+                        </a:spcBef>
+                        <a:spcAft>
+                          <a:spcPts val="0"/>
+                        </a:spcAft>
+                      </a:pPr>
+                      <a:r>
+                        <a:rPr lang="en-US" sz="2400" b="1" i="0" u="none" strike="noStrike">
+                          <a:solidFill>
+                            <a:srgbClr val="000000"/>
+                          </a:solidFill>
+                          <a:effectLst/>
+                          <a:latin typeface="Arial" panose="020B0604020202020204" pitchFamily="34" charset="0"/>
+                        </a:rPr>
+                        <a:t>Validation Set</a:t>
+                      </a:r>
+                      <a:endParaRPr lang="en-US" sz="2800">
+                        <a:effectLst/>
+                      </a:endParaRPr>
+                    </a:p>
+                  </a:txBody>
+                  <a:tcPr marL="95250" marR="95250" marT="95250" marB="95250">
+                    <a:lnL w="9525" cap="flat" cmpd="sng" algn="ctr">
+                      <a:solidFill>
+                        <a:srgbClr val="9E9E9E"/>
+                      </a:solidFill>
+                      <a:prstDash val="solid"/>
+                      <a:round/>
+                      <a:headEnd type="none" w="med" len="med"/>
+                      <a:tailEnd type="none" w="med" len="med"/>
+                    </a:lnL>
+                    <a:lnR w="9525" cap="flat" cmpd="sng" algn="ctr">
+                      <a:solidFill>
+                        <a:srgbClr val="9E9E9E"/>
+                      </a:solidFill>
+                      <a:prstDash val="solid"/>
+                      <a:round/>
+                      <a:headEnd type="none" w="med" len="med"/>
+                      <a:tailEnd type="none" w="med" len="med"/>
+                    </a:lnR>
+                    <a:lnT w="9525" cap="flat" cmpd="sng" algn="ctr">
+                      <a:solidFill>
+                        <a:srgbClr val="9E9E9E"/>
+                      </a:solidFill>
+                      <a:prstDash val="solid"/>
+                      <a:round/>
+                      <a:headEnd type="none" w="med" len="med"/>
+                      <a:tailEnd type="none" w="med" len="med"/>
+                    </a:lnT>
+                    <a:lnB w="9525" cap="flat" cmpd="sng" algn="ctr">
+                      <a:solidFill>
+                        <a:srgbClr val="9E9E9E"/>
+                      </a:solidFill>
+                      <a:prstDash val="solid"/>
+                      <a:round/>
+                      <a:headEnd type="none" w="med" len="med"/>
+                      <a:tailEnd type="none" w="med" len="med"/>
+                    </a:lnB>
+                    <a:solidFill>
+                      <a:srgbClr val="EFEFEF"/>
+                    </a:solidFill>
+                  </a:tcPr>
+                </a:tc>
+                <a:tc hMerge="1">
+                  <a:txBody>
+                    <a:bodyPr/>
+                    <a:lstStyle/>
+                    <a:p>
+                      <a:endParaRPr lang="en-US"/>
+                    </a:p>
+                  </a:txBody>
+                  <a:tcPr/>
+                </a:tc>
+                <a:tc hMerge="1">
+                  <a:txBody>
+                    <a:bodyPr/>
+                    <a:lstStyle/>
+                    <a:p>
+                      <a:endParaRPr lang="en-US"/>
+                    </a:p>
+                  </a:txBody>
+                  <a:tcPr>
+                    <a:lnL w="9525" cap="flat" cmpd="sng" algn="ctr">
+                      <a:solidFill>
+                        <a:srgbClr val="9E9E9E"/>
+                      </a:solidFill>
+                      <a:prstDash val="solid"/>
+                      <a:round/>
+                      <a:headEnd type="none" w="med" len="med"/>
+                      <a:tailEnd type="none" w="med" len="med"/>
+                    </a:lnL>
+                  </a:tcPr>
+                </a:tc>
+                <a:tc hMerge="1">
+                  <a:txBody>
+                    <a:bodyPr/>
+                    <a:lstStyle/>
+                    <a:p>
+                      <a:endParaRPr lang="en-US"/>
+                    </a:p>
+                  </a:txBody>
+                  <a:tcPr/>
+                </a:tc>
+                <a:extLst>
+                  <a:ext uri="{0D108BD9-81ED-4DB2-BD59-A6C34878D82A}">
+                    <a16:rowId xmlns:a16="http://schemas.microsoft.com/office/drawing/2014/main" val="3642516673"/>
+                  </a:ext>
+                </a:extLst>
+              </a:tr>
+              <a:tr h="1047600">
+                <a:tc>
+                  <a:txBody>
+                    <a:bodyPr/>
+                    <a:lstStyle/>
+                    <a:p>
+                      <a:pPr rtl="0" fontAlgn="t">
+                        <a:spcBef>
+                          <a:spcPts val="0"/>
+                        </a:spcBef>
+                        <a:spcAft>
+                          <a:spcPts val="0"/>
+                        </a:spcAft>
+                      </a:pPr>
+                      <a:r>
+                        <a:rPr lang="en-US" sz="1400" b="0" i="0" u="none" strike="noStrike">
+                          <a:solidFill>
+                            <a:srgbClr val="000000"/>
+                          </a:solidFill>
+                          <a:effectLst/>
+                          <a:latin typeface="Arial" panose="020B0604020202020204" pitchFamily="34" charset="0"/>
+                        </a:rPr>
+                        <a:t>Train-Validation Pair ID</a:t>
+                      </a:r>
+                      <a:endParaRPr lang="en-US" sz="2800">
+                        <a:effectLst/>
+                      </a:endParaRPr>
+                    </a:p>
+                  </a:txBody>
+                  <a:tcPr marL="95250" marR="95250" marT="95250" marB="95250">
+                    <a:lnL w="9525" cap="flat" cmpd="sng" algn="ctr">
+                      <a:solidFill>
+                        <a:srgbClr val="9E9E9E"/>
+                      </a:solidFill>
+                      <a:prstDash val="solid"/>
+                      <a:round/>
+                      <a:headEnd type="none" w="med" len="med"/>
+                      <a:tailEnd type="none" w="med" len="med"/>
+                    </a:lnL>
+                    <a:lnR w="9525" cap="flat" cmpd="sng" algn="ctr">
+                      <a:solidFill>
+                        <a:srgbClr val="9E9E9E"/>
+                      </a:solidFill>
+                      <a:prstDash val="solid"/>
+                      <a:round/>
+                      <a:headEnd type="none" w="med" len="med"/>
+                      <a:tailEnd type="none" w="med" len="med"/>
+                    </a:lnR>
+                    <a:lnT w="9525" cap="flat" cmpd="sng" algn="ctr">
+                      <a:solidFill>
+                        <a:srgbClr val="9E9E9E"/>
+                      </a:solidFill>
+                      <a:prstDash val="solid"/>
+                      <a:round/>
+                      <a:headEnd type="none" w="med" len="med"/>
+                      <a:tailEnd type="none" w="med" len="med"/>
+                    </a:lnT>
+                    <a:lnB w="9525" cap="flat" cmpd="sng" algn="ctr">
+                      <a:solidFill>
+                        <a:srgbClr val="9E9E9E"/>
+                      </a:solidFill>
+                      <a:prstDash val="solid"/>
+                      <a:round/>
+                      <a:headEnd type="none" w="med" len="med"/>
+                      <a:tailEnd type="none" w="med" len="med"/>
+                    </a:lnB>
+                  </a:tcPr>
+                </a:tc>
+                <a:tc>
+                  <a:txBody>
+                    <a:bodyPr/>
+                    <a:lstStyle/>
+                    <a:p>
+                      <a:pPr rtl="0" fontAlgn="t">
+                        <a:spcBef>
+                          <a:spcPts val="0"/>
+                        </a:spcBef>
+                        <a:spcAft>
+                          <a:spcPts val="0"/>
+                        </a:spcAft>
+                      </a:pPr>
+                      <a:r>
+                        <a:rPr lang="en-US" sz="1400" b="0" i="0" u="none" strike="noStrike">
+                          <a:solidFill>
+                            <a:srgbClr val="000000"/>
+                          </a:solidFill>
+                          <a:effectLst/>
+                          <a:latin typeface="Arial" panose="020B0604020202020204" pitchFamily="34" charset="0"/>
+                        </a:rPr>
+                        <a:t>Earliest project submission date </a:t>
+                      </a:r>
+                      <a:endParaRPr lang="en-US" sz="2800">
+                        <a:effectLst/>
+                      </a:endParaRPr>
+                    </a:p>
+                  </a:txBody>
+                  <a:tcPr marL="95250" marR="95250" marT="95250" marB="95250">
+                    <a:lnL w="9525" cap="flat" cmpd="sng" algn="ctr">
+                      <a:solidFill>
+                        <a:srgbClr val="9E9E9E"/>
+                      </a:solidFill>
+                      <a:prstDash val="solid"/>
+                      <a:round/>
+                      <a:headEnd type="none" w="med" len="med"/>
+                      <a:tailEnd type="none" w="med" len="med"/>
+                    </a:lnL>
+                    <a:lnR w="9525" cap="flat" cmpd="sng" algn="ctr">
+                      <a:solidFill>
+                        <a:srgbClr val="9E9E9E"/>
+                      </a:solidFill>
+                      <a:prstDash val="solid"/>
+                      <a:round/>
+                      <a:headEnd type="none" w="med" len="med"/>
+                      <a:tailEnd type="none" w="med" len="med"/>
+                    </a:lnR>
+                    <a:lnT w="9525" cap="flat" cmpd="sng" algn="ctr">
+                      <a:solidFill>
+                        <a:srgbClr val="9E9E9E"/>
+                      </a:solidFill>
+                      <a:prstDash val="solid"/>
+                      <a:round/>
+                      <a:headEnd type="none" w="med" len="med"/>
+                      <a:tailEnd type="none" w="med" len="med"/>
+                    </a:lnT>
+                    <a:lnB w="9525" cap="flat" cmpd="sng" algn="ctr">
+                      <a:solidFill>
+                        <a:srgbClr val="9E9E9E"/>
+                      </a:solidFill>
+                      <a:prstDash val="solid"/>
+                      <a:round/>
+                      <a:headEnd type="none" w="med" len="med"/>
+                      <a:tailEnd type="none" w="med" len="med"/>
+                    </a:lnB>
+                    <a:solidFill>
+                      <a:srgbClr val="CFE2F3"/>
+                    </a:solidFill>
+                  </a:tcPr>
+                </a:tc>
+                <a:tc>
+                  <a:txBody>
+                    <a:bodyPr/>
+                    <a:lstStyle/>
+                    <a:p>
+                      <a:pPr rtl="0" fontAlgn="t">
+                        <a:spcBef>
+                          <a:spcPts val="0"/>
+                        </a:spcBef>
+                        <a:spcAft>
+                          <a:spcPts val="0"/>
+                        </a:spcAft>
+                      </a:pPr>
+                      <a:r>
+                        <a:rPr lang="en-US" sz="1400" b="0" i="0" u="none" strike="noStrike">
+                          <a:solidFill>
+                            <a:srgbClr val="000000"/>
+                          </a:solidFill>
+                          <a:effectLst/>
+                          <a:latin typeface="Arial" panose="020B0604020202020204" pitchFamily="34" charset="0"/>
+                        </a:rPr>
+                        <a:t>Latest project submission date </a:t>
+                      </a:r>
+                      <a:endParaRPr lang="en-US" sz="2800">
+                        <a:effectLst/>
+                      </a:endParaRPr>
+                    </a:p>
+                  </a:txBody>
+                  <a:tcPr marL="95250" marR="95250" marT="95250" marB="95250">
+                    <a:lnL w="9525" cap="flat" cmpd="sng" algn="ctr">
+                      <a:solidFill>
+                        <a:srgbClr val="9E9E9E"/>
+                      </a:solidFill>
+                      <a:prstDash val="solid"/>
+                      <a:round/>
+                      <a:headEnd type="none" w="med" len="med"/>
+                      <a:tailEnd type="none" w="med" len="med"/>
+                    </a:lnL>
+                    <a:lnR w="9525" cap="flat" cmpd="sng" algn="ctr">
+                      <a:solidFill>
+                        <a:srgbClr val="9E9E9E"/>
+                      </a:solidFill>
+                      <a:prstDash val="solid"/>
+                      <a:round/>
+                      <a:headEnd type="none" w="med" len="med"/>
+                      <a:tailEnd type="none" w="med" len="med"/>
+                    </a:lnR>
+                    <a:lnT w="9525" cap="flat" cmpd="sng" algn="ctr">
+                      <a:solidFill>
+                        <a:srgbClr val="9E9E9E"/>
+                      </a:solidFill>
+                      <a:prstDash val="solid"/>
+                      <a:round/>
+                      <a:headEnd type="none" w="med" len="med"/>
+                      <a:tailEnd type="none" w="med" len="med"/>
+                    </a:lnT>
+                    <a:lnB w="9525" cap="flat" cmpd="sng" algn="ctr">
+                      <a:solidFill>
+                        <a:srgbClr val="9E9E9E"/>
+                      </a:solidFill>
+                      <a:prstDash val="solid"/>
+                      <a:round/>
+                      <a:headEnd type="none" w="med" len="med"/>
+                      <a:tailEnd type="none" w="med" len="med"/>
+                    </a:lnB>
+                    <a:solidFill>
+                      <a:srgbClr val="CFE2F3"/>
+                    </a:solidFill>
+                  </a:tcPr>
+                </a:tc>
+                <a:tc>
+                  <a:txBody>
+                    <a:bodyPr/>
+                    <a:lstStyle/>
+                    <a:p>
+                      <a:pPr rtl="0" fontAlgn="t">
+                        <a:spcBef>
+                          <a:spcPts val="0"/>
+                        </a:spcBef>
+                        <a:spcAft>
+                          <a:spcPts val="0"/>
+                        </a:spcAft>
+                      </a:pPr>
+                      <a:r>
+                        <a:rPr lang="en-US" sz="1400" b="0" i="0" u="none" strike="noStrike" dirty="0">
+                          <a:solidFill>
+                            <a:srgbClr val="000000"/>
+                          </a:solidFill>
+                          <a:effectLst/>
+                          <a:latin typeface="Arial" panose="020B0604020202020204" pitchFamily="34" charset="0"/>
+                        </a:rPr>
+                        <a:t>Start date for labels</a:t>
+                      </a:r>
+                      <a:endParaRPr lang="en-US" sz="2800" dirty="0">
+                        <a:effectLst/>
+                      </a:endParaRPr>
+                    </a:p>
+                  </a:txBody>
+                  <a:tcPr marL="95250" marR="95250" marT="95250" marB="95250">
+                    <a:lnL w="9525" cap="flat" cmpd="sng" algn="ctr">
+                      <a:solidFill>
+                        <a:srgbClr val="9E9E9E"/>
+                      </a:solidFill>
+                      <a:prstDash val="solid"/>
+                      <a:round/>
+                      <a:headEnd type="none" w="med" len="med"/>
+                      <a:tailEnd type="none" w="med" len="med"/>
+                    </a:lnL>
+                    <a:lnR w="9525" cap="flat" cmpd="sng" algn="ctr">
+                      <a:solidFill>
+                        <a:srgbClr val="9E9E9E"/>
+                      </a:solidFill>
+                      <a:prstDash val="solid"/>
+                      <a:round/>
+                      <a:headEnd type="none" w="med" len="med"/>
+                      <a:tailEnd type="none" w="med" len="med"/>
+                    </a:lnR>
+                    <a:lnT w="9525" cap="flat" cmpd="sng" algn="ctr">
+                      <a:solidFill>
+                        <a:srgbClr val="9E9E9E"/>
+                      </a:solidFill>
+                      <a:prstDash val="solid"/>
+                      <a:round/>
+                      <a:headEnd type="none" w="med" len="med"/>
+                      <a:tailEnd type="none" w="med" len="med"/>
+                    </a:lnT>
+                    <a:lnB w="9525" cap="flat" cmpd="sng" algn="ctr">
+                      <a:solidFill>
+                        <a:srgbClr val="9E9E9E"/>
+                      </a:solidFill>
+                      <a:prstDash val="solid"/>
+                      <a:round/>
+                      <a:headEnd type="none" w="med" len="med"/>
+                      <a:tailEnd type="none" w="med" len="med"/>
+                    </a:lnB>
+                    <a:solidFill>
+                      <a:srgbClr val="CFE2F3"/>
+                    </a:solidFill>
+                  </a:tcPr>
+                </a:tc>
+                <a:tc>
+                  <a:txBody>
+                    <a:bodyPr/>
+                    <a:lstStyle/>
+                    <a:p>
+                      <a:pPr rtl="0" fontAlgn="t">
+                        <a:spcBef>
+                          <a:spcPts val="0"/>
+                        </a:spcBef>
+                        <a:spcAft>
+                          <a:spcPts val="0"/>
+                        </a:spcAft>
+                      </a:pPr>
+                      <a:r>
+                        <a:rPr lang="en-US" sz="1400" b="0" i="0" u="none" strike="noStrike" dirty="0">
+                          <a:solidFill>
+                            <a:srgbClr val="000000"/>
+                          </a:solidFill>
+                          <a:effectLst/>
+                          <a:latin typeface="Arial" panose="020B0604020202020204" pitchFamily="34" charset="0"/>
+                        </a:rPr>
+                        <a:t>End date for labels</a:t>
+                      </a:r>
+                      <a:endParaRPr lang="en-US" sz="2800" dirty="0">
+                        <a:effectLst/>
+                      </a:endParaRPr>
+                    </a:p>
+                  </a:txBody>
+                  <a:tcPr marL="95250" marR="95250" marT="95250" marB="95250">
+                    <a:lnL w="9525" cap="flat" cmpd="sng" algn="ctr">
+                      <a:solidFill>
+                        <a:srgbClr val="9E9E9E"/>
+                      </a:solidFill>
+                      <a:prstDash val="solid"/>
+                      <a:round/>
+                      <a:headEnd type="none" w="med" len="med"/>
+                      <a:tailEnd type="none" w="med" len="med"/>
+                    </a:lnL>
+                    <a:lnR w="9525" cap="flat" cmpd="sng" algn="ctr">
+                      <a:solidFill>
+                        <a:srgbClr val="9E9E9E"/>
+                      </a:solidFill>
+                      <a:prstDash val="solid"/>
+                      <a:round/>
+                      <a:headEnd type="none" w="med" len="med"/>
+                      <a:tailEnd type="none" w="med" len="med"/>
+                    </a:lnR>
+                    <a:lnT w="9525" cap="flat" cmpd="sng" algn="ctr">
+                      <a:solidFill>
+                        <a:srgbClr val="9E9E9E"/>
+                      </a:solidFill>
+                      <a:prstDash val="solid"/>
+                      <a:round/>
+                      <a:headEnd type="none" w="med" len="med"/>
+                      <a:tailEnd type="none" w="med" len="med"/>
+                    </a:lnT>
+                    <a:lnB w="9525" cap="flat" cmpd="sng" algn="ctr">
+                      <a:solidFill>
+                        <a:srgbClr val="9E9E9E"/>
+                      </a:solidFill>
+                      <a:prstDash val="solid"/>
+                      <a:round/>
+                      <a:headEnd type="none" w="med" len="med"/>
+                      <a:tailEnd type="none" w="med" len="med"/>
+                    </a:lnB>
+                    <a:solidFill>
+                      <a:srgbClr val="CFE2F3"/>
+                    </a:solidFill>
+                  </a:tcPr>
+                </a:tc>
+                <a:tc>
+                  <a:txBody>
+                    <a:bodyPr/>
+                    <a:lstStyle/>
+                    <a:p>
+                      <a:pPr rtl="0" fontAlgn="t">
+                        <a:spcBef>
+                          <a:spcPts val="0"/>
+                        </a:spcBef>
+                        <a:spcAft>
+                          <a:spcPts val="0"/>
+                        </a:spcAft>
+                      </a:pPr>
+                      <a:r>
+                        <a:rPr lang="en-US" sz="1400" b="0" i="0" u="none" strike="noStrike">
+                          <a:solidFill>
+                            <a:srgbClr val="000000"/>
+                          </a:solidFill>
+                          <a:effectLst/>
+                          <a:latin typeface="Arial" panose="020B0604020202020204" pitchFamily="34" charset="0"/>
+                        </a:rPr>
+                        <a:t>Start date for rows</a:t>
+                      </a:r>
+                      <a:endParaRPr lang="en-US" sz="2800">
+                        <a:effectLst/>
+                      </a:endParaRPr>
+                    </a:p>
+                  </a:txBody>
+                  <a:tcPr marL="95250" marR="95250" marT="95250" marB="95250">
+                    <a:lnL w="9525" cap="flat" cmpd="sng" algn="ctr">
+                      <a:solidFill>
+                        <a:srgbClr val="9E9E9E"/>
+                      </a:solidFill>
+                      <a:prstDash val="solid"/>
+                      <a:round/>
+                      <a:headEnd type="none" w="med" len="med"/>
+                      <a:tailEnd type="none" w="med" len="med"/>
+                    </a:lnL>
+                    <a:lnR w="9525" cap="flat" cmpd="sng" algn="ctr">
+                      <a:solidFill>
+                        <a:srgbClr val="9E9E9E"/>
+                      </a:solidFill>
+                      <a:prstDash val="solid"/>
+                      <a:round/>
+                      <a:headEnd type="none" w="med" len="med"/>
+                      <a:tailEnd type="none" w="med" len="med"/>
+                    </a:lnR>
+                    <a:lnT w="9525" cap="flat" cmpd="sng" algn="ctr">
+                      <a:solidFill>
+                        <a:srgbClr val="9E9E9E"/>
+                      </a:solidFill>
+                      <a:prstDash val="solid"/>
+                      <a:round/>
+                      <a:headEnd type="none" w="med" len="med"/>
+                      <a:tailEnd type="none" w="med" len="med"/>
+                    </a:lnT>
+                    <a:lnB w="9525" cap="flat" cmpd="sng" algn="ctr">
+                      <a:solidFill>
+                        <a:srgbClr val="9E9E9E"/>
+                      </a:solidFill>
+                      <a:prstDash val="solid"/>
+                      <a:round/>
+                      <a:headEnd type="none" w="med" len="med"/>
+                      <a:tailEnd type="none" w="med" len="med"/>
+                    </a:lnB>
+                    <a:solidFill>
+                      <a:srgbClr val="EFEFEF"/>
+                    </a:solidFill>
+                  </a:tcPr>
+                </a:tc>
+                <a:tc>
+                  <a:txBody>
+                    <a:bodyPr/>
+                    <a:lstStyle/>
+                    <a:p>
+                      <a:pPr rtl="0" fontAlgn="t">
+                        <a:spcBef>
+                          <a:spcPts val="0"/>
+                        </a:spcBef>
+                        <a:spcAft>
+                          <a:spcPts val="0"/>
+                        </a:spcAft>
+                      </a:pPr>
+                      <a:r>
+                        <a:rPr lang="en-US" sz="1400" b="0" i="0" u="none" strike="noStrike">
+                          <a:solidFill>
+                            <a:srgbClr val="000000"/>
+                          </a:solidFill>
+                          <a:effectLst/>
+                          <a:latin typeface="Arial" panose="020B0604020202020204" pitchFamily="34" charset="0"/>
+                        </a:rPr>
+                        <a:t>End date for rows</a:t>
+                      </a:r>
+                      <a:endParaRPr lang="en-US" sz="2800">
+                        <a:effectLst/>
+                      </a:endParaRPr>
+                    </a:p>
+                  </a:txBody>
+                  <a:tcPr marL="95250" marR="95250" marT="95250" marB="95250">
+                    <a:lnL w="9525" cap="flat" cmpd="sng" algn="ctr">
+                      <a:solidFill>
+                        <a:srgbClr val="9E9E9E"/>
+                      </a:solidFill>
+                      <a:prstDash val="solid"/>
+                      <a:round/>
+                      <a:headEnd type="none" w="med" len="med"/>
+                      <a:tailEnd type="none" w="med" len="med"/>
+                    </a:lnL>
+                    <a:lnR w="9525" cap="flat" cmpd="sng" algn="ctr">
+                      <a:solidFill>
+                        <a:srgbClr val="9E9E9E"/>
+                      </a:solidFill>
+                      <a:prstDash val="solid"/>
+                      <a:round/>
+                      <a:headEnd type="none" w="med" len="med"/>
+                      <a:tailEnd type="none" w="med" len="med"/>
+                    </a:lnR>
+                    <a:lnT w="9525" cap="flat" cmpd="sng" algn="ctr">
+                      <a:solidFill>
+                        <a:srgbClr val="9E9E9E"/>
+                      </a:solidFill>
+                      <a:prstDash val="solid"/>
+                      <a:round/>
+                      <a:headEnd type="none" w="med" len="med"/>
+                      <a:tailEnd type="none" w="med" len="med"/>
+                    </a:lnT>
+                    <a:lnB w="9525" cap="flat" cmpd="sng" algn="ctr">
+                      <a:solidFill>
+                        <a:srgbClr val="9E9E9E"/>
+                      </a:solidFill>
+                      <a:prstDash val="solid"/>
+                      <a:round/>
+                      <a:headEnd type="none" w="med" len="med"/>
+                      <a:tailEnd type="none" w="med" len="med"/>
+                    </a:lnB>
+                    <a:solidFill>
+                      <a:srgbClr val="EFEFEF"/>
+                    </a:solidFill>
+                  </a:tcPr>
+                </a:tc>
+                <a:tc>
+                  <a:txBody>
+                    <a:bodyPr/>
+                    <a:lstStyle/>
+                    <a:p>
+                      <a:pPr rtl="0" fontAlgn="t">
+                        <a:spcBef>
+                          <a:spcPts val="0"/>
+                        </a:spcBef>
+                        <a:spcAft>
+                          <a:spcPts val="0"/>
+                        </a:spcAft>
+                      </a:pPr>
+                      <a:r>
+                        <a:rPr lang="en-US" sz="1400" b="0" i="0" u="none" strike="noStrike">
+                          <a:solidFill>
+                            <a:srgbClr val="000000"/>
+                          </a:solidFill>
+                          <a:effectLst/>
+                          <a:latin typeface="Arial" panose="020B0604020202020204" pitchFamily="34" charset="0"/>
+                        </a:rPr>
+                        <a:t>Start date for labels</a:t>
+                      </a:r>
+                      <a:endParaRPr lang="en-US" sz="2800">
+                        <a:effectLst/>
+                      </a:endParaRPr>
+                    </a:p>
+                  </a:txBody>
+                  <a:tcPr marL="95250" marR="95250" marT="95250" marB="95250">
+                    <a:lnL w="9525" cap="flat" cmpd="sng" algn="ctr">
+                      <a:solidFill>
+                        <a:srgbClr val="9E9E9E"/>
+                      </a:solidFill>
+                      <a:prstDash val="solid"/>
+                      <a:round/>
+                      <a:headEnd type="none" w="med" len="med"/>
+                      <a:tailEnd type="none" w="med" len="med"/>
+                    </a:lnL>
+                    <a:lnR w="9525" cap="flat" cmpd="sng" algn="ctr">
+                      <a:solidFill>
+                        <a:srgbClr val="9E9E9E"/>
+                      </a:solidFill>
+                      <a:prstDash val="solid"/>
+                      <a:round/>
+                      <a:headEnd type="none" w="med" len="med"/>
+                      <a:tailEnd type="none" w="med" len="med"/>
+                    </a:lnR>
+                    <a:lnB w="9525" cap="flat" cmpd="sng" algn="ctr">
+                      <a:solidFill>
+                        <a:srgbClr val="9E9E9E"/>
+                      </a:solidFill>
+                      <a:prstDash val="solid"/>
+                      <a:round/>
+                      <a:headEnd type="none" w="med" len="med"/>
+                      <a:tailEnd type="none" w="med" len="med"/>
+                    </a:lnB>
+                    <a:solidFill>
+                      <a:srgbClr val="EFEFEF"/>
+                    </a:solidFill>
+                  </a:tcPr>
+                </a:tc>
+                <a:tc>
+                  <a:txBody>
+                    <a:bodyPr/>
+                    <a:lstStyle/>
+                    <a:p>
+                      <a:pPr rtl="0" fontAlgn="t">
+                        <a:spcBef>
+                          <a:spcPts val="0"/>
+                        </a:spcBef>
+                        <a:spcAft>
+                          <a:spcPts val="0"/>
+                        </a:spcAft>
+                      </a:pPr>
+                      <a:r>
+                        <a:rPr lang="en-US" sz="1400" b="0" i="0" u="none" strike="noStrike">
+                          <a:solidFill>
+                            <a:srgbClr val="000000"/>
+                          </a:solidFill>
+                          <a:effectLst/>
+                          <a:latin typeface="Arial" panose="020B0604020202020204" pitchFamily="34" charset="0"/>
+                        </a:rPr>
+                        <a:t>End date for labels</a:t>
+                      </a:r>
+                      <a:endParaRPr lang="en-US" sz="2800">
+                        <a:effectLst/>
+                      </a:endParaRPr>
+                    </a:p>
+                  </a:txBody>
+                  <a:tcPr marL="95250" marR="95250" marT="95250" marB="95250">
+                    <a:lnL w="9525" cap="flat" cmpd="sng" algn="ctr">
+                      <a:solidFill>
+                        <a:srgbClr val="9E9E9E"/>
+                      </a:solidFill>
+                      <a:prstDash val="solid"/>
+                      <a:round/>
+                      <a:headEnd type="none" w="med" len="med"/>
+                      <a:tailEnd type="none" w="med" len="med"/>
+                    </a:lnL>
+                    <a:lnR w="9525" cap="flat" cmpd="sng" algn="ctr">
+                      <a:solidFill>
+                        <a:srgbClr val="9E9E9E"/>
+                      </a:solidFill>
+                      <a:prstDash val="solid"/>
+                      <a:round/>
+                      <a:headEnd type="none" w="med" len="med"/>
+                      <a:tailEnd type="none" w="med" len="med"/>
+                    </a:lnR>
+                    <a:lnT w="9525" cap="flat" cmpd="sng" algn="ctr">
+                      <a:solidFill>
+                        <a:srgbClr val="9E9E9E"/>
+                      </a:solidFill>
+                      <a:prstDash val="solid"/>
+                      <a:round/>
+                      <a:headEnd type="none" w="med" len="med"/>
+                      <a:tailEnd type="none" w="med" len="med"/>
+                    </a:lnT>
+                    <a:lnB w="9525" cap="flat" cmpd="sng" algn="ctr">
+                      <a:solidFill>
+                        <a:srgbClr val="9E9E9E"/>
+                      </a:solidFill>
+                      <a:prstDash val="solid"/>
+                      <a:round/>
+                      <a:headEnd type="none" w="med" len="med"/>
+                      <a:tailEnd type="none" w="med" len="med"/>
+                    </a:lnB>
+                    <a:solidFill>
+                      <a:srgbClr val="EFEFEF"/>
+                    </a:solidFill>
+                  </a:tcPr>
+                </a:tc>
+                <a:extLst>
+                  <a:ext uri="{0D108BD9-81ED-4DB2-BD59-A6C34878D82A}">
+                    <a16:rowId xmlns:a16="http://schemas.microsoft.com/office/drawing/2014/main" val="634230078"/>
+                  </a:ext>
+                </a:extLst>
+              </a:tr>
+              <a:tr h="572400">
+                <a:tc>
+                  <a:txBody>
+                    <a:bodyPr/>
+                    <a:lstStyle/>
+                    <a:p>
+                      <a:pPr rtl="0" fontAlgn="t">
+                        <a:spcBef>
+                          <a:spcPts val="0"/>
+                        </a:spcBef>
+                        <a:spcAft>
+                          <a:spcPts val="0"/>
+                        </a:spcAft>
+                      </a:pPr>
+                      <a:r>
+                        <a:rPr lang="en-US" sz="1400" b="0" i="0" u="none" strike="noStrike">
+                          <a:solidFill>
+                            <a:srgbClr val="000000"/>
+                          </a:solidFill>
+                          <a:effectLst/>
+                          <a:latin typeface="Arial" panose="020B0604020202020204" pitchFamily="34" charset="0"/>
+                        </a:rPr>
+                        <a:t>1 </a:t>
+                      </a:r>
+                      <a:endParaRPr lang="en-US" sz="2800">
+                        <a:effectLst/>
+                      </a:endParaRPr>
+                    </a:p>
+                  </a:txBody>
+                  <a:tcPr marL="95250" marR="95250" marT="95250" marB="95250">
+                    <a:lnL w="9525" cap="flat" cmpd="sng" algn="ctr">
+                      <a:solidFill>
+                        <a:srgbClr val="9E9E9E"/>
+                      </a:solidFill>
+                      <a:prstDash val="solid"/>
+                      <a:round/>
+                      <a:headEnd type="none" w="med" len="med"/>
+                      <a:tailEnd type="none" w="med" len="med"/>
+                    </a:lnL>
+                    <a:lnR w="9525" cap="flat" cmpd="sng" algn="ctr">
+                      <a:solidFill>
+                        <a:srgbClr val="9E9E9E"/>
+                      </a:solidFill>
+                      <a:prstDash val="solid"/>
+                      <a:round/>
+                      <a:headEnd type="none" w="med" len="med"/>
+                      <a:tailEnd type="none" w="med" len="med"/>
+                    </a:lnR>
+                    <a:lnT w="9525" cap="flat" cmpd="sng" algn="ctr">
+                      <a:solidFill>
+                        <a:srgbClr val="9E9E9E"/>
+                      </a:solidFill>
+                      <a:prstDash val="solid"/>
+                      <a:round/>
+                      <a:headEnd type="none" w="med" len="med"/>
+                      <a:tailEnd type="none" w="med" len="med"/>
+                    </a:lnT>
+                    <a:lnB w="9525" cap="flat" cmpd="sng" algn="ctr">
+                      <a:solidFill>
+                        <a:srgbClr val="9E9E9E"/>
+                      </a:solidFill>
+                      <a:prstDash val="solid"/>
+                      <a:round/>
+                      <a:headEnd type="none" w="med" len="med"/>
+                      <a:tailEnd type="none" w="med" len="med"/>
+                    </a:lnB>
+                  </a:tcPr>
+                </a:tc>
+                <a:tc>
+                  <a:txBody>
+                    <a:bodyPr/>
+                    <a:lstStyle/>
+                    <a:p>
+                      <a:pPr fontAlgn="t"/>
+                      <a:r>
+                        <a:rPr lang="en-US" sz="2800">
+                          <a:effectLst/>
+                        </a:rPr>
+                        <a:t> </a:t>
+                      </a:r>
+                    </a:p>
+                  </a:txBody>
+                  <a:tcPr marL="95250" marR="95250" marT="95250" marB="95250">
+                    <a:lnL w="9525" cap="flat" cmpd="sng" algn="ctr">
+                      <a:solidFill>
+                        <a:srgbClr val="9E9E9E"/>
+                      </a:solidFill>
+                      <a:prstDash val="solid"/>
+                      <a:round/>
+                      <a:headEnd type="none" w="med" len="med"/>
+                      <a:tailEnd type="none" w="med" len="med"/>
+                    </a:lnL>
+                    <a:lnR w="9525" cap="flat" cmpd="sng" algn="ctr">
+                      <a:solidFill>
+                        <a:srgbClr val="9E9E9E"/>
+                      </a:solidFill>
+                      <a:prstDash val="solid"/>
+                      <a:round/>
+                      <a:headEnd type="none" w="med" len="med"/>
+                      <a:tailEnd type="none" w="med" len="med"/>
+                    </a:lnR>
+                    <a:lnT w="9525" cap="flat" cmpd="sng" algn="ctr">
+                      <a:solidFill>
+                        <a:srgbClr val="9E9E9E"/>
+                      </a:solidFill>
+                      <a:prstDash val="solid"/>
+                      <a:round/>
+                      <a:headEnd type="none" w="med" len="med"/>
+                      <a:tailEnd type="none" w="med" len="med"/>
+                    </a:lnT>
+                    <a:lnB w="9525" cap="flat" cmpd="sng" algn="ctr">
+                      <a:solidFill>
+                        <a:srgbClr val="9E9E9E"/>
+                      </a:solidFill>
+                      <a:prstDash val="solid"/>
+                      <a:round/>
+                      <a:headEnd type="none" w="med" len="med"/>
+                      <a:tailEnd type="none" w="med" len="med"/>
+                    </a:lnB>
+                    <a:solidFill>
+                      <a:srgbClr val="CFE2F3"/>
+                    </a:solidFill>
+                  </a:tcPr>
+                </a:tc>
+                <a:tc>
+                  <a:txBody>
+                    <a:bodyPr/>
+                    <a:lstStyle/>
+                    <a:p>
+                      <a:pPr fontAlgn="t"/>
+                      <a:r>
+                        <a:rPr lang="en-US" sz="2800">
+                          <a:effectLst/>
+                        </a:rPr>
+                        <a:t> </a:t>
+                      </a:r>
+                    </a:p>
+                  </a:txBody>
+                  <a:tcPr marL="95250" marR="95250" marT="95250" marB="95250">
+                    <a:lnL w="9525" cap="flat" cmpd="sng" algn="ctr">
+                      <a:solidFill>
+                        <a:srgbClr val="9E9E9E"/>
+                      </a:solidFill>
+                      <a:prstDash val="solid"/>
+                      <a:round/>
+                      <a:headEnd type="none" w="med" len="med"/>
+                      <a:tailEnd type="none" w="med" len="med"/>
+                    </a:lnL>
+                    <a:lnR w="9525" cap="flat" cmpd="sng" algn="ctr">
+                      <a:solidFill>
+                        <a:srgbClr val="9E9E9E"/>
+                      </a:solidFill>
+                      <a:prstDash val="solid"/>
+                      <a:round/>
+                      <a:headEnd type="none" w="med" len="med"/>
+                      <a:tailEnd type="none" w="med" len="med"/>
+                    </a:lnR>
+                    <a:lnT w="9525" cap="flat" cmpd="sng" algn="ctr">
+                      <a:solidFill>
+                        <a:srgbClr val="9E9E9E"/>
+                      </a:solidFill>
+                      <a:prstDash val="solid"/>
+                      <a:round/>
+                      <a:headEnd type="none" w="med" len="med"/>
+                      <a:tailEnd type="none" w="med" len="med"/>
+                    </a:lnT>
+                    <a:lnB w="9525" cap="flat" cmpd="sng" algn="ctr">
+                      <a:solidFill>
+                        <a:srgbClr val="9E9E9E"/>
+                      </a:solidFill>
+                      <a:prstDash val="solid"/>
+                      <a:round/>
+                      <a:headEnd type="none" w="med" len="med"/>
+                      <a:tailEnd type="none" w="med" len="med"/>
+                    </a:lnB>
+                    <a:solidFill>
+                      <a:srgbClr val="CFE2F3"/>
+                    </a:solidFill>
+                  </a:tcPr>
+                </a:tc>
+                <a:tc>
+                  <a:txBody>
+                    <a:bodyPr/>
+                    <a:lstStyle/>
+                    <a:p>
+                      <a:pPr fontAlgn="t"/>
+                      <a:r>
+                        <a:rPr lang="en-US" sz="2800">
+                          <a:effectLst/>
+                        </a:rPr>
+                        <a:t> </a:t>
+                      </a:r>
+                    </a:p>
+                  </a:txBody>
+                  <a:tcPr marL="95250" marR="95250" marT="95250" marB="95250">
+                    <a:lnL w="9525" cap="flat" cmpd="sng" algn="ctr">
+                      <a:solidFill>
+                        <a:srgbClr val="9E9E9E"/>
+                      </a:solidFill>
+                      <a:prstDash val="solid"/>
+                      <a:round/>
+                      <a:headEnd type="none" w="med" len="med"/>
+                      <a:tailEnd type="none" w="med" len="med"/>
+                    </a:lnL>
+                    <a:lnR w="9525" cap="flat" cmpd="sng" algn="ctr">
+                      <a:solidFill>
+                        <a:srgbClr val="9E9E9E"/>
+                      </a:solidFill>
+                      <a:prstDash val="solid"/>
+                      <a:round/>
+                      <a:headEnd type="none" w="med" len="med"/>
+                      <a:tailEnd type="none" w="med" len="med"/>
+                    </a:lnR>
+                    <a:lnT w="9525" cap="flat" cmpd="sng" algn="ctr">
+                      <a:solidFill>
+                        <a:srgbClr val="9E9E9E"/>
+                      </a:solidFill>
+                      <a:prstDash val="solid"/>
+                      <a:round/>
+                      <a:headEnd type="none" w="med" len="med"/>
+                      <a:tailEnd type="none" w="med" len="med"/>
+                    </a:lnT>
+                    <a:lnB w="9525" cap="flat" cmpd="sng" algn="ctr">
+                      <a:solidFill>
+                        <a:srgbClr val="9E9E9E"/>
+                      </a:solidFill>
+                      <a:prstDash val="solid"/>
+                      <a:round/>
+                      <a:headEnd type="none" w="med" len="med"/>
+                      <a:tailEnd type="none" w="med" len="med"/>
+                    </a:lnB>
+                    <a:solidFill>
+                      <a:srgbClr val="CFE2F3"/>
+                    </a:solidFill>
+                  </a:tcPr>
+                </a:tc>
+                <a:tc>
+                  <a:txBody>
+                    <a:bodyPr/>
+                    <a:lstStyle/>
+                    <a:p>
+                      <a:pPr fontAlgn="t"/>
+                      <a:r>
+                        <a:rPr lang="en-US" sz="2800">
+                          <a:effectLst/>
+                        </a:rPr>
+                        <a:t> </a:t>
+                      </a:r>
+                    </a:p>
+                  </a:txBody>
+                  <a:tcPr marL="95250" marR="95250" marT="95250" marB="95250">
+                    <a:lnL w="9525" cap="flat" cmpd="sng" algn="ctr">
+                      <a:solidFill>
+                        <a:srgbClr val="9E9E9E"/>
+                      </a:solidFill>
+                      <a:prstDash val="solid"/>
+                      <a:round/>
+                      <a:headEnd type="none" w="med" len="med"/>
+                      <a:tailEnd type="none" w="med" len="med"/>
+                    </a:lnL>
+                    <a:lnR w="9525" cap="flat" cmpd="sng" algn="ctr">
+                      <a:solidFill>
+                        <a:srgbClr val="9E9E9E"/>
+                      </a:solidFill>
+                      <a:prstDash val="solid"/>
+                      <a:round/>
+                      <a:headEnd type="none" w="med" len="med"/>
+                      <a:tailEnd type="none" w="med" len="med"/>
+                    </a:lnR>
+                    <a:lnT w="9525" cap="flat" cmpd="sng" algn="ctr">
+                      <a:solidFill>
+                        <a:srgbClr val="9E9E9E"/>
+                      </a:solidFill>
+                      <a:prstDash val="solid"/>
+                      <a:round/>
+                      <a:headEnd type="none" w="med" len="med"/>
+                      <a:tailEnd type="none" w="med" len="med"/>
+                    </a:lnT>
+                    <a:lnB w="9525" cap="flat" cmpd="sng" algn="ctr">
+                      <a:solidFill>
+                        <a:srgbClr val="9E9E9E"/>
+                      </a:solidFill>
+                      <a:prstDash val="solid"/>
+                      <a:round/>
+                      <a:headEnd type="none" w="med" len="med"/>
+                      <a:tailEnd type="none" w="med" len="med"/>
+                    </a:lnB>
+                    <a:solidFill>
+                      <a:srgbClr val="CFE2F3"/>
+                    </a:solidFill>
+                  </a:tcPr>
+                </a:tc>
+                <a:tc>
+                  <a:txBody>
+                    <a:bodyPr/>
+                    <a:lstStyle/>
+                    <a:p>
+                      <a:pPr fontAlgn="t"/>
+                      <a:r>
+                        <a:rPr lang="en-US" sz="2800" dirty="0">
+                          <a:effectLst/>
+                        </a:rPr>
+                        <a:t> </a:t>
+                      </a:r>
+                    </a:p>
+                  </a:txBody>
+                  <a:tcPr marL="95250" marR="95250" marT="95250" marB="95250">
+                    <a:lnL w="9525" cap="flat" cmpd="sng" algn="ctr">
+                      <a:solidFill>
+                        <a:srgbClr val="9E9E9E"/>
+                      </a:solidFill>
+                      <a:prstDash val="solid"/>
+                      <a:round/>
+                      <a:headEnd type="none" w="med" len="med"/>
+                      <a:tailEnd type="none" w="med" len="med"/>
+                    </a:lnL>
+                    <a:lnR w="9525" cap="flat" cmpd="sng" algn="ctr">
+                      <a:solidFill>
+                        <a:srgbClr val="9E9E9E"/>
+                      </a:solidFill>
+                      <a:prstDash val="solid"/>
+                      <a:round/>
+                      <a:headEnd type="none" w="med" len="med"/>
+                      <a:tailEnd type="none" w="med" len="med"/>
+                    </a:lnR>
+                    <a:lnT w="9525" cap="flat" cmpd="sng" algn="ctr">
+                      <a:solidFill>
+                        <a:srgbClr val="9E9E9E"/>
+                      </a:solidFill>
+                      <a:prstDash val="solid"/>
+                      <a:round/>
+                      <a:headEnd type="none" w="med" len="med"/>
+                      <a:tailEnd type="none" w="med" len="med"/>
+                    </a:lnT>
+                    <a:lnB w="9525" cap="flat" cmpd="sng" algn="ctr">
+                      <a:solidFill>
+                        <a:srgbClr val="9E9E9E"/>
+                      </a:solidFill>
+                      <a:prstDash val="solid"/>
+                      <a:round/>
+                      <a:headEnd type="none" w="med" len="med"/>
+                      <a:tailEnd type="none" w="med" len="med"/>
+                    </a:lnB>
+                    <a:solidFill>
+                      <a:srgbClr val="EFEFEF"/>
+                    </a:solidFill>
+                  </a:tcPr>
+                </a:tc>
+                <a:tc>
+                  <a:txBody>
+                    <a:bodyPr/>
+                    <a:lstStyle/>
+                    <a:p>
+                      <a:pPr fontAlgn="t"/>
+                      <a:r>
+                        <a:rPr lang="en-US" sz="2800">
+                          <a:effectLst/>
+                        </a:rPr>
+                        <a:t> </a:t>
+                      </a:r>
+                    </a:p>
+                  </a:txBody>
+                  <a:tcPr marL="95250" marR="95250" marT="95250" marB="95250">
+                    <a:lnL w="9525" cap="flat" cmpd="sng" algn="ctr">
+                      <a:solidFill>
+                        <a:srgbClr val="9E9E9E"/>
+                      </a:solidFill>
+                      <a:prstDash val="solid"/>
+                      <a:round/>
+                      <a:headEnd type="none" w="med" len="med"/>
+                      <a:tailEnd type="none" w="med" len="med"/>
+                    </a:lnL>
+                    <a:lnR w="9525" cap="flat" cmpd="sng" algn="ctr">
+                      <a:solidFill>
+                        <a:srgbClr val="9E9E9E"/>
+                      </a:solidFill>
+                      <a:prstDash val="solid"/>
+                      <a:round/>
+                      <a:headEnd type="none" w="med" len="med"/>
+                      <a:tailEnd type="none" w="med" len="med"/>
+                    </a:lnR>
+                    <a:lnT w="9525" cap="flat" cmpd="sng" algn="ctr">
+                      <a:solidFill>
+                        <a:srgbClr val="9E9E9E"/>
+                      </a:solidFill>
+                      <a:prstDash val="solid"/>
+                      <a:round/>
+                      <a:headEnd type="none" w="med" len="med"/>
+                      <a:tailEnd type="none" w="med" len="med"/>
+                    </a:lnT>
+                    <a:lnB w="9525" cap="flat" cmpd="sng" algn="ctr">
+                      <a:solidFill>
+                        <a:srgbClr val="9E9E9E"/>
+                      </a:solidFill>
+                      <a:prstDash val="solid"/>
+                      <a:round/>
+                      <a:headEnd type="none" w="med" len="med"/>
+                      <a:tailEnd type="none" w="med" len="med"/>
+                    </a:lnB>
+                    <a:solidFill>
+                      <a:srgbClr val="EFEFEF"/>
+                    </a:solidFill>
+                  </a:tcPr>
+                </a:tc>
+                <a:tc>
+                  <a:txBody>
+                    <a:bodyPr/>
+                    <a:lstStyle/>
+                    <a:p>
+                      <a:pPr fontAlgn="t"/>
+                      <a:r>
+                        <a:rPr lang="en-US" sz="2800">
+                          <a:effectLst/>
+                        </a:rPr>
+                        <a:t> </a:t>
+                      </a:r>
+                    </a:p>
+                  </a:txBody>
+                  <a:tcPr marL="95250" marR="95250" marT="95250" marB="95250">
+                    <a:lnL w="9525" cap="flat" cmpd="sng" algn="ctr">
+                      <a:solidFill>
+                        <a:srgbClr val="9E9E9E"/>
+                      </a:solidFill>
+                      <a:prstDash val="solid"/>
+                      <a:round/>
+                      <a:headEnd type="none" w="med" len="med"/>
+                      <a:tailEnd type="none" w="med" len="med"/>
+                    </a:lnL>
+                    <a:lnR w="9525" cap="flat" cmpd="sng" algn="ctr">
+                      <a:solidFill>
+                        <a:srgbClr val="9E9E9E"/>
+                      </a:solidFill>
+                      <a:prstDash val="solid"/>
+                      <a:round/>
+                      <a:headEnd type="none" w="med" len="med"/>
+                      <a:tailEnd type="none" w="med" len="med"/>
+                    </a:lnR>
+                    <a:lnT w="9525" cap="flat" cmpd="sng" algn="ctr">
+                      <a:solidFill>
+                        <a:srgbClr val="9E9E9E"/>
+                      </a:solidFill>
+                      <a:prstDash val="solid"/>
+                      <a:round/>
+                      <a:headEnd type="none" w="med" len="med"/>
+                      <a:tailEnd type="none" w="med" len="med"/>
+                    </a:lnT>
+                    <a:lnB w="9525" cap="flat" cmpd="sng" algn="ctr">
+                      <a:solidFill>
+                        <a:srgbClr val="9E9E9E"/>
+                      </a:solidFill>
+                      <a:prstDash val="solid"/>
+                      <a:round/>
+                      <a:headEnd type="none" w="med" len="med"/>
+                      <a:tailEnd type="none" w="med" len="med"/>
+                    </a:lnB>
+                    <a:solidFill>
+                      <a:srgbClr val="EFEFEF"/>
+                    </a:solidFill>
+                  </a:tcPr>
+                </a:tc>
+                <a:tc>
+                  <a:txBody>
+                    <a:bodyPr/>
+                    <a:lstStyle/>
+                    <a:p>
+                      <a:pPr fontAlgn="t"/>
+                      <a:r>
+                        <a:rPr lang="en-US" sz="2800" dirty="0">
+                          <a:effectLst/>
+                        </a:rPr>
+                        <a:t> </a:t>
+                      </a:r>
+                    </a:p>
+                  </a:txBody>
+                  <a:tcPr marL="95250" marR="95250" marT="95250" marB="95250">
+                    <a:lnL w="9525" cap="flat" cmpd="sng" algn="ctr">
+                      <a:solidFill>
+                        <a:srgbClr val="9E9E9E"/>
+                      </a:solidFill>
+                      <a:prstDash val="solid"/>
+                      <a:round/>
+                      <a:headEnd type="none" w="med" len="med"/>
+                      <a:tailEnd type="none" w="med" len="med"/>
+                    </a:lnL>
+                    <a:lnR w="9525" cap="flat" cmpd="sng" algn="ctr">
+                      <a:solidFill>
+                        <a:srgbClr val="9E9E9E"/>
+                      </a:solidFill>
+                      <a:prstDash val="solid"/>
+                      <a:round/>
+                      <a:headEnd type="none" w="med" len="med"/>
+                      <a:tailEnd type="none" w="med" len="med"/>
+                    </a:lnR>
+                    <a:lnT w="9525" cap="flat" cmpd="sng" algn="ctr">
+                      <a:solidFill>
+                        <a:srgbClr val="9E9E9E"/>
+                      </a:solidFill>
+                      <a:prstDash val="solid"/>
+                      <a:round/>
+                      <a:headEnd type="none" w="med" len="med"/>
+                      <a:tailEnd type="none" w="med" len="med"/>
+                    </a:lnT>
+                    <a:lnB w="9525" cap="flat" cmpd="sng" algn="ctr">
+                      <a:solidFill>
+                        <a:srgbClr val="9E9E9E"/>
+                      </a:solidFill>
+                      <a:prstDash val="solid"/>
+                      <a:round/>
+                      <a:headEnd type="none" w="med" len="med"/>
+                      <a:tailEnd type="none" w="med" len="med"/>
+                    </a:lnB>
+                    <a:solidFill>
+                      <a:srgbClr val="EFEFEF"/>
+                    </a:solidFill>
+                  </a:tcPr>
+                </a:tc>
+                <a:extLst>
+                  <a:ext uri="{0D108BD9-81ED-4DB2-BD59-A6C34878D82A}">
+                    <a16:rowId xmlns:a16="http://schemas.microsoft.com/office/drawing/2014/main" val="1919315643"/>
+                  </a:ext>
+                </a:extLst>
+              </a:tr>
+              <a:tr h="572400">
+                <a:tc>
+                  <a:txBody>
+                    <a:bodyPr/>
+                    <a:lstStyle/>
+                    <a:p>
+                      <a:pPr rtl="0" fontAlgn="t">
+                        <a:spcBef>
+                          <a:spcPts val="0"/>
+                        </a:spcBef>
+                        <a:spcAft>
+                          <a:spcPts val="0"/>
+                        </a:spcAft>
+                      </a:pPr>
+                      <a:r>
+                        <a:rPr lang="en-US" sz="1400" b="0" i="0" u="none" strike="noStrike">
+                          <a:solidFill>
+                            <a:srgbClr val="000000"/>
+                          </a:solidFill>
+                          <a:effectLst/>
+                          <a:latin typeface="Arial" panose="020B0604020202020204" pitchFamily="34" charset="0"/>
+                        </a:rPr>
+                        <a:t>2</a:t>
+                      </a:r>
+                      <a:endParaRPr lang="en-US" sz="2800">
+                        <a:effectLst/>
+                      </a:endParaRPr>
+                    </a:p>
+                  </a:txBody>
+                  <a:tcPr marL="95250" marR="95250" marT="95250" marB="95250">
+                    <a:lnL w="9525" cap="flat" cmpd="sng" algn="ctr">
+                      <a:solidFill>
+                        <a:srgbClr val="9E9E9E"/>
+                      </a:solidFill>
+                      <a:prstDash val="solid"/>
+                      <a:round/>
+                      <a:headEnd type="none" w="med" len="med"/>
+                      <a:tailEnd type="none" w="med" len="med"/>
+                    </a:lnL>
+                    <a:lnR w="9525" cap="flat" cmpd="sng" algn="ctr">
+                      <a:solidFill>
+                        <a:srgbClr val="9E9E9E"/>
+                      </a:solidFill>
+                      <a:prstDash val="solid"/>
+                      <a:round/>
+                      <a:headEnd type="none" w="med" len="med"/>
+                      <a:tailEnd type="none" w="med" len="med"/>
+                    </a:lnR>
+                    <a:lnT w="9525" cap="flat" cmpd="sng" algn="ctr">
+                      <a:solidFill>
+                        <a:srgbClr val="9E9E9E"/>
+                      </a:solidFill>
+                      <a:prstDash val="solid"/>
+                      <a:round/>
+                      <a:headEnd type="none" w="med" len="med"/>
+                      <a:tailEnd type="none" w="med" len="med"/>
+                    </a:lnT>
+                    <a:lnB w="9525" cap="flat" cmpd="sng" algn="ctr">
+                      <a:solidFill>
+                        <a:srgbClr val="9E9E9E"/>
+                      </a:solidFill>
+                      <a:prstDash val="solid"/>
+                      <a:round/>
+                      <a:headEnd type="none" w="med" len="med"/>
+                      <a:tailEnd type="none" w="med" len="med"/>
+                    </a:lnB>
+                  </a:tcPr>
+                </a:tc>
+                <a:tc>
+                  <a:txBody>
+                    <a:bodyPr/>
+                    <a:lstStyle/>
+                    <a:p>
+                      <a:pPr fontAlgn="t"/>
+                      <a:r>
+                        <a:rPr lang="en-US" sz="2800">
+                          <a:effectLst/>
+                        </a:rPr>
+                        <a:t> </a:t>
+                      </a:r>
+                    </a:p>
+                  </a:txBody>
+                  <a:tcPr marL="95250" marR="95250" marT="95250" marB="95250">
+                    <a:lnL w="9525" cap="flat" cmpd="sng" algn="ctr">
+                      <a:solidFill>
+                        <a:srgbClr val="9E9E9E"/>
+                      </a:solidFill>
+                      <a:prstDash val="solid"/>
+                      <a:round/>
+                      <a:headEnd type="none" w="med" len="med"/>
+                      <a:tailEnd type="none" w="med" len="med"/>
+                    </a:lnL>
+                    <a:lnR w="9525" cap="flat" cmpd="sng" algn="ctr">
+                      <a:solidFill>
+                        <a:srgbClr val="9E9E9E"/>
+                      </a:solidFill>
+                      <a:prstDash val="solid"/>
+                      <a:round/>
+                      <a:headEnd type="none" w="med" len="med"/>
+                      <a:tailEnd type="none" w="med" len="med"/>
+                    </a:lnR>
+                    <a:lnT w="9525" cap="flat" cmpd="sng" algn="ctr">
+                      <a:solidFill>
+                        <a:srgbClr val="9E9E9E"/>
+                      </a:solidFill>
+                      <a:prstDash val="solid"/>
+                      <a:round/>
+                      <a:headEnd type="none" w="med" len="med"/>
+                      <a:tailEnd type="none" w="med" len="med"/>
+                    </a:lnT>
+                    <a:lnB w="9525" cap="flat" cmpd="sng" algn="ctr">
+                      <a:solidFill>
+                        <a:srgbClr val="9E9E9E"/>
+                      </a:solidFill>
+                      <a:prstDash val="solid"/>
+                      <a:round/>
+                      <a:headEnd type="none" w="med" len="med"/>
+                      <a:tailEnd type="none" w="med" len="med"/>
+                    </a:lnB>
+                    <a:solidFill>
+                      <a:srgbClr val="CFE2F3"/>
+                    </a:solidFill>
+                  </a:tcPr>
+                </a:tc>
+                <a:tc>
+                  <a:txBody>
+                    <a:bodyPr/>
+                    <a:lstStyle/>
+                    <a:p>
+                      <a:pPr fontAlgn="t"/>
+                      <a:r>
+                        <a:rPr lang="en-US" sz="2800">
+                          <a:effectLst/>
+                        </a:rPr>
+                        <a:t> </a:t>
+                      </a:r>
+                    </a:p>
+                  </a:txBody>
+                  <a:tcPr marL="95250" marR="95250" marT="95250" marB="95250">
+                    <a:lnL w="9525" cap="flat" cmpd="sng" algn="ctr">
+                      <a:solidFill>
+                        <a:srgbClr val="9E9E9E"/>
+                      </a:solidFill>
+                      <a:prstDash val="solid"/>
+                      <a:round/>
+                      <a:headEnd type="none" w="med" len="med"/>
+                      <a:tailEnd type="none" w="med" len="med"/>
+                    </a:lnL>
+                    <a:lnR w="9525" cap="flat" cmpd="sng" algn="ctr">
+                      <a:solidFill>
+                        <a:srgbClr val="9E9E9E"/>
+                      </a:solidFill>
+                      <a:prstDash val="solid"/>
+                      <a:round/>
+                      <a:headEnd type="none" w="med" len="med"/>
+                      <a:tailEnd type="none" w="med" len="med"/>
+                    </a:lnR>
+                    <a:lnT w="9525" cap="flat" cmpd="sng" algn="ctr">
+                      <a:solidFill>
+                        <a:srgbClr val="9E9E9E"/>
+                      </a:solidFill>
+                      <a:prstDash val="solid"/>
+                      <a:round/>
+                      <a:headEnd type="none" w="med" len="med"/>
+                      <a:tailEnd type="none" w="med" len="med"/>
+                    </a:lnT>
+                    <a:lnB w="9525" cap="flat" cmpd="sng" algn="ctr">
+                      <a:solidFill>
+                        <a:srgbClr val="9E9E9E"/>
+                      </a:solidFill>
+                      <a:prstDash val="solid"/>
+                      <a:round/>
+                      <a:headEnd type="none" w="med" len="med"/>
+                      <a:tailEnd type="none" w="med" len="med"/>
+                    </a:lnB>
+                    <a:solidFill>
+                      <a:srgbClr val="CFE2F3"/>
+                    </a:solidFill>
+                  </a:tcPr>
+                </a:tc>
+                <a:tc>
+                  <a:txBody>
+                    <a:bodyPr/>
+                    <a:lstStyle/>
+                    <a:p>
+                      <a:pPr fontAlgn="t"/>
+                      <a:r>
+                        <a:rPr lang="en-US" sz="2800">
+                          <a:effectLst/>
+                        </a:rPr>
+                        <a:t> </a:t>
+                      </a:r>
+                    </a:p>
+                  </a:txBody>
+                  <a:tcPr marL="95250" marR="95250" marT="95250" marB="95250">
+                    <a:lnL w="9525" cap="flat" cmpd="sng" algn="ctr">
+                      <a:solidFill>
+                        <a:srgbClr val="9E9E9E"/>
+                      </a:solidFill>
+                      <a:prstDash val="solid"/>
+                      <a:round/>
+                      <a:headEnd type="none" w="med" len="med"/>
+                      <a:tailEnd type="none" w="med" len="med"/>
+                    </a:lnL>
+                    <a:lnR w="9525" cap="flat" cmpd="sng" algn="ctr">
+                      <a:solidFill>
+                        <a:srgbClr val="9E9E9E"/>
+                      </a:solidFill>
+                      <a:prstDash val="solid"/>
+                      <a:round/>
+                      <a:headEnd type="none" w="med" len="med"/>
+                      <a:tailEnd type="none" w="med" len="med"/>
+                    </a:lnR>
+                    <a:lnT w="9525" cap="flat" cmpd="sng" algn="ctr">
+                      <a:solidFill>
+                        <a:srgbClr val="9E9E9E"/>
+                      </a:solidFill>
+                      <a:prstDash val="solid"/>
+                      <a:round/>
+                      <a:headEnd type="none" w="med" len="med"/>
+                      <a:tailEnd type="none" w="med" len="med"/>
+                    </a:lnT>
+                    <a:lnB w="9525" cap="flat" cmpd="sng" algn="ctr">
+                      <a:solidFill>
+                        <a:srgbClr val="9E9E9E"/>
+                      </a:solidFill>
+                      <a:prstDash val="solid"/>
+                      <a:round/>
+                      <a:headEnd type="none" w="med" len="med"/>
+                      <a:tailEnd type="none" w="med" len="med"/>
+                    </a:lnB>
+                    <a:solidFill>
+                      <a:srgbClr val="CFE2F3"/>
+                    </a:solidFill>
+                  </a:tcPr>
+                </a:tc>
+                <a:tc>
+                  <a:txBody>
+                    <a:bodyPr/>
+                    <a:lstStyle/>
+                    <a:p>
+                      <a:pPr fontAlgn="t"/>
+                      <a:r>
+                        <a:rPr lang="en-US" sz="2800">
+                          <a:effectLst/>
+                        </a:rPr>
+                        <a:t> </a:t>
+                      </a:r>
+                    </a:p>
+                  </a:txBody>
+                  <a:tcPr marL="95250" marR="95250" marT="95250" marB="95250">
+                    <a:lnL w="9525" cap="flat" cmpd="sng" algn="ctr">
+                      <a:solidFill>
+                        <a:srgbClr val="9E9E9E"/>
+                      </a:solidFill>
+                      <a:prstDash val="solid"/>
+                      <a:round/>
+                      <a:headEnd type="none" w="med" len="med"/>
+                      <a:tailEnd type="none" w="med" len="med"/>
+                    </a:lnL>
+                    <a:lnR w="9525" cap="flat" cmpd="sng" algn="ctr">
+                      <a:solidFill>
+                        <a:srgbClr val="9E9E9E"/>
+                      </a:solidFill>
+                      <a:prstDash val="solid"/>
+                      <a:round/>
+                      <a:headEnd type="none" w="med" len="med"/>
+                      <a:tailEnd type="none" w="med" len="med"/>
+                    </a:lnR>
+                    <a:lnT w="9525" cap="flat" cmpd="sng" algn="ctr">
+                      <a:solidFill>
+                        <a:srgbClr val="9E9E9E"/>
+                      </a:solidFill>
+                      <a:prstDash val="solid"/>
+                      <a:round/>
+                      <a:headEnd type="none" w="med" len="med"/>
+                      <a:tailEnd type="none" w="med" len="med"/>
+                    </a:lnT>
+                    <a:lnB w="9525" cap="flat" cmpd="sng" algn="ctr">
+                      <a:solidFill>
+                        <a:srgbClr val="9E9E9E"/>
+                      </a:solidFill>
+                      <a:prstDash val="solid"/>
+                      <a:round/>
+                      <a:headEnd type="none" w="med" len="med"/>
+                      <a:tailEnd type="none" w="med" len="med"/>
+                    </a:lnB>
+                    <a:solidFill>
+                      <a:srgbClr val="CFE2F3"/>
+                    </a:solidFill>
+                  </a:tcPr>
+                </a:tc>
+                <a:tc>
+                  <a:txBody>
+                    <a:bodyPr/>
+                    <a:lstStyle/>
+                    <a:p>
+                      <a:pPr fontAlgn="t"/>
+                      <a:r>
+                        <a:rPr lang="en-US" sz="2800">
+                          <a:effectLst/>
+                        </a:rPr>
+                        <a:t> </a:t>
+                      </a:r>
+                    </a:p>
+                  </a:txBody>
+                  <a:tcPr marL="95250" marR="95250" marT="95250" marB="95250">
+                    <a:lnL w="9525" cap="flat" cmpd="sng" algn="ctr">
+                      <a:solidFill>
+                        <a:srgbClr val="9E9E9E"/>
+                      </a:solidFill>
+                      <a:prstDash val="solid"/>
+                      <a:round/>
+                      <a:headEnd type="none" w="med" len="med"/>
+                      <a:tailEnd type="none" w="med" len="med"/>
+                    </a:lnL>
+                    <a:lnR w="9525" cap="flat" cmpd="sng" algn="ctr">
+                      <a:solidFill>
+                        <a:srgbClr val="9E9E9E"/>
+                      </a:solidFill>
+                      <a:prstDash val="solid"/>
+                      <a:round/>
+                      <a:headEnd type="none" w="med" len="med"/>
+                      <a:tailEnd type="none" w="med" len="med"/>
+                    </a:lnR>
+                    <a:lnT w="9525" cap="flat" cmpd="sng" algn="ctr">
+                      <a:solidFill>
+                        <a:srgbClr val="9E9E9E"/>
+                      </a:solidFill>
+                      <a:prstDash val="solid"/>
+                      <a:round/>
+                      <a:headEnd type="none" w="med" len="med"/>
+                      <a:tailEnd type="none" w="med" len="med"/>
+                    </a:lnT>
+                    <a:lnB w="9525" cap="flat" cmpd="sng" algn="ctr">
+                      <a:solidFill>
+                        <a:srgbClr val="9E9E9E"/>
+                      </a:solidFill>
+                      <a:prstDash val="solid"/>
+                      <a:round/>
+                      <a:headEnd type="none" w="med" len="med"/>
+                      <a:tailEnd type="none" w="med" len="med"/>
+                    </a:lnB>
+                    <a:solidFill>
+                      <a:srgbClr val="EFEFEF"/>
+                    </a:solidFill>
+                  </a:tcPr>
+                </a:tc>
+                <a:tc>
+                  <a:txBody>
+                    <a:bodyPr/>
+                    <a:lstStyle/>
+                    <a:p>
+                      <a:pPr fontAlgn="t"/>
+                      <a:r>
+                        <a:rPr lang="en-US" sz="2800">
+                          <a:effectLst/>
+                        </a:rPr>
+                        <a:t> </a:t>
+                      </a:r>
+                    </a:p>
+                  </a:txBody>
+                  <a:tcPr marL="95250" marR="95250" marT="95250" marB="95250">
+                    <a:lnL w="9525" cap="flat" cmpd="sng" algn="ctr">
+                      <a:solidFill>
+                        <a:srgbClr val="9E9E9E"/>
+                      </a:solidFill>
+                      <a:prstDash val="solid"/>
+                      <a:round/>
+                      <a:headEnd type="none" w="med" len="med"/>
+                      <a:tailEnd type="none" w="med" len="med"/>
+                    </a:lnL>
+                    <a:lnR w="9525" cap="flat" cmpd="sng" algn="ctr">
+                      <a:solidFill>
+                        <a:srgbClr val="9E9E9E"/>
+                      </a:solidFill>
+                      <a:prstDash val="solid"/>
+                      <a:round/>
+                      <a:headEnd type="none" w="med" len="med"/>
+                      <a:tailEnd type="none" w="med" len="med"/>
+                    </a:lnR>
+                    <a:lnT w="9525" cap="flat" cmpd="sng" algn="ctr">
+                      <a:solidFill>
+                        <a:srgbClr val="9E9E9E"/>
+                      </a:solidFill>
+                      <a:prstDash val="solid"/>
+                      <a:round/>
+                      <a:headEnd type="none" w="med" len="med"/>
+                      <a:tailEnd type="none" w="med" len="med"/>
+                    </a:lnT>
+                    <a:lnB w="9525" cap="flat" cmpd="sng" algn="ctr">
+                      <a:solidFill>
+                        <a:srgbClr val="9E9E9E"/>
+                      </a:solidFill>
+                      <a:prstDash val="solid"/>
+                      <a:round/>
+                      <a:headEnd type="none" w="med" len="med"/>
+                      <a:tailEnd type="none" w="med" len="med"/>
+                    </a:lnB>
+                    <a:solidFill>
+                      <a:srgbClr val="EFEFEF"/>
+                    </a:solidFill>
+                  </a:tcPr>
+                </a:tc>
+                <a:tc>
+                  <a:txBody>
+                    <a:bodyPr/>
+                    <a:lstStyle/>
+                    <a:p>
+                      <a:pPr fontAlgn="t"/>
+                      <a:r>
+                        <a:rPr lang="en-US" sz="2800">
+                          <a:effectLst/>
+                        </a:rPr>
+                        <a:t> </a:t>
+                      </a:r>
+                    </a:p>
+                  </a:txBody>
+                  <a:tcPr marL="95250" marR="95250" marT="95250" marB="95250">
+                    <a:lnL w="9525" cap="flat" cmpd="sng" algn="ctr">
+                      <a:solidFill>
+                        <a:srgbClr val="9E9E9E"/>
+                      </a:solidFill>
+                      <a:prstDash val="solid"/>
+                      <a:round/>
+                      <a:headEnd type="none" w="med" len="med"/>
+                      <a:tailEnd type="none" w="med" len="med"/>
+                    </a:lnL>
+                    <a:lnR w="9525" cap="flat" cmpd="sng" algn="ctr">
+                      <a:solidFill>
+                        <a:srgbClr val="9E9E9E"/>
+                      </a:solidFill>
+                      <a:prstDash val="solid"/>
+                      <a:round/>
+                      <a:headEnd type="none" w="med" len="med"/>
+                      <a:tailEnd type="none" w="med" len="med"/>
+                    </a:lnR>
+                    <a:lnT w="9525" cap="flat" cmpd="sng" algn="ctr">
+                      <a:solidFill>
+                        <a:srgbClr val="9E9E9E"/>
+                      </a:solidFill>
+                      <a:prstDash val="solid"/>
+                      <a:round/>
+                      <a:headEnd type="none" w="med" len="med"/>
+                      <a:tailEnd type="none" w="med" len="med"/>
+                    </a:lnT>
+                    <a:lnB w="9525" cap="flat" cmpd="sng" algn="ctr">
+                      <a:solidFill>
+                        <a:srgbClr val="9E9E9E"/>
+                      </a:solidFill>
+                      <a:prstDash val="solid"/>
+                      <a:round/>
+                      <a:headEnd type="none" w="med" len="med"/>
+                      <a:tailEnd type="none" w="med" len="med"/>
+                    </a:lnB>
+                    <a:solidFill>
+                      <a:srgbClr val="EFEFEF"/>
+                    </a:solidFill>
+                  </a:tcPr>
+                </a:tc>
+                <a:tc>
+                  <a:txBody>
+                    <a:bodyPr/>
+                    <a:lstStyle/>
+                    <a:p>
+                      <a:pPr fontAlgn="t"/>
+                      <a:r>
+                        <a:rPr lang="en-US" sz="2800">
+                          <a:effectLst/>
+                        </a:rPr>
+                        <a:t> </a:t>
+                      </a:r>
+                    </a:p>
+                  </a:txBody>
+                  <a:tcPr marL="95250" marR="95250" marT="95250" marB="95250">
+                    <a:lnL w="9525" cap="flat" cmpd="sng" algn="ctr">
+                      <a:solidFill>
+                        <a:srgbClr val="9E9E9E"/>
+                      </a:solidFill>
+                      <a:prstDash val="solid"/>
+                      <a:round/>
+                      <a:headEnd type="none" w="med" len="med"/>
+                      <a:tailEnd type="none" w="med" len="med"/>
+                    </a:lnL>
+                    <a:lnR w="9525" cap="flat" cmpd="sng" algn="ctr">
+                      <a:solidFill>
+                        <a:srgbClr val="9E9E9E"/>
+                      </a:solidFill>
+                      <a:prstDash val="solid"/>
+                      <a:round/>
+                      <a:headEnd type="none" w="med" len="med"/>
+                      <a:tailEnd type="none" w="med" len="med"/>
+                    </a:lnR>
+                    <a:lnT w="9525" cap="flat" cmpd="sng" algn="ctr">
+                      <a:solidFill>
+                        <a:srgbClr val="9E9E9E"/>
+                      </a:solidFill>
+                      <a:prstDash val="solid"/>
+                      <a:round/>
+                      <a:headEnd type="none" w="med" len="med"/>
+                      <a:tailEnd type="none" w="med" len="med"/>
+                    </a:lnT>
+                    <a:lnB w="9525" cap="flat" cmpd="sng" algn="ctr">
+                      <a:solidFill>
+                        <a:srgbClr val="9E9E9E"/>
+                      </a:solidFill>
+                      <a:prstDash val="solid"/>
+                      <a:round/>
+                      <a:headEnd type="none" w="med" len="med"/>
+                      <a:tailEnd type="none" w="med" len="med"/>
+                    </a:lnB>
+                    <a:solidFill>
+                      <a:srgbClr val="EFEFEF"/>
+                    </a:solidFill>
+                  </a:tcPr>
+                </a:tc>
+                <a:extLst>
+                  <a:ext uri="{0D108BD9-81ED-4DB2-BD59-A6C34878D82A}">
+                    <a16:rowId xmlns:a16="http://schemas.microsoft.com/office/drawing/2014/main" val="3615035906"/>
+                  </a:ext>
+                </a:extLst>
+              </a:tr>
+              <a:tr h="658800">
+                <a:tc>
+                  <a:txBody>
+                    <a:bodyPr/>
+                    <a:lstStyle/>
+                    <a:p>
+                      <a:pPr rtl="0" fontAlgn="t">
+                        <a:spcBef>
+                          <a:spcPts val="0"/>
+                        </a:spcBef>
+                        <a:spcAft>
+                          <a:spcPts val="0"/>
+                        </a:spcAft>
+                      </a:pPr>
+                      <a:r>
+                        <a:rPr lang="en-US" sz="1400" b="0" i="0" u="none" strike="noStrike">
+                          <a:solidFill>
+                            <a:srgbClr val="000000"/>
+                          </a:solidFill>
+                          <a:effectLst/>
+                          <a:latin typeface="Arial" panose="020B0604020202020204" pitchFamily="34" charset="0"/>
+                        </a:rPr>
+                        <a:t>3 (most recent)</a:t>
+                      </a:r>
+                      <a:endParaRPr lang="en-US" sz="2800">
+                        <a:effectLst/>
+                      </a:endParaRPr>
+                    </a:p>
+                  </a:txBody>
+                  <a:tcPr marL="95250" marR="95250" marT="95250" marB="95250">
+                    <a:lnL w="9525" cap="flat" cmpd="sng" algn="ctr">
+                      <a:solidFill>
+                        <a:srgbClr val="9E9E9E"/>
+                      </a:solidFill>
+                      <a:prstDash val="solid"/>
+                      <a:round/>
+                      <a:headEnd type="none" w="med" len="med"/>
+                      <a:tailEnd type="none" w="med" len="med"/>
+                    </a:lnL>
+                    <a:lnR w="9525" cap="flat" cmpd="sng" algn="ctr">
+                      <a:solidFill>
+                        <a:srgbClr val="9E9E9E"/>
+                      </a:solidFill>
+                      <a:prstDash val="solid"/>
+                      <a:round/>
+                      <a:headEnd type="none" w="med" len="med"/>
+                      <a:tailEnd type="none" w="med" len="med"/>
+                    </a:lnR>
+                    <a:lnT w="9525" cap="flat" cmpd="sng" algn="ctr">
+                      <a:solidFill>
+                        <a:srgbClr val="9E9E9E"/>
+                      </a:solidFill>
+                      <a:prstDash val="solid"/>
+                      <a:round/>
+                      <a:headEnd type="none" w="med" len="med"/>
+                      <a:tailEnd type="none" w="med" len="med"/>
+                    </a:lnT>
+                    <a:lnB w="9525" cap="flat" cmpd="sng" algn="ctr">
+                      <a:solidFill>
+                        <a:srgbClr val="9E9E9E"/>
+                      </a:solidFill>
+                      <a:prstDash val="solid"/>
+                      <a:round/>
+                      <a:headEnd type="none" w="med" len="med"/>
+                      <a:tailEnd type="none" w="med" len="med"/>
+                    </a:lnB>
+                  </a:tcPr>
+                </a:tc>
+                <a:tc>
+                  <a:txBody>
+                    <a:bodyPr/>
+                    <a:lstStyle/>
+                    <a:p>
+                      <a:pPr fontAlgn="t"/>
+                      <a:r>
+                        <a:rPr lang="en-US" sz="2800">
+                          <a:effectLst/>
+                        </a:rPr>
+                        <a:t> </a:t>
+                      </a:r>
+                    </a:p>
+                  </a:txBody>
+                  <a:tcPr marL="95250" marR="95250" marT="95250" marB="95250">
+                    <a:lnL w="9525" cap="flat" cmpd="sng" algn="ctr">
+                      <a:solidFill>
+                        <a:srgbClr val="9E9E9E"/>
+                      </a:solidFill>
+                      <a:prstDash val="solid"/>
+                      <a:round/>
+                      <a:headEnd type="none" w="med" len="med"/>
+                      <a:tailEnd type="none" w="med" len="med"/>
+                    </a:lnL>
+                    <a:lnR w="9525" cap="flat" cmpd="sng" algn="ctr">
+                      <a:solidFill>
+                        <a:srgbClr val="9E9E9E"/>
+                      </a:solidFill>
+                      <a:prstDash val="solid"/>
+                      <a:round/>
+                      <a:headEnd type="none" w="med" len="med"/>
+                      <a:tailEnd type="none" w="med" len="med"/>
+                    </a:lnR>
+                    <a:lnT w="9525" cap="flat" cmpd="sng" algn="ctr">
+                      <a:solidFill>
+                        <a:srgbClr val="9E9E9E"/>
+                      </a:solidFill>
+                      <a:prstDash val="solid"/>
+                      <a:round/>
+                      <a:headEnd type="none" w="med" len="med"/>
+                      <a:tailEnd type="none" w="med" len="med"/>
+                    </a:lnT>
+                    <a:lnB w="9525" cap="flat" cmpd="sng" algn="ctr">
+                      <a:solidFill>
+                        <a:srgbClr val="9E9E9E"/>
+                      </a:solidFill>
+                      <a:prstDash val="solid"/>
+                      <a:round/>
+                      <a:headEnd type="none" w="med" len="med"/>
+                      <a:tailEnd type="none" w="med" len="med"/>
+                    </a:lnB>
+                    <a:solidFill>
+                      <a:srgbClr val="CFE2F3"/>
+                    </a:solidFill>
+                  </a:tcPr>
+                </a:tc>
+                <a:tc>
+                  <a:txBody>
+                    <a:bodyPr/>
+                    <a:lstStyle/>
+                    <a:p>
+                      <a:pPr fontAlgn="t"/>
+                      <a:r>
+                        <a:rPr lang="en-US" sz="2800">
+                          <a:effectLst/>
+                        </a:rPr>
+                        <a:t> </a:t>
+                      </a:r>
+                    </a:p>
+                  </a:txBody>
+                  <a:tcPr marL="95250" marR="95250" marT="95250" marB="95250">
+                    <a:lnL w="9525" cap="flat" cmpd="sng" algn="ctr">
+                      <a:solidFill>
+                        <a:srgbClr val="9E9E9E"/>
+                      </a:solidFill>
+                      <a:prstDash val="solid"/>
+                      <a:round/>
+                      <a:headEnd type="none" w="med" len="med"/>
+                      <a:tailEnd type="none" w="med" len="med"/>
+                    </a:lnL>
+                    <a:lnR w="9525" cap="flat" cmpd="sng" algn="ctr">
+                      <a:solidFill>
+                        <a:srgbClr val="9E9E9E"/>
+                      </a:solidFill>
+                      <a:prstDash val="solid"/>
+                      <a:round/>
+                      <a:headEnd type="none" w="med" len="med"/>
+                      <a:tailEnd type="none" w="med" len="med"/>
+                    </a:lnR>
+                    <a:lnT w="9525" cap="flat" cmpd="sng" algn="ctr">
+                      <a:solidFill>
+                        <a:srgbClr val="9E9E9E"/>
+                      </a:solidFill>
+                      <a:prstDash val="solid"/>
+                      <a:round/>
+                      <a:headEnd type="none" w="med" len="med"/>
+                      <a:tailEnd type="none" w="med" len="med"/>
+                    </a:lnT>
+                    <a:lnB w="9525" cap="flat" cmpd="sng" algn="ctr">
+                      <a:solidFill>
+                        <a:srgbClr val="9E9E9E"/>
+                      </a:solidFill>
+                      <a:prstDash val="solid"/>
+                      <a:round/>
+                      <a:headEnd type="none" w="med" len="med"/>
+                      <a:tailEnd type="none" w="med" len="med"/>
+                    </a:lnB>
+                    <a:solidFill>
+                      <a:srgbClr val="CFE2F3"/>
+                    </a:solidFill>
+                  </a:tcPr>
+                </a:tc>
+                <a:tc>
+                  <a:txBody>
+                    <a:bodyPr/>
+                    <a:lstStyle/>
+                    <a:p>
+                      <a:pPr fontAlgn="t"/>
+                      <a:r>
+                        <a:rPr lang="en-US" sz="2800">
+                          <a:effectLst/>
+                        </a:rPr>
+                        <a:t> </a:t>
+                      </a:r>
+                    </a:p>
+                  </a:txBody>
+                  <a:tcPr marL="95250" marR="95250" marT="95250" marB="95250">
+                    <a:lnL w="9525" cap="flat" cmpd="sng" algn="ctr">
+                      <a:solidFill>
+                        <a:srgbClr val="9E9E9E"/>
+                      </a:solidFill>
+                      <a:prstDash val="solid"/>
+                      <a:round/>
+                      <a:headEnd type="none" w="med" len="med"/>
+                      <a:tailEnd type="none" w="med" len="med"/>
+                    </a:lnL>
+                    <a:lnR w="9525" cap="flat" cmpd="sng" algn="ctr">
+                      <a:solidFill>
+                        <a:srgbClr val="9E9E9E"/>
+                      </a:solidFill>
+                      <a:prstDash val="solid"/>
+                      <a:round/>
+                      <a:headEnd type="none" w="med" len="med"/>
+                      <a:tailEnd type="none" w="med" len="med"/>
+                    </a:lnR>
+                    <a:lnT w="9525" cap="flat" cmpd="sng" algn="ctr">
+                      <a:solidFill>
+                        <a:srgbClr val="9E9E9E"/>
+                      </a:solidFill>
+                      <a:prstDash val="solid"/>
+                      <a:round/>
+                      <a:headEnd type="none" w="med" len="med"/>
+                      <a:tailEnd type="none" w="med" len="med"/>
+                    </a:lnT>
+                    <a:lnB w="9525" cap="flat" cmpd="sng" algn="ctr">
+                      <a:solidFill>
+                        <a:srgbClr val="9E9E9E"/>
+                      </a:solidFill>
+                      <a:prstDash val="solid"/>
+                      <a:round/>
+                      <a:headEnd type="none" w="med" len="med"/>
+                      <a:tailEnd type="none" w="med" len="med"/>
+                    </a:lnB>
+                    <a:solidFill>
+                      <a:srgbClr val="CFE2F3"/>
+                    </a:solidFill>
+                  </a:tcPr>
+                </a:tc>
+                <a:tc>
+                  <a:txBody>
+                    <a:bodyPr/>
+                    <a:lstStyle/>
+                    <a:p>
+                      <a:pPr fontAlgn="t"/>
+                      <a:r>
+                        <a:rPr lang="en-US" sz="2800">
+                          <a:effectLst/>
+                        </a:rPr>
+                        <a:t> </a:t>
+                      </a:r>
+                    </a:p>
+                  </a:txBody>
+                  <a:tcPr marL="95250" marR="95250" marT="95250" marB="95250">
+                    <a:lnL w="9525" cap="flat" cmpd="sng" algn="ctr">
+                      <a:solidFill>
+                        <a:srgbClr val="9E9E9E"/>
+                      </a:solidFill>
+                      <a:prstDash val="solid"/>
+                      <a:round/>
+                      <a:headEnd type="none" w="med" len="med"/>
+                      <a:tailEnd type="none" w="med" len="med"/>
+                    </a:lnL>
+                    <a:lnR w="9525" cap="flat" cmpd="sng" algn="ctr">
+                      <a:solidFill>
+                        <a:srgbClr val="9E9E9E"/>
+                      </a:solidFill>
+                      <a:prstDash val="solid"/>
+                      <a:round/>
+                      <a:headEnd type="none" w="med" len="med"/>
+                      <a:tailEnd type="none" w="med" len="med"/>
+                    </a:lnR>
+                    <a:lnT w="9525" cap="flat" cmpd="sng" algn="ctr">
+                      <a:solidFill>
+                        <a:srgbClr val="9E9E9E"/>
+                      </a:solidFill>
+                      <a:prstDash val="solid"/>
+                      <a:round/>
+                      <a:headEnd type="none" w="med" len="med"/>
+                      <a:tailEnd type="none" w="med" len="med"/>
+                    </a:lnT>
+                    <a:lnB w="9525" cap="flat" cmpd="sng" algn="ctr">
+                      <a:solidFill>
+                        <a:srgbClr val="9E9E9E"/>
+                      </a:solidFill>
+                      <a:prstDash val="solid"/>
+                      <a:round/>
+                      <a:headEnd type="none" w="med" len="med"/>
+                      <a:tailEnd type="none" w="med" len="med"/>
+                    </a:lnB>
+                    <a:solidFill>
+                      <a:srgbClr val="CFE2F3"/>
+                    </a:solidFill>
+                  </a:tcPr>
+                </a:tc>
+                <a:tc>
+                  <a:txBody>
+                    <a:bodyPr/>
+                    <a:lstStyle/>
+                    <a:p>
+                      <a:pPr fontAlgn="t"/>
+                      <a:r>
+                        <a:rPr lang="en-US" sz="2800">
+                          <a:effectLst/>
+                        </a:rPr>
+                        <a:t> </a:t>
+                      </a:r>
+                    </a:p>
+                  </a:txBody>
+                  <a:tcPr marL="95250" marR="95250" marT="95250" marB="95250">
+                    <a:lnL w="9525" cap="flat" cmpd="sng" algn="ctr">
+                      <a:solidFill>
+                        <a:srgbClr val="9E9E9E"/>
+                      </a:solidFill>
+                      <a:prstDash val="solid"/>
+                      <a:round/>
+                      <a:headEnd type="none" w="med" len="med"/>
+                      <a:tailEnd type="none" w="med" len="med"/>
+                    </a:lnL>
+                    <a:lnR w="9525" cap="flat" cmpd="sng" algn="ctr">
+                      <a:solidFill>
+                        <a:srgbClr val="9E9E9E"/>
+                      </a:solidFill>
+                      <a:prstDash val="solid"/>
+                      <a:round/>
+                      <a:headEnd type="none" w="med" len="med"/>
+                      <a:tailEnd type="none" w="med" len="med"/>
+                    </a:lnR>
+                    <a:lnT w="9525" cap="flat" cmpd="sng" algn="ctr">
+                      <a:solidFill>
+                        <a:srgbClr val="9E9E9E"/>
+                      </a:solidFill>
+                      <a:prstDash val="solid"/>
+                      <a:round/>
+                      <a:headEnd type="none" w="med" len="med"/>
+                      <a:tailEnd type="none" w="med" len="med"/>
+                    </a:lnT>
+                    <a:lnB w="9525" cap="flat" cmpd="sng" algn="ctr">
+                      <a:solidFill>
+                        <a:srgbClr val="9E9E9E"/>
+                      </a:solidFill>
+                      <a:prstDash val="solid"/>
+                      <a:round/>
+                      <a:headEnd type="none" w="med" len="med"/>
+                      <a:tailEnd type="none" w="med" len="med"/>
+                    </a:lnB>
+                    <a:solidFill>
+                      <a:srgbClr val="EFEFEF"/>
+                    </a:solidFill>
+                  </a:tcPr>
+                </a:tc>
+                <a:tc>
+                  <a:txBody>
+                    <a:bodyPr/>
+                    <a:lstStyle/>
+                    <a:p>
+                      <a:pPr fontAlgn="t"/>
+                      <a:r>
+                        <a:rPr lang="en-US" sz="2800">
+                          <a:effectLst/>
+                        </a:rPr>
+                        <a:t> </a:t>
+                      </a:r>
+                    </a:p>
+                  </a:txBody>
+                  <a:tcPr marL="95250" marR="95250" marT="95250" marB="95250">
+                    <a:lnL w="9525" cap="flat" cmpd="sng" algn="ctr">
+                      <a:solidFill>
+                        <a:srgbClr val="9E9E9E"/>
+                      </a:solidFill>
+                      <a:prstDash val="solid"/>
+                      <a:round/>
+                      <a:headEnd type="none" w="med" len="med"/>
+                      <a:tailEnd type="none" w="med" len="med"/>
+                    </a:lnL>
+                    <a:lnR w="9525" cap="flat" cmpd="sng" algn="ctr">
+                      <a:solidFill>
+                        <a:srgbClr val="9E9E9E"/>
+                      </a:solidFill>
+                      <a:prstDash val="solid"/>
+                      <a:round/>
+                      <a:headEnd type="none" w="med" len="med"/>
+                      <a:tailEnd type="none" w="med" len="med"/>
+                    </a:lnR>
+                    <a:lnT w="9525" cap="flat" cmpd="sng" algn="ctr">
+                      <a:solidFill>
+                        <a:srgbClr val="9E9E9E"/>
+                      </a:solidFill>
+                      <a:prstDash val="solid"/>
+                      <a:round/>
+                      <a:headEnd type="none" w="med" len="med"/>
+                      <a:tailEnd type="none" w="med" len="med"/>
+                    </a:lnT>
+                    <a:lnB w="9525" cap="flat" cmpd="sng" algn="ctr">
+                      <a:solidFill>
+                        <a:srgbClr val="9E9E9E"/>
+                      </a:solidFill>
+                      <a:prstDash val="solid"/>
+                      <a:round/>
+                      <a:headEnd type="none" w="med" len="med"/>
+                      <a:tailEnd type="none" w="med" len="med"/>
+                    </a:lnB>
+                    <a:solidFill>
+                      <a:srgbClr val="EFEFEF"/>
+                    </a:solidFill>
+                  </a:tcPr>
+                </a:tc>
+                <a:tc>
+                  <a:txBody>
+                    <a:bodyPr/>
+                    <a:lstStyle/>
+                    <a:p>
+                      <a:pPr fontAlgn="t"/>
+                      <a:r>
+                        <a:rPr lang="en-US" sz="2800" dirty="0">
+                          <a:effectLst/>
+                        </a:rPr>
+                        <a:t> </a:t>
+                      </a:r>
+                    </a:p>
+                  </a:txBody>
+                  <a:tcPr marL="95250" marR="95250" marT="95250" marB="95250">
+                    <a:lnL w="9525" cap="flat" cmpd="sng" algn="ctr">
+                      <a:solidFill>
+                        <a:srgbClr val="9E9E9E"/>
+                      </a:solidFill>
+                      <a:prstDash val="solid"/>
+                      <a:round/>
+                      <a:headEnd type="none" w="med" len="med"/>
+                      <a:tailEnd type="none" w="med" len="med"/>
+                    </a:lnL>
+                    <a:lnR w="9525" cap="flat" cmpd="sng" algn="ctr">
+                      <a:solidFill>
+                        <a:srgbClr val="9E9E9E"/>
+                      </a:solidFill>
+                      <a:prstDash val="solid"/>
+                      <a:round/>
+                      <a:headEnd type="none" w="med" len="med"/>
+                      <a:tailEnd type="none" w="med" len="med"/>
+                    </a:lnR>
+                    <a:lnT w="9525" cap="flat" cmpd="sng" algn="ctr">
+                      <a:solidFill>
+                        <a:srgbClr val="9E9E9E"/>
+                      </a:solidFill>
+                      <a:prstDash val="solid"/>
+                      <a:round/>
+                      <a:headEnd type="none" w="med" len="med"/>
+                      <a:tailEnd type="none" w="med" len="med"/>
+                    </a:lnT>
+                    <a:lnB w="9525" cap="flat" cmpd="sng" algn="ctr">
+                      <a:solidFill>
+                        <a:srgbClr val="9E9E9E"/>
+                      </a:solidFill>
+                      <a:prstDash val="solid"/>
+                      <a:round/>
+                      <a:headEnd type="none" w="med" len="med"/>
+                      <a:tailEnd type="none" w="med" len="med"/>
+                    </a:lnB>
+                    <a:solidFill>
+                      <a:srgbClr val="EFEFEF"/>
+                    </a:solidFill>
+                  </a:tcPr>
+                </a:tc>
+                <a:tc>
+                  <a:txBody>
+                    <a:bodyPr/>
+                    <a:lstStyle/>
+                    <a:p>
+                      <a:pPr fontAlgn="t"/>
+                      <a:r>
+                        <a:rPr lang="en-US" sz="2800" dirty="0">
+                          <a:effectLst/>
+                        </a:rPr>
+                        <a:t> </a:t>
+                      </a:r>
+                    </a:p>
+                  </a:txBody>
+                  <a:tcPr marL="95250" marR="95250" marT="95250" marB="95250">
+                    <a:lnL w="9525" cap="flat" cmpd="sng" algn="ctr">
+                      <a:solidFill>
+                        <a:srgbClr val="9E9E9E"/>
+                      </a:solidFill>
+                      <a:prstDash val="solid"/>
+                      <a:round/>
+                      <a:headEnd type="none" w="med" len="med"/>
+                      <a:tailEnd type="none" w="med" len="med"/>
+                    </a:lnL>
+                    <a:lnR w="9525" cap="flat" cmpd="sng" algn="ctr">
+                      <a:solidFill>
+                        <a:srgbClr val="9E9E9E"/>
+                      </a:solidFill>
+                      <a:prstDash val="solid"/>
+                      <a:round/>
+                      <a:headEnd type="none" w="med" len="med"/>
+                      <a:tailEnd type="none" w="med" len="med"/>
+                    </a:lnR>
+                    <a:lnT w="9525" cap="flat" cmpd="sng" algn="ctr">
+                      <a:solidFill>
+                        <a:srgbClr val="9E9E9E"/>
+                      </a:solidFill>
+                      <a:prstDash val="solid"/>
+                      <a:round/>
+                      <a:headEnd type="none" w="med" len="med"/>
+                      <a:tailEnd type="none" w="med" len="med"/>
+                    </a:lnT>
+                    <a:lnB w="9525" cap="flat" cmpd="sng" algn="ctr">
+                      <a:solidFill>
+                        <a:srgbClr val="9E9E9E"/>
+                      </a:solidFill>
+                      <a:prstDash val="solid"/>
+                      <a:round/>
+                      <a:headEnd type="none" w="med" len="med"/>
+                      <a:tailEnd type="none" w="med" len="med"/>
+                    </a:lnB>
+                    <a:solidFill>
+                      <a:srgbClr val="EFEFEF"/>
+                    </a:solidFill>
+                  </a:tcPr>
+                </a:tc>
+                <a:extLst>
+                  <a:ext uri="{0D108BD9-81ED-4DB2-BD59-A6C34878D82A}">
+                    <a16:rowId xmlns:a16="http://schemas.microsoft.com/office/drawing/2014/main" val="52947654"/>
+                  </a:ext>
+                </a:extLst>
+              </a:tr>
+            </a:tbl>
+          </a:graphicData>
+        </a:graphic>
+      </p:graphicFrame>
+      <p:sp>
+        <p:nvSpPr>
+          <p:cNvPr id="6" name="Rectangle 1">
+            <a:extLst>
+              <a:ext uri="{FF2B5EF4-FFF2-40B4-BE49-F238E27FC236}">
+                <a16:creationId xmlns:a16="http://schemas.microsoft.com/office/drawing/2014/main" id="{C3A8FBED-85E3-6543-8C9B-3BCDC1DC1B61}"/>
+              </a:ext>
+            </a:extLst>
+          </p:cNvPr>
+          <p:cNvSpPr>
+            <a:spLocks noChangeArrowheads="1"/>
+          </p:cNvSpPr>
+          <p:nvPr/>
+        </p:nvSpPr>
+        <p:spPr bwMode="auto">
+          <a:xfrm>
+            <a:off x="519057" y="1334098"/>
+            <a:ext cx="16688560" cy="648000"/>
+          </a:xfrm>
+          <a:prstGeom prst="rect">
+            <a:avLst/>
+          </a:prstGeom>
+          <a:noFill/>
+          <a:ln>
+            <a:noFill/>
+          </a:ln>
+          <a:effectLst/>
+          <a:extLst>
+            <a:ext uri="{909E8E84-426E-40DD-AFC4-6F175D3DCCD1}">
+              <a14:hiddenFill xmlns:a14="http://schemas.microsoft.com/office/drawing/2010/main">
+                <a:solidFill>
+                  <a:schemeClr val="accent1"/>
+                </a:solidFill>
+              </a14:hiddenFill>
+            </a:ext>
+            <a:ext uri="{91240B29-F687-4F45-9708-019B960494DF}">
+              <a14:hiddenLine xmlns:a14="http://schemas.microsoft.com/office/drawing/2010/main" w="9525">
+                <a:solidFill>
+                  <a:schemeClr val="tx1"/>
+                </a:solidFill>
+                <a:miter lim="800000"/>
+                <a:headEnd/>
+                <a:tailEnd/>
+              </a14:hiddenLine>
+            </a:ext>
+            <a:ext uri="{AF507438-7753-43E0-B8FC-AC1667EBCBE1}">
+              <a14:hiddenEffects xmlns:a14="http://schemas.microsoft.com/office/drawing/2010/main">
+                <a:effectLst>
+                  <a:outerShdw dist="35921" dir="2700000" algn="ctr" rotWithShape="0">
+                    <a:schemeClr val="bg2"/>
+                  </a:outerShdw>
+                </a:effectLst>
+              </a14:hiddenEffects>
+            </a:ext>
+          </a:extLst>
+        </p:spPr>
+        <p:txBody>
+          <a:bodyPr vert="horz" wrap="square" lIns="91440" tIns="45720" rIns="91440" bIns="45720" numCol="1" anchor="ctr" anchorCtr="0" compatLnSpc="1">
+            <a:prstTxWarp prst="textNoShape">
+              <a:avLst/>
+            </a:prstTxWarp>
+            <a:spAutoFit/>
+          </a:bodyPr>
+          <a:lstStyle/>
+          <a:p>
+            <a:endParaRPr lang="en-US"/>
           </a:p>
         </p:txBody>
       </p:sp>
       <p:sp>
         <p:nvSpPr>
-          <p:cNvPr id="3" name="Text Placeholder 2">
+          <p:cNvPr id="8" name="Google Shape;75;p16">
             <a:extLst>
               <a:ext uri="{FF2B5EF4-FFF2-40B4-BE49-F238E27FC236}">
-                <a16:creationId xmlns:a16="http://schemas.microsoft.com/office/drawing/2014/main" id="{B761F066-C352-2344-9AFE-A7E0C820CFA0}"/>
+                <a16:creationId xmlns:a16="http://schemas.microsoft.com/office/drawing/2014/main" id="{88022FE4-43BB-F446-8B27-9386A69F8BEF}"/>
               </a:ext>
             </a:extLst>
           </p:cNvPr>
-          <p:cNvSpPr>
-            <a:spLocks noGrp="1"/>
-          </p:cNvSpPr>
-          <p:nvPr>
-            <p:ph type="body" idx="1"/>
-          </p:nvPr>
+          <p:cNvSpPr/>
+          <p:nvPr/>
         </p:nvSpPr>
-        <p:spPr/>
+        <p:spPr>
+          <a:xfrm>
+            <a:off x="2616653" y="4956475"/>
+            <a:ext cx="2723700" cy="518400"/>
+          </a:xfrm>
+          <a:prstGeom prst="rect">
+            <a:avLst/>
+          </a:prstGeom>
+          <a:solidFill>
+            <a:schemeClr val="lt2"/>
+          </a:solidFill>
+          <a:ln w="9525" cap="flat" cmpd="sng">
+            <a:solidFill>
+              <a:schemeClr val="dk2"/>
+            </a:solidFill>
+            <a:prstDash val="solid"/>
+            <a:round/>
+            <a:headEnd type="none" w="sm" len="sm"/>
+            <a:tailEnd type="none" w="sm" len="sm"/>
+          </a:ln>
+        </p:spPr>
         <p:txBody>
-          <a:bodyPr/>
+          <a:bodyPr spcFirstLastPara="1" wrap="square" lIns="91425" tIns="91425" rIns="91425" bIns="91425" anchor="ctr" anchorCtr="0">
+            <a:noAutofit/>
+          </a:bodyPr>
           <a:lstStyle/>
           <a:p>
-            <a:endParaRPr lang="en-US" dirty="0"/>
+            <a:pPr marL="0" lvl="0" indent="0" algn="l" rtl="0">
+              <a:spcBef>
+                <a:spcPts val="0"/>
+              </a:spcBef>
+              <a:spcAft>
+                <a:spcPts val="0"/>
+              </a:spcAft>
+              <a:buClr>
+                <a:schemeClr val="dk1"/>
+              </a:buClr>
+              <a:buSzPts val="1100"/>
+              <a:buFont typeface="Arial"/>
+              <a:buNone/>
+            </a:pPr>
+            <a:r>
+              <a:rPr lang="en" dirty="0"/>
+              <a:t>Training Examples</a:t>
+            </a:r>
+            <a:endParaRPr dirty="0"/>
           </a:p>
         </p:txBody>
       </p:sp>
+      <p:sp>
+        <p:nvSpPr>
+          <p:cNvPr id="9" name="Google Shape;76;p16">
+            <a:extLst>
+              <a:ext uri="{FF2B5EF4-FFF2-40B4-BE49-F238E27FC236}">
+                <a16:creationId xmlns:a16="http://schemas.microsoft.com/office/drawing/2014/main" id="{1CC13113-308F-0D49-A54C-F1B7D29843CB}"/>
+              </a:ext>
+            </a:extLst>
+          </p:cNvPr>
+          <p:cNvSpPr/>
+          <p:nvPr/>
+        </p:nvSpPr>
+        <p:spPr>
+          <a:xfrm>
+            <a:off x="5279753" y="4956475"/>
+            <a:ext cx="664200" cy="518400"/>
+          </a:xfrm>
+          <a:prstGeom prst="rect">
+            <a:avLst/>
+          </a:prstGeom>
+          <a:solidFill>
+            <a:srgbClr val="D9EAD3"/>
+          </a:solidFill>
+          <a:ln w="9525" cap="flat" cmpd="sng">
+            <a:solidFill>
+              <a:schemeClr val="dk2"/>
+            </a:solidFill>
+            <a:prstDash val="solid"/>
+            <a:round/>
+            <a:headEnd type="none" w="sm" len="sm"/>
+            <a:tailEnd type="none" w="sm" len="sm"/>
+          </a:ln>
+        </p:spPr>
+        <p:txBody>
+          <a:bodyPr spcFirstLastPara="1" wrap="square" lIns="91425" tIns="91425" rIns="91425" bIns="91425" anchor="ctr" anchorCtr="0">
+            <a:noAutofit/>
+          </a:bodyPr>
+          <a:lstStyle/>
+          <a:p>
+            <a:pPr marL="0" lvl="0" indent="0" algn="l" rtl="0">
+              <a:spcBef>
+                <a:spcPts val="0"/>
+              </a:spcBef>
+              <a:spcAft>
+                <a:spcPts val="0"/>
+              </a:spcAft>
+              <a:buNone/>
+            </a:pPr>
+            <a:r>
+              <a:rPr lang="en"/>
+              <a:t>Label Buffer</a:t>
+            </a:r>
+            <a:endParaRPr/>
+          </a:p>
+        </p:txBody>
+      </p:sp>
+      <p:sp>
+        <p:nvSpPr>
+          <p:cNvPr id="10" name="Google Shape;77;p16">
+            <a:extLst>
+              <a:ext uri="{FF2B5EF4-FFF2-40B4-BE49-F238E27FC236}">
+                <a16:creationId xmlns:a16="http://schemas.microsoft.com/office/drawing/2014/main" id="{74B63F31-AE4A-0947-8507-1D23D6B07216}"/>
+              </a:ext>
+            </a:extLst>
+          </p:cNvPr>
+          <p:cNvSpPr/>
+          <p:nvPr/>
+        </p:nvSpPr>
+        <p:spPr>
+          <a:xfrm>
+            <a:off x="5867753" y="4956475"/>
+            <a:ext cx="2723700" cy="518400"/>
+          </a:xfrm>
+          <a:prstGeom prst="rect">
+            <a:avLst/>
+          </a:prstGeom>
+          <a:solidFill>
+            <a:schemeClr val="lt2"/>
+          </a:solidFill>
+          <a:ln w="9525" cap="flat" cmpd="sng">
+            <a:solidFill>
+              <a:schemeClr val="dk2"/>
+            </a:solidFill>
+            <a:prstDash val="solid"/>
+            <a:round/>
+            <a:headEnd type="none" w="sm" len="sm"/>
+            <a:tailEnd type="none" w="sm" len="sm"/>
+          </a:ln>
+        </p:spPr>
+        <p:txBody>
+          <a:bodyPr spcFirstLastPara="1" wrap="square" lIns="91425" tIns="91425" rIns="91425" bIns="91425" anchor="ctr" anchorCtr="0">
+            <a:noAutofit/>
+          </a:bodyPr>
+          <a:lstStyle/>
+          <a:p>
+            <a:pPr marL="0" lvl="0" indent="0" algn="l" rtl="0">
+              <a:spcBef>
+                <a:spcPts val="0"/>
+              </a:spcBef>
+              <a:spcAft>
+                <a:spcPts val="0"/>
+              </a:spcAft>
+              <a:buNone/>
+            </a:pPr>
+            <a:r>
+              <a:rPr lang="en"/>
+              <a:t>Validation Examples</a:t>
+            </a:r>
+            <a:endParaRPr/>
+          </a:p>
+        </p:txBody>
+      </p:sp>
+      <p:sp>
+        <p:nvSpPr>
+          <p:cNvPr id="11" name="Google Shape;78;p16">
+            <a:extLst>
+              <a:ext uri="{FF2B5EF4-FFF2-40B4-BE49-F238E27FC236}">
+                <a16:creationId xmlns:a16="http://schemas.microsoft.com/office/drawing/2014/main" id="{B0E0B54D-C539-714F-A207-E2E53766956C}"/>
+              </a:ext>
+            </a:extLst>
+          </p:cNvPr>
+          <p:cNvSpPr/>
+          <p:nvPr/>
+        </p:nvSpPr>
+        <p:spPr>
+          <a:xfrm>
+            <a:off x="8384428" y="4956475"/>
+            <a:ext cx="664200" cy="518400"/>
+          </a:xfrm>
+          <a:prstGeom prst="rect">
+            <a:avLst/>
+          </a:prstGeom>
+          <a:solidFill>
+            <a:srgbClr val="D9EAD3"/>
+          </a:solidFill>
+          <a:ln w="9525" cap="flat" cmpd="sng">
+            <a:solidFill>
+              <a:schemeClr val="dk2"/>
+            </a:solidFill>
+            <a:prstDash val="solid"/>
+            <a:round/>
+            <a:headEnd type="none" w="sm" len="sm"/>
+            <a:tailEnd type="none" w="sm" len="sm"/>
+          </a:ln>
+        </p:spPr>
+        <p:txBody>
+          <a:bodyPr spcFirstLastPara="1" wrap="square" lIns="91425" tIns="91425" rIns="91425" bIns="91425" anchor="ctr" anchorCtr="0">
+            <a:noAutofit/>
+          </a:bodyPr>
+          <a:lstStyle/>
+          <a:p>
+            <a:pPr marL="0" lvl="0" indent="0" algn="l" rtl="0">
+              <a:spcBef>
+                <a:spcPts val="0"/>
+              </a:spcBef>
+              <a:spcAft>
+                <a:spcPts val="0"/>
+              </a:spcAft>
+              <a:buNone/>
+            </a:pPr>
+            <a:r>
+              <a:rPr lang="en"/>
+              <a:t>Label Buffer</a:t>
+            </a:r>
+            <a:endParaRPr/>
+          </a:p>
+        </p:txBody>
+      </p:sp>
+      <p:sp>
+        <p:nvSpPr>
+          <p:cNvPr id="12" name="Google Shape;79;p16">
+            <a:extLst>
+              <a:ext uri="{FF2B5EF4-FFF2-40B4-BE49-F238E27FC236}">
+                <a16:creationId xmlns:a16="http://schemas.microsoft.com/office/drawing/2014/main" id="{FA1B9212-0C05-C34C-B9A0-7C260DAEEC4D}"/>
+              </a:ext>
+            </a:extLst>
+          </p:cNvPr>
+          <p:cNvSpPr/>
+          <p:nvPr/>
+        </p:nvSpPr>
+        <p:spPr>
+          <a:xfrm>
+            <a:off x="2826203" y="5664650"/>
+            <a:ext cx="2723700" cy="518400"/>
+          </a:xfrm>
+          <a:prstGeom prst="rect">
+            <a:avLst/>
+          </a:prstGeom>
+          <a:solidFill>
+            <a:schemeClr val="lt2"/>
+          </a:solidFill>
+          <a:ln w="9525" cap="flat" cmpd="sng">
+            <a:solidFill>
+              <a:schemeClr val="dk2"/>
+            </a:solidFill>
+            <a:prstDash val="solid"/>
+            <a:round/>
+            <a:headEnd type="none" w="sm" len="sm"/>
+            <a:tailEnd type="none" w="sm" len="sm"/>
+          </a:ln>
+        </p:spPr>
+        <p:txBody>
+          <a:bodyPr spcFirstLastPara="1" wrap="square" lIns="91425" tIns="91425" rIns="91425" bIns="91425" anchor="ctr" anchorCtr="0">
+            <a:noAutofit/>
+          </a:bodyPr>
+          <a:lstStyle/>
+          <a:p>
+            <a:pPr marL="0" lvl="0" indent="0" algn="l" rtl="0">
+              <a:spcBef>
+                <a:spcPts val="0"/>
+              </a:spcBef>
+              <a:spcAft>
+                <a:spcPts val="0"/>
+              </a:spcAft>
+              <a:buNone/>
+            </a:pPr>
+            <a:r>
+              <a:rPr lang="en"/>
+              <a:t>Training Examples</a:t>
+            </a:r>
+            <a:endParaRPr/>
+          </a:p>
+        </p:txBody>
+      </p:sp>
+      <p:sp>
+        <p:nvSpPr>
+          <p:cNvPr id="13" name="Google Shape;80;p16">
+            <a:extLst>
+              <a:ext uri="{FF2B5EF4-FFF2-40B4-BE49-F238E27FC236}">
+                <a16:creationId xmlns:a16="http://schemas.microsoft.com/office/drawing/2014/main" id="{1FCFB2E6-799F-2642-8B0D-82FE69AF405C}"/>
+              </a:ext>
+            </a:extLst>
+          </p:cNvPr>
+          <p:cNvSpPr/>
+          <p:nvPr/>
+        </p:nvSpPr>
+        <p:spPr>
+          <a:xfrm>
+            <a:off x="5489303" y="5664650"/>
+            <a:ext cx="664200" cy="518400"/>
+          </a:xfrm>
+          <a:prstGeom prst="rect">
+            <a:avLst/>
+          </a:prstGeom>
+          <a:solidFill>
+            <a:srgbClr val="D9EAD3"/>
+          </a:solidFill>
+          <a:ln w="9525" cap="flat" cmpd="sng">
+            <a:solidFill>
+              <a:schemeClr val="dk2"/>
+            </a:solidFill>
+            <a:prstDash val="solid"/>
+            <a:round/>
+            <a:headEnd type="none" w="sm" len="sm"/>
+            <a:tailEnd type="none" w="sm" len="sm"/>
+          </a:ln>
+        </p:spPr>
+        <p:txBody>
+          <a:bodyPr spcFirstLastPara="1" wrap="square" lIns="91425" tIns="91425" rIns="91425" bIns="91425" anchor="ctr" anchorCtr="0">
+            <a:noAutofit/>
+          </a:bodyPr>
+          <a:lstStyle/>
+          <a:p>
+            <a:pPr marL="0" lvl="0" indent="0" algn="l" rtl="0">
+              <a:spcBef>
+                <a:spcPts val="0"/>
+              </a:spcBef>
+              <a:spcAft>
+                <a:spcPts val="0"/>
+              </a:spcAft>
+              <a:buNone/>
+            </a:pPr>
+            <a:r>
+              <a:rPr lang="en"/>
+              <a:t>Label Buffer</a:t>
+            </a:r>
+            <a:endParaRPr/>
+          </a:p>
+        </p:txBody>
+      </p:sp>
+      <p:sp>
+        <p:nvSpPr>
+          <p:cNvPr id="14" name="Google Shape;81;p16">
+            <a:extLst>
+              <a:ext uri="{FF2B5EF4-FFF2-40B4-BE49-F238E27FC236}">
+                <a16:creationId xmlns:a16="http://schemas.microsoft.com/office/drawing/2014/main" id="{23524599-0A97-2941-A8B2-33CCFF497383}"/>
+              </a:ext>
+            </a:extLst>
+          </p:cNvPr>
+          <p:cNvSpPr/>
+          <p:nvPr/>
+        </p:nvSpPr>
+        <p:spPr>
+          <a:xfrm>
+            <a:off x="6077303" y="5664650"/>
+            <a:ext cx="2723700" cy="518400"/>
+          </a:xfrm>
+          <a:prstGeom prst="rect">
+            <a:avLst/>
+          </a:prstGeom>
+          <a:solidFill>
+            <a:schemeClr val="lt2"/>
+          </a:solidFill>
+          <a:ln w="9525" cap="flat" cmpd="sng">
+            <a:solidFill>
+              <a:schemeClr val="dk2"/>
+            </a:solidFill>
+            <a:prstDash val="solid"/>
+            <a:round/>
+            <a:headEnd type="none" w="sm" len="sm"/>
+            <a:tailEnd type="none" w="sm" len="sm"/>
+          </a:ln>
+        </p:spPr>
+        <p:txBody>
+          <a:bodyPr spcFirstLastPara="1" wrap="square" lIns="91425" tIns="91425" rIns="91425" bIns="91425" anchor="ctr" anchorCtr="0">
+            <a:noAutofit/>
+          </a:bodyPr>
+          <a:lstStyle/>
+          <a:p>
+            <a:pPr marL="0" lvl="0" indent="0" algn="l" rtl="0">
+              <a:spcBef>
+                <a:spcPts val="0"/>
+              </a:spcBef>
+              <a:spcAft>
+                <a:spcPts val="0"/>
+              </a:spcAft>
+              <a:buNone/>
+            </a:pPr>
+            <a:r>
+              <a:rPr lang="en"/>
+              <a:t>Validation Examples</a:t>
+            </a:r>
+            <a:endParaRPr/>
+          </a:p>
+        </p:txBody>
+      </p:sp>
+      <p:sp>
+        <p:nvSpPr>
+          <p:cNvPr id="15" name="Google Shape;82;p16">
+            <a:extLst>
+              <a:ext uri="{FF2B5EF4-FFF2-40B4-BE49-F238E27FC236}">
+                <a16:creationId xmlns:a16="http://schemas.microsoft.com/office/drawing/2014/main" id="{DC3E6061-FCD2-2B4E-8D49-44222CC2D6F0}"/>
+              </a:ext>
+            </a:extLst>
+          </p:cNvPr>
+          <p:cNvSpPr/>
+          <p:nvPr/>
+        </p:nvSpPr>
+        <p:spPr>
+          <a:xfrm>
+            <a:off x="8593978" y="5664650"/>
+            <a:ext cx="664200" cy="518400"/>
+          </a:xfrm>
+          <a:prstGeom prst="rect">
+            <a:avLst/>
+          </a:prstGeom>
+          <a:solidFill>
+            <a:srgbClr val="D9EAD3"/>
+          </a:solidFill>
+          <a:ln w="9525" cap="flat" cmpd="sng">
+            <a:solidFill>
+              <a:schemeClr val="dk2"/>
+            </a:solidFill>
+            <a:prstDash val="solid"/>
+            <a:round/>
+            <a:headEnd type="none" w="sm" len="sm"/>
+            <a:tailEnd type="none" w="sm" len="sm"/>
+          </a:ln>
+        </p:spPr>
+        <p:txBody>
+          <a:bodyPr spcFirstLastPara="1" wrap="square" lIns="91425" tIns="91425" rIns="91425" bIns="91425" anchor="ctr" anchorCtr="0">
+            <a:noAutofit/>
+          </a:bodyPr>
+          <a:lstStyle/>
+          <a:p>
+            <a:pPr marL="0" lvl="0" indent="0" algn="l" rtl="0">
+              <a:spcBef>
+                <a:spcPts val="0"/>
+              </a:spcBef>
+              <a:spcAft>
+                <a:spcPts val="0"/>
+              </a:spcAft>
+              <a:buNone/>
+            </a:pPr>
+            <a:r>
+              <a:rPr lang="en"/>
+              <a:t>Label Buffer</a:t>
+            </a:r>
+            <a:endParaRPr/>
+          </a:p>
+        </p:txBody>
+      </p:sp>
+      <p:sp>
+        <p:nvSpPr>
+          <p:cNvPr id="16" name="Google Shape;83;p16">
+            <a:extLst>
+              <a:ext uri="{FF2B5EF4-FFF2-40B4-BE49-F238E27FC236}">
+                <a16:creationId xmlns:a16="http://schemas.microsoft.com/office/drawing/2014/main" id="{3E5A93A3-DDC4-A142-86E1-4EED81ECBB34}"/>
+              </a:ext>
+            </a:extLst>
+          </p:cNvPr>
+          <p:cNvSpPr txBox="1"/>
+          <p:nvPr/>
+        </p:nvSpPr>
+        <p:spPr>
+          <a:xfrm>
+            <a:off x="176178" y="4984825"/>
+            <a:ext cx="2335000" cy="430857"/>
+          </a:xfrm>
+          <a:prstGeom prst="rect">
+            <a:avLst/>
+          </a:prstGeom>
+          <a:noFill/>
+          <a:ln>
+            <a:noFill/>
+          </a:ln>
+        </p:spPr>
+        <p:txBody>
+          <a:bodyPr spcFirstLastPara="1" wrap="square" lIns="91425" tIns="91425" rIns="91425" bIns="91425" anchor="t" anchorCtr="0">
+            <a:spAutoFit/>
+          </a:bodyPr>
+          <a:lstStyle/>
+          <a:p>
+            <a:pPr marL="0" lvl="0" indent="0" algn="l" rtl="0">
+              <a:spcBef>
+                <a:spcPts val="0"/>
+              </a:spcBef>
+              <a:spcAft>
+                <a:spcPts val="0"/>
+              </a:spcAft>
+              <a:buNone/>
+            </a:pPr>
+            <a:r>
+              <a:rPr lang="en" sz="1600" dirty="0">
+                <a:solidFill>
+                  <a:schemeClr val="dk1"/>
+                </a:solidFill>
+              </a:rPr>
+              <a:t>Train-Validation Pair 1</a:t>
+            </a:r>
+            <a:endParaRPr sz="3200" dirty="0"/>
+          </a:p>
+        </p:txBody>
+      </p:sp>
+      <p:sp>
+        <p:nvSpPr>
+          <p:cNvPr id="17" name="Google Shape;84;p16">
+            <a:extLst>
+              <a:ext uri="{FF2B5EF4-FFF2-40B4-BE49-F238E27FC236}">
+                <a16:creationId xmlns:a16="http://schemas.microsoft.com/office/drawing/2014/main" id="{E9289A33-C4D3-8549-9067-B9295D5724D3}"/>
+              </a:ext>
+            </a:extLst>
+          </p:cNvPr>
+          <p:cNvSpPr txBox="1"/>
+          <p:nvPr/>
+        </p:nvSpPr>
+        <p:spPr>
+          <a:xfrm>
+            <a:off x="176178" y="5693000"/>
+            <a:ext cx="2468050" cy="430857"/>
+          </a:xfrm>
+          <a:prstGeom prst="rect">
+            <a:avLst/>
+          </a:prstGeom>
+          <a:noFill/>
+          <a:ln>
+            <a:noFill/>
+          </a:ln>
+        </p:spPr>
+        <p:txBody>
+          <a:bodyPr spcFirstLastPara="1" wrap="square" lIns="91425" tIns="91425" rIns="91425" bIns="91425" anchor="t" anchorCtr="0">
+            <a:spAutoFit/>
+          </a:bodyPr>
+          <a:lstStyle/>
+          <a:p>
+            <a:pPr marL="0" lvl="0" indent="0" algn="l" rtl="0">
+              <a:spcBef>
+                <a:spcPts val="0"/>
+              </a:spcBef>
+              <a:spcAft>
+                <a:spcPts val="0"/>
+              </a:spcAft>
+              <a:buNone/>
+            </a:pPr>
+            <a:r>
+              <a:rPr lang="en" sz="1600" dirty="0">
+                <a:solidFill>
+                  <a:schemeClr val="dk1"/>
+                </a:solidFill>
+              </a:rPr>
+              <a:t>Train-Validation Pair 2</a:t>
+            </a:r>
+            <a:endParaRPr sz="3200" dirty="0"/>
+          </a:p>
+        </p:txBody>
+      </p:sp>
+      <p:cxnSp>
+        <p:nvCxnSpPr>
+          <p:cNvPr id="18" name="Google Shape;85;p16">
+            <a:extLst>
+              <a:ext uri="{FF2B5EF4-FFF2-40B4-BE49-F238E27FC236}">
+                <a16:creationId xmlns:a16="http://schemas.microsoft.com/office/drawing/2014/main" id="{2567FE36-C42B-6540-92E4-C7DBA5213BA9}"/>
+              </a:ext>
+            </a:extLst>
+          </p:cNvPr>
+          <p:cNvCxnSpPr>
+            <a:cxnSpLocks/>
+          </p:cNvCxnSpPr>
+          <p:nvPr/>
+        </p:nvCxnSpPr>
+        <p:spPr>
+          <a:xfrm flipH="1" flipV="1">
+            <a:off x="2334409" y="3302598"/>
+            <a:ext cx="291179" cy="1630772"/>
+          </a:xfrm>
+          <a:prstGeom prst="straightConnector1">
+            <a:avLst/>
+          </a:prstGeom>
+          <a:noFill/>
+          <a:ln w="9525" cap="flat" cmpd="sng">
+            <a:solidFill>
+              <a:schemeClr val="dk2"/>
+            </a:solidFill>
+            <a:prstDash val="solid"/>
+            <a:round/>
+            <a:headEnd type="none" w="med" len="med"/>
+            <a:tailEnd type="triangle" w="med" len="med"/>
+          </a:ln>
+        </p:spPr>
+      </p:cxnSp>
+      <p:cxnSp>
+        <p:nvCxnSpPr>
+          <p:cNvPr id="19" name="Google Shape;86;p16">
+            <a:extLst>
+              <a:ext uri="{FF2B5EF4-FFF2-40B4-BE49-F238E27FC236}">
+                <a16:creationId xmlns:a16="http://schemas.microsoft.com/office/drawing/2014/main" id="{128B2764-2EF0-AB47-82DF-3CC4C0AD7B0F}"/>
+              </a:ext>
+            </a:extLst>
+          </p:cNvPr>
+          <p:cNvCxnSpPr>
+            <a:cxnSpLocks/>
+          </p:cNvCxnSpPr>
+          <p:nvPr/>
+        </p:nvCxnSpPr>
+        <p:spPr>
+          <a:xfrm flipH="1" flipV="1">
+            <a:off x="3313355" y="3239225"/>
+            <a:ext cx="1966398" cy="1708912"/>
+          </a:xfrm>
+          <a:prstGeom prst="straightConnector1">
+            <a:avLst/>
+          </a:prstGeom>
+          <a:noFill/>
+          <a:ln w="9525" cap="flat" cmpd="sng">
+            <a:solidFill>
+              <a:schemeClr val="dk2"/>
+            </a:solidFill>
+            <a:prstDash val="solid"/>
+            <a:round/>
+            <a:headEnd type="none" w="med" len="med"/>
+            <a:tailEnd type="triangle" w="med" len="med"/>
+          </a:ln>
+        </p:spPr>
+      </p:cxnSp>
+      <p:cxnSp>
+        <p:nvCxnSpPr>
+          <p:cNvPr id="20" name="Google Shape;87;p16">
+            <a:extLst>
+              <a:ext uri="{FF2B5EF4-FFF2-40B4-BE49-F238E27FC236}">
+                <a16:creationId xmlns:a16="http://schemas.microsoft.com/office/drawing/2014/main" id="{7B00B6AE-0774-A04C-BD90-AA5163A87411}"/>
+              </a:ext>
+            </a:extLst>
+          </p:cNvPr>
+          <p:cNvCxnSpPr>
+            <a:cxnSpLocks/>
+          </p:cNvCxnSpPr>
+          <p:nvPr/>
+        </p:nvCxnSpPr>
+        <p:spPr>
+          <a:xfrm flipV="1">
+            <a:off x="2655228" y="3239224"/>
+            <a:ext cx="1738624" cy="1708976"/>
+          </a:xfrm>
+          <a:prstGeom prst="straightConnector1">
+            <a:avLst/>
+          </a:prstGeom>
+          <a:noFill/>
+          <a:ln w="9525" cap="flat" cmpd="sng">
+            <a:solidFill>
+              <a:schemeClr val="dk2"/>
+            </a:solidFill>
+            <a:prstDash val="solid"/>
+            <a:round/>
+            <a:headEnd type="none" w="med" len="med"/>
+            <a:tailEnd type="triangle" w="med" len="med"/>
+          </a:ln>
+        </p:spPr>
+      </p:cxnSp>
+      <p:cxnSp>
+        <p:nvCxnSpPr>
+          <p:cNvPr id="21" name="Google Shape;88;p16">
+            <a:extLst>
+              <a:ext uri="{FF2B5EF4-FFF2-40B4-BE49-F238E27FC236}">
+                <a16:creationId xmlns:a16="http://schemas.microsoft.com/office/drawing/2014/main" id="{C47765E1-A98E-1B4F-8F44-E2C687798D34}"/>
+              </a:ext>
+            </a:extLst>
+          </p:cNvPr>
+          <p:cNvCxnSpPr>
+            <a:cxnSpLocks/>
+          </p:cNvCxnSpPr>
+          <p:nvPr/>
+        </p:nvCxnSpPr>
+        <p:spPr>
+          <a:xfrm flipH="1" flipV="1">
+            <a:off x="5489303" y="3239162"/>
+            <a:ext cx="378450" cy="1717313"/>
+          </a:xfrm>
+          <a:prstGeom prst="straightConnector1">
+            <a:avLst/>
+          </a:prstGeom>
+          <a:noFill/>
+          <a:ln w="9525" cap="flat" cmpd="sng">
+            <a:solidFill>
+              <a:schemeClr val="dk2"/>
+            </a:solidFill>
+            <a:prstDash val="solid"/>
+            <a:round/>
+            <a:headEnd type="none" w="med" len="med"/>
+            <a:tailEnd type="triangle" w="med" len="med"/>
+          </a:ln>
+        </p:spPr>
+      </p:cxnSp>
+      <p:cxnSp>
+        <p:nvCxnSpPr>
+          <p:cNvPr id="40" name="Google Shape;85;p16">
+            <a:extLst>
+              <a:ext uri="{FF2B5EF4-FFF2-40B4-BE49-F238E27FC236}">
+                <a16:creationId xmlns:a16="http://schemas.microsoft.com/office/drawing/2014/main" id="{02C7722C-A353-154E-9BC4-296A2BF0FD96}"/>
+              </a:ext>
+            </a:extLst>
+          </p:cNvPr>
+          <p:cNvCxnSpPr>
+            <a:cxnSpLocks/>
+          </p:cNvCxnSpPr>
+          <p:nvPr/>
+        </p:nvCxnSpPr>
+        <p:spPr>
+          <a:xfrm flipV="1">
+            <a:off x="5897143" y="3228203"/>
+            <a:ext cx="893435" cy="1705167"/>
+          </a:xfrm>
+          <a:prstGeom prst="straightConnector1">
+            <a:avLst/>
+          </a:prstGeom>
+          <a:noFill/>
+          <a:ln w="9525" cap="flat" cmpd="sng">
+            <a:solidFill>
+              <a:schemeClr val="dk2"/>
+            </a:solidFill>
+            <a:prstDash val="solid"/>
+            <a:round/>
+            <a:headEnd type="none" w="med" len="med"/>
+            <a:tailEnd type="triangle" w="med" len="med"/>
+          </a:ln>
+        </p:spPr>
+      </p:cxnSp>
+      <p:cxnSp>
+        <p:nvCxnSpPr>
+          <p:cNvPr id="41" name="Google Shape;86;p16">
+            <a:extLst>
+              <a:ext uri="{FF2B5EF4-FFF2-40B4-BE49-F238E27FC236}">
+                <a16:creationId xmlns:a16="http://schemas.microsoft.com/office/drawing/2014/main" id="{491297DD-0D6D-D94F-80F4-D4CB875DFD89}"/>
+              </a:ext>
+            </a:extLst>
+          </p:cNvPr>
+          <p:cNvCxnSpPr>
+            <a:cxnSpLocks/>
+          </p:cNvCxnSpPr>
+          <p:nvPr/>
+        </p:nvCxnSpPr>
+        <p:spPr>
+          <a:xfrm flipV="1">
+            <a:off x="5867753" y="3230949"/>
+            <a:ext cx="3297762" cy="1725526"/>
+          </a:xfrm>
+          <a:prstGeom prst="straightConnector1">
+            <a:avLst/>
+          </a:prstGeom>
+          <a:noFill/>
+          <a:ln w="9525" cap="flat" cmpd="sng">
+            <a:solidFill>
+              <a:schemeClr val="dk2"/>
+            </a:solidFill>
+            <a:prstDash val="solid"/>
+            <a:round/>
+            <a:headEnd type="none" w="med" len="med"/>
+            <a:tailEnd type="triangle" w="med" len="med"/>
+          </a:ln>
+        </p:spPr>
+      </p:cxnSp>
+      <p:cxnSp>
+        <p:nvCxnSpPr>
+          <p:cNvPr id="42" name="Google Shape;87;p16">
+            <a:extLst>
+              <a:ext uri="{FF2B5EF4-FFF2-40B4-BE49-F238E27FC236}">
+                <a16:creationId xmlns:a16="http://schemas.microsoft.com/office/drawing/2014/main" id="{E28D42CD-1164-364E-A37D-76E6A7DC0BCE}"/>
+              </a:ext>
+            </a:extLst>
+          </p:cNvPr>
+          <p:cNvCxnSpPr>
+            <a:cxnSpLocks/>
+          </p:cNvCxnSpPr>
+          <p:nvPr/>
+        </p:nvCxnSpPr>
+        <p:spPr>
+          <a:xfrm flipH="1" flipV="1">
+            <a:off x="7653624" y="3239224"/>
+            <a:ext cx="713197" cy="1708913"/>
+          </a:xfrm>
+          <a:prstGeom prst="straightConnector1">
+            <a:avLst/>
+          </a:prstGeom>
+          <a:noFill/>
+          <a:ln w="9525" cap="flat" cmpd="sng">
+            <a:solidFill>
+              <a:schemeClr val="dk2"/>
+            </a:solidFill>
+            <a:prstDash val="solid"/>
+            <a:round/>
+            <a:headEnd type="none" w="med" len="med"/>
+            <a:tailEnd type="triangle" w="med" len="med"/>
+          </a:ln>
+        </p:spPr>
+      </p:cxnSp>
+      <p:cxnSp>
+        <p:nvCxnSpPr>
+          <p:cNvPr id="43" name="Google Shape;88;p16">
+            <a:extLst>
+              <a:ext uri="{FF2B5EF4-FFF2-40B4-BE49-F238E27FC236}">
+                <a16:creationId xmlns:a16="http://schemas.microsoft.com/office/drawing/2014/main" id="{B477AA2D-D7A8-0546-AE76-40F633252E5C}"/>
+              </a:ext>
+            </a:extLst>
+          </p:cNvPr>
+          <p:cNvCxnSpPr>
+            <a:cxnSpLocks/>
+          </p:cNvCxnSpPr>
+          <p:nvPr/>
+        </p:nvCxnSpPr>
+        <p:spPr>
+          <a:xfrm flipV="1">
+            <a:off x="9048629" y="3239162"/>
+            <a:ext cx="1224924" cy="1694209"/>
+          </a:xfrm>
+          <a:prstGeom prst="straightConnector1">
+            <a:avLst/>
+          </a:prstGeom>
+          <a:noFill/>
+          <a:ln w="9525" cap="flat" cmpd="sng">
+            <a:solidFill>
+              <a:schemeClr val="dk2"/>
+            </a:solidFill>
+            <a:prstDash val="solid"/>
+            <a:round/>
+            <a:headEnd type="none" w="med" len="med"/>
+            <a:tailEnd type="triangle" w="med" len="med"/>
+          </a:ln>
+        </p:spPr>
+      </p:cxnSp>
     </p:spTree>
     <p:extLst>
       <p:ext uri="{BB962C8B-B14F-4D97-AF65-F5344CB8AC3E}">
-        <p14:creationId xmlns:p14="http://schemas.microsoft.com/office/powerpoint/2010/main" val="3359709114"/>
+        <p14:creationId xmlns:p14="http://schemas.microsoft.com/office/powerpoint/2010/main" val="2281409787"/>
       </p:ext>
     </p:extLst>
   </p:cSld>
   <p:clrMapOvr>
     <a:masterClrMapping/>
   </p:clrMapOvr>
+  <p:timing>
+    <p:tnLst>
+      <p:par>
+        <p:cTn id="1" dur="indefinite" restart="never" nodeType="tmRoot">
+          <p:childTnLst>
+            <p:seq concurrent="1" nextAc="seek">
+              <p:cTn id="2" dur="indefinite" nodeType="mainSeq">
+                <p:childTnLst>
+                  <p:par>
+                    <p:cTn id="3" fill="hold">
+                      <p:stCondLst>
+                        <p:cond delay="indefinite"/>
+                      </p:stCondLst>
+                      <p:childTnLst>
+                        <p:par>
+                          <p:cTn id="4" fill="hold">
+                            <p:stCondLst>
+                              <p:cond delay="0"/>
+                            </p:stCondLst>
+                            <p:childTnLst>
+                              <p:par>
+                                <p:cTn id="5" presetID="1" presetClass="entr" presetSubtype="0" fill="hold" nodeType="clickEffect">
+                                  <p:stCondLst>
+                                    <p:cond delay="0"/>
+                                  </p:stCondLst>
+                                  <p:childTnLst>
+                                    <p:set>
+                                      <p:cBhvr>
+                                        <p:cTn id="6" dur="1" fill="hold">
+                                          <p:stCondLst>
+                                            <p:cond delay="0"/>
+                                          </p:stCondLst>
+                                        </p:cTn>
+                                        <p:tgtEl>
+                                          <p:spTgt spid="18"/>
+                                        </p:tgtEl>
+                                        <p:attrNameLst>
+                                          <p:attrName>style.visibility</p:attrName>
+                                        </p:attrNameLst>
+                                      </p:cBhvr>
+                                      <p:to>
+                                        <p:strVal val="visible"/>
+                                      </p:to>
+                                    </p:set>
+                                  </p:childTnLst>
+                                </p:cTn>
+                              </p:par>
+                            </p:childTnLst>
+                          </p:cTn>
+                        </p:par>
+                      </p:childTnLst>
+                    </p:cTn>
+                  </p:par>
+                  <p:par>
+                    <p:cTn id="7" fill="hold">
+                      <p:stCondLst>
+                        <p:cond delay="indefinite"/>
+                      </p:stCondLst>
+                      <p:childTnLst>
+                        <p:par>
+                          <p:cTn id="8" fill="hold">
+                            <p:stCondLst>
+                              <p:cond delay="0"/>
+                            </p:stCondLst>
+                            <p:childTnLst>
+                              <p:par>
+                                <p:cTn id="9" presetID="1" presetClass="entr" presetSubtype="0" fill="hold" nodeType="clickEffect">
+                                  <p:stCondLst>
+                                    <p:cond delay="0"/>
+                                  </p:stCondLst>
+                                  <p:childTnLst>
+                                    <p:set>
+                                      <p:cBhvr>
+                                        <p:cTn id="10" dur="1" fill="hold">
+                                          <p:stCondLst>
+                                            <p:cond delay="0"/>
+                                          </p:stCondLst>
+                                        </p:cTn>
+                                        <p:tgtEl>
+                                          <p:spTgt spid="19"/>
+                                        </p:tgtEl>
+                                        <p:attrNameLst>
+                                          <p:attrName>style.visibility</p:attrName>
+                                        </p:attrNameLst>
+                                      </p:cBhvr>
+                                      <p:to>
+                                        <p:strVal val="visible"/>
+                                      </p:to>
+                                    </p:set>
+                                  </p:childTnLst>
+                                </p:cTn>
+                              </p:par>
+                            </p:childTnLst>
+                          </p:cTn>
+                        </p:par>
+                      </p:childTnLst>
+                    </p:cTn>
+                  </p:par>
+                  <p:par>
+                    <p:cTn id="11" fill="hold">
+                      <p:stCondLst>
+                        <p:cond delay="indefinite"/>
+                      </p:stCondLst>
+                      <p:childTnLst>
+                        <p:par>
+                          <p:cTn id="12" fill="hold">
+                            <p:stCondLst>
+                              <p:cond delay="0"/>
+                            </p:stCondLst>
+                            <p:childTnLst>
+                              <p:par>
+                                <p:cTn id="13" presetID="1" presetClass="entr" presetSubtype="0" fill="hold" nodeType="clickEffect">
+                                  <p:stCondLst>
+                                    <p:cond delay="0"/>
+                                  </p:stCondLst>
+                                  <p:childTnLst>
+                                    <p:set>
+                                      <p:cBhvr>
+                                        <p:cTn id="14" dur="1" fill="hold">
+                                          <p:stCondLst>
+                                            <p:cond delay="0"/>
+                                          </p:stCondLst>
+                                        </p:cTn>
+                                        <p:tgtEl>
+                                          <p:spTgt spid="20"/>
+                                        </p:tgtEl>
+                                        <p:attrNameLst>
+                                          <p:attrName>style.visibility</p:attrName>
+                                        </p:attrNameLst>
+                                      </p:cBhvr>
+                                      <p:to>
+                                        <p:strVal val="visible"/>
+                                      </p:to>
+                                    </p:set>
+                                  </p:childTnLst>
+                                </p:cTn>
+                              </p:par>
+                            </p:childTnLst>
+                          </p:cTn>
+                        </p:par>
+                      </p:childTnLst>
+                    </p:cTn>
+                  </p:par>
+                  <p:par>
+                    <p:cTn id="15" fill="hold">
+                      <p:stCondLst>
+                        <p:cond delay="indefinite"/>
+                      </p:stCondLst>
+                      <p:childTnLst>
+                        <p:par>
+                          <p:cTn id="16" fill="hold">
+                            <p:stCondLst>
+                              <p:cond delay="0"/>
+                            </p:stCondLst>
+                            <p:childTnLst>
+                              <p:par>
+                                <p:cTn id="17" presetID="1" presetClass="entr" presetSubtype="0" fill="hold" nodeType="clickEffect">
+                                  <p:stCondLst>
+                                    <p:cond delay="0"/>
+                                  </p:stCondLst>
+                                  <p:childTnLst>
+                                    <p:set>
+                                      <p:cBhvr>
+                                        <p:cTn id="18" dur="1" fill="hold">
+                                          <p:stCondLst>
+                                            <p:cond delay="0"/>
+                                          </p:stCondLst>
+                                        </p:cTn>
+                                        <p:tgtEl>
+                                          <p:spTgt spid="21"/>
+                                        </p:tgtEl>
+                                        <p:attrNameLst>
+                                          <p:attrName>style.visibility</p:attrName>
+                                        </p:attrNameLst>
+                                      </p:cBhvr>
+                                      <p:to>
+                                        <p:strVal val="visible"/>
+                                      </p:to>
+                                    </p:set>
+                                  </p:childTnLst>
+                                </p:cTn>
+                              </p:par>
+                            </p:childTnLst>
+                          </p:cTn>
+                        </p:par>
+                      </p:childTnLst>
+                    </p:cTn>
+                  </p:par>
+                  <p:par>
+                    <p:cTn id="19" fill="hold">
+                      <p:stCondLst>
+                        <p:cond delay="indefinite"/>
+                      </p:stCondLst>
+                      <p:childTnLst>
+                        <p:par>
+                          <p:cTn id="20" fill="hold">
+                            <p:stCondLst>
+                              <p:cond delay="0"/>
+                            </p:stCondLst>
+                            <p:childTnLst>
+                              <p:par>
+                                <p:cTn id="21" presetID="1" presetClass="entr" presetSubtype="0" fill="hold" nodeType="clickEffect">
+                                  <p:stCondLst>
+                                    <p:cond delay="0"/>
+                                  </p:stCondLst>
+                                  <p:childTnLst>
+                                    <p:set>
+                                      <p:cBhvr>
+                                        <p:cTn id="22" dur="1" fill="hold">
+                                          <p:stCondLst>
+                                            <p:cond delay="0"/>
+                                          </p:stCondLst>
+                                        </p:cTn>
+                                        <p:tgtEl>
+                                          <p:spTgt spid="40"/>
+                                        </p:tgtEl>
+                                        <p:attrNameLst>
+                                          <p:attrName>style.visibility</p:attrName>
+                                        </p:attrNameLst>
+                                      </p:cBhvr>
+                                      <p:to>
+                                        <p:strVal val="visible"/>
+                                      </p:to>
+                                    </p:set>
+                                  </p:childTnLst>
+                                </p:cTn>
+                              </p:par>
+                            </p:childTnLst>
+                          </p:cTn>
+                        </p:par>
+                      </p:childTnLst>
+                    </p:cTn>
+                  </p:par>
+                  <p:par>
+                    <p:cTn id="23" fill="hold">
+                      <p:stCondLst>
+                        <p:cond delay="indefinite"/>
+                      </p:stCondLst>
+                      <p:childTnLst>
+                        <p:par>
+                          <p:cTn id="24" fill="hold">
+                            <p:stCondLst>
+                              <p:cond delay="0"/>
+                            </p:stCondLst>
+                            <p:childTnLst>
+                              <p:par>
+                                <p:cTn id="25" presetID="1" presetClass="entr" presetSubtype="0" fill="hold" nodeType="clickEffect">
+                                  <p:stCondLst>
+                                    <p:cond delay="0"/>
+                                  </p:stCondLst>
+                                  <p:childTnLst>
+                                    <p:set>
+                                      <p:cBhvr>
+                                        <p:cTn id="26" dur="1" fill="hold">
+                                          <p:stCondLst>
+                                            <p:cond delay="0"/>
+                                          </p:stCondLst>
+                                        </p:cTn>
+                                        <p:tgtEl>
+                                          <p:spTgt spid="41"/>
+                                        </p:tgtEl>
+                                        <p:attrNameLst>
+                                          <p:attrName>style.visibility</p:attrName>
+                                        </p:attrNameLst>
+                                      </p:cBhvr>
+                                      <p:to>
+                                        <p:strVal val="visible"/>
+                                      </p:to>
+                                    </p:set>
+                                  </p:childTnLst>
+                                </p:cTn>
+                              </p:par>
+                            </p:childTnLst>
+                          </p:cTn>
+                        </p:par>
+                      </p:childTnLst>
+                    </p:cTn>
+                  </p:par>
+                  <p:par>
+                    <p:cTn id="27" fill="hold">
+                      <p:stCondLst>
+                        <p:cond delay="indefinite"/>
+                      </p:stCondLst>
+                      <p:childTnLst>
+                        <p:par>
+                          <p:cTn id="28" fill="hold">
+                            <p:stCondLst>
+                              <p:cond delay="0"/>
+                            </p:stCondLst>
+                            <p:childTnLst>
+                              <p:par>
+                                <p:cTn id="29" presetID="1" presetClass="entr" presetSubtype="0" fill="hold" nodeType="clickEffect">
+                                  <p:stCondLst>
+                                    <p:cond delay="0"/>
+                                  </p:stCondLst>
+                                  <p:childTnLst>
+                                    <p:set>
+                                      <p:cBhvr>
+                                        <p:cTn id="30" dur="1" fill="hold">
+                                          <p:stCondLst>
+                                            <p:cond delay="0"/>
+                                          </p:stCondLst>
+                                        </p:cTn>
+                                        <p:tgtEl>
+                                          <p:spTgt spid="42"/>
+                                        </p:tgtEl>
+                                        <p:attrNameLst>
+                                          <p:attrName>style.visibility</p:attrName>
+                                        </p:attrNameLst>
+                                      </p:cBhvr>
+                                      <p:to>
+                                        <p:strVal val="visible"/>
+                                      </p:to>
+                                    </p:set>
+                                  </p:childTnLst>
+                                </p:cTn>
+                              </p:par>
+                            </p:childTnLst>
+                          </p:cTn>
+                        </p:par>
+                      </p:childTnLst>
+                    </p:cTn>
+                  </p:par>
+                  <p:par>
+                    <p:cTn id="31" fill="hold">
+                      <p:stCondLst>
+                        <p:cond delay="indefinite"/>
+                      </p:stCondLst>
+                      <p:childTnLst>
+                        <p:par>
+                          <p:cTn id="32" fill="hold">
+                            <p:stCondLst>
+                              <p:cond delay="0"/>
+                            </p:stCondLst>
+                            <p:childTnLst>
+                              <p:par>
+                                <p:cTn id="33" presetID="1" presetClass="entr" presetSubtype="0" fill="hold" nodeType="clickEffect">
+                                  <p:stCondLst>
+                                    <p:cond delay="0"/>
+                                  </p:stCondLst>
+                                  <p:childTnLst>
+                                    <p:set>
+                                      <p:cBhvr>
+                                        <p:cTn id="34" dur="1" fill="hold">
+                                          <p:stCondLst>
+                                            <p:cond delay="0"/>
+                                          </p:stCondLst>
+                                        </p:cTn>
+                                        <p:tgtEl>
+                                          <p:spTgt spid="43"/>
+                                        </p:tgtEl>
+                                        <p:attrNameLst>
+                                          <p:attrName>style.visibility</p:attrName>
+                                        </p:attrNameLst>
+                                      </p:cBhvr>
+                                      <p:to>
+                                        <p:strVal val="visible"/>
+                                      </p:to>
+                                    </p:set>
+                                  </p:childTnLst>
+                                </p:cTn>
+                              </p:par>
+                            </p:childTnLst>
+                          </p:cTn>
+                        </p:par>
+                      </p:childTnLst>
+                    </p:cTn>
+                  </p:par>
+                </p:childTnLst>
+              </p:cTn>
+              <p:prevCondLst>
+                <p:cond evt="onPrev" delay="0">
+                  <p:tgtEl>
+                    <p:sldTgt/>
+                  </p:tgtEl>
+                </p:cond>
+              </p:prevCondLst>
+              <p:nextCondLst>
+                <p:cond evt="onNext" delay="0">
+                  <p:tgtEl>
+                    <p:sldTgt/>
+                  </p:tgtEl>
+                </p:cond>
+              </p:nextCondLst>
+            </p:seq>
+          </p:childTnLst>
+        </p:cTn>
+      </p:par>
+    </p:tnLst>
+  </p:timing>
 </p:sld>
 </file>
 
-<file path=ppt/slides/slide19.xml><?xml version="1.0" encoding="utf-8"?>
+<file path=ppt/slides/slide24.xml><?xml version="1.0" encoding="utf-8"?>
 <p:sld xmlns:a="http://schemas.openxmlformats.org/drawingml/2006/main" xmlns:r="http://schemas.openxmlformats.org/officeDocument/2006/relationships" xmlns:p="http://schemas.openxmlformats.org/presentationml/2006/main">
   <p:cSld>
     <p:spTree>
@@ -13289,166 +17845,7 @@
 </p:sld>
 </file>
 
-<file path=ppt/slides/slide2.xml><?xml version="1.0" encoding="utf-8"?>
-<p:sld xmlns:a="http://schemas.openxmlformats.org/drawingml/2006/main" xmlns:r="http://schemas.openxmlformats.org/officeDocument/2006/relationships" xmlns:p="http://schemas.openxmlformats.org/presentationml/2006/main">
-  <p:cSld>
-    <p:spTree>
-      <p:nvGrpSpPr>
-        <p:cNvPr id="1" name=""/>
-        <p:cNvGrpSpPr/>
-        <p:nvPr/>
-      </p:nvGrpSpPr>
-      <p:grpSpPr>
-        <a:xfrm>
-          <a:off x="0" y="0"/>
-          <a:ext cx="0" cy="0"/>
-          <a:chOff x="0" y="0"/>
-          <a:chExt cx="0" cy="0"/>
-        </a:xfrm>
-      </p:grpSpPr>
-      <p:sp>
-        <p:nvSpPr>
-          <p:cNvPr id="3" name="Title 2">
-            <a:extLst>
-              <a:ext uri="{FF2B5EF4-FFF2-40B4-BE49-F238E27FC236}">
-                <a16:creationId xmlns:a16="http://schemas.microsoft.com/office/drawing/2014/main" id="{9323871C-7CA8-1448-8FFC-1AE6E1838941}"/>
-              </a:ext>
-            </a:extLst>
-          </p:cNvPr>
-          <p:cNvSpPr>
-            <a:spLocks noGrp="1"/>
-          </p:cNvSpPr>
-          <p:nvPr>
-            <p:ph type="title"/>
-          </p:nvPr>
-        </p:nvSpPr>
-        <p:spPr/>
-        <p:txBody>
-          <a:bodyPr/>
-          <a:lstStyle/>
-          <a:p>
-            <a:r>
-              <a:rPr lang="en-US" dirty="0"/>
-              <a:t>Reminders</a:t>
-            </a:r>
-          </a:p>
-        </p:txBody>
-      </p:sp>
-      <p:sp>
-        <p:nvSpPr>
-          <p:cNvPr id="5" name="Text Placeholder 4">
-            <a:extLst>
-              <a:ext uri="{FF2B5EF4-FFF2-40B4-BE49-F238E27FC236}">
-                <a16:creationId xmlns:a16="http://schemas.microsoft.com/office/drawing/2014/main" id="{F4E0A5F0-1D89-954D-91FB-596CD9E690F2}"/>
-              </a:ext>
-            </a:extLst>
-          </p:cNvPr>
-          <p:cNvSpPr>
-            <a:spLocks noGrp="1"/>
-          </p:cNvSpPr>
-          <p:nvPr>
-            <p:ph type="body" idx="1"/>
-          </p:nvPr>
-        </p:nvSpPr>
-        <p:spPr/>
-        <p:txBody>
-          <a:bodyPr/>
-          <a:lstStyle/>
-          <a:p>
-            <a:pPr marL="76200" indent="0">
-              <a:buNone/>
-            </a:pPr>
-            <a:r>
-              <a:rPr lang="en-US" b="1" dirty="0"/>
-              <a:t>This week:</a:t>
-            </a:r>
-            <a:endParaRPr lang="en-US" dirty="0"/>
-          </a:p>
-          <a:p>
-            <a:r>
-              <a:rPr lang="en-US" dirty="0"/>
-              <a:t>Project check-in on Wednesday</a:t>
-            </a:r>
-          </a:p>
-          <a:p>
-            <a:r>
-              <a:rPr lang="en-US" dirty="0"/>
-              <a:t>Temporal Validation “whiteboard” session Thursday</a:t>
-            </a:r>
-          </a:p>
-          <a:p>
-            <a:r>
-              <a:rPr lang="en-US" dirty="0"/>
-              <a:t>Project Assignment due on Friday – see template slides</a:t>
-            </a:r>
-          </a:p>
-          <a:p>
-            <a:r>
-              <a:rPr lang="en-US" dirty="0"/>
-              <a:t>Self &amp; peer contribution survey due Friday</a:t>
-            </a:r>
-          </a:p>
-          <a:p>
-            <a:pPr marL="76200" indent="0">
-              <a:buNone/>
-            </a:pPr>
-            <a:endParaRPr lang="en-US" dirty="0"/>
-          </a:p>
-          <a:p>
-            <a:pPr marL="76200" indent="0">
-              <a:buNone/>
-            </a:pPr>
-            <a:r>
-              <a:rPr lang="en-US" b="1" dirty="0"/>
-              <a:t>Coming up next week:</a:t>
-            </a:r>
-          </a:p>
-          <a:p>
-            <a:r>
-              <a:rPr lang="en-US" dirty="0"/>
-              <a:t>Reading for Tuesday</a:t>
-            </a:r>
-          </a:p>
-          <a:p>
-            <a:r>
-              <a:rPr lang="en-US" dirty="0"/>
-              <a:t>Next project assignment due following Monday (Oct 19)</a:t>
-            </a:r>
-          </a:p>
-          <a:p>
-            <a:pPr lvl="1">
-              <a:spcBef>
-                <a:spcPts val="0"/>
-              </a:spcBef>
-            </a:pPr>
-            <a:r>
-              <a:rPr lang="en-US" sz="2400" dirty="0"/>
-              <a:t>Modeling plan and feature list</a:t>
-            </a:r>
-            <a:endParaRPr lang="en-US" dirty="0"/>
-          </a:p>
-          <a:p>
-            <a:pPr marL="76200" indent="0">
-              <a:buNone/>
-            </a:pPr>
-            <a:endParaRPr lang="en-US" dirty="0"/>
-          </a:p>
-        </p:txBody>
-      </p:sp>
-    </p:spTree>
-    <p:extLst>
-      <p:ext uri="{BB962C8B-B14F-4D97-AF65-F5344CB8AC3E}">
-        <p14:creationId xmlns:p14="http://schemas.microsoft.com/office/powerpoint/2010/main" val="186046226"/>
-      </p:ext>
-    </p:extLst>
-  </p:cSld>
-  <p:clrMapOvr>
-    <a:masterClrMapping/>
-  </p:clrMapOvr>
-</p:sld>
-</file>
-
-<file path=ppt/slides/slide20.xml><?xml version="1.0" encoding="utf-8"?>
+<file path=ppt/slides/slide25.xml><?xml version="1.0" encoding="utf-8"?>
 <p:sld xmlns:a="http://schemas.openxmlformats.org/drawingml/2006/main" xmlns:r="http://schemas.openxmlformats.org/officeDocument/2006/relationships" xmlns:p="http://schemas.openxmlformats.org/presentationml/2006/main">
   <p:cSld>
     <p:spTree>
@@ -16081,7 +20478,7 @@
 </p:sld>
 </file>
 
-<file path=ppt/slides/slide21.xml><?xml version="1.0" encoding="utf-8"?>
+<file path=ppt/slides/slide26.xml><?xml version="1.0" encoding="utf-8"?>
 <p:sld xmlns:a="http://schemas.openxmlformats.org/drawingml/2006/main" xmlns:r="http://schemas.openxmlformats.org/officeDocument/2006/relationships" xmlns:p="http://schemas.openxmlformats.org/presentationml/2006/main">
   <p:cSld>
     <p:spTree>
@@ -17221,7 +21618,7 @@
 </p:sld>
 </file>
 
-<file path=ppt/slides/slide22.xml><?xml version="1.0" encoding="utf-8"?>
+<file path=ppt/slides/slide27.xml><?xml version="1.0" encoding="utf-8"?>
 <p:sld xmlns:a="http://schemas.openxmlformats.org/drawingml/2006/main" xmlns:r="http://schemas.openxmlformats.org/officeDocument/2006/relationships" xmlns:p="http://schemas.openxmlformats.org/presentationml/2006/main">
   <p:cSld>
     <p:spTree>
@@ -18360,7 +22757,7 @@
 </p:sld>
 </file>
 
-<file path=ppt/slides/slide23.xml><?xml version="1.0" encoding="utf-8"?>
+<file path=ppt/slides/slide28.xml><?xml version="1.0" encoding="utf-8"?>
 <p:sld xmlns:a="http://schemas.openxmlformats.org/drawingml/2006/main" xmlns:r="http://schemas.openxmlformats.org/officeDocument/2006/relationships" xmlns:p="http://schemas.openxmlformats.org/presentationml/2006/main">
   <p:cSld>
     <p:spTree>
@@ -19499,7 +23896,7 @@
 </p:sld>
 </file>
 
-<file path=ppt/slides/slide24.xml><?xml version="1.0" encoding="utf-8"?>
+<file path=ppt/slides/slide29.xml><?xml version="1.0" encoding="utf-8"?>
 <p:sld xmlns:a="http://schemas.openxmlformats.org/drawingml/2006/main" xmlns:r="http://schemas.openxmlformats.org/officeDocument/2006/relationships" xmlns:p="http://schemas.openxmlformats.org/presentationml/2006/main">
   <p:cSld>
     <p:spTree>
@@ -20638,7 +25035,138 @@
 </p:sld>
 </file>
 
-<file path=ppt/slides/slide25.xml><?xml version="1.0" encoding="utf-8"?>
+<file path=ppt/slides/slide3.xml><?xml version="1.0" encoding="utf-8"?>
+<p:sld xmlns:a="http://schemas.openxmlformats.org/drawingml/2006/main" xmlns:r="http://schemas.openxmlformats.org/officeDocument/2006/relationships" xmlns:p="http://schemas.openxmlformats.org/presentationml/2006/main">
+  <p:cSld>
+    <p:spTree>
+      <p:nvGrpSpPr>
+        <p:cNvPr id="1" name=""/>
+        <p:cNvGrpSpPr/>
+        <p:nvPr/>
+      </p:nvGrpSpPr>
+      <p:grpSpPr>
+        <a:xfrm>
+          <a:off x="0" y="0"/>
+          <a:ext cx="0" cy="0"/>
+          <a:chOff x="0" y="0"/>
+          <a:chExt cx="0" cy="0"/>
+        </a:xfrm>
+      </p:grpSpPr>
+      <p:sp>
+        <p:nvSpPr>
+          <p:cNvPr id="2" name="Title 1">
+            <a:extLst>
+              <a:ext uri="{FF2B5EF4-FFF2-40B4-BE49-F238E27FC236}">
+                <a16:creationId xmlns:a16="http://schemas.microsoft.com/office/drawing/2014/main" id="{A073B702-ED77-884E-88F7-92D73313F38D}"/>
+              </a:ext>
+            </a:extLst>
+          </p:cNvPr>
+          <p:cNvSpPr>
+            <a:spLocks noGrp="1"/>
+          </p:cNvSpPr>
+          <p:nvPr>
+            <p:ph type="title"/>
+          </p:nvPr>
+        </p:nvSpPr>
+        <p:spPr/>
+        <p:txBody>
+          <a:bodyPr/>
+          <a:lstStyle/>
+          <a:p>
+            <a:r>
+              <a:rPr lang="en-US" dirty="0"/>
+              <a:t>Plan for the week</a:t>
+            </a:r>
+          </a:p>
+        </p:txBody>
+      </p:sp>
+      <p:sp>
+        <p:nvSpPr>
+          <p:cNvPr id="3" name="Text Placeholder 2">
+            <a:extLst>
+              <a:ext uri="{FF2B5EF4-FFF2-40B4-BE49-F238E27FC236}">
+                <a16:creationId xmlns:a16="http://schemas.microsoft.com/office/drawing/2014/main" id="{7861BAD4-F7FB-1D48-9D37-2273592A75CE}"/>
+              </a:ext>
+            </a:extLst>
+          </p:cNvPr>
+          <p:cNvSpPr>
+            <a:spLocks noGrp="1"/>
+          </p:cNvSpPr>
+          <p:nvPr>
+            <p:ph type="body" idx="1"/>
+          </p:nvPr>
+        </p:nvSpPr>
+        <p:spPr/>
+        <p:txBody>
+          <a:bodyPr/>
+          <a:lstStyle/>
+          <a:p>
+            <a:r>
+              <a:rPr lang="en-US" dirty="0"/>
+              <a:t>What you should be discussing this week within your team</a:t>
+            </a:r>
+          </a:p>
+          <a:p>
+            <a:pPr lvl="1"/>
+            <a:r>
+              <a:rPr lang="en-US" dirty="0"/>
+              <a:t>Finalizing your analytical formulation and baselines to compare against</a:t>
+            </a:r>
+          </a:p>
+          <a:p>
+            <a:pPr lvl="1"/>
+            <a:r>
+              <a:rPr lang="en-US" dirty="0"/>
+              <a:t>Validation strategy &amp; temporal parameters</a:t>
+            </a:r>
+          </a:p>
+          <a:p>
+            <a:pPr lvl="1"/>
+            <a:endParaRPr lang="en-US" dirty="0"/>
+          </a:p>
+          <a:p>
+            <a:r>
+              <a:rPr lang="en-US" dirty="0"/>
+              <a:t>What you should be building this week</a:t>
+            </a:r>
+          </a:p>
+          <a:p>
+            <a:pPr lvl="1"/>
+            <a:r>
+              <a:rPr lang="en-US" dirty="0"/>
+              <a:t>Cohort Query</a:t>
+            </a:r>
+          </a:p>
+          <a:p>
+            <a:pPr lvl="1"/>
+            <a:r>
+              <a:rPr lang="en-US" dirty="0"/>
+              <a:t>Label Query</a:t>
+            </a:r>
+          </a:p>
+          <a:p>
+            <a:pPr lvl="1"/>
+            <a:r>
+              <a:rPr lang="en-US" dirty="0"/>
+              <a:t>Evaluation Metrics</a:t>
+            </a:r>
+          </a:p>
+        </p:txBody>
+      </p:sp>
+    </p:spTree>
+    <p:extLst>
+      <p:ext uri="{BB962C8B-B14F-4D97-AF65-F5344CB8AC3E}">
+        <p14:creationId xmlns:p14="http://schemas.microsoft.com/office/powerpoint/2010/main" val="517800727"/>
+      </p:ext>
+    </p:extLst>
+  </p:cSld>
+  <p:clrMapOvr>
+    <a:masterClrMapping/>
+  </p:clrMapOvr>
+</p:sld>
+</file>
+
+<file path=ppt/slides/slide30.xml><?xml version="1.0" encoding="utf-8"?>
 <p:sld xmlns:a="http://schemas.openxmlformats.org/drawingml/2006/main" xmlns:r="http://schemas.openxmlformats.org/officeDocument/2006/relationships" xmlns:p="http://schemas.openxmlformats.org/presentationml/2006/main">
   <p:cSld>
     <p:spTree>
@@ -21777,7 +26305,7 @@
 </p:sld>
 </file>
 
-<file path=ppt/slides/slide26.xml><?xml version="1.0" encoding="utf-8"?>
+<file path=ppt/slides/slide31.xml><?xml version="1.0" encoding="utf-8"?>
 <p:sld xmlns:a="http://schemas.openxmlformats.org/drawingml/2006/main" xmlns:r="http://schemas.openxmlformats.org/officeDocument/2006/relationships" xmlns:p="http://schemas.openxmlformats.org/presentationml/2006/main">
   <p:cSld>
     <p:spTree>
@@ -23190,7 +27718,7 @@
 </p:sld>
 </file>
 
-<file path=ppt/slides/slide27.xml><?xml version="1.0" encoding="utf-8"?>
+<file path=ppt/slides/slide32.xml><?xml version="1.0" encoding="utf-8"?>
 <p:sld xmlns:a="http://schemas.openxmlformats.org/drawingml/2006/main" xmlns:r="http://schemas.openxmlformats.org/officeDocument/2006/relationships" xmlns:p="http://schemas.openxmlformats.org/presentationml/2006/main">
   <p:cSld>
     <p:spTree>
@@ -24011,7 +28539,7 @@
 </p:sld>
 </file>
 
-<file path=ppt/slides/slide28.xml><?xml version="1.0" encoding="utf-8"?>
+<file path=ppt/slides/slide33.xml><?xml version="1.0" encoding="utf-8"?>
 <p:sld xmlns:a="http://schemas.openxmlformats.org/drawingml/2006/main" xmlns:r="http://schemas.openxmlformats.org/officeDocument/2006/relationships" xmlns:p="http://schemas.openxmlformats.org/presentationml/2006/main">
   <p:cSld>
     <p:spTree>
@@ -24174,7 +28702,7 @@
 </p:sld>
 </file>
 
-<file path=ppt/slides/slide29.xml><?xml version="1.0" encoding="utf-8"?>
+<file path=ppt/slides/slide34.xml><?xml version="1.0" encoding="utf-8"?>
 <p:sld xmlns:a="http://schemas.openxmlformats.org/drawingml/2006/main" xmlns:r="http://schemas.openxmlformats.org/officeDocument/2006/relationships" xmlns:p="http://schemas.openxmlformats.org/presentationml/2006/main">
   <p:cSld>
     <p:spTree>
@@ -24214,6 +28742,579 @@
           <a:p>
             <a:r>
               <a:rPr lang="en-US" dirty="0"/>
+              <a:t>Some Open Research Questions</a:t>
+            </a:r>
+          </a:p>
+        </p:txBody>
+      </p:sp>
+      <p:pic>
+        <p:nvPicPr>
+          <p:cNvPr id="6" name="Picture 5">
+            <a:extLst>
+              <a:ext uri="{FF2B5EF4-FFF2-40B4-BE49-F238E27FC236}">
+                <a16:creationId xmlns:a16="http://schemas.microsoft.com/office/drawing/2014/main" id="{4B9B5C17-6333-3542-BF92-961541BDC881}"/>
+              </a:ext>
+            </a:extLst>
+          </p:cNvPr>
+          <p:cNvPicPr>
+            <a:picLocks noChangeAspect="1"/>
+          </p:cNvPicPr>
+          <p:nvPr/>
+        </p:nvPicPr>
+        <p:blipFill>
+          <a:blip r:embed="rId2"/>
+          <a:stretch>
+            <a:fillRect/>
+          </a:stretch>
+        </p:blipFill>
+        <p:spPr>
+          <a:xfrm>
+            <a:off x="1169439" y="1257300"/>
+            <a:ext cx="9853121" cy="5023746"/>
+          </a:xfrm>
+          <a:prstGeom prst="rect">
+            <a:avLst/>
+          </a:prstGeom>
+        </p:spPr>
+      </p:pic>
+    </p:spTree>
+    <p:extLst>
+      <p:ext uri="{BB962C8B-B14F-4D97-AF65-F5344CB8AC3E}">
+        <p14:creationId xmlns:p14="http://schemas.microsoft.com/office/powerpoint/2010/main" val="1478637945"/>
+      </p:ext>
+    </p:extLst>
+  </p:cSld>
+  <p:clrMapOvr>
+    <a:masterClrMapping/>
+  </p:clrMapOvr>
+</p:sld>
+</file>
+
+<file path=ppt/slides/slide35.xml><?xml version="1.0" encoding="utf-8"?>
+<p:sld xmlns:a="http://schemas.openxmlformats.org/drawingml/2006/main" xmlns:r="http://schemas.openxmlformats.org/officeDocument/2006/relationships" xmlns:p="http://schemas.openxmlformats.org/presentationml/2006/main">
+  <p:cSld>
+    <p:spTree>
+      <p:nvGrpSpPr>
+        <p:cNvPr id="1" name=""/>
+        <p:cNvGrpSpPr/>
+        <p:nvPr/>
+      </p:nvGrpSpPr>
+      <p:grpSpPr>
+        <a:xfrm>
+          <a:off x="0" y="0"/>
+          <a:ext cx="0" cy="0"/>
+          <a:chOff x="0" y="0"/>
+          <a:chExt cx="0" cy="0"/>
+        </a:xfrm>
+      </p:grpSpPr>
+      <p:sp>
+        <p:nvSpPr>
+          <p:cNvPr id="3" name="Title 2">
+            <a:extLst>
+              <a:ext uri="{FF2B5EF4-FFF2-40B4-BE49-F238E27FC236}">
+                <a16:creationId xmlns:a16="http://schemas.microsoft.com/office/drawing/2014/main" id="{9323871C-7CA8-1448-8FFC-1AE6E1838941}"/>
+              </a:ext>
+            </a:extLst>
+          </p:cNvPr>
+          <p:cNvSpPr>
+            <a:spLocks noGrp="1"/>
+          </p:cNvSpPr>
+          <p:nvPr>
+            <p:ph type="title"/>
+          </p:nvPr>
+        </p:nvSpPr>
+        <p:spPr/>
+        <p:txBody>
+          <a:bodyPr/>
+          <a:lstStyle/>
+          <a:p>
+            <a:r>
+              <a:rPr lang="en-US" dirty="0"/>
+              <a:t>Some Open Research Questions</a:t>
+            </a:r>
+          </a:p>
+        </p:txBody>
+      </p:sp>
+      <p:sp>
+        <p:nvSpPr>
+          <p:cNvPr id="4" name="Text Placeholder 3">
+            <a:extLst>
+              <a:ext uri="{FF2B5EF4-FFF2-40B4-BE49-F238E27FC236}">
+                <a16:creationId xmlns:a16="http://schemas.microsoft.com/office/drawing/2014/main" id="{5E600BA7-FA45-884F-9820-9E5F2CB7AA48}"/>
+              </a:ext>
+            </a:extLst>
+          </p:cNvPr>
+          <p:cNvSpPr>
+            <a:spLocks noGrp="1"/>
+          </p:cNvSpPr>
+          <p:nvPr>
+            <p:ph type="body" idx="1"/>
+          </p:nvPr>
+        </p:nvSpPr>
+        <p:spPr/>
+        <p:txBody>
+          <a:bodyPr/>
+          <a:lstStyle/>
+          <a:p>
+            <a:r>
+              <a:rPr lang="en-US" dirty="0"/>
+              <a:t>The SVM loss function will find the “best” separating hyperplane overall, but perhaps we could draw a better hyperplane to separate just </a:t>
+            </a:r>
+            <a:r>
+              <a:rPr lang="en-US" i="1" dirty="0"/>
+              <a:t>k</a:t>
+            </a:r>
+            <a:r>
+              <a:rPr lang="en-US" dirty="0"/>
+              <a:t> positive examples?</a:t>
+            </a:r>
+            <a:br>
+              <a:rPr lang="en-US" dirty="0"/>
+            </a:br>
+            <a:endParaRPr lang="en-US" dirty="0"/>
+          </a:p>
+          <a:p>
+            <a:r>
+              <a:rPr lang="en-US" i="1" dirty="0" err="1"/>
+              <a:t>Transductive</a:t>
+            </a:r>
+            <a:r>
+              <a:rPr lang="en-US" dirty="0"/>
+              <a:t> method: needs to be aware of the test set </a:t>
+            </a:r>
+            <a:r>
+              <a:rPr lang="en-US" b="1" dirty="0"/>
+              <a:t>without labels</a:t>
+            </a:r>
+            <a:r>
+              <a:rPr lang="en-US" dirty="0"/>
+              <a:t> to select just </a:t>
+            </a:r>
+            <a:r>
+              <a:rPr lang="en-US" i="1" dirty="0"/>
+              <a:t>k</a:t>
+            </a:r>
+            <a:r>
+              <a:rPr lang="en-US" dirty="0"/>
+              <a:t> test examples.</a:t>
+            </a:r>
+            <a:br>
+              <a:rPr lang="en-US" dirty="0"/>
+            </a:br>
+            <a:endParaRPr lang="en-US" dirty="0"/>
+          </a:p>
+          <a:p>
+            <a:r>
+              <a:rPr lang="en-US" dirty="0"/>
+              <a:t>Modified gradient descent procedure to project gradient direction for L2-regularized SVM loss onto a “feasible solution cone” such that </a:t>
+            </a:r>
+            <a:r>
+              <a:rPr lang="en-US" u="sng" dirty="0"/>
+              <a:t>no more than</a:t>
+            </a:r>
+            <a:r>
+              <a:rPr lang="en-US" dirty="0"/>
+              <a:t> </a:t>
+            </a:r>
+            <a:r>
+              <a:rPr lang="en-US" i="1" dirty="0"/>
+              <a:t>k</a:t>
+            </a:r>
+            <a:r>
+              <a:rPr lang="en-US" dirty="0"/>
+              <a:t> test examples will be predicted positive after the step.</a:t>
+            </a:r>
+          </a:p>
+        </p:txBody>
+      </p:sp>
+    </p:spTree>
+    <p:extLst>
+      <p:ext uri="{BB962C8B-B14F-4D97-AF65-F5344CB8AC3E}">
+        <p14:creationId xmlns:p14="http://schemas.microsoft.com/office/powerpoint/2010/main" val="94907443"/>
+      </p:ext>
+    </p:extLst>
+  </p:cSld>
+  <p:clrMapOvr>
+    <a:masterClrMapping/>
+  </p:clrMapOvr>
+</p:sld>
+</file>
+
+<file path=ppt/slides/slide36.xml><?xml version="1.0" encoding="utf-8"?>
+<p:sld xmlns:a="http://schemas.openxmlformats.org/drawingml/2006/main" xmlns:r="http://schemas.openxmlformats.org/officeDocument/2006/relationships" xmlns:p="http://schemas.openxmlformats.org/presentationml/2006/main">
+  <p:cSld>
+    <p:spTree>
+      <p:nvGrpSpPr>
+        <p:cNvPr id="1" name=""/>
+        <p:cNvGrpSpPr/>
+        <p:nvPr/>
+      </p:nvGrpSpPr>
+      <p:grpSpPr>
+        <a:xfrm>
+          <a:off x="0" y="0"/>
+          <a:ext cx="0" cy="0"/>
+          <a:chOff x="0" y="0"/>
+          <a:chExt cx="0" cy="0"/>
+        </a:xfrm>
+      </p:grpSpPr>
+      <p:sp>
+        <p:nvSpPr>
+          <p:cNvPr id="3" name="Title 2">
+            <a:extLst>
+              <a:ext uri="{FF2B5EF4-FFF2-40B4-BE49-F238E27FC236}">
+                <a16:creationId xmlns:a16="http://schemas.microsoft.com/office/drawing/2014/main" id="{9323871C-7CA8-1448-8FFC-1AE6E1838941}"/>
+              </a:ext>
+            </a:extLst>
+          </p:cNvPr>
+          <p:cNvSpPr>
+            <a:spLocks noGrp="1"/>
+          </p:cNvSpPr>
+          <p:nvPr>
+            <p:ph type="title"/>
+          </p:nvPr>
+        </p:nvSpPr>
+        <p:spPr/>
+        <p:txBody>
+          <a:bodyPr/>
+          <a:lstStyle/>
+          <a:p>
+            <a:r>
+              <a:rPr lang="en-US" dirty="0"/>
+              <a:t>Some Open Research Questions</a:t>
+            </a:r>
+          </a:p>
+        </p:txBody>
+      </p:sp>
+      <p:pic>
+        <p:nvPicPr>
+          <p:cNvPr id="2" name="Picture 1">
+            <a:extLst>
+              <a:ext uri="{FF2B5EF4-FFF2-40B4-BE49-F238E27FC236}">
+                <a16:creationId xmlns:a16="http://schemas.microsoft.com/office/drawing/2014/main" id="{23F8960D-806C-F441-9A23-1578C38467D8}"/>
+              </a:ext>
+            </a:extLst>
+          </p:cNvPr>
+          <p:cNvPicPr>
+            <a:picLocks noChangeAspect="1"/>
+          </p:cNvPicPr>
+          <p:nvPr/>
+        </p:nvPicPr>
+        <p:blipFill>
+          <a:blip r:embed="rId2"/>
+          <a:stretch>
+            <a:fillRect/>
+          </a:stretch>
+        </p:blipFill>
+        <p:spPr>
+          <a:xfrm>
+            <a:off x="2749550" y="1371600"/>
+            <a:ext cx="6692900" cy="4114800"/>
+          </a:xfrm>
+          <a:prstGeom prst="rect">
+            <a:avLst/>
+          </a:prstGeom>
+        </p:spPr>
+      </p:pic>
+    </p:spTree>
+    <p:extLst>
+      <p:ext uri="{BB962C8B-B14F-4D97-AF65-F5344CB8AC3E}">
+        <p14:creationId xmlns:p14="http://schemas.microsoft.com/office/powerpoint/2010/main" val="1715242992"/>
+      </p:ext>
+    </p:extLst>
+  </p:cSld>
+  <p:clrMapOvr>
+    <a:masterClrMapping/>
+  </p:clrMapOvr>
+</p:sld>
+</file>
+
+<file path=ppt/slides/slide37.xml><?xml version="1.0" encoding="utf-8"?>
+<p:sld xmlns:a="http://schemas.openxmlformats.org/drawingml/2006/main" xmlns:r="http://schemas.openxmlformats.org/officeDocument/2006/relationships" xmlns:p="http://schemas.openxmlformats.org/presentationml/2006/main">
+  <p:cSld>
+    <p:spTree>
+      <p:nvGrpSpPr>
+        <p:cNvPr id="1" name=""/>
+        <p:cNvGrpSpPr/>
+        <p:nvPr/>
+      </p:nvGrpSpPr>
+      <p:grpSpPr>
+        <a:xfrm>
+          <a:off x="0" y="0"/>
+          <a:ext cx="0" cy="0"/>
+          <a:chOff x="0" y="0"/>
+          <a:chExt cx="0" cy="0"/>
+        </a:xfrm>
+      </p:grpSpPr>
+      <p:sp>
+        <p:nvSpPr>
+          <p:cNvPr id="3" name="Title 2">
+            <a:extLst>
+              <a:ext uri="{FF2B5EF4-FFF2-40B4-BE49-F238E27FC236}">
+                <a16:creationId xmlns:a16="http://schemas.microsoft.com/office/drawing/2014/main" id="{9323871C-7CA8-1448-8FFC-1AE6E1838941}"/>
+              </a:ext>
+            </a:extLst>
+          </p:cNvPr>
+          <p:cNvSpPr>
+            <a:spLocks noGrp="1"/>
+          </p:cNvSpPr>
+          <p:nvPr>
+            <p:ph type="title"/>
+          </p:nvPr>
+        </p:nvSpPr>
+        <p:spPr/>
+        <p:txBody>
+          <a:bodyPr/>
+          <a:lstStyle/>
+          <a:p>
+            <a:r>
+              <a:rPr lang="en-US" dirty="0"/>
+              <a:t>Some Open Research Questions</a:t>
+            </a:r>
+          </a:p>
+        </p:txBody>
+      </p:sp>
+      <p:sp>
+        <p:nvSpPr>
+          <p:cNvPr id="4" name="Text Placeholder 3">
+            <a:extLst>
+              <a:ext uri="{FF2B5EF4-FFF2-40B4-BE49-F238E27FC236}">
+                <a16:creationId xmlns:a16="http://schemas.microsoft.com/office/drawing/2014/main" id="{5E600BA7-FA45-884F-9820-9E5F2CB7AA48}"/>
+              </a:ext>
+            </a:extLst>
+          </p:cNvPr>
+          <p:cNvSpPr>
+            <a:spLocks noGrp="1"/>
+          </p:cNvSpPr>
+          <p:nvPr>
+            <p:ph type="body" idx="1"/>
+          </p:nvPr>
+        </p:nvSpPr>
+        <p:spPr>
+          <a:xfrm>
+            <a:off x="415600" y="1219133"/>
+            <a:ext cx="11360700" cy="5234804"/>
+          </a:xfrm>
+        </p:spPr>
+        <p:txBody>
+          <a:bodyPr/>
+          <a:lstStyle/>
+          <a:p>
+            <a:pPr marL="76200" indent="0">
+              <a:buNone/>
+            </a:pPr>
+            <a:r>
+              <a:rPr lang="en-US" dirty="0"/>
+              <a:t>Paper shows improvements on synthetic examples and some “standard” datasets, but still more to investigate:</a:t>
+            </a:r>
+            <a:br>
+              <a:rPr lang="en-US" dirty="0"/>
+            </a:br>
+            <a:endParaRPr lang="en-US" dirty="0"/>
+          </a:p>
+          <a:p>
+            <a:r>
+              <a:rPr lang="en-US" dirty="0"/>
+              <a:t>Can be slow to converge on larger datasets</a:t>
+            </a:r>
+            <a:br>
+              <a:rPr lang="en-US" dirty="0"/>
+            </a:br>
+            <a:endParaRPr lang="en-US" dirty="0"/>
+          </a:p>
+          <a:p>
+            <a:r>
+              <a:rPr lang="en-US" dirty="0"/>
+              <a:t>“At most” </a:t>
+            </a:r>
+            <a:r>
+              <a:rPr lang="en-US" i="1" dirty="0"/>
+              <a:t>k</a:t>
+            </a:r>
+            <a:r>
+              <a:rPr lang="en-US" dirty="0"/>
+              <a:t> examples can yield many fewer than the desired </a:t>
+            </a:r>
+            <a:r>
+              <a:rPr lang="en-US" i="1" dirty="0"/>
+              <a:t>k</a:t>
+            </a:r>
+            <a:r>
+              <a:rPr lang="en-US" dirty="0"/>
+              <a:t>, particularly for rare events (why doesn’t the algorithm target </a:t>
+            </a:r>
+            <a:r>
+              <a:rPr lang="en-US" i="1" dirty="0"/>
+              <a:t>exactly k</a:t>
+            </a:r>
+            <a:r>
+              <a:rPr lang="en-US" dirty="0"/>
+              <a:t>?)</a:t>
+            </a:r>
+            <a:br>
+              <a:rPr lang="en-US" dirty="0"/>
+            </a:br>
+            <a:endParaRPr lang="en-US" dirty="0"/>
+          </a:p>
+          <a:p>
+            <a:r>
+              <a:rPr lang="en-US" dirty="0"/>
+              <a:t> Although creating a “top k” boundary, still penalizes false positives and false negatives equally during optimization</a:t>
+            </a:r>
+            <a:br>
+              <a:rPr lang="en-US" dirty="0"/>
+            </a:br>
+            <a:endParaRPr lang="en-US" dirty="0"/>
+          </a:p>
+          <a:p>
+            <a:r>
+              <a:rPr lang="en-US" dirty="0"/>
+              <a:t>Can we do better at the top, even if we don’t have access to the test list?</a:t>
+            </a:r>
+          </a:p>
+        </p:txBody>
+      </p:sp>
+    </p:spTree>
+    <p:extLst>
+      <p:ext uri="{BB962C8B-B14F-4D97-AF65-F5344CB8AC3E}">
+        <p14:creationId xmlns:p14="http://schemas.microsoft.com/office/powerpoint/2010/main" val="4118118316"/>
+      </p:ext>
+    </p:extLst>
+  </p:cSld>
+  <p:clrMapOvr>
+    <a:masterClrMapping/>
+  </p:clrMapOvr>
+</p:sld>
+</file>
+
+<file path=ppt/slides/slide38.xml><?xml version="1.0" encoding="utf-8"?>
+<p:sld xmlns:a="http://schemas.openxmlformats.org/drawingml/2006/main" xmlns:r="http://schemas.openxmlformats.org/officeDocument/2006/relationships" xmlns:p="http://schemas.openxmlformats.org/presentationml/2006/main">
+  <p:cSld>
+    <p:spTree>
+      <p:nvGrpSpPr>
+        <p:cNvPr id="1" name=""/>
+        <p:cNvGrpSpPr/>
+        <p:nvPr/>
+      </p:nvGrpSpPr>
+      <p:grpSpPr>
+        <a:xfrm>
+          <a:off x="0" y="0"/>
+          <a:ext cx="0" cy="0"/>
+          <a:chOff x="0" y="0"/>
+          <a:chExt cx="0" cy="0"/>
+        </a:xfrm>
+      </p:grpSpPr>
+      <p:sp>
+        <p:nvSpPr>
+          <p:cNvPr id="3" name="Title 2">
+            <a:extLst>
+              <a:ext uri="{FF2B5EF4-FFF2-40B4-BE49-F238E27FC236}">
+                <a16:creationId xmlns:a16="http://schemas.microsoft.com/office/drawing/2014/main" id="{9323871C-7CA8-1448-8FFC-1AE6E1838941}"/>
+              </a:ext>
+            </a:extLst>
+          </p:cNvPr>
+          <p:cNvSpPr>
+            <a:spLocks noGrp="1"/>
+          </p:cNvSpPr>
+          <p:nvPr>
+            <p:ph type="title"/>
+          </p:nvPr>
+        </p:nvSpPr>
+        <p:spPr/>
+        <p:txBody>
+          <a:bodyPr/>
+          <a:lstStyle/>
+          <a:p>
+            <a:r>
+              <a:rPr lang="en-US" dirty="0"/>
+              <a:t>Discussion Question</a:t>
+            </a:r>
+          </a:p>
+        </p:txBody>
+      </p:sp>
+      <p:sp>
+        <p:nvSpPr>
+          <p:cNvPr id="4" name="Text Placeholder 3">
+            <a:extLst>
+              <a:ext uri="{FF2B5EF4-FFF2-40B4-BE49-F238E27FC236}">
+                <a16:creationId xmlns:a16="http://schemas.microsoft.com/office/drawing/2014/main" id="{5E600BA7-FA45-884F-9820-9E5F2CB7AA48}"/>
+              </a:ext>
+            </a:extLst>
+          </p:cNvPr>
+          <p:cNvSpPr>
+            <a:spLocks noGrp="1"/>
+          </p:cNvSpPr>
+          <p:nvPr>
+            <p:ph type="body" idx="1"/>
+          </p:nvPr>
+        </p:nvSpPr>
+        <p:spPr/>
+        <p:txBody>
+          <a:bodyPr/>
+          <a:lstStyle/>
+          <a:p>
+            <a:pPr marL="76200" indent="0" algn="ctr">
+              <a:buNone/>
+            </a:pPr>
+            <a:r>
+              <a:rPr lang="en-US" sz="3600" dirty="0"/>
+              <a:t>What would be some potential strategies for integrating considerations around fairness in the process of model evaluation and selection?</a:t>
+            </a:r>
+          </a:p>
+        </p:txBody>
+      </p:sp>
+    </p:spTree>
+    <p:extLst>
+      <p:ext uri="{BB962C8B-B14F-4D97-AF65-F5344CB8AC3E}">
+        <p14:creationId xmlns:p14="http://schemas.microsoft.com/office/powerpoint/2010/main" val="1535530279"/>
+      </p:ext>
+    </p:extLst>
+  </p:cSld>
+  <p:clrMapOvr>
+    <a:masterClrMapping/>
+  </p:clrMapOvr>
+</p:sld>
+</file>
+
+<file path=ppt/slides/slide39.xml><?xml version="1.0" encoding="utf-8"?>
+<p:sld xmlns:a="http://schemas.openxmlformats.org/drawingml/2006/main" xmlns:r="http://schemas.openxmlformats.org/officeDocument/2006/relationships" xmlns:p="http://schemas.openxmlformats.org/presentationml/2006/main">
+  <p:cSld>
+    <p:spTree>
+      <p:nvGrpSpPr>
+        <p:cNvPr id="1" name=""/>
+        <p:cNvGrpSpPr/>
+        <p:nvPr/>
+      </p:nvGrpSpPr>
+      <p:grpSpPr>
+        <a:xfrm>
+          <a:off x="0" y="0"/>
+          <a:ext cx="0" cy="0"/>
+          <a:chOff x="0" y="0"/>
+          <a:chExt cx="0" cy="0"/>
+        </a:xfrm>
+      </p:grpSpPr>
+      <p:sp>
+        <p:nvSpPr>
+          <p:cNvPr id="3" name="Title 2">
+            <a:extLst>
+              <a:ext uri="{FF2B5EF4-FFF2-40B4-BE49-F238E27FC236}">
+                <a16:creationId xmlns:a16="http://schemas.microsoft.com/office/drawing/2014/main" id="{9323871C-7CA8-1448-8FFC-1AE6E1838941}"/>
+              </a:ext>
+            </a:extLst>
+          </p:cNvPr>
+          <p:cNvSpPr>
+            <a:spLocks noGrp="1"/>
+          </p:cNvSpPr>
+          <p:nvPr>
+            <p:ph type="title"/>
+          </p:nvPr>
+        </p:nvSpPr>
+        <p:spPr/>
+        <p:txBody>
+          <a:bodyPr/>
+          <a:lstStyle/>
+          <a:p>
+            <a:r>
+              <a:rPr lang="en-US" dirty="0"/>
               <a:t>Reminders</a:t>
             </a:r>
           </a:p>
@@ -24252,7 +29353,7 @@
           <a:p>
             <a:r>
               <a:rPr lang="en-US" dirty="0"/>
-              <a:t>Project check-in on Wednesday</a:t>
+              <a:t>Project check-in on Wednesday (we’ll send around times/locations)</a:t>
             </a:r>
           </a:p>
           <a:p>
@@ -24264,7 +29365,7 @@
           <a:p>
             <a:r>
               <a:rPr lang="en-US" dirty="0"/>
-              <a:t>Project Assignment due on Friday</a:t>
+              <a:t>Project Assignment due on Friday – see template slides</a:t>
             </a:r>
           </a:p>
           <a:p>
@@ -24286,12 +29387,6 @@
             <a:r>
               <a:rPr lang="en-US" b="1" dirty="0"/>
               <a:t>Coming up next week:</a:t>
-            </a:r>
-          </a:p>
-          <a:p>
-            <a:r>
-              <a:rPr lang="en-US" dirty="0"/>
-              <a:t>Reading for Tuesday</a:t>
             </a:r>
           </a:p>
           <a:p>
@@ -24323,138 +29418,7 @@
     </p:spTree>
     <p:extLst>
       <p:ext uri="{BB962C8B-B14F-4D97-AF65-F5344CB8AC3E}">
-        <p14:creationId xmlns:p14="http://schemas.microsoft.com/office/powerpoint/2010/main" val="2656943805"/>
-      </p:ext>
-    </p:extLst>
-  </p:cSld>
-  <p:clrMapOvr>
-    <a:masterClrMapping/>
-  </p:clrMapOvr>
-</p:sld>
-</file>
-
-<file path=ppt/slides/slide3.xml><?xml version="1.0" encoding="utf-8"?>
-<p:sld xmlns:a="http://schemas.openxmlformats.org/drawingml/2006/main" xmlns:r="http://schemas.openxmlformats.org/officeDocument/2006/relationships" xmlns:p="http://schemas.openxmlformats.org/presentationml/2006/main">
-  <p:cSld>
-    <p:spTree>
-      <p:nvGrpSpPr>
-        <p:cNvPr id="1" name=""/>
-        <p:cNvGrpSpPr/>
-        <p:nvPr/>
-      </p:nvGrpSpPr>
-      <p:grpSpPr>
-        <a:xfrm>
-          <a:off x="0" y="0"/>
-          <a:ext cx="0" cy="0"/>
-          <a:chOff x="0" y="0"/>
-          <a:chExt cx="0" cy="0"/>
-        </a:xfrm>
-      </p:grpSpPr>
-      <p:sp>
-        <p:nvSpPr>
-          <p:cNvPr id="2" name="Title 1">
-            <a:extLst>
-              <a:ext uri="{FF2B5EF4-FFF2-40B4-BE49-F238E27FC236}">
-                <a16:creationId xmlns:a16="http://schemas.microsoft.com/office/drawing/2014/main" id="{A073B702-ED77-884E-88F7-92D73313F38D}"/>
-              </a:ext>
-            </a:extLst>
-          </p:cNvPr>
-          <p:cNvSpPr>
-            <a:spLocks noGrp="1"/>
-          </p:cNvSpPr>
-          <p:nvPr>
-            <p:ph type="title"/>
-          </p:nvPr>
-        </p:nvSpPr>
-        <p:spPr/>
-        <p:txBody>
-          <a:bodyPr/>
-          <a:lstStyle/>
-          <a:p>
-            <a:r>
-              <a:rPr lang="en-US" dirty="0"/>
-              <a:t>Plan for the week</a:t>
-            </a:r>
-          </a:p>
-        </p:txBody>
-      </p:sp>
-      <p:sp>
-        <p:nvSpPr>
-          <p:cNvPr id="3" name="Text Placeholder 2">
-            <a:extLst>
-              <a:ext uri="{FF2B5EF4-FFF2-40B4-BE49-F238E27FC236}">
-                <a16:creationId xmlns:a16="http://schemas.microsoft.com/office/drawing/2014/main" id="{7861BAD4-F7FB-1D48-9D37-2273592A75CE}"/>
-              </a:ext>
-            </a:extLst>
-          </p:cNvPr>
-          <p:cNvSpPr>
-            <a:spLocks noGrp="1"/>
-          </p:cNvSpPr>
-          <p:nvPr>
-            <p:ph type="body" idx="1"/>
-          </p:nvPr>
-        </p:nvSpPr>
-        <p:spPr/>
-        <p:txBody>
-          <a:bodyPr/>
-          <a:lstStyle/>
-          <a:p>
-            <a:r>
-              <a:rPr lang="en-US" dirty="0"/>
-              <a:t>What you should be discussing this week within your team</a:t>
-            </a:r>
-          </a:p>
-          <a:p>
-            <a:pPr lvl="1"/>
-            <a:r>
-              <a:rPr lang="en-US" dirty="0"/>
-              <a:t>Finalizing your analytical formulation and baselines to compare against</a:t>
-            </a:r>
-          </a:p>
-          <a:p>
-            <a:pPr lvl="1"/>
-            <a:r>
-              <a:rPr lang="en-US" dirty="0"/>
-              <a:t>Validation strategy</a:t>
-            </a:r>
-          </a:p>
-          <a:p>
-            <a:pPr lvl="1"/>
-            <a:endParaRPr lang="en-US" dirty="0"/>
-          </a:p>
-          <a:p>
-            <a:r>
-              <a:rPr lang="en-US" dirty="0"/>
-              <a:t>What you should be building this week</a:t>
-            </a:r>
-          </a:p>
-          <a:p>
-            <a:pPr lvl="1"/>
-            <a:r>
-              <a:rPr lang="en-US" dirty="0"/>
-              <a:t>V0 of your ML pipeline</a:t>
-            </a:r>
-          </a:p>
-          <a:p>
-            <a:pPr lvl="1"/>
-            <a:r>
-              <a:rPr lang="en-US" dirty="0"/>
-              <a:t>1 cohort, 1 label, 1 feature from each data source, 1 train-test set, 1 model, 1 metric</a:t>
-            </a:r>
-          </a:p>
-          <a:p>
-            <a:pPr lvl="1"/>
-            <a:r>
-              <a:rPr lang="en-US" dirty="0"/>
-              <a:t>Submit code on git repo by this Friday along with project assignment</a:t>
-            </a:r>
-          </a:p>
-        </p:txBody>
-      </p:sp>
-    </p:spTree>
-    <p:extLst>
-      <p:ext uri="{BB962C8B-B14F-4D97-AF65-F5344CB8AC3E}">
-        <p14:creationId xmlns:p14="http://schemas.microsoft.com/office/powerpoint/2010/main" val="517800727"/>
+        <p14:creationId xmlns:p14="http://schemas.microsoft.com/office/powerpoint/2010/main" val="2105280318"/>
       </p:ext>
     </p:extLst>
   </p:cSld>
@@ -24612,89 +29576,6 @@
       </p:grpSpPr>
       <p:sp>
         <p:nvSpPr>
-          <p:cNvPr id="2" name="Title 1">
-            <a:extLst>
-              <a:ext uri="{FF2B5EF4-FFF2-40B4-BE49-F238E27FC236}">
-                <a16:creationId xmlns:a16="http://schemas.microsoft.com/office/drawing/2014/main" id="{7F65A4CE-AFDD-8742-9A6E-BE2092DF9AD0}"/>
-              </a:ext>
-            </a:extLst>
-          </p:cNvPr>
-          <p:cNvSpPr>
-            <a:spLocks noGrp="1"/>
-          </p:cNvSpPr>
-          <p:nvPr>
-            <p:ph type="title"/>
-          </p:nvPr>
-        </p:nvSpPr>
-        <p:spPr/>
-        <p:txBody>
-          <a:bodyPr/>
-          <a:lstStyle/>
-          <a:p>
-            <a:r>
-              <a:rPr lang="en-US" dirty="0"/>
-              <a:t>What is the goal of model selection?</a:t>
-            </a:r>
-          </a:p>
-        </p:txBody>
-      </p:sp>
-      <p:sp>
-        <p:nvSpPr>
-          <p:cNvPr id="3" name="Text Placeholder 2">
-            <a:extLst>
-              <a:ext uri="{FF2B5EF4-FFF2-40B4-BE49-F238E27FC236}">
-                <a16:creationId xmlns:a16="http://schemas.microsoft.com/office/drawing/2014/main" id="{8EDF1C4C-EA36-C547-9888-F6FE7818419A}"/>
-              </a:ext>
-            </a:extLst>
-          </p:cNvPr>
-          <p:cNvSpPr>
-            <a:spLocks noGrp="1"/>
-          </p:cNvSpPr>
-          <p:nvPr>
-            <p:ph type="body" idx="1"/>
-          </p:nvPr>
-        </p:nvSpPr>
-        <p:spPr/>
-        <p:txBody>
-          <a:bodyPr/>
-          <a:lstStyle/>
-          <a:p>
-            <a:endParaRPr lang="en-US"/>
-          </a:p>
-        </p:txBody>
-      </p:sp>
-    </p:spTree>
-    <p:extLst>
-      <p:ext uri="{BB962C8B-B14F-4D97-AF65-F5344CB8AC3E}">
-        <p14:creationId xmlns:p14="http://schemas.microsoft.com/office/powerpoint/2010/main" val="3250978397"/>
-      </p:ext>
-    </p:extLst>
-  </p:cSld>
-  <p:clrMapOvr>
-    <a:masterClrMapping/>
-  </p:clrMapOvr>
-</p:sld>
-</file>
-
-<file path=ppt/slides/slide6.xml><?xml version="1.0" encoding="utf-8"?>
-<p:sld xmlns:a="http://schemas.openxmlformats.org/drawingml/2006/main" xmlns:r="http://schemas.openxmlformats.org/officeDocument/2006/relationships" xmlns:p="http://schemas.openxmlformats.org/presentationml/2006/main">
-  <p:cSld>
-    <p:spTree>
-      <p:nvGrpSpPr>
-        <p:cNvPr id="1" name=""/>
-        <p:cNvGrpSpPr/>
-        <p:nvPr/>
-      </p:nvGrpSpPr>
-      <p:grpSpPr>
-        <a:xfrm>
-          <a:off x="0" y="0"/>
-          <a:ext cx="0" cy="0"/>
-          <a:chOff x="0" y="0"/>
-          <a:chExt cx="0" cy="0"/>
-        </a:xfrm>
-      </p:grpSpPr>
-      <p:sp>
-        <p:nvSpPr>
           <p:cNvPr id="3" name="Title 2"/>
           <p:cNvSpPr>
             <a:spLocks noGrp="1"/>
@@ -24776,7 +29657,7 @@
 </p:sld>
 </file>
 
-<file path=ppt/slides/slide7.xml><?xml version="1.0" encoding="utf-8"?>
+<file path=ppt/slides/slide6.xml><?xml version="1.0" encoding="utf-8"?>
 <p:sld xmlns:a="http://schemas.openxmlformats.org/drawingml/2006/main" xmlns:r="http://schemas.openxmlformats.org/officeDocument/2006/relationships" xmlns:p="http://schemas.openxmlformats.org/presentationml/2006/main">
   <p:cSld>
     <p:spTree>
@@ -24823,101 +29704,6 @@
       </p:sp>
       <p:sp>
         <p:nvSpPr>
-          <p:cNvPr id="3" name="Text Placeholder 2">
-            <a:extLst>
-              <a:ext uri="{FF2B5EF4-FFF2-40B4-BE49-F238E27FC236}">
-                <a16:creationId xmlns:a16="http://schemas.microsoft.com/office/drawing/2014/main" id="{DA13BAFF-48B6-9046-94F3-CBF50B2F21D8}"/>
-              </a:ext>
-            </a:extLst>
-          </p:cNvPr>
-          <p:cNvSpPr>
-            <a:spLocks noGrp="1"/>
-          </p:cNvSpPr>
-          <p:nvPr>
-            <p:ph type="body" idx="1"/>
-          </p:nvPr>
-        </p:nvSpPr>
-        <p:spPr/>
-        <p:txBody>
-          <a:bodyPr/>
-          <a:lstStyle/>
-          <a:p>
-            <a:endParaRPr lang="en-US"/>
-          </a:p>
-        </p:txBody>
-      </p:sp>
-    </p:spTree>
-    <p:extLst>
-      <p:ext uri="{BB962C8B-B14F-4D97-AF65-F5344CB8AC3E}">
-        <p14:creationId xmlns:p14="http://schemas.microsoft.com/office/powerpoint/2010/main" val="106807354"/>
-      </p:ext>
-    </p:extLst>
-  </p:cSld>
-  <p:clrMapOvr>
-    <a:masterClrMapping/>
-  </p:clrMapOvr>
-  <mc:AlternateContent xmlns:mc="http://schemas.openxmlformats.org/markup-compatibility/2006" xmlns:p14="http://schemas.microsoft.com/office/powerpoint/2010/main">
-    <mc:Choice Requires="p14">
-      <p:transition spd="med" p14:dur="700">
-        <p:fade/>
-      </p:transition>
-    </mc:Choice>
-    <mc:Fallback xmlns="">
-      <p:transition spd="med">
-        <p:fade/>
-      </p:transition>
-    </mc:Fallback>
-  </mc:AlternateContent>
-</p:sld>
-</file>
-
-<file path=ppt/slides/slide8.xml><?xml version="1.0" encoding="utf-8"?>
-<p:sld xmlns:a="http://schemas.openxmlformats.org/drawingml/2006/main" xmlns:r="http://schemas.openxmlformats.org/officeDocument/2006/relationships" xmlns:p="http://schemas.openxmlformats.org/presentationml/2006/main">
-  <p:cSld>
-    <p:spTree>
-      <p:nvGrpSpPr>
-        <p:cNvPr id="1" name=""/>
-        <p:cNvGrpSpPr/>
-        <p:nvPr/>
-      </p:nvGrpSpPr>
-      <p:grpSpPr>
-        <a:xfrm>
-          <a:off x="0" y="0"/>
-          <a:ext cx="0" cy="0"/>
-          <a:chOff x="0" y="0"/>
-          <a:chExt cx="0" cy="0"/>
-        </a:xfrm>
-      </p:grpSpPr>
-      <p:sp>
-        <p:nvSpPr>
-          <p:cNvPr id="4" name="Title 3">
-            <a:extLst>
-              <a:ext uri="{FF2B5EF4-FFF2-40B4-BE49-F238E27FC236}">
-                <a16:creationId xmlns:a16="http://schemas.microsoft.com/office/drawing/2014/main" id="{30C2C959-72F2-EF4D-80DA-F48A29D0F3C4}"/>
-              </a:ext>
-            </a:extLst>
-          </p:cNvPr>
-          <p:cNvSpPr>
-            <a:spLocks noGrp="1"/>
-          </p:cNvSpPr>
-          <p:nvPr>
-            <p:ph type="title"/>
-          </p:nvPr>
-        </p:nvSpPr>
-        <p:spPr/>
-        <p:txBody>
-          <a:bodyPr/>
-          <a:lstStyle/>
-          <a:p>
-            <a:r>
-              <a:rPr lang="en-US" dirty="0"/>
-              <a:t>What do we need our selected model to do?</a:t>
-            </a:r>
-          </a:p>
-        </p:txBody>
-      </p:sp>
-      <p:sp>
-        <p:nvSpPr>
           <p:cNvPr id="5" name="Text Placeholder 4">
             <a:extLst>
               <a:ext uri="{FF2B5EF4-FFF2-40B4-BE49-F238E27FC236}">
@@ -24999,6 +29785,624 @@
 </p:sld>
 </file>
 
+<file path=ppt/slides/slide7.xml><?xml version="1.0" encoding="utf-8"?>
+<p:sld xmlns:a="http://schemas.openxmlformats.org/drawingml/2006/main" xmlns:r="http://schemas.openxmlformats.org/officeDocument/2006/relationships" xmlns:p="http://schemas.openxmlformats.org/presentationml/2006/main">
+  <p:cSld>
+    <p:spTree>
+      <p:nvGrpSpPr>
+        <p:cNvPr id="1" name=""/>
+        <p:cNvGrpSpPr/>
+        <p:nvPr/>
+      </p:nvGrpSpPr>
+      <p:grpSpPr>
+        <a:xfrm>
+          <a:off x="0" y="0"/>
+          <a:ext cx="0" cy="0"/>
+          <a:chOff x="0" y="0"/>
+          <a:chExt cx="0" cy="0"/>
+        </a:xfrm>
+      </p:grpSpPr>
+      <p:sp>
+        <p:nvSpPr>
+          <p:cNvPr id="3" name="Title 2"/>
+          <p:cNvSpPr>
+            <a:spLocks noGrp="1"/>
+          </p:cNvSpPr>
+          <p:nvPr>
+            <p:ph type="title"/>
+          </p:nvPr>
+        </p:nvSpPr>
+        <p:spPr/>
+        <p:txBody>
+          <a:bodyPr/>
+          <a:lstStyle/>
+          <a:p>
+            <a:r>
+              <a:rPr lang="en-US" dirty="0"/>
+              <a:t>Reminder: The PR-k Curve</a:t>
+            </a:r>
+          </a:p>
+        </p:txBody>
+      </p:sp>
+      <p:grpSp>
+        <p:nvGrpSpPr>
+          <p:cNvPr id="5" name="Group 4"/>
+          <p:cNvGrpSpPr/>
+          <p:nvPr/>
+        </p:nvGrpSpPr>
+        <p:grpSpPr>
+          <a:xfrm>
+            <a:off x="2435740" y="1562635"/>
+            <a:ext cx="7320520" cy="4944871"/>
+            <a:chOff x="616981" y="1325057"/>
+            <a:chExt cx="7320520" cy="4944871"/>
+          </a:xfrm>
+        </p:grpSpPr>
+        <p:pic>
+          <p:nvPicPr>
+            <p:cNvPr id="4" name="Picture 3"/>
+            <p:cNvPicPr>
+              <a:picLocks noChangeAspect="1"/>
+            </p:cNvPicPr>
+            <p:nvPr/>
+          </p:nvPicPr>
+          <p:blipFill>
+            <a:blip r:embed="rId2"/>
+            <a:stretch>
+              <a:fillRect/>
+            </a:stretch>
+          </p:blipFill>
+          <p:spPr>
+            <a:xfrm>
+              <a:off x="616981" y="1325057"/>
+              <a:ext cx="7320520" cy="4944871"/>
+            </a:xfrm>
+            <a:prstGeom prst="rect">
+              <a:avLst/>
+            </a:prstGeom>
+          </p:spPr>
+        </p:pic>
+        <p:sp>
+          <p:nvSpPr>
+            <p:cNvPr id="2" name="Rectangle 1"/>
+            <p:cNvSpPr/>
+            <p:nvPr/>
+          </p:nvSpPr>
+          <p:spPr>
+            <a:xfrm>
+              <a:off x="4064000" y="1409700"/>
+              <a:ext cx="342900" cy="279400"/>
+            </a:xfrm>
+            <a:prstGeom prst="rect">
+              <a:avLst/>
+            </a:prstGeom>
+            <a:ln>
+              <a:noFill/>
+            </a:ln>
+          </p:spPr>
+          <p:style>
+            <a:lnRef idx="2">
+              <a:schemeClr val="dk1"/>
+            </a:lnRef>
+            <a:fillRef idx="1">
+              <a:schemeClr val="lt1"/>
+            </a:fillRef>
+            <a:effectRef idx="0">
+              <a:schemeClr val="dk1"/>
+            </a:effectRef>
+            <a:fontRef idx="minor">
+              <a:schemeClr val="dk1"/>
+            </a:fontRef>
+          </p:style>
+          <p:txBody>
+            <a:bodyPr rtlCol="0" anchor="ctr"/>
+            <a:lstStyle/>
+            <a:p>
+              <a:pPr algn="ctr" defTabSz="457200">
+                <a:buClrTx/>
+              </a:pPr>
+              <a:endParaRPr lang="en-US" sz="1800" kern="1200">
+                <a:solidFill>
+                  <a:prstClr val="black"/>
+                </a:solidFill>
+                <a:latin typeface="Calibri"/>
+              </a:endParaRPr>
+            </a:p>
+          </p:txBody>
+        </p:sp>
+      </p:grpSp>
+      <p:grpSp>
+        <p:nvGrpSpPr>
+          <p:cNvPr id="9" name="Group 8">
+            <a:extLst>
+              <a:ext uri="{FF2B5EF4-FFF2-40B4-BE49-F238E27FC236}">
+                <a16:creationId xmlns:a16="http://schemas.microsoft.com/office/drawing/2014/main" id="{100148AF-CA57-0541-9177-560EC8D36156}"/>
+              </a:ext>
+            </a:extLst>
+          </p:cNvPr>
+          <p:cNvGrpSpPr/>
+          <p:nvPr/>
+        </p:nvGrpSpPr>
+        <p:grpSpPr>
+          <a:xfrm>
+            <a:off x="3018798" y="1150982"/>
+            <a:ext cx="6607802" cy="882961"/>
+            <a:chOff x="1494798" y="1150981"/>
+            <a:chExt cx="6607802" cy="882961"/>
+          </a:xfrm>
+        </p:grpSpPr>
+        <p:sp>
+          <p:nvSpPr>
+            <p:cNvPr id="6" name="TextBox 5"/>
+            <p:cNvSpPr txBox="1"/>
+            <p:nvPr/>
+          </p:nvSpPr>
+          <p:spPr>
+            <a:xfrm>
+              <a:off x="1494798" y="1387611"/>
+              <a:ext cx="6607802" cy="646331"/>
+            </a:xfrm>
+            <a:prstGeom prst="rect">
+              <a:avLst/>
+            </a:prstGeom>
+            <a:noFill/>
+          </p:spPr>
+          <p:txBody>
+            <a:bodyPr wrap="square" rtlCol="0">
+              <a:spAutoFit/>
+            </a:bodyPr>
+            <a:lstStyle/>
+            <a:p>
+              <a:pPr defTabSz="457200">
+                <a:buClrTx/>
+              </a:pPr>
+              <a:r>
+                <a:rPr lang="en-US" sz="1800" b="1" kern="1200" dirty="0">
+                  <a:solidFill>
+                    <a:srgbClr val="C0504D">
+                      <a:lumMod val="75000"/>
+                    </a:srgbClr>
+                  </a:solidFill>
+                  <a:latin typeface="Calibri"/>
+                  <a:ea typeface="+mn-ea"/>
+                  <a:cs typeface="+mn-cs"/>
+                </a:rPr>
+                <a:t>1         .9     .8                .7        .6            .5    .4  .3.                  .2     .1 </a:t>
+              </a:r>
+            </a:p>
+            <a:p>
+              <a:pPr defTabSz="457200">
+                <a:buClrTx/>
+              </a:pPr>
+              <a:r>
+                <a:rPr lang="en-US" sz="1050" b="1" kern="1200" dirty="0">
+                  <a:solidFill>
+                    <a:srgbClr val="C0504D">
+                      <a:lumMod val="75000"/>
+                    </a:srgbClr>
+                  </a:solidFill>
+                  <a:latin typeface="Calibri"/>
+                  <a:ea typeface="+mn-ea"/>
+                  <a:cs typeface="+mn-cs"/>
+                </a:rPr>
+                <a:t> |                  |             |                               |                  |                        |           |        |                                    |            |</a:t>
+              </a:r>
+              <a:r>
+                <a:rPr lang="en-US" sz="1800" b="1" kern="1200" dirty="0">
+                  <a:solidFill>
+                    <a:srgbClr val="C0504D">
+                      <a:lumMod val="75000"/>
+                    </a:srgbClr>
+                  </a:solidFill>
+                  <a:latin typeface="Calibri"/>
+                  <a:ea typeface="+mn-ea"/>
+                  <a:cs typeface="+mn-cs"/>
+                </a:rPr>
+                <a:t>   </a:t>
+              </a:r>
+              <a:r>
+                <a:rPr lang="en-US" sz="1800" kern="1200" dirty="0">
+                  <a:solidFill>
+                    <a:srgbClr val="EEECE1">
+                      <a:lumMod val="25000"/>
+                    </a:srgbClr>
+                  </a:solidFill>
+                  <a:latin typeface="Calibri"/>
+                  <a:ea typeface="+mn-ea"/>
+                  <a:cs typeface="+mn-cs"/>
+                </a:rPr>
+                <a:t>      </a:t>
+              </a:r>
+            </a:p>
+          </p:txBody>
+        </p:sp>
+        <p:sp>
+          <p:nvSpPr>
+            <p:cNvPr id="8" name="TextBox 7">
+              <a:extLst>
+                <a:ext uri="{FF2B5EF4-FFF2-40B4-BE49-F238E27FC236}">
+                  <a16:creationId xmlns:a16="http://schemas.microsoft.com/office/drawing/2014/main" id="{EFA4ED1E-FBFF-4545-BB64-FFD28CAC8A4B}"/>
+                </a:ext>
+              </a:extLst>
+            </p:cNvPr>
+            <p:cNvSpPr txBox="1"/>
+            <p:nvPr/>
+          </p:nvSpPr>
+          <p:spPr>
+            <a:xfrm>
+              <a:off x="4097994" y="1150981"/>
+              <a:ext cx="700705" cy="369332"/>
+            </a:xfrm>
+            <a:prstGeom prst="rect">
+              <a:avLst/>
+            </a:prstGeom>
+            <a:noFill/>
+          </p:spPr>
+          <p:txBody>
+            <a:bodyPr wrap="none" rtlCol="0">
+              <a:spAutoFit/>
+            </a:bodyPr>
+            <a:lstStyle/>
+            <a:p>
+              <a:pPr defTabSz="457200">
+                <a:buClrTx/>
+              </a:pPr>
+              <a:r>
+                <a:rPr lang="en-US" sz="1800" b="1" kern="1200" dirty="0">
+                  <a:solidFill>
+                    <a:srgbClr val="C00000"/>
+                  </a:solidFill>
+                  <a:latin typeface="Calibri"/>
+                  <a:ea typeface="+mn-ea"/>
+                  <a:cs typeface="+mn-cs"/>
+                </a:rPr>
+                <a:t>Score</a:t>
+              </a:r>
+            </a:p>
+          </p:txBody>
+        </p:sp>
+      </p:grpSp>
+      <p:grpSp>
+        <p:nvGrpSpPr>
+          <p:cNvPr id="15" name="Group 14">
+            <a:extLst>
+              <a:ext uri="{FF2B5EF4-FFF2-40B4-BE49-F238E27FC236}">
+                <a16:creationId xmlns:a16="http://schemas.microsoft.com/office/drawing/2014/main" id="{F79BF13E-AE77-6A46-B2C2-E1985346BF6A}"/>
+              </a:ext>
+            </a:extLst>
+          </p:cNvPr>
+          <p:cNvGrpSpPr/>
+          <p:nvPr/>
+        </p:nvGrpSpPr>
+        <p:grpSpPr>
+          <a:xfrm>
+            <a:off x="1836283" y="5550212"/>
+            <a:ext cx="7221578" cy="369332"/>
+            <a:chOff x="312283" y="5550212"/>
+            <a:chExt cx="7221578" cy="369332"/>
+          </a:xfrm>
+        </p:grpSpPr>
+        <p:cxnSp>
+          <p:nvCxnSpPr>
+            <p:cNvPr id="11" name="Straight Connector 10">
+              <a:extLst>
+                <a:ext uri="{FF2B5EF4-FFF2-40B4-BE49-F238E27FC236}">
+                  <a16:creationId xmlns:a16="http://schemas.microsoft.com/office/drawing/2014/main" id="{91561906-EEC1-6046-905E-0E55B1D4B60D}"/>
+                </a:ext>
+              </a:extLst>
+            </p:cNvPr>
+            <p:cNvCxnSpPr/>
+            <p:nvPr/>
+          </p:nvCxnSpPr>
+          <p:spPr>
+            <a:xfrm flipH="1">
+              <a:off x="1649896" y="5734878"/>
+              <a:ext cx="5883965" cy="0"/>
+            </a:xfrm>
+            <a:prstGeom prst="line">
+              <a:avLst/>
+            </a:prstGeom>
+            <a:ln w="28575">
+              <a:solidFill>
+                <a:srgbClr val="00B0F0"/>
+              </a:solidFill>
+            </a:ln>
+          </p:spPr>
+          <p:style>
+            <a:lnRef idx="2">
+              <a:schemeClr val="accent1"/>
+            </a:lnRef>
+            <a:fillRef idx="0">
+              <a:schemeClr val="accent1"/>
+            </a:fillRef>
+            <a:effectRef idx="1">
+              <a:schemeClr val="accent1"/>
+            </a:effectRef>
+            <a:fontRef idx="minor">
+              <a:schemeClr val="tx1"/>
+            </a:fontRef>
+          </p:style>
+        </p:cxnSp>
+        <p:sp>
+          <p:nvSpPr>
+            <p:cNvPr id="12" name="TextBox 11">
+              <a:extLst>
+                <a:ext uri="{FF2B5EF4-FFF2-40B4-BE49-F238E27FC236}">
+                  <a16:creationId xmlns:a16="http://schemas.microsoft.com/office/drawing/2014/main" id="{79F59512-F15A-1445-8C8B-BFD99D51B252}"/>
+                </a:ext>
+              </a:extLst>
+            </p:cNvPr>
+            <p:cNvSpPr txBox="1"/>
+            <p:nvPr/>
+          </p:nvSpPr>
+          <p:spPr>
+            <a:xfrm>
+              <a:off x="312283" y="5550212"/>
+              <a:ext cx="986167" cy="369332"/>
+            </a:xfrm>
+            <a:prstGeom prst="rect">
+              <a:avLst/>
+            </a:prstGeom>
+            <a:noFill/>
+          </p:spPr>
+          <p:txBody>
+            <a:bodyPr wrap="none" rtlCol="0">
+              <a:spAutoFit/>
+            </a:bodyPr>
+            <a:lstStyle/>
+            <a:p>
+              <a:pPr defTabSz="457200">
+                <a:buClrTx/>
+              </a:pPr>
+              <a:r>
+                <a:rPr lang="en-US" sz="1800" b="1" kern="1200" dirty="0">
+                  <a:solidFill>
+                    <a:srgbClr val="C00000"/>
+                  </a:solidFill>
+                  <a:latin typeface="Calibri"/>
+                  <a:ea typeface="+mn-ea"/>
+                  <a:cs typeface="+mn-cs"/>
+                </a:rPr>
+                <a:t>Baseline</a:t>
+              </a:r>
+            </a:p>
+          </p:txBody>
+        </p:sp>
+        <p:cxnSp>
+          <p:nvCxnSpPr>
+            <p:cNvPr id="14" name="Straight Arrow Connector 13">
+              <a:extLst>
+                <a:ext uri="{FF2B5EF4-FFF2-40B4-BE49-F238E27FC236}">
+                  <a16:creationId xmlns:a16="http://schemas.microsoft.com/office/drawing/2014/main" id="{E9A4A58B-B356-1E41-A6F4-EEF6E44A9AD1}"/>
+                </a:ext>
+              </a:extLst>
+            </p:cNvPr>
+            <p:cNvCxnSpPr>
+              <a:stCxn id="12" idx="3"/>
+            </p:cNvCxnSpPr>
+            <p:nvPr/>
+          </p:nvCxnSpPr>
+          <p:spPr>
+            <a:xfrm>
+              <a:off x="1298450" y="5734878"/>
+              <a:ext cx="281872" cy="0"/>
+            </a:xfrm>
+            <a:prstGeom prst="straightConnector1">
+              <a:avLst/>
+            </a:prstGeom>
+            <a:ln>
+              <a:tailEnd type="triangle"/>
+            </a:ln>
+          </p:spPr>
+          <p:style>
+            <a:lnRef idx="2">
+              <a:schemeClr val="accent1"/>
+            </a:lnRef>
+            <a:fillRef idx="0">
+              <a:schemeClr val="accent1"/>
+            </a:fillRef>
+            <a:effectRef idx="1">
+              <a:schemeClr val="accent1"/>
+            </a:effectRef>
+            <a:fontRef idx="minor">
+              <a:schemeClr val="tx1"/>
+            </a:fontRef>
+          </p:style>
+        </p:cxnSp>
+      </p:grpSp>
+    </p:spTree>
+    <p:extLst>
+      <p:ext uri="{BB962C8B-B14F-4D97-AF65-F5344CB8AC3E}">
+        <p14:creationId xmlns:p14="http://schemas.microsoft.com/office/powerpoint/2010/main" val="255739373"/>
+      </p:ext>
+    </p:extLst>
+  </p:cSld>
+  <p:clrMapOvr>
+    <a:masterClrMapping/>
+  </p:clrMapOvr>
+  <p:timing>
+    <p:tnLst>
+      <p:par>
+        <p:cTn id="1" dur="indefinite" restart="never" nodeType="tmRoot">
+          <p:childTnLst>
+            <p:seq concurrent="1" nextAc="seek">
+              <p:cTn id="2" dur="indefinite" nodeType="mainSeq">
+                <p:childTnLst>
+                  <p:par>
+                    <p:cTn id="3" fill="hold">
+                      <p:stCondLst>
+                        <p:cond delay="indefinite"/>
+                      </p:stCondLst>
+                      <p:childTnLst>
+                        <p:par>
+                          <p:cTn id="4" fill="hold">
+                            <p:stCondLst>
+                              <p:cond delay="0"/>
+                            </p:stCondLst>
+                            <p:childTnLst>
+                              <p:par>
+                                <p:cTn id="5" presetID="22" presetClass="entr" presetSubtype="4" fill="hold" nodeType="clickEffect">
+                                  <p:stCondLst>
+                                    <p:cond delay="0"/>
+                                  </p:stCondLst>
+                                  <p:childTnLst>
+                                    <p:set>
+                                      <p:cBhvr>
+                                        <p:cTn id="6" dur="1" fill="hold">
+                                          <p:stCondLst>
+                                            <p:cond delay="0"/>
+                                          </p:stCondLst>
+                                        </p:cTn>
+                                        <p:tgtEl>
+                                          <p:spTgt spid="9"/>
+                                        </p:tgtEl>
+                                        <p:attrNameLst>
+                                          <p:attrName>style.visibility</p:attrName>
+                                        </p:attrNameLst>
+                                      </p:cBhvr>
+                                      <p:to>
+                                        <p:strVal val="visible"/>
+                                      </p:to>
+                                    </p:set>
+                                    <p:animEffect transition="in" filter="wipe(down)">
+                                      <p:cBhvr>
+                                        <p:cTn id="7" dur="500"/>
+                                        <p:tgtEl>
+                                          <p:spTgt spid="9"/>
+                                        </p:tgtEl>
+                                      </p:cBhvr>
+                                    </p:animEffect>
+                                  </p:childTnLst>
+                                </p:cTn>
+                              </p:par>
+                            </p:childTnLst>
+                          </p:cTn>
+                        </p:par>
+                      </p:childTnLst>
+                    </p:cTn>
+                  </p:par>
+                  <p:par>
+                    <p:cTn id="8" fill="hold">
+                      <p:stCondLst>
+                        <p:cond delay="indefinite"/>
+                      </p:stCondLst>
+                      <p:childTnLst>
+                        <p:par>
+                          <p:cTn id="9" fill="hold">
+                            <p:stCondLst>
+                              <p:cond delay="0"/>
+                            </p:stCondLst>
+                            <p:childTnLst>
+                              <p:par>
+                                <p:cTn id="10" presetID="1" presetClass="entr" presetSubtype="0" fill="hold" nodeType="clickEffect">
+                                  <p:stCondLst>
+                                    <p:cond delay="0"/>
+                                  </p:stCondLst>
+                                  <p:childTnLst>
+                                    <p:set>
+                                      <p:cBhvr>
+                                        <p:cTn id="11" dur="1" fill="hold">
+                                          <p:stCondLst>
+                                            <p:cond delay="0"/>
+                                          </p:stCondLst>
+                                        </p:cTn>
+                                        <p:tgtEl>
+                                          <p:spTgt spid="15"/>
+                                        </p:tgtEl>
+                                        <p:attrNameLst>
+                                          <p:attrName>style.visibility</p:attrName>
+                                        </p:attrNameLst>
+                                      </p:cBhvr>
+                                      <p:to>
+                                        <p:strVal val="visible"/>
+                                      </p:to>
+                                    </p:set>
+                                  </p:childTnLst>
+                                </p:cTn>
+                              </p:par>
+                            </p:childTnLst>
+                          </p:cTn>
+                        </p:par>
+                      </p:childTnLst>
+                    </p:cTn>
+                  </p:par>
+                </p:childTnLst>
+              </p:cTn>
+              <p:prevCondLst>
+                <p:cond evt="onPrev" delay="0">
+                  <p:tgtEl>
+                    <p:sldTgt/>
+                  </p:tgtEl>
+                </p:cond>
+              </p:prevCondLst>
+              <p:nextCondLst>
+                <p:cond evt="onNext" delay="0">
+                  <p:tgtEl>
+                    <p:sldTgt/>
+                  </p:tgtEl>
+                </p:cond>
+              </p:nextCondLst>
+            </p:seq>
+          </p:childTnLst>
+        </p:cTn>
+      </p:par>
+    </p:tnLst>
+  </p:timing>
+</p:sld>
+</file>
+
+<file path=ppt/slides/slide8.xml><?xml version="1.0" encoding="utf-8"?>
+<p:sld xmlns:a="http://schemas.openxmlformats.org/drawingml/2006/main" xmlns:r="http://schemas.openxmlformats.org/officeDocument/2006/relationships" xmlns:p="http://schemas.openxmlformats.org/presentationml/2006/main">
+  <p:cSld>
+    <p:spTree>
+      <p:nvGrpSpPr>
+        <p:cNvPr id="1" name=""/>
+        <p:cNvGrpSpPr/>
+        <p:nvPr/>
+      </p:nvGrpSpPr>
+      <p:grpSpPr>
+        <a:xfrm>
+          <a:off x="0" y="0"/>
+          <a:ext cx="0" cy="0"/>
+          <a:chOff x="0" y="0"/>
+          <a:chExt cx="0" cy="0"/>
+        </a:xfrm>
+      </p:grpSpPr>
+      <p:sp>
+        <p:nvSpPr>
+          <p:cNvPr id="3" name="Title 2"/>
+          <p:cNvSpPr>
+            <a:spLocks noGrp="1"/>
+          </p:cNvSpPr>
+          <p:nvPr>
+            <p:ph type="title"/>
+          </p:nvPr>
+        </p:nvSpPr>
+        <p:spPr/>
+        <p:txBody>
+          <a:bodyPr/>
+          <a:lstStyle/>
+          <a:p>
+            <a:r>
+              <a:rPr lang="en-US" dirty="0"/>
+              <a:t>Other Metrics You’ve Used?</a:t>
+            </a:r>
+          </a:p>
+        </p:txBody>
+      </p:sp>
+    </p:spTree>
+    <p:extLst>
+      <p:ext uri="{BB962C8B-B14F-4D97-AF65-F5344CB8AC3E}">
+        <p14:creationId xmlns:p14="http://schemas.microsoft.com/office/powerpoint/2010/main" val="2676850367"/>
+      </p:ext>
+    </p:extLst>
+  </p:cSld>
+  <p:clrMapOvr>
+    <a:masterClrMapping/>
+  </p:clrMapOvr>
+</p:sld>
+</file>
+
 <file path=ppt/slides/slide9.xml><?xml version="1.0" encoding="utf-8"?>
 <p:sld xmlns:a="http://schemas.openxmlformats.org/drawingml/2006/main" xmlns:r="http://schemas.openxmlformats.org/officeDocument/2006/relationships" xmlns:p="http://schemas.openxmlformats.org/presentationml/2006/main">
   <p:cSld>
@@ -25018,13 +30422,7 @@
       </p:grpSpPr>
       <p:sp>
         <p:nvSpPr>
-          <p:cNvPr id="2" name="Title 1">
-            <a:extLst>
-              <a:ext uri="{FF2B5EF4-FFF2-40B4-BE49-F238E27FC236}">
-                <a16:creationId xmlns:a16="http://schemas.microsoft.com/office/drawing/2014/main" id="{8255F760-7AED-6C4E-8EBB-B33C61A34D64}"/>
-              </a:ext>
-            </a:extLst>
-          </p:cNvPr>
+          <p:cNvPr id="3" name="Title 2"/>
           <p:cNvSpPr>
             <a:spLocks noGrp="1"/>
           </p:cNvSpPr>
@@ -25039,20 +30437,14 @@
           <a:p>
             <a:r>
               <a:rPr lang="en-US" dirty="0"/>
-              <a:t>What should the model we select generalize to?</a:t>
+              <a:t>Other Metrics You’ve Used?</a:t>
             </a:r>
           </a:p>
         </p:txBody>
       </p:sp>
       <p:sp>
         <p:nvSpPr>
-          <p:cNvPr id="3" name="Text Placeholder 2">
-            <a:extLst>
-              <a:ext uri="{FF2B5EF4-FFF2-40B4-BE49-F238E27FC236}">
-                <a16:creationId xmlns:a16="http://schemas.microsoft.com/office/drawing/2014/main" id="{6526060D-EB73-4740-88AA-06B0DF950ED9}"/>
-              </a:ext>
-            </a:extLst>
-          </p:cNvPr>
+          <p:cNvPr id="2" name="Content Placeholder 1"/>
           <p:cNvSpPr>
             <a:spLocks noGrp="1"/>
           </p:cNvSpPr>
@@ -25065,14 +30457,73 @@
           <a:bodyPr/>
           <a:lstStyle/>
           <a:p>
-            <a:endParaRPr lang="en-US"/>
+            <a:r>
+              <a:rPr lang="en-US" dirty="0"/>
+              <a:t>Area Under the ROC Curve</a:t>
+            </a:r>
+            <a:br>
+              <a:rPr lang="en-US" dirty="0"/>
+            </a:br>
+            <a:endParaRPr lang="en-US" dirty="0"/>
+          </a:p>
+          <a:p>
+            <a:r>
+              <a:rPr lang="en-US" dirty="0"/>
+              <a:t>F1 Score</a:t>
+            </a:r>
+            <a:br>
+              <a:rPr lang="en-US" dirty="0"/>
+            </a:br>
+            <a:endParaRPr lang="en-US" dirty="0"/>
+          </a:p>
+          <a:p>
+            <a:r>
+              <a:rPr lang="en-US" dirty="0"/>
+              <a:t>Accuracy</a:t>
+            </a:r>
+          </a:p>
+          <a:p>
+            <a:pPr marL="76200" indent="0">
+              <a:buNone/>
+            </a:pPr>
+            <a:endParaRPr lang="en-US" dirty="0"/>
+          </a:p>
+          <a:p>
+            <a:pPr marL="76200" indent="0">
+              <a:buNone/>
+            </a:pPr>
+            <a:endParaRPr lang="en-US" dirty="0"/>
+          </a:p>
+          <a:p>
+            <a:pPr marL="76200" indent="0">
+              <a:buNone/>
+            </a:pPr>
+            <a:r>
+              <a:rPr lang="en-US" dirty="0"/>
+              <a:t>When would you use each of these?</a:t>
+            </a:r>
+          </a:p>
+          <a:p>
+            <a:pPr marL="76200" indent="0">
+              <a:buNone/>
+            </a:pPr>
+            <a:endParaRPr lang="en-US" dirty="0"/>
+          </a:p>
+          <a:p>
+            <a:pPr marL="76200" indent="0">
+              <a:buNone/>
+            </a:pPr>
+            <a:r>
+              <a:rPr lang="en-US" dirty="0"/>
+              <a:t>How would you explain what they mean to a policy maker?</a:t>
+            </a:r>
           </a:p>
         </p:txBody>
       </p:sp>
     </p:spTree>
     <p:extLst>
       <p:ext uri="{BB962C8B-B14F-4D97-AF65-F5344CB8AC3E}">
-        <p14:creationId xmlns:p14="http://schemas.microsoft.com/office/powerpoint/2010/main" val="302538717"/>
+        <p14:creationId xmlns:p14="http://schemas.microsoft.com/office/powerpoint/2010/main" val="3145385964"/>
       </p:ext>
     </p:extLst>
   </p:cSld>

--- a/06 - Performance and Evaluation Pt 2/Model Selection and Validation - Part II.pptx
+++ b/06 - Performance and Evaluation Pt 2/Model Selection and Validation - Part II.pptx
@@ -6,48 +6,49 @@
     <p:sldMasterId id="2147483660" r:id="rId2"/>
   </p:sldMasterIdLst>
   <p:notesMasterIdLst>
-    <p:notesMasterId r:id="rId42"/>
+    <p:notesMasterId r:id="rId43"/>
   </p:notesMasterIdLst>
   <p:sldIdLst>
     <p:sldId id="256" r:id="rId3"/>
     <p:sldId id="471" r:id="rId4"/>
-    <p:sldId id="318" r:id="rId5"/>
-    <p:sldId id="323" r:id="rId6"/>
-    <p:sldId id="287" r:id="rId7"/>
-    <p:sldId id="468" r:id="rId8"/>
-    <p:sldId id="428" r:id="rId9"/>
-    <p:sldId id="430" r:id="rId10"/>
-    <p:sldId id="494" r:id="rId11"/>
-    <p:sldId id="486" r:id="rId12"/>
-    <p:sldId id="473" r:id="rId13"/>
-    <p:sldId id="288" r:id="rId14"/>
-    <p:sldId id="474" r:id="rId15"/>
-    <p:sldId id="297" r:id="rId16"/>
-    <p:sldId id="479" r:id="rId17"/>
-    <p:sldId id="480" r:id="rId18"/>
-    <p:sldId id="481" r:id="rId19"/>
-    <p:sldId id="482" r:id="rId20"/>
-    <p:sldId id="495" r:id="rId21"/>
-    <p:sldId id="499" r:id="rId22"/>
-    <p:sldId id="496" r:id="rId23"/>
-    <p:sldId id="497" r:id="rId24"/>
-    <p:sldId id="498" r:id="rId25"/>
-    <p:sldId id="289" r:id="rId26"/>
-    <p:sldId id="290" r:id="rId27"/>
-    <p:sldId id="291" r:id="rId28"/>
-    <p:sldId id="292" r:id="rId29"/>
-    <p:sldId id="293" r:id="rId30"/>
-    <p:sldId id="469" r:id="rId31"/>
-    <p:sldId id="470" r:id="rId32"/>
-    <p:sldId id="296" r:id="rId33"/>
-    <p:sldId id="454" r:id="rId34"/>
-    <p:sldId id="484" r:id="rId35"/>
-    <p:sldId id="488" r:id="rId36"/>
-    <p:sldId id="489" r:id="rId37"/>
-    <p:sldId id="490" r:id="rId38"/>
-    <p:sldId id="491" r:id="rId39"/>
-    <p:sldId id="492" r:id="rId40"/>
-    <p:sldId id="493" r:id="rId41"/>
+    <p:sldId id="500" r:id="rId5"/>
+    <p:sldId id="318" r:id="rId6"/>
+    <p:sldId id="323" r:id="rId7"/>
+    <p:sldId id="287" r:id="rId8"/>
+    <p:sldId id="468" r:id="rId9"/>
+    <p:sldId id="428" r:id="rId10"/>
+    <p:sldId id="430" r:id="rId11"/>
+    <p:sldId id="494" r:id="rId12"/>
+    <p:sldId id="486" r:id="rId13"/>
+    <p:sldId id="473" r:id="rId14"/>
+    <p:sldId id="288" r:id="rId15"/>
+    <p:sldId id="474" r:id="rId16"/>
+    <p:sldId id="297" r:id="rId17"/>
+    <p:sldId id="479" r:id="rId18"/>
+    <p:sldId id="480" r:id="rId19"/>
+    <p:sldId id="481" r:id="rId20"/>
+    <p:sldId id="482" r:id="rId21"/>
+    <p:sldId id="495" r:id="rId22"/>
+    <p:sldId id="499" r:id="rId23"/>
+    <p:sldId id="496" r:id="rId24"/>
+    <p:sldId id="497" r:id="rId25"/>
+    <p:sldId id="498" r:id="rId26"/>
+    <p:sldId id="289" r:id="rId27"/>
+    <p:sldId id="290" r:id="rId28"/>
+    <p:sldId id="291" r:id="rId29"/>
+    <p:sldId id="292" r:id="rId30"/>
+    <p:sldId id="293" r:id="rId31"/>
+    <p:sldId id="469" r:id="rId32"/>
+    <p:sldId id="470" r:id="rId33"/>
+    <p:sldId id="296" r:id="rId34"/>
+    <p:sldId id="454" r:id="rId35"/>
+    <p:sldId id="484" r:id="rId36"/>
+    <p:sldId id="488" r:id="rId37"/>
+    <p:sldId id="489" r:id="rId38"/>
+    <p:sldId id="490" r:id="rId39"/>
+    <p:sldId id="491" r:id="rId40"/>
+    <p:sldId id="492" r:id="rId41"/>
+    <p:sldId id="501" r:id="rId42"/>
   </p:sldIdLst>
   <p:sldSz cx="12192000" cy="6858000"/>
   <p:notesSz cx="6858000" cy="9144000"/>
@@ -285,7 +286,7 @@
       <p15:sldGuideLst xmlns:p15="http://schemas.microsoft.com/office/powerpoint/2012/main"/>
     </p:ext>
     <p:ext uri="http://customooxmlschemas.google.com/">
-      <go:slidesCustomData xmlns="" xmlns:mc="http://schemas.openxmlformats.org/markup-compatibility/2006" xmlns:mv="urn:schemas-microsoft-com:mac:vml" xmlns:c="http://schemas.openxmlformats.org/drawingml/2006/chart" xmlns:dgm="http://schemas.openxmlformats.org/drawingml/2006/diagram" xmlns:o="urn:schemas-microsoft-com:office:office" xmlns:v="urn:schemas-microsoft-com:vml" xmlns:pvml="urn:schemas-microsoft-com:office:powerpoint" xmlns:com="http://schemas.openxmlformats.org/drawingml/2006/compatibility" xmlns:p14="http://schemas.microsoft.com/office/powerpoint/2010/main" xmlns:p15="http://schemas.microsoft.com/office/powerpoint/2012/main" xmlns:go="http://customooxmlschemas.google.com/" r:id="rId43" roundtripDataSignature="AMtx7mjFyVUGRZWio+dc9dxzYsimUxNJbg=="/>
+      <go:slidesCustomData xmlns:go="http://customooxmlschemas.google.com/" xmlns:p15="http://schemas.microsoft.com/office/powerpoint/2012/main" xmlns:p14="http://schemas.microsoft.com/office/powerpoint/2010/main" xmlns:com="http://schemas.openxmlformats.org/drawingml/2006/compatibility" xmlns:pvml="urn:schemas-microsoft-com:office:powerpoint" xmlns:v="urn:schemas-microsoft-com:vml" xmlns:o="urn:schemas-microsoft-com:office:office" xmlns:dgm="http://schemas.openxmlformats.org/drawingml/2006/diagram" xmlns:c="http://schemas.openxmlformats.org/drawingml/2006/chart" xmlns:mv="urn:schemas-microsoft-com:mac:vml" xmlns:mc="http://schemas.openxmlformats.org/markup-compatibility/2006" xmlns="" r:id="rId44" roundtripDataSignature="AMtx7mjFyVUGRZWio+dc9dxzYsimUxNJbg=="/>
     </p:ext>
   </p:extLst>
 </p:presentation>
@@ -11798,6 +11799,136 @@
           <a:p>
             <a:r>
               <a:rPr lang="en-US" dirty="0"/>
+              <a:t>Other Metrics You’ve Used?</a:t>
+            </a:r>
+          </a:p>
+        </p:txBody>
+      </p:sp>
+      <p:sp>
+        <p:nvSpPr>
+          <p:cNvPr id="2" name="Content Placeholder 1"/>
+          <p:cNvSpPr>
+            <a:spLocks noGrp="1"/>
+          </p:cNvSpPr>
+          <p:nvPr>
+            <p:ph type="body" idx="1"/>
+          </p:nvPr>
+        </p:nvSpPr>
+        <p:spPr/>
+        <p:txBody>
+          <a:bodyPr/>
+          <a:lstStyle/>
+          <a:p>
+            <a:r>
+              <a:rPr lang="en-US" dirty="0"/>
+              <a:t>Area Under the ROC Curve</a:t>
+            </a:r>
+            <a:br>
+              <a:rPr lang="en-US" dirty="0"/>
+            </a:br>
+            <a:endParaRPr lang="en-US" dirty="0"/>
+          </a:p>
+          <a:p>
+            <a:r>
+              <a:rPr lang="en-US" dirty="0"/>
+              <a:t>F1 Score</a:t>
+            </a:r>
+            <a:br>
+              <a:rPr lang="en-US" dirty="0"/>
+            </a:br>
+            <a:endParaRPr lang="en-US" dirty="0"/>
+          </a:p>
+          <a:p>
+            <a:r>
+              <a:rPr lang="en-US" dirty="0"/>
+              <a:t>Accuracy</a:t>
+            </a:r>
+          </a:p>
+          <a:p>
+            <a:pPr marL="76200" indent="0">
+              <a:buNone/>
+            </a:pPr>
+            <a:endParaRPr lang="en-US" dirty="0"/>
+          </a:p>
+          <a:p>
+            <a:pPr marL="76200" indent="0">
+              <a:buNone/>
+            </a:pPr>
+            <a:endParaRPr lang="en-US" dirty="0"/>
+          </a:p>
+          <a:p>
+            <a:pPr marL="76200" indent="0">
+              <a:buNone/>
+            </a:pPr>
+            <a:r>
+              <a:rPr lang="en-US" dirty="0"/>
+              <a:t>When would you use each of these?</a:t>
+            </a:r>
+          </a:p>
+          <a:p>
+            <a:pPr marL="76200" indent="0">
+              <a:buNone/>
+            </a:pPr>
+            <a:endParaRPr lang="en-US" dirty="0"/>
+          </a:p>
+          <a:p>
+            <a:pPr marL="76200" indent="0">
+              <a:buNone/>
+            </a:pPr>
+            <a:r>
+              <a:rPr lang="en-US" dirty="0"/>
+              <a:t>How would you explain what they mean to a policy maker?</a:t>
+            </a:r>
+          </a:p>
+        </p:txBody>
+      </p:sp>
+    </p:spTree>
+    <p:extLst>
+      <p:ext uri="{BB962C8B-B14F-4D97-AF65-F5344CB8AC3E}">
+        <p14:creationId xmlns:p14="http://schemas.microsoft.com/office/powerpoint/2010/main" val="3145385964"/>
+      </p:ext>
+    </p:extLst>
+  </p:cSld>
+  <p:clrMapOvr>
+    <a:masterClrMapping/>
+  </p:clrMapOvr>
+</p:sld>
+</file>
+
+<file path=ppt/slides/slide11.xml><?xml version="1.0" encoding="utf-8"?>
+<p:sld xmlns:a="http://schemas.openxmlformats.org/drawingml/2006/main" xmlns:r="http://schemas.openxmlformats.org/officeDocument/2006/relationships" xmlns:p="http://schemas.openxmlformats.org/presentationml/2006/main">
+  <p:cSld>
+    <p:spTree>
+      <p:nvGrpSpPr>
+        <p:cNvPr id="1" name=""/>
+        <p:cNvGrpSpPr/>
+        <p:nvPr/>
+      </p:nvGrpSpPr>
+      <p:grpSpPr>
+        <a:xfrm>
+          <a:off x="0" y="0"/>
+          <a:ext cx="0" cy="0"/>
+          <a:chOff x="0" y="0"/>
+          <a:chExt cx="0" cy="0"/>
+        </a:xfrm>
+      </p:grpSpPr>
+      <p:sp>
+        <p:nvSpPr>
+          <p:cNvPr id="3" name="Title 2"/>
+          <p:cNvSpPr>
+            <a:spLocks noGrp="1"/>
+          </p:cNvSpPr>
+          <p:nvPr>
+            <p:ph type="title"/>
+          </p:nvPr>
+        </p:nvSpPr>
+        <p:spPr/>
+        <p:txBody>
+          <a:bodyPr/>
+          <a:lstStyle/>
+          <a:p>
+            <a:r>
+              <a:rPr lang="en-US" dirty="0"/>
               <a:t>Evaluation – triage configuration</a:t>
             </a:r>
           </a:p>
@@ -11846,7 +11977,7 @@
 </p:sld>
 </file>
 
-<file path=ppt/slides/slide11.xml><?xml version="1.0" encoding="utf-8"?>
+<file path=ppt/slides/slide12.xml><?xml version="1.0" encoding="utf-8"?>
 <p:sld xmlns:a="http://schemas.openxmlformats.org/drawingml/2006/main" xmlns:r="http://schemas.openxmlformats.org/officeDocument/2006/relationships" xmlns:p="http://schemas.openxmlformats.org/presentationml/2006/main">
   <p:cSld>
     <p:spTree>
@@ -11929,7 +12060,7 @@
 </p:sld>
 </file>
 
-<file path=ppt/slides/slide12.xml><?xml version="1.0" encoding="utf-8"?>
+<file path=ppt/slides/slide13.xml><?xml version="1.0" encoding="utf-8"?>
 <p:sld xmlns:a="http://schemas.openxmlformats.org/drawingml/2006/main" xmlns:r="http://schemas.openxmlformats.org/officeDocument/2006/relationships" xmlns:p="http://schemas.openxmlformats.org/presentationml/2006/main">
   <p:cSld>
     <p:spTree>
@@ -12026,7 +12157,7 @@
 </p:sld>
 </file>
 
-<file path=ppt/slides/slide13.xml><?xml version="1.0" encoding="utf-8"?>
+<file path=ppt/slides/slide14.xml><?xml version="1.0" encoding="utf-8"?>
 <p:sld xmlns:a="http://schemas.openxmlformats.org/drawingml/2006/main" xmlns:r="http://schemas.openxmlformats.org/officeDocument/2006/relationships" xmlns:p="http://schemas.openxmlformats.org/presentationml/2006/main">
   <p:cSld>
     <p:spTree>
@@ -12109,7 +12240,7 @@
 </p:sld>
 </file>
 
-<file path=ppt/slides/slide14.xml><?xml version="1.0" encoding="utf-8"?>
+<file path=ppt/slides/slide15.xml><?xml version="1.0" encoding="utf-8"?>
 <p:sld xmlns:a="http://schemas.openxmlformats.org/drawingml/2006/main" xmlns:r="http://schemas.openxmlformats.org/officeDocument/2006/relationships" xmlns:p="http://schemas.openxmlformats.org/presentationml/2006/main">
   <p:cSld>
     <p:spTree>
@@ -12226,140 +12357,6 @@
     <p:extLst>
       <p:ext uri="{BB962C8B-B14F-4D97-AF65-F5344CB8AC3E}">
         <p14:creationId xmlns:p14="http://schemas.microsoft.com/office/powerpoint/2010/main" val="4093726934"/>
-      </p:ext>
-    </p:extLst>
-  </p:cSld>
-  <p:clrMapOvr>
-    <a:masterClrMapping/>
-  </p:clrMapOvr>
-</p:sld>
-</file>
-
-<file path=ppt/slides/slide15.xml><?xml version="1.0" encoding="utf-8"?>
-<p:sld xmlns:a="http://schemas.openxmlformats.org/drawingml/2006/main" xmlns:r="http://schemas.openxmlformats.org/officeDocument/2006/relationships" xmlns:p="http://schemas.openxmlformats.org/presentationml/2006/main">
-  <p:cSld>
-    <p:spTree>
-      <p:nvGrpSpPr>
-        <p:cNvPr id="1" name=""/>
-        <p:cNvGrpSpPr/>
-        <p:nvPr/>
-      </p:nvGrpSpPr>
-      <p:grpSpPr>
-        <a:xfrm>
-          <a:off x="0" y="0"/>
-          <a:ext cx="0" cy="0"/>
-          <a:chOff x="0" y="0"/>
-          <a:chExt cx="0" cy="0"/>
-        </a:xfrm>
-      </p:grpSpPr>
-      <p:sp>
-        <p:nvSpPr>
-          <p:cNvPr id="2" name="Title 1">
-            <a:extLst>
-              <a:ext uri="{FF2B5EF4-FFF2-40B4-BE49-F238E27FC236}">
-                <a16:creationId xmlns:a16="http://schemas.microsoft.com/office/drawing/2014/main" id="{D78147EA-4092-034E-8792-847E37175401}"/>
-              </a:ext>
-            </a:extLst>
-          </p:cNvPr>
-          <p:cNvSpPr>
-            <a:spLocks noGrp="1"/>
-          </p:cNvSpPr>
-          <p:nvPr>
-            <p:ph type="title"/>
-          </p:nvPr>
-        </p:nvSpPr>
-        <p:spPr/>
-        <p:txBody>
-          <a:bodyPr/>
-          <a:lstStyle/>
-          <a:p>
-            <a:r>
-              <a:rPr lang="en-US" dirty="0"/>
-              <a:t>Scenarios</a:t>
-            </a:r>
-          </a:p>
-        </p:txBody>
-      </p:sp>
-      <p:sp>
-        <p:nvSpPr>
-          <p:cNvPr id="3" name="Text Placeholder 2">
-            <a:extLst>
-              <a:ext uri="{FF2B5EF4-FFF2-40B4-BE49-F238E27FC236}">
-                <a16:creationId xmlns:a16="http://schemas.microsoft.com/office/drawing/2014/main" id="{3B207A3F-596E-1542-A461-8EE389BA1A43}"/>
-              </a:ext>
-            </a:extLst>
-          </p:cNvPr>
-          <p:cNvSpPr>
-            <a:spLocks noGrp="1"/>
-          </p:cNvSpPr>
-          <p:nvPr>
-            <p:ph type="body" idx="1"/>
-          </p:nvPr>
-        </p:nvSpPr>
-        <p:spPr/>
-        <p:txBody>
-          <a:bodyPr/>
-          <a:lstStyle/>
-          <a:p>
-            <a:pPr marL="76200" indent="0">
-              <a:buNone/>
-            </a:pPr>
-            <a:r>
-              <a:rPr lang="en-US" dirty="0"/>
-              <a:t>1: We want to track news coverage of epidemic related topics. We have tagged a small corpus (n=1000) of news articles from Jan 2019 to September 2020 and now have a stream of new incoming articles every day. We want to deploy a system that tells us something about intensity of coverage by media outlet going forward.</a:t>
-            </a:r>
-          </a:p>
-          <a:p>
-            <a:pPr marL="76200" indent="0">
-              <a:buNone/>
-            </a:pPr>
-            <a:endParaRPr lang="en-US" dirty="0"/>
-          </a:p>
-          <a:p>
-            <a:pPr marL="76200" indent="0">
-              <a:buNone/>
-            </a:pPr>
-            <a:r>
-              <a:rPr lang="en-US" dirty="0"/>
-              <a:t>What should our model generalize to?</a:t>
-            </a:r>
-          </a:p>
-          <a:p>
-            <a:pPr marL="76200" indent="0">
-              <a:buNone/>
-            </a:pPr>
-            <a:endParaRPr lang="en-US" dirty="0"/>
-          </a:p>
-          <a:p>
-            <a:pPr marL="76200" indent="0">
-              <a:buNone/>
-            </a:pPr>
-            <a:r>
-              <a:rPr lang="en-US" dirty="0"/>
-              <a:t>What is a training set?</a:t>
-            </a:r>
-          </a:p>
-          <a:p>
-            <a:pPr marL="76200" indent="0">
-              <a:buNone/>
-            </a:pPr>
-            <a:endParaRPr lang="en-US" dirty="0"/>
-          </a:p>
-          <a:p>
-            <a:pPr marL="76200" indent="0">
-              <a:buNone/>
-            </a:pPr>
-            <a:r>
-              <a:rPr lang="en-US" dirty="0"/>
-              <a:t>What is the corresponding validation set?</a:t>
-            </a:r>
-          </a:p>
-        </p:txBody>
-      </p:sp>
-    </p:spTree>
-    <p:extLst>
-      <p:ext uri="{BB962C8B-B14F-4D97-AF65-F5344CB8AC3E}">
-        <p14:creationId xmlns:p14="http://schemas.microsoft.com/office/powerpoint/2010/main" val="1096452247"/>
       </p:ext>
     </p:extLst>
   </p:cSld>
@@ -12440,7 +12437,7 @@
             </a:pPr>
             <a:r>
               <a:rPr lang="en-US" dirty="0"/>
-              <a:t>2: We want to track news coverage of epidemic related topics. We have tagged a small corpus (n=1000) of news articles from Jan 2019 to September 2020 and now have a stream of new incoming articles every day. We want to deploy a system that tells us something about intensity of coverage by media outlet over the last 2 years as well as going forward.</a:t>
+              <a:t>1: We want to track news coverage of epidemic related topics. We have tagged a small corpus (n=1000) of news articles from Jan 2019 to September 2020 and now have a stream of new incoming articles every day. We want to deploy a system that tells us something about intensity of coverage by media outlet going forward.</a:t>
             </a:r>
           </a:p>
           <a:p>
@@ -12493,7 +12490,7 @@
     </p:spTree>
     <p:extLst>
       <p:ext uri="{BB962C8B-B14F-4D97-AF65-F5344CB8AC3E}">
-        <p14:creationId xmlns:p14="http://schemas.microsoft.com/office/powerpoint/2010/main" val="1074433782"/>
+        <p14:creationId xmlns:p14="http://schemas.microsoft.com/office/powerpoint/2010/main" val="1096452247"/>
       </p:ext>
     </p:extLst>
   </p:cSld>
@@ -12574,14 +12571,8 @@
             </a:pPr>
             <a:r>
               <a:rPr lang="en-US" dirty="0"/>
-              <a:t>3: We want to predict whether there will be an increase in epidemic related articles in the media during the next week. </a:t>
+              <a:t>2: We want to track news coverage of epidemic related topics. We have tagged a small corpus (n=1000) of news articles from Jan 2019 to September 2020 and now have a stream of new incoming articles every day. We want to deploy a system that tells us something about intensity of coverage by media outlet over the last 2 years as well as going forward.</a:t>
             </a:r>
-          </a:p>
-          <a:p>
-            <a:pPr marL="76200" indent="0">
-              <a:buNone/>
-            </a:pPr>
-            <a:endParaRPr lang="en-US" dirty="0"/>
           </a:p>
           <a:p>
             <a:pPr marL="76200" indent="0">
@@ -12633,7 +12624,7 @@
     </p:spTree>
     <p:extLst>
       <p:ext uri="{BB962C8B-B14F-4D97-AF65-F5344CB8AC3E}">
-        <p14:creationId xmlns:p14="http://schemas.microsoft.com/office/powerpoint/2010/main" val="3999252044"/>
+        <p14:creationId xmlns:p14="http://schemas.microsoft.com/office/powerpoint/2010/main" val="1074433782"/>
       </p:ext>
     </p:extLst>
   </p:cSld>
@@ -12714,7 +12705,7 @@
             </a:pPr>
             <a:r>
               <a:rPr lang="en-US" dirty="0"/>
-              <a:t>4: We want to predict whether there will be an increase in epidemic related articles in the media during the next month. </a:t>
+              <a:t>3: We want to predict whether there will be an increase in epidemic related articles in the media during the next week. </a:t>
             </a:r>
           </a:p>
           <a:p>
@@ -12773,7 +12764,7 @@
     </p:spTree>
     <p:extLst>
       <p:ext uri="{BB962C8B-B14F-4D97-AF65-F5344CB8AC3E}">
-        <p14:creationId xmlns:p14="http://schemas.microsoft.com/office/powerpoint/2010/main" val="1147417782"/>
+        <p14:creationId xmlns:p14="http://schemas.microsoft.com/office/powerpoint/2010/main" val="3999252044"/>
       </p:ext>
     </p:extLst>
   </p:cSld>
@@ -12805,7 +12796,7 @@
           <p:cNvPr id="2" name="Title 1">
             <a:extLst>
               <a:ext uri="{FF2B5EF4-FFF2-40B4-BE49-F238E27FC236}">
-                <a16:creationId xmlns:a16="http://schemas.microsoft.com/office/drawing/2014/main" id="{E3F5A4E3-1083-BD43-B370-9A1F90A39416}"/>
+                <a16:creationId xmlns:a16="http://schemas.microsoft.com/office/drawing/2014/main" id="{D78147EA-4092-034E-8792-847E37175401}"/>
               </a:ext>
             </a:extLst>
           </p:cNvPr>
@@ -12823,7 +12814,7 @@
           <a:p>
             <a:r>
               <a:rPr lang="en-US" dirty="0"/>
-              <a:t>Parameters</a:t>
+              <a:t>Scenarios</a:t>
             </a:r>
           </a:p>
         </p:txBody>
@@ -12833,7 +12824,7 @@
           <p:cNvPr id="3" name="Text Placeholder 2">
             <a:extLst>
               <a:ext uri="{FF2B5EF4-FFF2-40B4-BE49-F238E27FC236}">
-                <a16:creationId xmlns:a16="http://schemas.microsoft.com/office/drawing/2014/main" id="{B761F066-C352-2344-9AFE-A7E0C820CFA0}"/>
+                <a16:creationId xmlns:a16="http://schemas.microsoft.com/office/drawing/2014/main" id="{3B207A3F-596E-1542-A461-8EE389BA1A43}"/>
               </a:ext>
             </a:extLst>
           </p:cNvPr>
@@ -12844,78 +12835,68 @@
             <p:ph type="body" idx="1"/>
           </p:nvPr>
         </p:nvSpPr>
-        <p:spPr>
-          <a:xfrm>
-            <a:off x="0" y="947004"/>
-            <a:ext cx="11360700" cy="4555200"/>
-          </a:xfrm>
-        </p:spPr>
+        <p:spPr/>
         <p:txBody>
           <a:bodyPr/>
           <a:lstStyle/>
           <a:p>
+            <a:pPr marL="76200" indent="0">
+              <a:buNone/>
+            </a:pPr>
             <a:r>
               <a:rPr lang="en-US" dirty="0"/>
-              <a:t>How far back to go when training models? (max training history)</a:t>
+              <a:t>4: We want to predict whether there will be an increase in epidemic related articles in the media during the next month. </a:t>
             </a:r>
           </a:p>
           <a:p>
-            <a:pPr lvl="1"/>
+            <a:pPr marL="76200" indent="0">
+              <a:buNone/>
+            </a:pPr>
+            <a:endParaRPr lang="en-US" dirty="0"/>
+          </a:p>
+          <a:p>
+            <a:pPr marL="76200" indent="0">
+              <a:buNone/>
+            </a:pPr>
+            <a:endParaRPr lang="en-US" dirty="0"/>
+          </a:p>
+          <a:p>
+            <a:pPr marL="76200" indent="0">
+              <a:buNone/>
+            </a:pPr>
             <a:r>
               <a:rPr lang="en-US" dirty="0"/>
-              <a:t> To the beginning of time (expanding training window)?</a:t>
+              <a:t>What should our model generalize to?</a:t>
             </a:r>
           </a:p>
           <a:p>
-            <a:pPr lvl="1"/>
+            <a:pPr marL="76200" indent="0">
+              <a:buNone/>
+            </a:pPr>
+            <a:endParaRPr lang="en-US" dirty="0"/>
+          </a:p>
+          <a:p>
+            <a:pPr marL="76200" indent="0">
+              <a:buNone/>
+            </a:pPr>
             <a:r>
               <a:rPr lang="en-US" dirty="0"/>
-              <a:t>Fixed history (rolling training window)?</a:t>
+              <a:t>What is a training set?</a:t>
             </a:r>
           </a:p>
           <a:p>
-            <a:pPr lvl="1"/>
+            <a:pPr marL="76200" indent="0">
+              <a:buNone/>
+            </a:pPr>
+            <a:endParaRPr lang="en-US" dirty="0"/>
+          </a:p>
+          <a:p>
+            <a:pPr marL="76200" indent="0">
+              <a:buNone/>
+            </a:pPr>
             <a:r>
               <a:rPr lang="en-US" dirty="0"/>
-              <a:t>Something else?</a:t>
-            </a:r>
-          </a:p>
-          <a:p>
-            <a:pPr lvl="1"/>
-            <a:r>
-              <a:rPr lang="en-US" dirty="0"/>
-              <a:t>How far back do you get your features from?</a:t>
-            </a:r>
-            <a:br>
-              <a:rPr lang="en-US" dirty="0"/>
-            </a:br>
-            <a:endParaRPr lang="en-US" dirty="0"/>
-          </a:p>
-          <a:p>
-            <a:r>
-              <a:rPr lang="en-US" dirty="0"/>
-              <a:t>How much to move forward from train-validation pair 1 to train-validation pair 2?</a:t>
-            </a:r>
-          </a:p>
-          <a:p>
-            <a:pPr lvl="1"/>
-            <a:r>
-              <a:rPr lang="en-US" dirty="0"/>
-              <a:t>A day?</a:t>
-            </a:r>
-          </a:p>
-          <a:p>
-            <a:pPr lvl="1"/>
-            <a:r>
-              <a:rPr lang="en-US" dirty="0"/>
-              <a:t>A month? </a:t>
-            </a:r>
-          </a:p>
-          <a:p>
-            <a:pPr lvl="1"/>
-            <a:r>
-              <a:rPr lang="en-US" dirty="0"/>
-              <a:t>Something else?</a:t>
+              <a:t>What is the corresponding validation set?</a:t>
             </a:r>
           </a:p>
         </p:txBody>
@@ -12923,7 +12904,7 @@
     </p:spTree>
     <p:extLst>
       <p:ext uri="{BB962C8B-B14F-4D97-AF65-F5344CB8AC3E}">
-        <p14:creationId xmlns:p14="http://schemas.microsoft.com/office/powerpoint/2010/main" val="2036659178"/>
+        <p14:creationId xmlns:p14="http://schemas.microsoft.com/office/powerpoint/2010/main" val="1147417782"/>
       </p:ext>
     </p:extLst>
   </p:cSld>
@@ -13017,19 +12998,21 @@
           <a:p>
             <a:r>
               <a:rPr lang="en-US" dirty="0"/>
-              <a:t>Temporal Validation “whiteboard” session Thursday</a:t>
+              <a:t>Temporal Validation “whiteboard” session </a:t>
+            </a:r>
+            <a:r>
+              <a:rPr lang="en-US" dirty="0">
+                <a:solidFill>
+                  <a:srgbClr val="C00000"/>
+                </a:solidFill>
+              </a:rPr>
+              <a:t>Thursday</a:t>
             </a:r>
           </a:p>
           <a:p>
             <a:r>
               <a:rPr lang="en-US" dirty="0"/>
-              <a:t>Project Assignment due on Friday – see template slides</a:t>
-            </a:r>
-          </a:p>
-          <a:p>
-            <a:r>
-              <a:rPr lang="en-US" dirty="0"/>
-              <a:t>Self &amp; peer contribution survey due Friday</a:t>
+              <a:t>Project Assignment due on Friday – see template slides and canvas post</a:t>
             </a:r>
           </a:p>
           <a:p>
@@ -13050,6 +13033,32 @@
           <a:p>
             <a:r>
               <a:rPr lang="en-US" dirty="0"/>
+              <a:t>Monday Feedback From</a:t>
+            </a:r>
+          </a:p>
+          <a:p>
+            <a:pPr lvl="1">
+              <a:spcBef>
+                <a:spcPts val="0"/>
+              </a:spcBef>
+            </a:pPr>
+            <a:r>
+              <a:rPr lang="en-US" sz="2400" dirty="0">
+                <a:solidFill>
+                  <a:srgbClr val="C00000"/>
+                </a:solidFill>
+              </a:rPr>
+              <a:t>Question: How is teamwork going so far?</a:t>
+            </a:r>
+            <a:endParaRPr lang="en-US" dirty="0">
+              <a:solidFill>
+                <a:srgbClr val="C00000"/>
+              </a:solidFill>
+            </a:endParaRPr>
+          </a:p>
+          <a:p>
+            <a:r>
+              <a:rPr lang="en-US" dirty="0"/>
               <a:t>Next project assignment due following Monday (Oct 19)</a:t>
             </a:r>
           </a:p>
@@ -13061,7 +13070,7 @@
             </a:pPr>
             <a:r>
               <a:rPr lang="en-US" sz="2400" dirty="0"/>
-              <a:t>Modeling plan and feature list</a:t>
+              <a:t>Modeling plan and training/validation sets</a:t>
             </a:r>
             <a:endParaRPr lang="en-US" dirty="0"/>
           </a:p>
@@ -13087,6 +13096,156 @@
 </file>
 
 <file path=ppt/slides/slide20.xml><?xml version="1.0" encoding="utf-8"?>
+<p:sld xmlns:a="http://schemas.openxmlformats.org/drawingml/2006/main" xmlns:r="http://schemas.openxmlformats.org/officeDocument/2006/relationships" xmlns:p="http://schemas.openxmlformats.org/presentationml/2006/main">
+  <p:cSld>
+    <p:spTree>
+      <p:nvGrpSpPr>
+        <p:cNvPr id="1" name=""/>
+        <p:cNvGrpSpPr/>
+        <p:nvPr/>
+      </p:nvGrpSpPr>
+      <p:grpSpPr>
+        <a:xfrm>
+          <a:off x="0" y="0"/>
+          <a:ext cx="0" cy="0"/>
+          <a:chOff x="0" y="0"/>
+          <a:chExt cx="0" cy="0"/>
+        </a:xfrm>
+      </p:grpSpPr>
+      <p:sp>
+        <p:nvSpPr>
+          <p:cNvPr id="2" name="Title 1">
+            <a:extLst>
+              <a:ext uri="{FF2B5EF4-FFF2-40B4-BE49-F238E27FC236}">
+                <a16:creationId xmlns:a16="http://schemas.microsoft.com/office/drawing/2014/main" id="{E3F5A4E3-1083-BD43-B370-9A1F90A39416}"/>
+              </a:ext>
+            </a:extLst>
+          </p:cNvPr>
+          <p:cNvSpPr>
+            <a:spLocks noGrp="1"/>
+          </p:cNvSpPr>
+          <p:nvPr>
+            <p:ph type="title"/>
+          </p:nvPr>
+        </p:nvSpPr>
+        <p:spPr/>
+        <p:txBody>
+          <a:bodyPr/>
+          <a:lstStyle/>
+          <a:p>
+            <a:r>
+              <a:rPr lang="en-US" dirty="0"/>
+              <a:t>Parameters</a:t>
+            </a:r>
+          </a:p>
+        </p:txBody>
+      </p:sp>
+      <p:sp>
+        <p:nvSpPr>
+          <p:cNvPr id="3" name="Text Placeholder 2">
+            <a:extLst>
+              <a:ext uri="{FF2B5EF4-FFF2-40B4-BE49-F238E27FC236}">
+                <a16:creationId xmlns:a16="http://schemas.microsoft.com/office/drawing/2014/main" id="{B761F066-C352-2344-9AFE-A7E0C820CFA0}"/>
+              </a:ext>
+            </a:extLst>
+          </p:cNvPr>
+          <p:cNvSpPr>
+            <a:spLocks noGrp="1"/>
+          </p:cNvSpPr>
+          <p:nvPr>
+            <p:ph type="body" idx="1"/>
+          </p:nvPr>
+        </p:nvSpPr>
+        <p:spPr>
+          <a:xfrm>
+            <a:off x="0" y="947004"/>
+            <a:ext cx="11360700" cy="4555200"/>
+          </a:xfrm>
+        </p:spPr>
+        <p:txBody>
+          <a:bodyPr/>
+          <a:lstStyle/>
+          <a:p>
+            <a:r>
+              <a:rPr lang="en-US" dirty="0"/>
+              <a:t>How far back to go when training models? (max training history)</a:t>
+            </a:r>
+          </a:p>
+          <a:p>
+            <a:pPr lvl="1"/>
+            <a:r>
+              <a:rPr lang="en-US" dirty="0"/>
+              <a:t> To the beginning of time (expanding training window)?</a:t>
+            </a:r>
+          </a:p>
+          <a:p>
+            <a:pPr lvl="1"/>
+            <a:r>
+              <a:rPr lang="en-US" dirty="0"/>
+              <a:t>Fixed history (rolling training window)?</a:t>
+            </a:r>
+          </a:p>
+          <a:p>
+            <a:pPr lvl="1"/>
+            <a:r>
+              <a:rPr lang="en-US" dirty="0"/>
+              <a:t>Something else?</a:t>
+            </a:r>
+          </a:p>
+          <a:p>
+            <a:pPr lvl="1"/>
+            <a:r>
+              <a:rPr lang="en-US" dirty="0"/>
+              <a:t>How far back do you get your features from?</a:t>
+            </a:r>
+            <a:br>
+              <a:rPr lang="en-US" dirty="0"/>
+            </a:br>
+            <a:endParaRPr lang="en-US" dirty="0"/>
+          </a:p>
+          <a:p>
+            <a:r>
+              <a:rPr lang="en-US" dirty="0"/>
+              <a:t>How much to move forward from train-validation pair 1 to train-validation pair 2?</a:t>
+            </a:r>
+          </a:p>
+          <a:p>
+            <a:pPr lvl="1"/>
+            <a:r>
+              <a:rPr lang="en-US" dirty="0"/>
+              <a:t>A day?</a:t>
+            </a:r>
+          </a:p>
+          <a:p>
+            <a:pPr lvl="1"/>
+            <a:r>
+              <a:rPr lang="en-US" dirty="0"/>
+              <a:t>A month? </a:t>
+            </a:r>
+          </a:p>
+          <a:p>
+            <a:pPr lvl="1"/>
+            <a:r>
+              <a:rPr lang="en-US" dirty="0"/>
+              <a:t>Something else?</a:t>
+            </a:r>
+          </a:p>
+        </p:txBody>
+      </p:sp>
+    </p:spTree>
+    <p:extLst>
+      <p:ext uri="{BB962C8B-B14F-4D97-AF65-F5344CB8AC3E}">
+        <p14:creationId xmlns:p14="http://schemas.microsoft.com/office/powerpoint/2010/main" val="2036659178"/>
+      </p:ext>
+    </p:extLst>
+  </p:cSld>
+  <p:clrMapOvr>
+    <a:masterClrMapping/>
+  </p:clrMapOvr>
+</p:sld>
+</file>
+
+<file path=ppt/slides/slide21.xml><?xml version="1.0" encoding="utf-8"?>
 <p:sld xmlns:a="http://schemas.openxmlformats.org/drawingml/2006/main" xmlns:r="http://schemas.openxmlformats.org/officeDocument/2006/relationships" xmlns:p="http://schemas.openxmlformats.org/presentationml/2006/main">
   <p:cSld>
     <p:spTree>
@@ -13226,7 +13385,7 @@
 </p:sld>
 </file>
 
-<file path=ppt/slides/slide21.xml><?xml version="1.0" encoding="utf-8"?>
+<file path=ppt/slides/slide22.xml><?xml version="1.0" encoding="utf-8"?>
 <p:sld xmlns:a="http://schemas.openxmlformats.org/drawingml/2006/main" xmlns:r="http://schemas.openxmlformats.org/officeDocument/2006/relationships" xmlns:p="http://schemas.openxmlformats.org/presentationml/2006/main">
   <p:cSld>
     <p:spTree>
@@ -13349,7 +13508,7 @@
 </p:sld>
 </file>
 
-<file path=ppt/slides/slide22.xml><?xml version="1.0" encoding="utf-8"?>
+<file path=ppt/slides/slide23.xml><?xml version="1.0" encoding="utf-8"?>
 <p:sld xmlns:a="http://schemas.openxmlformats.org/drawingml/2006/main" xmlns:r="http://schemas.openxmlformats.org/officeDocument/2006/relationships" xmlns:p="http://schemas.openxmlformats.org/presentationml/2006/main">
   <p:cSld>
     <p:spTree>
@@ -13469,7 +13628,7 @@
 </p:sld>
 </file>
 
-<file path=ppt/slides/slide23.xml><?xml version="1.0" encoding="utf-8"?>
+<file path=ppt/slides/slide24.xml><?xml version="1.0" encoding="utf-8"?>
 <p:sld xmlns:a="http://schemas.openxmlformats.org/drawingml/2006/main" xmlns:r="http://schemas.openxmlformats.org/officeDocument/2006/relationships" xmlns:p="http://schemas.openxmlformats.org/presentationml/2006/main">
   <p:cSld>
     <p:spTree>
@@ -17367,7 +17526,7 @@
 </p:sld>
 </file>
 
-<file path=ppt/slides/slide24.xml><?xml version="1.0" encoding="utf-8"?>
+<file path=ppt/slides/slide25.xml><?xml version="1.0" encoding="utf-8"?>
 <p:sld xmlns:a="http://schemas.openxmlformats.org/drawingml/2006/main" xmlns:r="http://schemas.openxmlformats.org/officeDocument/2006/relationships" xmlns:p="http://schemas.openxmlformats.org/presentationml/2006/main">
   <p:cSld>
     <p:spTree>
@@ -17845,7 +18004,7 @@
 </p:sld>
 </file>
 
-<file path=ppt/slides/slide25.xml><?xml version="1.0" encoding="utf-8"?>
+<file path=ppt/slides/slide26.xml><?xml version="1.0" encoding="utf-8"?>
 <p:sld xmlns:a="http://schemas.openxmlformats.org/drawingml/2006/main" xmlns:r="http://schemas.openxmlformats.org/officeDocument/2006/relationships" xmlns:p="http://schemas.openxmlformats.org/presentationml/2006/main">
   <p:cSld>
     <p:spTree>
@@ -20478,7 +20637,7 @@
 </p:sld>
 </file>
 
-<file path=ppt/slides/slide26.xml><?xml version="1.0" encoding="utf-8"?>
+<file path=ppt/slides/slide27.xml><?xml version="1.0" encoding="utf-8"?>
 <p:sld xmlns:a="http://schemas.openxmlformats.org/drawingml/2006/main" xmlns:r="http://schemas.openxmlformats.org/officeDocument/2006/relationships" xmlns:p="http://schemas.openxmlformats.org/presentationml/2006/main">
   <p:cSld>
     <p:spTree>
@@ -21618,7 +21777,7 @@
 </p:sld>
 </file>
 
-<file path=ppt/slides/slide27.xml><?xml version="1.0" encoding="utf-8"?>
+<file path=ppt/slides/slide28.xml><?xml version="1.0" encoding="utf-8"?>
 <p:sld xmlns:a="http://schemas.openxmlformats.org/drawingml/2006/main" xmlns:r="http://schemas.openxmlformats.org/officeDocument/2006/relationships" xmlns:p="http://schemas.openxmlformats.org/presentationml/2006/main">
   <p:cSld>
     <p:spTree>
@@ -22757,7 +22916,7 @@
 </p:sld>
 </file>
 
-<file path=ppt/slides/slide28.xml><?xml version="1.0" encoding="utf-8"?>
+<file path=ppt/slides/slide29.xml><?xml version="1.0" encoding="utf-8"?>
 <p:sld xmlns:a="http://schemas.openxmlformats.org/drawingml/2006/main" xmlns:r="http://schemas.openxmlformats.org/officeDocument/2006/relationships" xmlns:p="http://schemas.openxmlformats.org/presentationml/2006/main">
   <p:cSld>
     <p:spTree>
@@ -23896,7 +24055,170 @@
 </p:sld>
 </file>
 
-<file path=ppt/slides/slide29.xml><?xml version="1.0" encoding="utf-8"?>
+<file path=ppt/slides/slide3.xml><?xml version="1.0" encoding="utf-8"?>
+<p:sld xmlns:a="http://schemas.openxmlformats.org/drawingml/2006/main" xmlns:r="http://schemas.openxmlformats.org/officeDocument/2006/relationships" xmlns:p="http://schemas.openxmlformats.org/presentationml/2006/main">
+  <p:cSld>
+    <p:spTree>
+      <p:nvGrpSpPr>
+        <p:cNvPr id="1" name=""/>
+        <p:cNvGrpSpPr/>
+        <p:nvPr/>
+      </p:nvGrpSpPr>
+      <p:grpSpPr>
+        <a:xfrm>
+          <a:off x="0" y="0"/>
+          <a:ext cx="0" cy="0"/>
+          <a:chOff x="0" y="0"/>
+          <a:chExt cx="0" cy="0"/>
+        </a:xfrm>
+      </p:grpSpPr>
+      <p:sp>
+        <p:nvSpPr>
+          <p:cNvPr id="3" name="Title 2">
+            <a:extLst>
+              <a:ext uri="{FF2B5EF4-FFF2-40B4-BE49-F238E27FC236}">
+                <a16:creationId xmlns:a16="http://schemas.microsoft.com/office/drawing/2014/main" id="{9323871C-7CA8-1448-8FFC-1AE6E1838941}"/>
+              </a:ext>
+            </a:extLst>
+          </p:cNvPr>
+          <p:cNvSpPr>
+            <a:spLocks noGrp="1"/>
+          </p:cNvSpPr>
+          <p:nvPr>
+            <p:ph type="title"/>
+          </p:nvPr>
+        </p:nvSpPr>
+        <p:spPr/>
+        <p:txBody>
+          <a:bodyPr/>
+          <a:lstStyle/>
+          <a:p>
+            <a:r>
+              <a:rPr lang="en-US" dirty="0"/>
+              <a:t>Group Meetings – Wednesdays Going Forward</a:t>
+            </a:r>
+          </a:p>
+        </p:txBody>
+      </p:sp>
+      <p:sp>
+        <p:nvSpPr>
+          <p:cNvPr id="5" name="Text Placeholder 4">
+            <a:extLst>
+              <a:ext uri="{FF2B5EF4-FFF2-40B4-BE49-F238E27FC236}">
+                <a16:creationId xmlns:a16="http://schemas.microsoft.com/office/drawing/2014/main" id="{F4E0A5F0-1D89-954D-91FB-596CD9E690F2}"/>
+              </a:ext>
+            </a:extLst>
+          </p:cNvPr>
+          <p:cNvSpPr>
+            <a:spLocks noGrp="1"/>
+          </p:cNvSpPr>
+          <p:nvPr>
+            <p:ph type="body" idx="1"/>
+          </p:nvPr>
+        </p:nvSpPr>
+        <p:spPr/>
+        <p:txBody>
+          <a:bodyPr/>
+          <a:lstStyle/>
+          <a:p>
+            <a:pPr marL="76200" indent="0">
+              <a:buNone/>
+            </a:pPr>
+            <a:r>
+              <a:rPr lang="en-US" b="1" dirty="0"/>
+              <a:t>With Kit in </a:t>
+            </a:r>
+            <a:r>
+              <a:rPr lang="en-US" b="1" dirty="0">
+                <a:highlight>
+                  <a:srgbClr val="FFFF00"/>
+                </a:highlight>
+              </a:rPr>
+              <a:t>XXXXXX</a:t>
+            </a:r>
+            <a:endParaRPr lang="en-US" dirty="0">
+              <a:highlight>
+                <a:srgbClr val="FFFF00"/>
+              </a:highlight>
+            </a:endParaRPr>
+          </a:p>
+          <a:p>
+            <a:r>
+              <a:rPr lang="en-US" dirty="0"/>
+              <a:t>6:20 – 6:50 EPA Teams</a:t>
+            </a:r>
+          </a:p>
+          <a:p>
+            <a:r>
+              <a:rPr lang="en-US" dirty="0"/>
+              <a:t>6:50 – 7:20 Turnout Teams</a:t>
+            </a:r>
+          </a:p>
+          <a:p>
+            <a:pPr marL="76200" indent="0">
+              <a:buNone/>
+            </a:pPr>
+            <a:endParaRPr lang="en-US" dirty="0"/>
+          </a:p>
+          <a:p>
+            <a:pPr marL="76200" indent="0">
+              <a:buNone/>
+            </a:pPr>
+            <a:r>
+              <a:rPr lang="en-US" b="1" dirty="0"/>
+              <a:t>With </a:t>
+            </a:r>
+            <a:r>
+              <a:rPr lang="en-US" b="1" dirty="0" err="1"/>
+              <a:t>Rayid</a:t>
+            </a:r>
+            <a:r>
+              <a:rPr lang="en-US" b="1" dirty="0"/>
+              <a:t> in </a:t>
+            </a:r>
+            <a:r>
+              <a:rPr lang="en-US" b="1" dirty="0">
+                <a:highlight>
+                  <a:srgbClr val="FFFF00"/>
+                </a:highlight>
+              </a:rPr>
+              <a:t>XXXXXX</a:t>
+            </a:r>
+          </a:p>
+          <a:p>
+            <a:r>
+              <a:rPr lang="en-US" dirty="0"/>
+              <a:t>6:20 – 6:50 Schools Teams</a:t>
+            </a:r>
+          </a:p>
+          <a:p>
+            <a:r>
+              <a:rPr lang="en-US" dirty="0"/>
+              <a:t>6:50 – 7:20 Bills Teams</a:t>
+            </a:r>
+          </a:p>
+          <a:p>
+            <a:pPr marL="76200" indent="0">
+              <a:buNone/>
+            </a:pPr>
+            <a:endParaRPr lang="en-US" dirty="0"/>
+          </a:p>
+        </p:txBody>
+      </p:sp>
+    </p:spTree>
+    <p:extLst>
+      <p:ext uri="{BB962C8B-B14F-4D97-AF65-F5344CB8AC3E}">
+        <p14:creationId xmlns:p14="http://schemas.microsoft.com/office/powerpoint/2010/main" val="2728458804"/>
+      </p:ext>
+    </p:extLst>
+  </p:cSld>
+  <p:clrMapOvr>
+    <a:masterClrMapping/>
+  </p:clrMapOvr>
+</p:sld>
+</file>
+
+<file path=ppt/slides/slide30.xml><?xml version="1.0" encoding="utf-8"?>
 <p:sld xmlns:a="http://schemas.openxmlformats.org/drawingml/2006/main" xmlns:r="http://schemas.openxmlformats.org/officeDocument/2006/relationships" xmlns:p="http://schemas.openxmlformats.org/presentationml/2006/main">
   <p:cSld>
     <p:spTree>
@@ -25035,138 +25357,7 @@
 </p:sld>
 </file>
 
-<file path=ppt/slides/slide3.xml><?xml version="1.0" encoding="utf-8"?>
-<p:sld xmlns:a="http://schemas.openxmlformats.org/drawingml/2006/main" xmlns:r="http://schemas.openxmlformats.org/officeDocument/2006/relationships" xmlns:p="http://schemas.openxmlformats.org/presentationml/2006/main">
-  <p:cSld>
-    <p:spTree>
-      <p:nvGrpSpPr>
-        <p:cNvPr id="1" name=""/>
-        <p:cNvGrpSpPr/>
-        <p:nvPr/>
-      </p:nvGrpSpPr>
-      <p:grpSpPr>
-        <a:xfrm>
-          <a:off x="0" y="0"/>
-          <a:ext cx="0" cy="0"/>
-          <a:chOff x="0" y="0"/>
-          <a:chExt cx="0" cy="0"/>
-        </a:xfrm>
-      </p:grpSpPr>
-      <p:sp>
-        <p:nvSpPr>
-          <p:cNvPr id="2" name="Title 1">
-            <a:extLst>
-              <a:ext uri="{FF2B5EF4-FFF2-40B4-BE49-F238E27FC236}">
-                <a16:creationId xmlns:a16="http://schemas.microsoft.com/office/drawing/2014/main" id="{A073B702-ED77-884E-88F7-92D73313F38D}"/>
-              </a:ext>
-            </a:extLst>
-          </p:cNvPr>
-          <p:cNvSpPr>
-            <a:spLocks noGrp="1"/>
-          </p:cNvSpPr>
-          <p:nvPr>
-            <p:ph type="title"/>
-          </p:nvPr>
-        </p:nvSpPr>
-        <p:spPr/>
-        <p:txBody>
-          <a:bodyPr/>
-          <a:lstStyle/>
-          <a:p>
-            <a:r>
-              <a:rPr lang="en-US" dirty="0"/>
-              <a:t>Plan for the week</a:t>
-            </a:r>
-          </a:p>
-        </p:txBody>
-      </p:sp>
-      <p:sp>
-        <p:nvSpPr>
-          <p:cNvPr id="3" name="Text Placeholder 2">
-            <a:extLst>
-              <a:ext uri="{FF2B5EF4-FFF2-40B4-BE49-F238E27FC236}">
-                <a16:creationId xmlns:a16="http://schemas.microsoft.com/office/drawing/2014/main" id="{7861BAD4-F7FB-1D48-9D37-2273592A75CE}"/>
-              </a:ext>
-            </a:extLst>
-          </p:cNvPr>
-          <p:cNvSpPr>
-            <a:spLocks noGrp="1"/>
-          </p:cNvSpPr>
-          <p:nvPr>
-            <p:ph type="body" idx="1"/>
-          </p:nvPr>
-        </p:nvSpPr>
-        <p:spPr/>
-        <p:txBody>
-          <a:bodyPr/>
-          <a:lstStyle/>
-          <a:p>
-            <a:r>
-              <a:rPr lang="en-US" dirty="0"/>
-              <a:t>What you should be discussing this week within your team</a:t>
-            </a:r>
-          </a:p>
-          <a:p>
-            <a:pPr lvl="1"/>
-            <a:r>
-              <a:rPr lang="en-US" dirty="0"/>
-              <a:t>Finalizing your analytical formulation and baselines to compare against</a:t>
-            </a:r>
-          </a:p>
-          <a:p>
-            <a:pPr lvl="1"/>
-            <a:r>
-              <a:rPr lang="en-US" dirty="0"/>
-              <a:t>Validation strategy &amp; temporal parameters</a:t>
-            </a:r>
-          </a:p>
-          <a:p>
-            <a:pPr lvl="1"/>
-            <a:endParaRPr lang="en-US" dirty="0"/>
-          </a:p>
-          <a:p>
-            <a:r>
-              <a:rPr lang="en-US" dirty="0"/>
-              <a:t>What you should be building this week</a:t>
-            </a:r>
-          </a:p>
-          <a:p>
-            <a:pPr lvl="1"/>
-            <a:r>
-              <a:rPr lang="en-US" dirty="0"/>
-              <a:t>Cohort Query</a:t>
-            </a:r>
-          </a:p>
-          <a:p>
-            <a:pPr lvl="1"/>
-            <a:r>
-              <a:rPr lang="en-US" dirty="0"/>
-              <a:t>Label Query</a:t>
-            </a:r>
-          </a:p>
-          <a:p>
-            <a:pPr lvl="1"/>
-            <a:r>
-              <a:rPr lang="en-US" dirty="0"/>
-              <a:t>Evaluation Metrics</a:t>
-            </a:r>
-          </a:p>
-        </p:txBody>
-      </p:sp>
-    </p:spTree>
-    <p:extLst>
-      <p:ext uri="{BB962C8B-B14F-4D97-AF65-F5344CB8AC3E}">
-        <p14:creationId xmlns:p14="http://schemas.microsoft.com/office/powerpoint/2010/main" val="517800727"/>
-      </p:ext>
-    </p:extLst>
-  </p:cSld>
-  <p:clrMapOvr>
-    <a:masterClrMapping/>
-  </p:clrMapOvr>
-</p:sld>
-</file>
-
-<file path=ppt/slides/slide30.xml><?xml version="1.0" encoding="utf-8"?>
+<file path=ppt/slides/slide31.xml><?xml version="1.0" encoding="utf-8"?>
 <p:sld xmlns:a="http://schemas.openxmlformats.org/drawingml/2006/main" xmlns:r="http://schemas.openxmlformats.org/officeDocument/2006/relationships" xmlns:p="http://schemas.openxmlformats.org/presentationml/2006/main">
   <p:cSld>
     <p:spTree>
@@ -26305,7 +26496,7 @@
 </p:sld>
 </file>
 
-<file path=ppt/slides/slide31.xml><?xml version="1.0" encoding="utf-8"?>
+<file path=ppt/slides/slide32.xml><?xml version="1.0" encoding="utf-8"?>
 <p:sld xmlns:a="http://schemas.openxmlformats.org/drawingml/2006/main" xmlns:r="http://schemas.openxmlformats.org/officeDocument/2006/relationships" xmlns:p="http://schemas.openxmlformats.org/presentationml/2006/main">
   <p:cSld>
     <p:spTree>
@@ -27718,7 +27909,7 @@
 </p:sld>
 </file>
 
-<file path=ppt/slides/slide32.xml><?xml version="1.0" encoding="utf-8"?>
+<file path=ppt/slides/slide33.xml><?xml version="1.0" encoding="utf-8"?>
 <p:sld xmlns:a="http://schemas.openxmlformats.org/drawingml/2006/main" xmlns:r="http://schemas.openxmlformats.org/officeDocument/2006/relationships" xmlns:p="http://schemas.openxmlformats.org/presentationml/2006/main">
   <p:cSld>
     <p:spTree>
@@ -28539,7 +28730,7 @@
 </p:sld>
 </file>
 
-<file path=ppt/slides/slide33.xml><?xml version="1.0" encoding="utf-8"?>
+<file path=ppt/slides/slide34.xml><?xml version="1.0" encoding="utf-8"?>
 <p:sld xmlns:a="http://schemas.openxmlformats.org/drawingml/2006/main" xmlns:r="http://schemas.openxmlformats.org/officeDocument/2006/relationships" xmlns:p="http://schemas.openxmlformats.org/presentationml/2006/main">
   <p:cSld>
     <p:spTree>
@@ -28693,94 +28884,6 @@
     <p:extLst>
       <p:ext uri="{BB962C8B-B14F-4D97-AF65-F5344CB8AC3E}">
         <p14:creationId xmlns:p14="http://schemas.microsoft.com/office/powerpoint/2010/main" val="1298487527"/>
-      </p:ext>
-    </p:extLst>
-  </p:cSld>
-  <p:clrMapOvr>
-    <a:masterClrMapping/>
-  </p:clrMapOvr>
-</p:sld>
-</file>
-
-<file path=ppt/slides/slide34.xml><?xml version="1.0" encoding="utf-8"?>
-<p:sld xmlns:a="http://schemas.openxmlformats.org/drawingml/2006/main" xmlns:r="http://schemas.openxmlformats.org/officeDocument/2006/relationships" xmlns:p="http://schemas.openxmlformats.org/presentationml/2006/main">
-  <p:cSld>
-    <p:spTree>
-      <p:nvGrpSpPr>
-        <p:cNvPr id="1" name=""/>
-        <p:cNvGrpSpPr/>
-        <p:nvPr/>
-      </p:nvGrpSpPr>
-      <p:grpSpPr>
-        <a:xfrm>
-          <a:off x="0" y="0"/>
-          <a:ext cx="0" cy="0"/>
-          <a:chOff x="0" y="0"/>
-          <a:chExt cx="0" cy="0"/>
-        </a:xfrm>
-      </p:grpSpPr>
-      <p:sp>
-        <p:nvSpPr>
-          <p:cNvPr id="3" name="Title 2">
-            <a:extLst>
-              <a:ext uri="{FF2B5EF4-FFF2-40B4-BE49-F238E27FC236}">
-                <a16:creationId xmlns:a16="http://schemas.microsoft.com/office/drawing/2014/main" id="{9323871C-7CA8-1448-8FFC-1AE6E1838941}"/>
-              </a:ext>
-            </a:extLst>
-          </p:cNvPr>
-          <p:cNvSpPr>
-            <a:spLocks noGrp="1"/>
-          </p:cNvSpPr>
-          <p:nvPr>
-            <p:ph type="title"/>
-          </p:nvPr>
-        </p:nvSpPr>
-        <p:spPr/>
-        <p:txBody>
-          <a:bodyPr/>
-          <a:lstStyle/>
-          <a:p>
-            <a:r>
-              <a:rPr lang="en-US" dirty="0"/>
-              <a:t>Some Open Research Questions</a:t>
-            </a:r>
-          </a:p>
-        </p:txBody>
-      </p:sp>
-      <p:pic>
-        <p:nvPicPr>
-          <p:cNvPr id="6" name="Picture 5">
-            <a:extLst>
-              <a:ext uri="{FF2B5EF4-FFF2-40B4-BE49-F238E27FC236}">
-                <a16:creationId xmlns:a16="http://schemas.microsoft.com/office/drawing/2014/main" id="{4B9B5C17-6333-3542-BF92-961541BDC881}"/>
-              </a:ext>
-            </a:extLst>
-          </p:cNvPr>
-          <p:cNvPicPr>
-            <a:picLocks noChangeAspect="1"/>
-          </p:cNvPicPr>
-          <p:nvPr/>
-        </p:nvPicPr>
-        <p:blipFill>
-          <a:blip r:embed="rId2"/>
-          <a:stretch>
-            <a:fillRect/>
-          </a:stretch>
-        </p:blipFill>
-        <p:spPr>
-          <a:xfrm>
-            <a:off x="1169439" y="1257300"/>
-            <a:ext cx="9853121" cy="5023746"/>
-          </a:xfrm>
-          <a:prstGeom prst="rect">
-            <a:avLst/>
-          </a:prstGeom>
-        </p:spPr>
-      </p:pic>
-    </p:spTree>
-    <p:extLst>
-      <p:ext uri="{BB962C8B-B14F-4D97-AF65-F5344CB8AC3E}">
-        <p14:creationId xmlns:p14="http://schemas.microsoft.com/office/powerpoint/2010/main" val="1478637945"/>
       </p:ext>
     </p:extLst>
   </p:cSld>
@@ -28835,102 +28938,40 @@
           </a:p>
         </p:txBody>
       </p:sp>
-      <p:sp>
-        <p:nvSpPr>
-          <p:cNvPr id="4" name="Text Placeholder 3">
+      <p:pic>
+        <p:nvPicPr>
+          <p:cNvPr id="6" name="Picture 5">
             <a:extLst>
               <a:ext uri="{FF2B5EF4-FFF2-40B4-BE49-F238E27FC236}">
-                <a16:creationId xmlns:a16="http://schemas.microsoft.com/office/drawing/2014/main" id="{5E600BA7-FA45-884F-9820-9E5F2CB7AA48}"/>
+                <a16:creationId xmlns:a16="http://schemas.microsoft.com/office/drawing/2014/main" id="{4B9B5C17-6333-3542-BF92-961541BDC881}"/>
               </a:ext>
             </a:extLst>
           </p:cNvPr>
-          <p:cNvSpPr>
-            <a:spLocks noGrp="1"/>
-          </p:cNvSpPr>
-          <p:nvPr>
-            <p:ph type="body" idx="1"/>
-          </p:nvPr>
-        </p:nvSpPr>
-        <p:spPr/>
-        <p:txBody>
-          <a:bodyPr/>
-          <a:lstStyle/>
-          <a:p>
-            <a:r>
-              <a:rPr lang="en-US" dirty="0"/>
-              <a:t>The SVM loss function will find the “best” separating hyperplane overall, but perhaps we could draw a better hyperplane to separate just </a:t>
-            </a:r>
-            <a:r>
-              <a:rPr lang="en-US" i="1" dirty="0"/>
-              <a:t>k</a:t>
-            </a:r>
-            <a:r>
-              <a:rPr lang="en-US" dirty="0"/>
-              <a:t> positive examples?</a:t>
-            </a:r>
-            <a:br>
-              <a:rPr lang="en-US" dirty="0"/>
-            </a:br>
-            <a:endParaRPr lang="en-US" dirty="0"/>
-          </a:p>
-          <a:p>
-            <a:r>
-              <a:rPr lang="en-US" i="1" dirty="0" err="1"/>
-              <a:t>Transductive</a:t>
-            </a:r>
-            <a:r>
-              <a:rPr lang="en-US" dirty="0"/>
-              <a:t> method: needs to be aware of the test set </a:t>
-            </a:r>
-            <a:r>
-              <a:rPr lang="en-US" b="1" dirty="0"/>
-              <a:t>without labels</a:t>
-            </a:r>
-            <a:r>
-              <a:rPr lang="en-US" dirty="0"/>
-              <a:t> to select just </a:t>
-            </a:r>
-            <a:r>
-              <a:rPr lang="en-US" i="1" dirty="0"/>
-              <a:t>k</a:t>
-            </a:r>
-            <a:r>
-              <a:rPr lang="en-US" dirty="0"/>
-              <a:t> test examples.</a:t>
-            </a:r>
-            <a:br>
-              <a:rPr lang="en-US" dirty="0"/>
-            </a:br>
-            <a:endParaRPr lang="en-US" dirty="0"/>
-          </a:p>
-          <a:p>
-            <a:r>
-              <a:rPr lang="en-US" dirty="0"/>
-              <a:t>Modified gradient descent procedure to project gradient direction for L2-regularized SVM loss onto a “feasible solution cone” such that </a:t>
-            </a:r>
-            <a:r>
-              <a:rPr lang="en-US" u="sng" dirty="0"/>
-              <a:t>no more than</a:t>
-            </a:r>
-            <a:r>
-              <a:rPr lang="en-US" dirty="0"/>
-              <a:t> </a:t>
-            </a:r>
-            <a:r>
-              <a:rPr lang="en-US" i="1" dirty="0"/>
-              <a:t>k</a:t>
-            </a:r>
-            <a:r>
-              <a:rPr lang="en-US" dirty="0"/>
-              <a:t> test examples will be predicted positive after the step.</a:t>
-            </a:r>
-          </a:p>
-        </p:txBody>
-      </p:sp>
+          <p:cNvPicPr>
+            <a:picLocks noChangeAspect="1"/>
+          </p:cNvPicPr>
+          <p:nvPr/>
+        </p:nvPicPr>
+        <p:blipFill>
+          <a:blip r:embed="rId2"/>
+          <a:stretch>
+            <a:fillRect/>
+          </a:stretch>
+        </p:blipFill>
+        <p:spPr>
+          <a:xfrm>
+            <a:off x="1169439" y="1257300"/>
+            <a:ext cx="9853121" cy="5023746"/>
+          </a:xfrm>
+          <a:prstGeom prst="rect">
+            <a:avLst/>
+          </a:prstGeom>
+        </p:spPr>
+      </p:pic>
     </p:spTree>
     <p:extLst>
       <p:ext uri="{BB962C8B-B14F-4D97-AF65-F5344CB8AC3E}">
-        <p14:creationId xmlns:p14="http://schemas.microsoft.com/office/powerpoint/2010/main" val="94907443"/>
+        <p14:creationId xmlns:p14="http://schemas.microsoft.com/office/powerpoint/2010/main" val="1478637945"/>
       </p:ext>
     </p:extLst>
   </p:cSld>
@@ -28985,40 +29026,102 @@
           </a:p>
         </p:txBody>
       </p:sp>
-      <p:pic>
-        <p:nvPicPr>
-          <p:cNvPr id="2" name="Picture 1">
+      <p:sp>
+        <p:nvSpPr>
+          <p:cNvPr id="4" name="Text Placeholder 3">
             <a:extLst>
               <a:ext uri="{FF2B5EF4-FFF2-40B4-BE49-F238E27FC236}">
-                <a16:creationId xmlns:a16="http://schemas.microsoft.com/office/drawing/2014/main" id="{23F8960D-806C-F441-9A23-1578C38467D8}"/>
+                <a16:creationId xmlns:a16="http://schemas.microsoft.com/office/drawing/2014/main" id="{5E600BA7-FA45-884F-9820-9E5F2CB7AA48}"/>
               </a:ext>
             </a:extLst>
           </p:cNvPr>
-          <p:cNvPicPr>
-            <a:picLocks noChangeAspect="1"/>
-          </p:cNvPicPr>
-          <p:nvPr/>
-        </p:nvPicPr>
-        <p:blipFill>
-          <a:blip r:embed="rId2"/>
-          <a:stretch>
-            <a:fillRect/>
-          </a:stretch>
-        </p:blipFill>
-        <p:spPr>
-          <a:xfrm>
-            <a:off x="2749550" y="1371600"/>
-            <a:ext cx="6692900" cy="4114800"/>
-          </a:xfrm>
-          <a:prstGeom prst="rect">
-            <a:avLst/>
-          </a:prstGeom>
-        </p:spPr>
-      </p:pic>
+          <p:cNvSpPr>
+            <a:spLocks noGrp="1"/>
+          </p:cNvSpPr>
+          <p:nvPr>
+            <p:ph type="body" idx="1"/>
+          </p:nvPr>
+        </p:nvSpPr>
+        <p:spPr/>
+        <p:txBody>
+          <a:bodyPr/>
+          <a:lstStyle/>
+          <a:p>
+            <a:r>
+              <a:rPr lang="en-US" dirty="0"/>
+              <a:t>The SVM loss function will find the “best” separating hyperplane overall, but perhaps we could draw a better hyperplane to separate just </a:t>
+            </a:r>
+            <a:r>
+              <a:rPr lang="en-US" i="1" dirty="0"/>
+              <a:t>k</a:t>
+            </a:r>
+            <a:r>
+              <a:rPr lang="en-US" dirty="0"/>
+              <a:t> positive examples?</a:t>
+            </a:r>
+            <a:br>
+              <a:rPr lang="en-US" dirty="0"/>
+            </a:br>
+            <a:endParaRPr lang="en-US" dirty="0"/>
+          </a:p>
+          <a:p>
+            <a:r>
+              <a:rPr lang="en-US" i="1" dirty="0" err="1"/>
+              <a:t>Transductive</a:t>
+            </a:r>
+            <a:r>
+              <a:rPr lang="en-US" dirty="0"/>
+              <a:t> method: needs to be aware of the test set </a:t>
+            </a:r>
+            <a:r>
+              <a:rPr lang="en-US" b="1" dirty="0"/>
+              <a:t>without labels</a:t>
+            </a:r>
+            <a:r>
+              <a:rPr lang="en-US" dirty="0"/>
+              <a:t> to select just </a:t>
+            </a:r>
+            <a:r>
+              <a:rPr lang="en-US" i="1" dirty="0"/>
+              <a:t>k</a:t>
+            </a:r>
+            <a:r>
+              <a:rPr lang="en-US" dirty="0"/>
+              <a:t> test examples.</a:t>
+            </a:r>
+            <a:br>
+              <a:rPr lang="en-US" dirty="0"/>
+            </a:br>
+            <a:endParaRPr lang="en-US" dirty="0"/>
+          </a:p>
+          <a:p>
+            <a:r>
+              <a:rPr lang="en-US" dirty="0"/>
+              <a:t>Modified gradient descent procedure to project gradient direction for L2-regularized SVM loss onto a “feasible solution cone” such that </a:t>
+            </a:r>
+            <a:r>
+              <a:rPr lang="en-US" u="sng" dirty="0"/>
+              <a:t>no more than</a:t>
+            </a:r>
+            <a:r>
+              <a:rPr lang="en-US" dirty="0"/>
+              <a:t> </a:t>
+            </a:r>
+            <a:r>
+              <a:rPr lang="en-US" i="1" dirty="0"/>
+              <a:t>k</a:t>
+            </a:r>
+            <a:r>
+              <a:rPr lang="en-US" dirty="0"/>
+              <a:t> test examples will be predicted positive after the step.</a:t>
+            </a:r>
+          </a:p>
+        </p:txBody>
+      </p:sp>
     </p:spTree>
     <p:extLst>
       <p:ext uri="{BB962C8B-B14F-4D97-AF65-F5344CB8AC3E}">
-        <p14:creationId xmlns:p14="http://schemas.microsoft.com/office/powerpoint/2010/main" val="1715242992"/>
+        <p14:creationId xmlns:p14="http://schemas.microsoft.com/office/powerpoint/2010/main" val="94907443"/>
       </p:ext>
     </p:extLst>
   </p:cSld>
@@ -29073,110 +29176,40 @@
           </a:p>
         </p:txBody>
       </p:sp>
-      <p:sp>
-        <p:nvSpPr>
-          <p:cNvPr id="4" name="Text Placeholder 3">
+      <p:pic>
+        <p:nvPicPr>
+          <p:cNvPr id="2" name="Picture 1">
             <a:extLst>
               <a:ext uri="{FF2B5EF4-FFF2-40B4-BE49-F238E27FC236}">
-                <a16:creationId xmlns:a16="http://schemas.microsoft.com/office/drawing/2014/main" id="{5E600BA7-FA45-884F-9820-9E5F2CB7AA48}"/>
+                <a16:creationId xmlns:a16="http://schemas.microsoft.com/office/drawing/2014/main" id="{23F8960D-806C-F441-9A23-1578C38467D8}"/>
               </a:ext>
             </a:extLst>
           </p:cNvPr>
-          <p:cNvSpPr>
-            <a:spLocks noGrp="1"/>
-          </p:cNvSpPr>
-          <p:nvPr>
-            <p:ph type="body" idx="1"/>
-          </p:nvPr>
-        </p:nvSpPr>
+          <p:cNvPicPr>
+            <a:picLocks noChangeAspect="1"/>
+          </p:cNvPicPr>
+          <p:nvPr/>
+        </p:nvPicPr>
+        <p:blipFill>
+          <a:blip r:embed="rId2"/>
+          <a:stretch>
+            <a:fillRect/>
+          </a:stretch>
+        </p:blipFill>
         <p:spPr>
           <a:xfrm>
-            <a:off x="415600" y="1219133"/>
-            <a:ext cx="11360700" cy="5234804"/>
+            <a:off x="2749550" y="1371600"/>
+            <a:ext cx="6692900" cy="4114800"/>
           </a:xfrm>
+          <a:prstGeom prst="rect">
+            <a:avLst/>
+          </a:prstGeom>
         </p:spPr>
-        <p:txBody>
-          <a:bodyPr/>
-          <a:lstStyle/>
-          <a:p>
-            <a:pPr marL="76200" indent="0">
-              <a:buNone/>
-            </a:pPr>
-            <a:r>
-              <a:rPr lang="en-US" dirty="0"/>
-              <a:t>Paper shows improvements on synthetic examples and some “standard” datasets, but still more to investigate:</a:t>
-            </a:r>
-            <a:br>
-              <a:rPr lang="en-US" dirty="0"/>
-            </a:br>
-            <a:endParaRPr lang="en-US" dirty="0"/>
-          </a:p>
-          <a:p>
-            <a:r>
-              <a:rPr lang="en-US" dirty="0"/>
-              <a:t>Can be slow to converge on larger datasets</a:t>
-            </a:r>
-            <a:br>
-              <a:rPr lang="en-US" dirty="0"/>
-            </a:br>
-            <a:endParaRPr lang="en-US" dirty="0"/>
-          </a:p>
-          <a:p>
-            <a:r>
-              <a:rPr lang="en-US" dirty="0"/>
-              <a:t>“At most” </a:t>
-            </a:r>
-            <a:r>
-              <a:rPr lang="en-US" i="1" dirty="0"/>
-              <a:t>k</a:t>
-            </a:r>
-            <a:r>
-              <a:rPr lang="en-US" dirty="0"/>
-              <a:t> examples can yield many fewer than the desired </a:t>
-            </a:r>
-            <a:r>
-              <a:rPr lang="en-US" i="1" dirty="0"/>
-              <a:t>k</a:t>
-            </a:r>
-            <a:r>
-              <a:rPr lang="en-US" dirty="0"/>
-              <a:t>, particularly for rare events (why doesn’t the algorithm target </a:t>
-            </a:r>
-            <a:r>
-              <a:rPr lang="en-US" i="1" dirty="0"/>
-              <a:t>exactly k</a:t>
-            </a:r>
-            <a:r>
-              <a:rPr lang="en-US" dirty="0"/>
-              <a:t>?)</a:t>
-            </a:r>
-            <a:br>
-              <a:rPr lang="en-US" dirty="0"/>
-            </a:br>
-            <a:endParaRPr lang="en-US" dirty="0"/>
-          </a:p>
-          <a:p>
-            <a:r>
-              <a:rPr lang="en-US" dirty="0"/>
-              <a:t> Although creating a “top k” boundary, still penalizes false positives and false negatives equally during optimization</a:t>
-            </a:r>
-            <a:br>
-              <a:rPr lang="en-US" dirty="0"/>
-            </a:br>
-            <a:endParaRPr lang="en-US" dirty="0"/>
-          </a:p>
-          <a:p>
-            <a:r>
-              <a:rPr lang="en-US" dirty="0"/>
-              <a:t>Can we do better at the top, even if we don’t have access to the test list?</a:t>
-            </a:r>
-          </a:p>
-        </p:txBody>
-      </p:sp>
+      </p:pic>
     </p:spTree>
     <p:extLst>
       <p:ext uri="{BB962C8B-B14F-4D97-AF65-F5344CB8AC3E}">
-        <p14:creationId xmlns:p14="http://schemas.microsoft.com/office/powerpoint/2010/main" val="4118118316"/>
+        <p14:creationId xmlns:p14="http://schemas.microsoft.com/office/powerpoint/2010/main" val="1715242992"/>
       </p:ext>
     </p:extLst>
   </p:cSld>
@@ -29226,7 +29259,7 @@
           <a:p>
             <a:r>
               <a:rPr lang="en-US" dirty="0"/>
-              <a:t>Discussion Question</a:t>
+              <a:t>Some Open Research Questions</a:t>
             </a:r>
           </a:p>
         </p:txBody>
@@ -29247,17 +29280,86 @@
             <p:ph type="body" idx="1"/>
           </p:nvPr>
         </p:nvSpPr>
-        <p:spPr/>
+        <p:spPr>
+          <a:xfrm>
+            <a:off x="415600" y="1219133"/>
+            <a:ext cx="11360700" cy="5234804"/>
+          </a:xfrm>
+        </p:spPr>
         <p:txBody>
           <a:bodyPr/>
           <a:lstStyle/>
           <a:p>
-            <a:pPr marL="76200" indent="0" algn="ctr">
+            <a:pPr marL="76200" indent="0">
               <a:buNone/>
             </a:pPr>
             <a:r>
-              <a:rPr lang="en-US" sz="3600" dirty="0"/>
-              <a:t>What would be some potential strategies for integrating considerations around fairness in the process of model evaluation and selection?</a:t>
+              <a:rPr lang="en-US" dirty="0"/>
+              <a:t>Paper shows improvements on synthetic examples and some “standard” datasets, but still more to investigate:</a:t>
+            </a:r>
+            <a:br>
+              <a:rPr lang="en-US" dirty="0"/>
+            </a:br>
+            <a:endParaRPr lang="en-US" dirty="0"/>
+          </a:p>
+          <a:p>
+            <a:r>
+              <a:rPr lang="en-US" dirty="0"/>
+              <a:t>Can be slow to converge on larger datasets</a:t>
+            </a:r>
+            <a:br>
+              <a:rPr lang="en-US" dirty="0"/>
+            </a:br>
+            <a:endParaRPr lang="en-US" dirty="0"/>
+          </a:p>
+          <a:p>
+            <a:r>
+              <a:rPr lang="en-US" dirty="0"/>
+              <a:t>“At most” </a:t>
+            </a:r>
+            <a:r>
+              <a:rPr lang="en-US" i="1" dirty="0"/>
+              <a:t>k</a:t>
+            </a:r>
+            <a:r>
+              <a:rPr lang="en-US" dirty="0"/>
+              <a:t> examples can yield many fewer than the desired </a:t>
+            </a:r>
+            <a:r>
+              <a:rPr lang="en-US" i="1" dirty="0"/>
+              <a:t>k</a:t>
+            </a:r>
+            <a:r>
+              <a:rPr lang="en-US" dirty="0"/>
+              <a:t>, particularly for rare events (why doesn’t the algorithm target </a:t>
+            </a:r>
+            <a:r>
+              <a:rPr lang="en-US" i="1" dirty="0"/>
+              <a:t>exactly k</a:t>
+            </a:r>
+            <a:r>
+              <a:rPr lang="en-US" dirty="0"/>
+              <a:t>?)</a:t>
+            </a:r>
+            <a:br>
+              <a:rPr lang="en-US" dirty="0"/>
+            </a:br>
+            <a:endParaRPr lang="en-US" dirty="0"/>
+          </a:p>
+          <a:p>
+            <a:r>
+              <a:rPr lang="en-US" dirty="0"/>
+              <a:t> Although creating a “top k” boundary, still penalizes false positives and false negatives equally during optimization</a:t>
+            </a:r>
+            <a:br>
+              <a:rPr lang="en-US" dirty="0"/>
+            </a:br>
+            <a:endParaRPr lang="en-US" dirty="0"/>
+          </a:p>
+          <a:p>
+            <a:r>
+              <a:rPr lang="en-US" dirty="0"/>
+              <a:t>Can we do better at the top, even if we don’t have access to the test list?</a:t>
             </a:r>
           </a:p>
         </p:txBody>
@@ -29265,7 +29367,7 @@
     </p:spTree>
     <p:extLst>
       <p:ext uri="{BB962C8B-B14F-4D97-AF65-F5344CB8AC3E}">
-        <p14:creationId xmlns:p14="http://schemas.microsoft.com/office/powerpoint/2010/main" val="1535530279"/>
+        <p14:creationId xmlns:p14="http://schemas.microsoft.com/office/powerpoint/2010/main" val="4118118316"/>
       </p:ext>
     </p:extLst>
   </p:cSld>
@@ -29315,6 +29417,226 @@
           <a:p>
             <a:r>
               <a:rPr lang="en-US" dirty="0"/>
+              <a:t>Discussion Question</a:t>
+            </a:r>
+          </a:p>
+        </p:txBody>
+      </p:sp>
+      <p:sp>
+        <p:nvSpPr>
+          <p:cNvPr id="4" name="Text Placeholder 3">
+            <a:extLst>
+              <a:ext uri="{FF2B5EF4-FFF2-40B4-BE49-F238E27FC236}">
+                <a16:creationId xmlns:a16="http://schemas.microsoft.com/office/drawing/2014/main" id="{5E600BA7-FA45-884F-9820-9E5F2CB7AA48}"/>
+              </a:ext>
+            </a:extLst>
+          </p:cNvPr>
+          <p:cNvSpPr>
+            <a:spLocks noGrp="1"/>
+          </p:cNvSpPr>
+          <p:nvPr>
+            <p:ph type="body" idx="1"/>
+          </p:nvPr>
+        </p:nvSpPr>
+        <p:spPr/>
+        <p:txBody>
+          <a:bodyPr/>
+          <a:lstStyle/>
+          <a:p>
+            <a:pPr marL="76200" indent="0" algn="ctr">
+              <a:buNone/>
+            </a:pPr>
+            <a:r>
+              <a:rPr lang="en-US" sz="3600" dirty="0"/>
+              <a:t>What would be some potential strategies for integrating considerations around fairness in the process of model evaluation and selection?</a:t>
+            </a:r>
+          </a:p>
+        </p:txBody>
+      </p:sp>
+    </p:spTree>
+    <p:extLst>
+      <p:ext uri="{BB962C8B-B14F-4D97-AF65-F5344CB8AC3E}">
+        <p14:creationId xmlns:p14="http://schemas.microsoft.com/office/powerpoint/2010/main" val="1535530279"/>
+      </p:ext>
+    </p:extLst>
+  </p:cSld>
+  <p:clrMapOvr>
+    <a:masterClrMapping/>
+  </p:clrMapOvr>
+</p:sld>
+</file>
+
+<file path=ppt/slides/slide4.xml><?xml version="1.0" encoding="utf-8"?>
+<p:sld xmlns:a="http://schemas.openxmlformats.org/drawingml/2006/main" xmlns:r="http://schemas.openxmlformats.org/officeDocument/2006/relationships" xmlns:p="http://schemas.openxmlformats.org/presentationml/2006/main">
+  <p:cSld>
+    <p:spTree>
+      <p:nvGrpSpPr>
+        <p:cNvPr id="1" name=""/>
+        <p:cNvGrpSpPr/>
+        <p:nvPr/>
+      </p:nvGrpSpPr>
+      <p:grpSpPr>
+        <a:xfrm>
+          <a:off x="0" y="0"/>
+          <a:ext cx="0" cy="0"/>
+          <a:chOff x="0" y="0"/>
+          <a:chExt cx="0" cy="0"/>
+        </a:xfrm>
+      </p:grpSpPr>
+      <p:sp>
+        <p:nvSpPr>
+          <p:cNvPr id="2" name="Title 1">
+            <a:extLst>
+              <a:ext uri="{FF2B5EF4-FFF2-40B4-BE49-F238E27FC236}">
+                <a16:creationId xmlns:a16="http://schemas.microsoft.com/office/drawing/2014/main" id="{A073B702-ED77-884E-88F7-92D73313F38D}"/>
+              </a:ext>
+            </a:extLst>
+          </p:cNvPr>
+          <p:cNvSpPr>
+            <a:spLocks noGrp="1"/>
+          </p:cNvSpPr>
+          <p:nvPr>
+            <p:ph type="title"/>
+          </p:nvPr>
+        </p:nvSpPr>
+        <p:spPr/>
+        <p:txBody>
+          <a:bodyPr/>
+          <a:lstStyle/>
+          <a:p>
+            <a:r>
+              <a:rPr lang="en-US" dirty="0"/>
+              <a:t>Plan for the week</a:t>
+            </a:r>
+          </a:p>
+        </p:txBody>
+      </p:sp>
+      <p:sp>
+        <p:nvSpPr>
+          <p:cNvPr id="3" name="Text Placeholder 2">
+            <a:extLst>
+              <a:ext uri="{FF2B5EF4-FFF2-40B4-BE49-F238E27FC236}">
+                <a16:creationId xmlns:a16="http://schemas.microsoft.com/office/drawing/2014/main" id="{7861BAD4-F7FB-1D48-9D37-2273592A75CE}"/>
+              </a:ext>
+            </a:extLst>
+          </p:cNvPr>
+          <p:cNvSpPr>
+            <a:spLocks noGrp="1"/>
+          </p:cNvSpPr>
+          <p:nvPr>
+            <p:ph type="body" idx="1"/>
+          </p:nvPr>
+        </p:nvSpPr>
+        <p:spPr/>
+        <p:txBody>
+          <a:bodyPr/>
+          <a:lstStyle/>
+          <a:p>
+            <a:r>
+              <a:rPr lang="en-US" dirty="0"/>
+              <a:t>What you should be discussing this week within your team</a:t>
+            </a:r>
+          </a:p>
+          <a:p>
+            <a:pPr lvl="1"/>
+            <a:r>
+              <a:rPr lang="en-US" dirty="0"/>
+              <a:t>Finalizing your analytical formulation and baselines to compare against</a:t>
+            </a:r>
+          </a:p>
+          <a:p>
+            <a:pPr lvl="1"/>
+            <a:r>
+              <a:rPr lang="en-US" dirty="0"/>
+              <a:t>Validation strategy &amp; temporal parameters</a:t>
+            </a:r>
+          </a:p>
+          <a:p>
+            <a:pPr lvl="1"/>
+            <a:endParaRPr lang="en-US" dirty="0"/>
+          </a:p>
+          <a:p>
+            <a:r>
+              <a:rPr lang="en-US" dirty="0"/>
+              <a:t>What you should be building this week</a:t>
+            </a:r>
+          </a:p>
+          <a:p>
+            <a:pPr lvl="1"/>
+            <a:r>
+              <a:rPr lang="en-US" dirty="0"/>
+              <a:t>Cohort Query</a:t>
+            </a:r>
+          </a:p>
+          <a:p>
+            <a:pPr lvl="1"/>
+            <a:r>
+              <a:rPr lang="en-US" dirty="0"/>
+              <a:t>Label Query</a:t>
+            </a:r>
+          </a:p>
+          <a:p>
+            <a:pPr lvl="1"/>
+            <a:r>
+              <a:rPr lang="en-US" dirty="0"/>
+              <a:t>Evaluation Metrics</a:t>
+            </a:r>
+          </a:p>
+        </p:txBody>
+      </p:sp>
+    </p:spTree>
+    <p:extLst>
+      <p:ext uri="{BB962C8B-B14F-4D97-AF65-F5344CB8AC3E}">
+        <p14:creationId xmlns:p14="http://schemas.microsoft.com/office/powerpoint/2010/main" val="517800727"/>
+      </p:ext>
+    </p:extLst>
+  </p:cSld>
+  <p:clrMapOvr>
+    <a:masterClrMapping/>
+  </p:clrMapOvr>
+</p:sld>
+</file>
+
+<file path=ppt/slides/slide40.xml><?xml version="1.0" encoding="utf-8"?>
+<p:sld xmlns:a="http://schemas.openxmlformats.org/drawingml/2006/main" xmlns:r="http://schemas.openxmlformats.org/officeDocument/2006/relationships" xmlns:p="http://schemas.openxmlformats.org/presentationml/2006/main">
+  <p:cSld>
+    <p:spTree>
+      <p:nvGrpSpPr>
+        <p:cNvPr id="1" name=""/>
+        <p:cNvGrpSpPr/>
+        <p:nvPr/>
+      </p:nvGrpSpPr>
+      <p:grpSpPr>
+        <a:xfrm>
+          <a:off x="0" y="0"/>
+          <a:ext cx="0" cy="0"/>
+          <a:chOff x="0" y="0"/>
+          <a:chExt cx="0" cy="0"/>
+        </a:xfrm>
+      </p:grpSpPr>
+      <p:sp>
+        <p:nvSpPr>
+          <p:cNvPr id="3" name="Title 2">
+            <a:extLst>
+              <a:ext uri="{FF2B5EF4-FFF2-40B4-BE49-F238E27FC236}">
+                <a16:creationId xmlns:a16="http://schemas.microsoft.com/office/drawing/2014/main" id="{9323871C-7CA8-1448-8FFC-1AE6E1838941}"/>
+              </a:ext>
+            </a:extLst>
+          </p:cNvPr>
+          <p:cNvSpPr>
+            <a:spLocks noGrp="1"/>
+          </p:cNvSpPr>
+          <p:nvPr>
+            <p:ph type="title"/>
+          </p:nvPr>
+        </p:nvSpPr>
+        <p:spPr/>
+        <p:txBody>
+          <a:bodyPr/>
+          <a:lstStyle/>
+          <a:p>
+            <a:r>
+              <a:rPr lang="en-US" dirty="0"/>
               <a:t>Reminders</a:t>
             </a:r>
           </a:p>
@@ -29359,19 +29681,21 @@
           <a:p>
             <a:r>
               <a:rPr lang="en-US" dirty="0"/>
-              <a:t>Temporal Validation “whiteboard” session Thursday</a:t>
+              <a:t>Temporal Validation “whiteboard” session </a:t>
+            </a:r>
+            <a:r>
+              <a:rPr lang="en-US" dirty="0">
+                <a:solidFill>
+                  <a:srgbClr val="C00000"/>
+                </a:solidFill>
+              </a:rPr>
+              <a:t>Thursday</a:t>
             </a:r>
           </a:p>
           <a:p>
             <a:r>
               <a:rPr lang="en-US" dirty="0"/>
-              <a:t>Project Assignment due on Friday – see template slides</a:t>
-            </a:r>
-          </a:p>
-          <a:p>
-            <a:r>
-              <a:rPr lang="en-US" dirty="0"/>
-              <a:t>Self &amp; peer contribution survey due Friday</a:t>
+              <a:t>Project Assignment due on Friday – see template slides and canvas post</a:t>
             </a:r>
           </a:p>
           <a:p>
@@ -29392,6 +29716,32 @@
           <a:p>
             <a:r>
               <a:rPr lang="en-US" dirty="0"/>
+              <a:t>Monday Feedback From</a:t>
+            </a:r>
+          </a:p>
+          <a:p>
+            <a:pPr lvl="1">
+              <a:spcBef>
+                <a:spcPts val="0"/>
+              </a:spcBef>
+            </a:pPr>
+            <a:r>
+              <a:rPr lang="en-US" sz="2400" dirty="0">
+                <a:solidFill>
+                  <a:srgbClr val="C00000"/>
+                </a:solidFill>
+              </a:rPr>
+              <a:t>Question: How is teamwork going so far?</a:t>
+            </a:r>
+            <a:endParaRPr lang="en-US" dirty="0">
+              <a:solidFill>
+                <a:srgbClr val="C00000"/>
+              </a:solidFill>
+            </a:endParaRPr>
+          </a:p>
+          <a:p>
+            <a:r>
+              <a:rPr lang="en-US" dirty="0"/>
               <a:t>Next project assignment due following Monday (Oct 19)</a:t>
             </a:r>
           </a:p>
@@ -29403,7 +29753,7 @@
             </a:pPr>
             <a:r>
               <a:rPr lang="en-US" sz="2400" dirty="0"/>
-              <a:t>Modeling plan and feature list</a:t>
+              <a:t>Modeling plan and training/validation sets</a:t>
             </a:r>
             <a:endParaRPr lang="en-US" dirty="0"/>
           </a:p>
@@ -29418,7 +29768,7 @@
     </p:spTree>
     <p:extLst>
       <p:ext uri="{BB962C8B-B14F-4D97-AF65-F5344CB8AC3E}">
-        <p14:creationId xmlns:p14="http://schemas.microsoft.com/office/powerpoint/2010/main" val="2105280318"/>
+        <p14:creationId xmlns:p14="http://schemas.microsoft.com/office/powerpoint/2010/main" val="2770981367"/>
       </p:ext>
     </p:extLst>
   </p:cSld>
@@ -29428,7 +29778,7 @@
 </p:sld>
 </file>
 
-<file path=ppt/slides/slide4.xml><?xml version="1.0" encoding="utf-8"?>
+<file path=ppt/slides/slide5.xml><?xml version="1.0" encoding="utf-8"?>
 <p:sld xmlns:a="http://schemas.openxmlformats.org/drawingml/2006/main" xmlns:r="http://schemas.openxmlformats.org/officeDocument/2006/relationships" xmlns:p="http://schemas.openxmlformats.org/presentationml/2006/main">
   <p:cSld>
     <p:spTree>
@@ -29557,7 +29907,7 @@
 </p:sld>
 </file>
 
-<file path=ppt/slides/slide5.xml><?xml version="1.0" encoding="utf-8"?>
+<file path=ppt/slides/slide6.xml><?xml version="1.0" encoding="utf-8"?>
 <p:sld xmlns:a="http://schemas.openxmlformats.org/drawingml/2006/main" xmlns:r="http://schemas.openxmlformats.org/officeDocument/2006/relationships" xmlns:p="http://schemas.openxmlformats.org/presentationml/2006/main">
   <p:cSld>
     <p:spTree>
@@ -29657,7 +30007,7 @@
 </p:sld>
 </file>
 
-<file path=ppt/slides/slide6.xml><?xml version="1.0" encoding="utf-8"?>
+<file path=ppt/slides/slide7.xml><?xml version="1.0" encoding="utf-8"?>
 <p:sld xmlns:a="http://schemas.openxmlformats.org/drawingml/2006/main" xmlns:r="http://schemas.openxmlformats.org/officeDocument/2006/relationships" xmlns:p="http://schemas.openxmlformats.org/presentationml/2006/main">
   <p:cSld>
     <p:spTree>
@@ -29785,7 +30135,7 @@
 </p:sld>
 </file>
 
-<file path=ppt/slides/slide7.xml><?xml version="1.0" encoding="utf-8"?>
+<file path=ppt/slides/slide8.xml><?xml version="1.0" encoding="utf-8"?>
 <p:sld xmlns:a="http://schemas.openxmlformats.org/drawingml/2006/main" xmlns:r="http://schemas.openxmlformats.org/officeDocument/2006/relationships" xmlns:p="http://schemas.openxmlformats.org/presentationml/2006/main">
   <p:cSld>
     <p:spTree>
@@ -30351,58 +30701,6 @@
 </p:sld>
 </file>
 
-<file path=ppt/slides/slide8.xml><?xml version="1.0" encoding="utf-8"?>
-<p:sld xmlns:a="http://schemas.openxmlformats.org/drawingml/2006/main" xmlns:r="http://schemas.openxmlformats.org/officeDocument/2006/relationships" xmlns:p="http://schemas.openxmlformats.org/presentationml/2006/main">
-  <p:cSld>
-    <p:spTree>
-      <p:nvGrpSpPr>
-        <p:cNvPr id="1" name=""/>
-        <p:cNvGrpSpPr/>
-        <p:nvPr/>
-      </p:nvGrpSpPr>
-      <p:grpSpPr>
-        <a:xfrm>
-          <a:off x="0" y="0"/>
-          <a:ext cx="0" cy="0"/>
-          <a:chOff x="0" y="0"/>
-          <a:chExt cx="0" cy="0"/>
-        </a:xfrm>
-      </p:grpSpPr>
-      <p:sp>
-        <p:nvSpPr>
-          <p:cNvPr id="3" name="Title 2"/>
-          <p:cNvSpPr>
-            <a:spLocks noGrp="1"/>
-          </p:cNvSpPr>
-          <p:nvPr>
-            <p:ph type="title"/>
-          </p:nvPr>
-        </p:nvSpPr>
-        <p:spPr/>
-        <p:txBody>
-          <a:bodyPr/>
-          <a:lstStyle/>
-          <a:p>
-            <a:r>
-              <a:rPr lang="en-US" dirty="0"/>
-              <a:t>Other Metrics You’ve Used?</a:t>
-            </a:r>
-          </a:p>
-        </p:txBody>
-      </p:sp>
-    </p:spTree>
-    <p:extLst>
-      <p:ext uri="{BB962C8B-B14F-4D97-AF65-F5344CB8AC3E}">
-        <p14:creationId xmlns:p14="http://schemas.microsoft.com/office/powerpoint/2010/main" val="2676850367"/>
-      </p:ext>
-    </p:extLst>
-  </p:cSld>
-  <p:clrMapOvr>
-    <a:masterClrMapping/>
-  </p:clrMapOvr>
-</p:sld>
-</file>
-
 <file path=ppt/slides/slide9.xml><?xml version="1.0" encoding="utf-8"?>
 <p:sld xmlns:a="http://schemas.openxmlformats.org/drawingml/2006/main" xmlns:r="http://schemas.openxmlformats.org/officeDocument/2006/relationships" xmlns:p="http://schemas.openxmlformats.org/presentationml/2006/main">
   <p:cSld>
@@ -30442,88 +30740,10 @@
           </a:p>
         </p:txBody>
       </p:sp>
-      <p:sp>
-        <p:nvSpPr>
-          <p:cNvPr id="2" name="Content Placeholder 1"/>
-          <p:cNvSpPr>
-            <a:spLocks noGrp="1"/>
-          </p:cNvSpPr>
-          <p:nvPr>
-            <p:ph type="body" idx="1"/>
-          </p:nvPr>
-        </p:nvSpPr>
-        <p:spPr/>
-        <p:txBody>
-          <a:bodyPr/>
-          <a:lstStyle/>
-          <a:p>
-            <a:r>
-              <a:rPr lang="en-US" dirty="0"/>
-              <a:t>Area Under the ROC Curve</a:t>
-            </a:r>
-            <a:br>
-              <a:rPr lang="en-US" dirty="0"/>
-            </a:br>
-            <a:endParaRPr lang="en-US" dirty="0"/>
-          </a:p>
-          <a:p>
-            <a:r>
-              <a:rPr lang="en-US" dirty="0"/>
-              <a:t>F1 Score</a:t>
-            </a:r>
-            <a:br>
-              <a:rPr lang="en-US" dirty="0"/>
-            </a:br>
-            <a:endParaRPr lang="en-US" dirty="0"/>
-          </a:p>
-          <a:p>
-            <a:r>
-              <a:rPr lang="en-US" dirty="0"/>
-              <a:t>Accuracy</a:t>
-            </a:r>
-          </a:p>
-          <a:p>
-            <a:pPr marL="76200" indent="0">
-              <a:buNone/>
-            </a:pPr>
-            <a:endParaRPr lang="en-US" dirty="0"/>
-          </a:p>
-          <a:p>
-            <a:pPr marL="76200" indent="0">
-              <a:buNone/>
-            </a:pPr>
-            <a:endParaRPr lang="en-US" dirty="0"/>
-          </a:p>
-          <a:p>
-            <a:pPr marL="76200" indent="0">
-              <a:buNone/>
-            </a:pPr>
-            <a:r>
-              <a:rPr lang="en-US" dirty="0"/>
-              <a:t>When would you use each of these?</a:t>
-            </a:r>
-          </a:p>
-          <a:p>
-            <a:pPr marL="76200" indent="0">
-              <a:buNone/>
-            </a:pPr>
-            <a:endParaRPr lang="en-US" dirty="0"/>
-          </a:p>
-          <a:p>
-            <a:pPr marL="76200" indent="0">
-              <a:buNone/>
-            </a:pPr>
-            <a:r>
-              <a:rPr lang="en-US" dirty="0"/>
-              <a:t>How would you explain what they mean to a policy maker?</a:t>
-            </a:r>
-          </a:p>
-        </p:txBody>
-      </p:sp>
     </p:spTree>
     <p:extLst>
       <p:ext uri="{BB962C8B-B14F-4D97-AF65-F5344CB8AC3E}">
-        <p14:creationId xmlns:p14="http://schemas.microsoft.com/office/powerpoint/2010/main" val="3145385964"/>
+        <p14:creationId xmlns:p14="http://schemas.microsoft.com/office/powerpoint/2010/main" val="2676850367"/>
       </p:ext>
     </p:extLst>
   </p:cSld>

--- a/06 - Performance and Evaluation Pt 2/Model Selection and Validation - Part II.pptx
+++ b/06 - Performance and Evaluation Pt 2/Model Selection and Validation - Part II.pptx
@@ -286,7 +286,7 @@
       <p15:sldGuideLst xmlns:p15="http://schemas.microsoft.com/office/powerpoint/2012/main"/>
     </p:ext>
     <p:ext uri="http://customooxmlschemas.google.com/">
-      <go:slidesCustomData xmlns:go="http://customooxmlschemas.google.com/" xmlns:p15="http://schemas.microsoft.com/office/powerpoint/2012/main" xmlns:p14="http://schemas.microsoft.com/office/powerpoint/2010/main" xmlns:com="http://schemas.openxmlformats.org/drawingml/2006/compatibility" xmlns:pvml="urn:schemas-microsoft-com:office:powerpoint" xmlns:v="urn:schemas-microsoft-com:vml" xmlns:o="urn:schemas-microsoft-com:office:office" xmlns:dgm="http://schemas.openxmlformats.org/drawingml/2006/diagram" xmlns:c="http://schemas.openxmlformats.org/drawingml/2006/chart" xmlns:mv="urn:schemas-microsoft-com:mac:vml" xmlns:mc="http://schemas.openxmlformats.org/markup-compatibility/2006" xmlns="" r:id="rId44" roundtripDataSignature="AMtx7mjFyVUGRZWio+dc9dxzYsimUxNJbg=="/>
+      <go:slidesCustomData xmlns="" xmlns:mc="http://schemas.openxmlformats.org/markup-compatibility/2006" xmlns:mv="urn:schemas-microsoft-com:mac:vml" xmlns:c="http://schemas.openxmlformats.org/drawingml/2006/chart" xmlns:dgm="http://schemas.openxmlformats.org/drawingml/2006/diagram" xmlns:o="urn:schemas-microsoft-com:office:office" xmlns:v="urn:schemas-microsoft-com:vml" xmlns:pvml="urn:schemas-microsoft-com:office:powerpoint" xmlns:com="http://schemas.openxmlformats.org/drawingml/2006/compatibility" xmlns:p14="http://schemas.microsoft.com/office/powerpoint/2010/main" xmlns:p15="http://schemas.microsoft.com/office/powerpoint/2012/main" xmlns:go="http://customooxmlschemas.google.com/" r:id="rId44" roundtripDataSignature="AMtx7mjFyVUGRZWio+dc9dxzYsimUxNJbg=="/>
     </p:ext>
   </p:extLst>
 </p:presentation>
@@ -7341,7 +7341,7 @@
           <a:p>
             <a:fld id="{7C0312F8-2DE2-6B40-83C5-731724CAE2B0}" type="datetimeFigureOut">
               <a:rPr lang="en-US" smtClean="0"/>
-              <a:t>10/4/21</a:t>
+              <a:t>10/5/21</a:t>
             </a:fld>
             <a:endParaRPr lang="en-US"/>
           </a:p>
@@ -7436,7 +7436,7 @@
           <a:p>
             <a:fld id="{7C0312F8-2DE2-6B40-83C5-731724CAE2B0}" type="datetimeFigureOut">
               <a:rPr lang="en-US" smtClean="0"/>
-              <a:t>10/4/21</a:t>
+              <a:t>10/5/21</a:t>
             </a:fld>
             <a:endParaRPr lang="en-US"/>
           </a:p>
@@ -9428,7 +9428,7 @@
           <a:p>
             <a:fld id="{7C0312F8-2DE2-6B40-83C5-731724CAE2B0}" type="datetimeFigureOut">
               <a:rPr lang="en-US" smtClean="0"/>
-              <a:t>10/4/21</a:t>
+              <a:t>10/5/21</a:t>
             </a:fld>
             <a:endParaRPr lang="en-US"/>
           </a:p>
@@ -9713,7 +9713,7 @@
           <a:p>
             <a:fld id="{7C0312F8-2DE2-6B40-83C5-731724CAE2B0}" type="datetimeFigureOut">
               <a:rPr lang="en-US" smtClean="0"/>
-              <a:t>10/4/21</a:t>
+              <a:t>10/5/21</a:t>
             </a:fld>
             <a:endParaRPr lang="en-US"/>
           </a:p>
@@ -11190,7 +11190,7 @@
           <a:p>
             <a:fld id="{7C0312F8-2DE2-6B40-83C5-731724CAE2B0}" type="datetimeFigureOut">
               <a:rPr lang="en-US" smtClean="0"/>
-              <a:t>10/4/21</a:t>
+              <a:t>10/5/21</a:t>
             </a:fld>
             <a:endParaRPr lang="en-US"/>
           </a:p>
@@ -24126,21 +24126,9 @@
             </a:pPr>
             <a:r>
               <a:rPr lang="en-US" b="1" dirty="0"/>
-              <a:t>With Kit in </a:t>
+              <a:t>With Kit in GHC 8115</a:t>
             </a:r>
-            <a:r>
-              <a:rPr lang="en-US" b="1" dirty="0">
-                <a:highlight>
-                  <a:srgbClr val="FFFF00"/>
-                </a:highlight>
-              </a:rPr>
-              <a:t>XXXXXX</a:t>
-            </a:r>
-            <a:endParaRPr lang="en-US" dirty="0">
-              <a:highlight>
-                <a:srgbClr val="FFFF00"/>
-              </a:highlight>
-            </a:endParaRPr>
+            <a:endParaRPr lang="en-US" dirty="0"/>
           </a:p>
           <a:p>
             <a:r>
@@ -24174,15 +24162,7 @@
             </a:r>
             <a:r>
               <a:rPr lang="en-US" b="1" dirty="0"/>
-              <a:t> in </a:t>
-            </a:r>
-            <a:r>
-              <a:rPr lang="en-US" b="1" dirty="0">
-                <a:highlight>
-                  <a:srgbClr val="FFFF00"/>
-                </a:highlight>
-              </a:rPr>
-              <a:t>XXXXXX</a:t>
+              <a:t> in GHC 8228</a:t>
             </a:r>
           </a:p>
           <a:p>
